--- a/15_Ch73_API_Summary.pptx
+++ b/15_Ch73_API_Summary.pptx
@@ -12,9 +12,9 @@
     <p:sldId id="282" r:id="rId3"/>
     <p:sldId id="283" r:id="rId4"/>
     <p:sldId id="284" r:id="rId5"/>
-    <p:sldId id="285" r:id="rId6"/>
-    <p:sldId id="286" r:id="rId7"/>
-    <p:sldId id="287" r:id="rId8"/>
+    <p:sldId id="286" r:id="rId6"/>
+    <p:sldId id="287" r:id="rId7"/>
+    <p:sldId id="290" r:id="rId8"/>
     <p:sldId id="288" r:id="rId9"/>
     <p:sldId id="289" r:id="rId10"/>
     <p:sldId id="259" r:id="rId11"/>
@@ -218,7 +218,7 @@
             <a:fld id="{6837EDA8-41C8-4B24-A206-13C08A65A6D7}" type="datetimeFigureOut">
               <a:rPr lang="zh-TW" altLang="en-US" smtClean="0"/>
               <a:pPr/>
-              <a:t>2019/1/8</a:t>
+              <a:t>2019/1/9</a:t>
             </a:fld>
             <a:endParaRPr lang="zh-TW" altLang="en-US"/>
           </a:p>
@@ -671,7 +671,7 @@
             <a:fld id="{8B85509C-BD4F-47BF-9B1E-FC2E949B3621}" type="datetime1">
               <a:rPr lang="zh-TW" altLang="en-US" smtClean="0"/>
               <a:pPr/>
-              <a:t>2019/1/8</a:t>
+              <a:t>2019/1/9</a:t>
             </a:fld>
             <a:endParaRPr lang="zh-TW" altLang="en-US"/>
           </a:p>
@@ -844,7 +844,7 @@
             <a:fld id="{42251B24-F787-4C15-8A0F-7AEC20C70069}" type="datetime1">
               <a:rPr lang="zh-TW" altLang="en-US" smtClean="0"/>
               <a:pPr/>
-              <a:t>2019/1/8</a:t>
+              <a:t>2019/1/9</a:t>
             </a:fld>
             <a:endParaRPr lang="zh-TW" altLang="en-US"/>
           </a:p>
@@ -1019,7 +1019,7 @@
             <a:fld id="{9CA0D33C-CE2B-45F1-B8D4-FFD1F131F331}" type="datetime1">
               <a:rPr lang="zh-TW" altLang="en-US" smtClean="0"/>
               <a:pPr/>
-              <a:t>2019/1/8</a:t>
+              <a:t>2019/1/9</a:t>
             </a:fld>
             <a:endParaRPr lang="zh-TW" altLang="en-US"/>
           </a:p>
@@ -1184,7 +1184,7 @@
             <a:fld id="{50B99440-D9EF-40CC-9B52-F6428D9B2C76}" type="datetime1">
               <a:rPr lang="zh-TW" altLang="en-US" smtClean="0"/>
               <a:pPr/>
-              <a:t>2019/1/8</a:t>
+              <a:t>2019/1/9</a:t>
             </a:fld>
             <a:endParaRPr lang="zh-TW" altLang="en-US"/>
           </a:p>
@@ -1426,7 +1426,7 @@
             <a:fld id="{0871BF52-5C6C-4959-8E27-CECB68D39FE4}" type="datetime1">
               <a:rPr lang="zh-TW" altLang="en-US" smtClean="0"/>
               <a:pPr/>
-              <a:t>2019/1/8</a:t>
+              <a:t>2019/1/9</a:t>
             </a:fld>
             <a:endParaRPr lang="zh-TW" altLang="en-US"/>
           </a:p>
@@ -1708,7 +1708,7 @@
             <a:fld id="{DF863F05-2DD9-4EB1-A827-12FD992DE9DC}" type="datetime1">
               <a:rPr lang="zh-TW" altLang="en-US" smtClean="0"/>
               <a:pPr/>
-              <a:t>2019/1/8</a:t>
+              <a:t>2019/1/9</a:t>
             </a:fld>
             <a:endParaRPr lang="zh-TW" altLang="en-US"/>
           </a:p>
@@ -2124,7 +2124,7 @@
             <a:fld id="{6339AF51-4491-4873-A096-75DB6CE47516}" type="datetime1">
               <a:rPr lang="zh-TW" altLang="en-US" smtClean="0"/>
               <a:pPr/>
-              <a:t>2019/1/8</a:t>
+              <a:t>2019/1/9</a:t>
             </a:fld>
             <a:endParaRPr lang="zh-TW" altLang="en-US"/>
           </a:p>
@@ -2238,7 +2238,7 @@
             <a:fld id="{EE4AD9C8-8B9E-40FF-ABE2-858AC2057BBB}" type="datetime1">
               <a:rPr lang="zh-TW" altLang="en-US" smtClean="0"/>
               <a:pPr/>
-              <a:t>2019/1/8</a:t>
+              <a:t>2019/1/9</a:t>
             </a:fld>
             <a:endParaRPr lang="zh-TW" altLang="en-US"/>
           </a:p>
@@ -2330,7 +2330,7 @@
             <a:fld id="{B4784999-BBBE-4BE4-A8D0-877E7D1D66CC}" type="datetime1">
               <a:rPr lang="zh-TW" altLang="en-US" smtClean="0"/>
               <a:pPr/>
-              <a:t>2019/1/8</a:t>
+              <a:t>2019/1/9</a:t>
             </a:fld>
             <a:endParaRPr lang="zh-TW" altLang="en-US"/>
           </a:p>
@@ -2602,7 +2602,7 @@
             <a:fld id="{E88D17E6-02BD-4944-B9FE-7BFCCBF83D48}" type="datetime1">
               <a:rPr lang="zh-TW" altLang="en-US" smtClean="0"/>
               <a:pPr/>
-              <a:t>2019/1/8</a:t>
+              <a:t>2019/1/9</a:t>
             </a:fld>
             <a:endParaRPr lang="zh-TW" altLang="en-US"/>
           </a:p>
@@ -2851,7 +2851,7 @@
             <a:fld id="{3C13E23D-1FEF-4D78-A3A3-3D6F2BB31954}" type="datetime1">
               <a:rPr lang="zh-TW" altLang="en-US" smtClean="0"/>
               <a:pPr/>
-              <a:t>2019/1/8</a:t>
+              <a:t>2019/1/9</a:t>
             </a:fld>
             <a:endParaRPr lang="zh-TW" altLang="en-US"/>
           </a:p>
@@ -3059,7 +3059,7 @@
             <a:fld id="{06197F35-AD6F-4594-8B50-334492D2E7E8}" type="datetime1">
               <a:rPr lang="zh-TW" altLang="en-US" smtClean="0"/>
               <a:pPr/>
-              <a:t>2019/1/8</a:t>
+              <a:t>2019/1/9</a:t>
             </a:fld>
             <a:endParaRPr lang="zh-TW" altLang="en-US"/>
           </a:p>
@@ -3520,7 +3520,7 @@
             <a:fld id="{C389EDC9-19E3-47AC-9C57-C6A24DEA81AD}" type="datetime1">
               <a:rPr lang="zh-TW" altLang="en-US" smtClean="0"/>
               <a:pPr/>
-              <a:t>2019/1/8</a:t>
+              <a:t>2019/1/9</a:t>
             </a:fld>
             <a:endParaRPr lang="zh-TW" altLang="en-US"/>
           </a:p>
@@ -3687,7 +3687,7 @@
             <a:fld id="{4E46BE27-E923-4EC2-B046-3272AE2A3E5C}" type="datetime1">
               <a:rPr lang="zh-TW" altLang="en-US" smtClean="0"/>
               <a:pPr/>
-              <a:t>2019/1/8</a:t>
+              <a:t>2019/1/9</a:t>
             </a:fld>
             <a:endParaRPr lang="zh-TW" altLang="en-US"/>
           </a:p>
@@ -3935,7 +3935,7 @@
             <a:fld id="{A4F910E6-8D00-4BAF-8C48-9688E0B449D3}" type="datetime1">
               <a:rPr lang="zh-TW" altLang="en-US" smtClean="0"/>
               <a:pPr/>
-              <a:t>2019/1/8</a:t>
+              <a:t>2019/1/9</a:t>
             </a:fld>
             <a:endParaRPr lang="zh-TW" altLang="en-US"/>
           </a:p>
@@ -5008,7 +5008,7 @@
             <a:fld id="{A4F910E6-8D00-4BAF-8C48-9688E0B449D3}" type="datetime1">
               <a:rPr lang="zh-TW" altLang="en-US" smtClean="0"/>
               <a:pPr/>
-              <a:t>2019/1/8</a:t>
+              <a:t>2019/1/9</a:t>
             </a:fld>
             <a:endParaRPr lang="zh-TW" altLang="en-US"/>
           </a:p>
@@ -6088,7 +6088,7 @@
             <a:fld id="{A4F910E6-8D00-4BAF-8C48-9688E0B449D3}" type="datetime1">
               <a:rPr lang="zh-TW" altLang="en-US" smtClean="0"/>
               <a:pPr/>
-              <a:t>2019/1/8</a:t>
+              <a:t>2019/1/9</a:t>
             </a:fld>
             <a:endParaRPr lang="zh-TW" altLang="en-US"/>
           </a:p>
@@ -7153,7 +7153,7 @@
             <a:fld id="{A4F910E6-8D00-4BAF-8C48-9688E0B449D3}" type="datetime1">
               <a:rPr lang="zh-TW" altLang="en-US" smtClean="0"/>
               <a:pPr/>
-              <a:t>2019/1/8</a:t>
+              <a:t>2019/1/9</a:t>
             </a:fld>
             <a:endParaRPr lang="zh-TW" altLang="en-US"/>
           </a:p>
@@ -7203,14 +7203,14 @@
           <p:nvPr>
             <p:extLst>
               <p:ext uri="{D42A27DB-BD31-4B8C-83A1-F6EECF244321}">
-                <p14:modId xmlns:p14="http://schemas.microsoft.com/office/powerpoint/2010/main" val="1726348173"/>
+                <p14:modId xmlns:p14="http://schemas.microsoft.com/office/powerpoint/2010/main" val="699396242"/>
               </p:ext>
             </p:extLst>
           </p:nvPr>
         </p:nvGraphicFramePr>
         <p:xfrm>
           <a:off x="649760" y="1783228"/>
-          <a:ext cx="6442520" cy="4079240"/>
+          <a:ext cx="7385495" cy="4079240"/>
         </p:xfrm>
         <a:graphic>
           <a:graphicData uri="http://schemas.openxmlformats.org/drawingml/2006/table">
@@ -7226,7 +7226,7 @@
                     </a:ext>
                   </a:extLst>
                 </a:gridCol>
-                <a:gridCol w="2055940">
+                <a:gridCol w="1820863">
                   <a:extLst>
                     <a:ext uri="{9D8B030D-6E8A-4147-A177-3AD203B41FA5}">
                       <a16:colId xmlns:a16="http://schemas.microsoft.com/office/drawing/2014/main" val="1870320283"/>
@@ -7247,7 +7247,7 @@
                     </a:ext>
                   </a:extLst>
                 </a:gridCol>
-                <a:gridCol w="1219200">
+                <a:gridCol w="2397252">
                   <a:extLst>
                     <a:ext uri="{9D8B030D-6E8A-4147-A177-3AD203B41FA5}">
                       <a16:colId xmlns:a16="http://schemas.microsoft.com/office/drawing/2014/main" val="444581452"/>
@@ -7347,10 +7347,9 @@
                     <a:lstStyle/>
                     <a:p>
                       <a:r>
-                        <a:rPr lang="en-US" dirty="0" err="1"/>
-                        <a:t>genericelement</a:t>
-                      </a:r>
-                      <a:endParaRPr lang="en-US" dirty="0"/>
+                        <a:rPr lang="en-US" dirty="0"/>
+                        <a:t>Jasper</a:t>
+                      </a:r>
                     </a:p>
                   </a:txBody>
                   <a:tcPr/>
@@ -7383,7 +7382,18 @@
                     <a:bodyPr/>
                     <a:lstStyle/>
                     <a:p>
-                      <a:endParaRPr lang="en-US"/>
+                      <a:r>
+                        <a:rPr lang="en-US" dirty="0"/>
+                        <a:t>Multiple </a:t>
+                      </a:r>
+                      <a:r>
+                        <a:rPr lang="en-US"/>
+                        <a:t>Tabules </a:t>
+                      </a:r>
+                      <a:r>
+                        <a:rPr lang="en-US" dirty="0"/>
+                        <a:t>report</a:t>
+                      </a:r>
                     </a:p>
                   </a:txBody>
                   <a:tcPr/>
@@ -7415,7 +7425,7 @@
                     <a:p>
                       <a:r>
                         <a:rPr lang="en-US" dirty="0"/>
-                        <a:t>groovy</a:t>
+                        <a:t>Java1.5</a:t>
                       </a:r>
                     </a:p>
                   </a:txBody>
@@ -7480,9 +7490,10 @@
                     <a:lstStyle/>
                     <a:p>
                       <a:r>
-                        <a:rPr lang="en-US" dirty="0"/>
-                        <a:t>hibernate</a:t>
-                      </a:r>
+                        <a:rPr lang="en-US" dirty="0" err="1"/>
+                        <a:t>Javascript</a:t>
+                      </a:r>
+                      <a:endParaRPr lang="en-US" dirty="0"/>
                     </a:p>
                   </a:txBody>
                   <a:tcPr/>
@@ -7546,9 +7557,10 @@
                     <a:lstStyle/>
                     <a:p>
                       <a:r>
-                        <a:rPr lang="en-US" dirty="0"/>
-                        <a:t>horizontal</a:t>
-                      </a:r>
+                        <a:rPr lang="en-US" dirty="0" err="1"/>
+                        <a:t>jfreechart</a:t>
+                      </a:r>
+                      <a:endParaRPr lang="en-US" dirty="0"/>
                     </a:p>
                   </a:txBody>
                   <a:tcPr/>
@@ -7581,7 +7593,10 @@
                     <a:bodyPr/>
                     <a:lstStyle/>
                     <a:p>
-                      <a:endParaRPr lang="en-US"/>
+                      <a:r>
+                        <a:rPr lang="en-US" dirty="0"/>
+                        <a:t>3D pie Chart</a:t>
+                      </a:r>
                     </a:p>
                   </a:txBody>
                   <a:tcPr/>
@@ -7613,7 +7628,7 @@
                     <a:p>
                       <a:r>
                         <a:rPr lang="en-US" dirty="0" err="1"/>
-                        <a:t>htmlcomponent</a:t>
+                        <a:t>jsondatasource</a:t>
                       </a:r>
                       <a:endParaRPr lang="en-US" dirty="0"/>
                     </a:p>
@@ -7648,7 +7663,10 @@
                     <a:bodyPr/>
                     <a:lstStyle/>
                     <a:p>
-                      <a:endParaRPr lang="en-US"/>
+                      <a:r>
+                        <a:rPr lang="en-US" dirty="0"/>
+                        <a:t>Good table format</a:t>
+                      </a:r>
                     </a:p>
                   </a:txBody>
                   <a:tcPr/>
@@ -7680,7 +7698,7 @@
                     <a:p>
                       <a:r>
                         <a:rPr lang="en-US" dirty="0" err="1"/>
-                        <a:t>httpdatadapter</a:t>
+                        <a:t>jsonqldatasource</a:t>
                       </a:r>
                       <a:endParaRPr lang="en-US" dirty="0"/>
                     </a:p>
@@ -7715,7 +7733,10 @@
                     <a:bodyPr/>
                     <a:lstStyle/>
                     <a:p>
-                      <a:endParaRPr lang="en-US" dirty="0"/>
+                      <a:r>
+                        <a:rPr lang="en-US" dirty="0"/>
+                        <a:t>Output: HTML, PDF</a:t>
+                      </a:r>
                     </a:p>
                   </a:txBody>
                   <a:tcPr/>
@@ -7747,7 +7768,7 @@
                     <a:p>
                       <a:r>
                         <a:rPr lang="en-US" dirty="0"/>
-                        <a:t>hyperlink</a:t>
+                        <a:t>landscape</a:t>
                       </a:r>
                     </a:p>
                   </a:txBody>
@@ -7813,7 +7834,7 @@
                     <a:p>
                       <a:r>
                         <a:rPr lang="en-US" dirty="0"/>
-                        <a:t>i18n</a:t>
+                        <a:t>list</a:t>
                       </a:r>
                     </a:p>
                   </a:txBody>
@@ -7878,10 +7899,9 @@
                     <a:lstStyle/>
                     <a:p>
                       <a:r>
-                        <a:rPr lang="en-US" dirty="0" err="1"/>
-                        <a:t>iconlabel</a:t>
-                      </a:r>
-                      <a:endParaRPr lang="en-US" dirty="0"/>
+                        <a:rPr lang="en-US" dirty="0"/>
+                        <a:t>map</a:t>
+                      </a:r>
                     </a:p>
                   </a:txBody>
                   <a:tcPr/>
@@ -7946,7 +7966,7 @@
                     <a:p>
                       <a:r>
                         <a:rPr lang="en-US" dirty="0"/>
-                        <a:t>images</a:t>
+                        <a:t>makeup</a:t>
                       </a:r>
                     </a:p>
                   </a:txBody>
@@ -7998,7 +8018,7 @@
     </p:spTree>
     <p:extLst>
       <p:ext uri="{BB962C8B-B14F-4D97-AF65-F5344CB8AC3E}">
-        <p14:creationId xmlns:p14="http://schemas.microsoft.com/office/powerpoint/2010/main" val="1289200242"/>
+        <p14:creationId xmlns:p14="http://schemas.microsoft.com/office/powerpoint/2010/main" val="1413876682"/>
       </p:ext>
     </p:extLst>
   </p:cSld>
@@ -8218,7 +8238,7 @@
             <a:fld id="{A4F910E6-8D00-4BAF-8C48-9688E0B449D3}" type="datetime1">
               <a:rPr lang="zh-TW" altLang="en-US" smtClean="0"/>
               <a:pPr/>
-              <a:t>2019/1/8</a:t>
+              <a:t>2019/1/9</a:t>
             </a:fld>
             <a:endParaRPr lang="zh-TW" altLang="en-US"/>
           </a:p>
@@ -8268,14 +8288,14 @@
           <p:nvPr>
             <p:extLst>
               <p:ext uri="{D42A27DB-BD31-4B8C-83A1-F6EECF244321}">
-                <p14:modId xmlns:p14="http://schemas.microsoft.com/office/powerpoint/2010/main" val="20526075"/>
+                <p14:modId xmlns:p14="http://schemas.microsoft.com/office/powerpoint/2010/main" val="2165813122"/>
               </p:ext>
             </p:extLst>
           </p:nvPr>
         </p:nvGraphicFramePr>
         <p:xfrm>
-          <a:off x="649760" y="1783228"/>
-          <a:ext cx="7385495" cy="4079240"/>
+          <a:off x="467544" y="1731990"/>
+          <a:ext cx="8395746" cy="4055690"/>
         </p:xfrm>
         <a:graphic>
           <a:graphicData uri="http://schemas.openxmlformats.org/drawingml/2006/table">
@@ -8284,35 +8304,35 @@
                 <a:tableStyleId>{5C22544A-7EE6-4342-B048-85BDC9FD1C3A}</a:tableStyleId>
               </a:tblPr>
               <a:tblGrid>
-                <a:gridCol w="728980">
+                <a:gridCol w="844507">
                   <a:extLst>
                     <a:ext uri="{9D8B030D-6E8A-4147-A177-3AD203B41FA5}">
                       <a16:colId xmlns:a16="http://schemas.microsoft.com/office/drawing/2014/main" val="425712739"/>
                     </a:ext>
                   </a:extLst>
                 </a:gridCol>
-                <a:gridCol w="1820863">
+                <a:gridCol w="1893079">
                   <a:extLst>
                     <a:ext uri="{9D8B030D-6E8A-4147-A177-3AD203B41FA5}">
                       <a16:colId xmlns:a16="http://schemas.microsoft.com/office/drawing/2014/main" val="1870320283"/>
                     </a:ext>
                   </a:extLst>
                 </a:gridCol>
-                <a:gridCol w="1219200">
+                <a:gridCol w="815082">
                   <a:extLst>
                     <a:ext uri="{9D8B030D-6E8A-4147-A177-3AD203B41FA5}">
                       <a16:colId xmlns:a16="http://schemas.microsoft.com/office/drawing/2014/main" val="4178682879"/>
                     </a:ext>
                   </a:extLst>
                 </a:gridCol>
-                <a:gridCol w="1219200">
+                <a:gridCol w="815082">
                   <a:extLst>
                     <a:ext uri="{9D8B030D-6E8A-4147-A177-3AD203B41FA5}">
                       <a16:colId xmlns:a16="http://schemas.microsoft.com/office/drawing/2014/main" val="3160549755"/>
                     </a:ext>
                   </a:extLst>
                 </a:gridCol>
-                <a:gridCol w="2397252">
+                <a:gridCol w="4027996">
                   <a:extLst>
                     <a:ext uri="{9D8B030D-6E8A-4147-A177-3AD203B41FA5}">
                       <a16:colId xmlns:a16="http://schemas.microsoft.com/office/drawing/2014/main" val="444581452"/>
@@ -8320,7 +8340,7 @@
                   </a:extLst>
                 </a:gridCol>
               </a:tblGrid>
-              <a:tr h="370840">
+              <a:tr h="368993">
                 <a:tc>
                   <a:txBody>
                     <a:bodyPr/>
@@ -8392,7 +8412,7 @@
                   </a:ext>
                 </a:extLst>
               </a:tr>
-              <a:tr h="370840">
+              <a:tr h="368993">
                 <a:tc>
                   <a:txBody>
                     <a:bodyPr/>
@@ -8412,9 +8432,10 @@
                     <a:lstStyle/>
                     <a:p>
                       <a:r>
-                        <a:rPr lang="en-US" dirty="0"/>
-                        <a:t>Jasper</a:t>
-                      </a:r>
+                        <a:rPr lang="en-US" dirty="0" err="1"/>
+                        <a:t>mondrian</a:t>
+                      </a:r>
+                      <a:endParaRPr lang="en-US" dirty="0"/>
                     </a:p>
                   </a:txBody>
                   <a:tcPr/>
@@ -8447,18 +8468,7 @@
                     <a:bodyPr/>
                     <a:lstStyle/>
                     <a:p>
-                      <a:r>
-                        <a:rPr lang="en-US" dirty="0"/>
-                        <a:t>Multiple </a:t>
-                      </a:r>
-                      <a:r>
-                        <a:rPr lang="en-US"/>
-                        <a:t>Tabules </a:t>
-                      </a:r>
-                      <a:r>
-                        <a:rPr lang="en-US" dirty="0"/>
-                        <a:t>report</a:t>
-                      </a:r>
+                      <a:endParaRPr lang="en-US" dirty="0"/>
                     </a:p>
                   </a:txBody>
                   <a:tcPr/>
@@ -8469,7 +8479,7 @@
                   </a:ext>
                 </a:extLst>
               </a:tr>
-              <a:tr h="370840">
+              <a:tr h="308704">
                 <a:tc>
                   <a:txBody>
                     <a:bodyPr/>
@@ -8489,9 +8499,10 @@
                     <a:lstStyle/>
                     <a:p>
                       <a:r>
-                        <a:rPr lang="en-US" dirty="0"/>
-                        <a:t>Java1.5</a:t>
-                      </a:r>
+                        <a:rPr lang="en-US" dirty="0" err="1"/>
+                        <a:t>nopagebreak</a:t>
+                      </a:r>
+                      <a:endParaRPr lang="en-US" dirty="0"/>
                     </a:p>
                   </a:txBody>
                   <a:tcPr/>
@@ -8524,7 +8535,10 @@
                     <a:bodyPr/>
                     <a:lstStyle/>
                     <a:p>
-                      <a:endParaRPr lang="en-US"/>
+                      <a:r>
+                        <a:rPr lang="en-US" dirty="0"/>
+                        <a:t>All tables without page break</a:t>
+                      </a:r>
                     </a:p>
                   </a:txBody>
                   <a:tcPr/>
@@ -8535,7 +8549,7 @@
                   </a:ext>
                 </a:extLst>
               </a:tr>
-              <a:tr h="370840">
+              <a:tr h="368993">
                 <a:tc>
                   <a:txBody>
                     <a:bodyPr/>
@@ -8556,7 +8570,7 @@
                     <a:p>
                       <a:r>
                         <a:rPr lang="en-US" dirty="0" err="1"/>
-                        <a:t>Javascript</a:t>
+                        <a:t>noreport</a:t>
                       </a:r>
                       <a:endParaRPr lang="en-US" dirty="0"/>
                     </a:p>
@@ -8602,7 +8616,7 @@
                   </a:ext>
                 </a:extLst>
               </a:tr>
-              <a:tr h="370840">
+              <a:tr h="368993">
                 <a:tc>
                   <a:txBody>
                     <a:bodyPr/>
@@ -8623,7 +8637,7 @@
                     <a:p>
                       <a:r>
                         <a:rPr lang="en-US" dirty="0" err="1"/>
-                        <a:t>jfreechart</a:t>
+                        <a:t>noxmldesign</a:t>
                       </a:r>
                       <a:endParaRPr lang="en-US" dirty="0"/>
                     </a:p>
@@ -8658,10 +8672,7 @@
                     <a:bodyPr/>
                     <a:lstStyle/>
                     <a:p>
-                      <a:r>
-                        <a:rPr lang="en-US" dirty="0"/>
-                        <a:t>3D pie Chart</a:t>
-                      </a:r>
+                      <a:endParaRPr lang="en-US"/>
                     </a:p>
                   </a:txBody>
                   <a:tcPr/>
@@ -8672,7 +8683,7 @@
                   </a:ext>
                 </a:extLst>
               </a:tr>
-              <a:tr h="370840">
+              <a:tr h="368993">
                 <a:tc>
                   <a:txBody>
                     <a:bodyPr/>
@@ -8693,7 +8704,7 @@
                     <a:p>
                       <a:r>
                         <a:rPr lang="en-US" dirty="0" err="1"/>
-                        <a:t>jsondatasource</a:t>
+                        <a:t>openflashchart</a:t>
                       </a:r>
                       <a:endParaRPr lang="en-US" dirty="0"/>
                     </a:p>
@@ -8730,7 +8741,7 @@
                     <a:p>
                       <a:r>
                         <a:rPr lang="en-US" dirty="0"/>
-                        <a:t>Good table format</a:t>
+                        <a:t>Display empty</a:t>
                       </a:r>
                     </a:p>
                   </a:txBody>
@@ -8742,7 +8753,7 @@
                   </a:ext>
                 </a:extLst>
               </a:tr>
-              <a:tr h="370840">
+              <a:tr h="368993">
                 <a:tc>
                   <a:txBody>
                     <a:bodyPr/>
@@ -8762,9 +8773,31 @@
                     <a:lstStyle/>
                     <a:p>
                       <a:r>
-                        <a:rPr lang="en-US" dirty="0" err="1"/>
-                        <a:t>jsonqldatasource</a:t>
-                      </a:r>
+                        <a:rPr lang="en-US" dirty="0"/>
+                        <a:t>Paragraphs</a:t>
+                      </a:r>
+                    </a:p>
+                  </a:txBody>
+                  <a:tcPr/>
+                </a:tc>
+                <a:tc>
+                  <a:txBody>
+                    <a:bodyPr/>
+                    <a:lstStyle/>
+                    <a:p>
+                      <a:r>
+                        <a:rPr lang="en-US" dirty="0"/>
+                        <a:t>OK</a:t>
+                      </a:r>
+                    </a:p>
+                  </a:txBody>
+                  <a:tcPr/>
+                </a:tc>
+                <a:tc>
+                  <a:txBody>
+                    <a:bodyPr/>
+                    <a:lstStyle/>
+                    <a:p>
                       <a:endParaRPr lang="en-US" dirty="0"/>
                     </a:p>
                   </a:txBody>
@@ -8777,30 +8810,7 @@
                     <a:p>
                       <a:r>
                         <a:rPr lang="en-US" dirty="0"/>
-                        <a:t>OK</a:t>
-                      </a:r>
-                    </a:p>
-                  </a:txBody>
-                  <a:tcPr/>
-                </a:tc>
-                <a:tc>
-                  <a:txBody>
-                    <a:bodyPr/>
-                    <a:lstStyle/>
-                    <a:p>
-                      <a:endParaRPr lang="en-US" dirty="0"/>
-                    </a:p>
-                  </a:txBody>
-                  <a:tcPr/>
-                </a:tc>
-                <a:tc>
-                  <a:txBody>
-                    <a:bodyPr/>
-                    <a:lstStyle/>
-                    <a:p>
-                      <a:r>
-                        <a:rPr lang="en-US" dirty="0"/>
-                        <a:t>Output: HTML, PDF</a:t>
+                        <a:t>Multiple Paragraphs with different colors</a:t>
                       </a:r>
                     </a:p>
                   </a:txBody>
@@ -8812,7 +8822,7 @@
                   </a:ext>
                 </a:extLst>
               </a:tr>
-              <a:tr h="370840">
+              <a:tr h="368993">
                 <a:tc>
                   <a:txBody>
                     <a:bodyPr/>
@@ -8832,9 +8842,10 @@
                     <a:lstStyle/>
                     <a:p>
                       <a:r>
-                        <a:rPr lang="en-US" dirty="0"/>
-                        <a:t>landscape</a:t>
-                      </a:r>
+                        <a:rPr lang="en-US" dirty="0" err="1"/>
+                        <a:t>Pdfencrypt</a:t>
+                      </a:r>
+                      <a:endParaRPr lang="en-US" dirty="0"/>
                     </a:p>
                   </a:txBody>
                   <a:tcPr/>
@@ -8867,7 +8878,10 @@
                     <a:bodyPr/>
                     <a:lstStyle/>
                     <a:p>
-                      <a:endParaRPr lang="en-US"/>
+                      <a:r>
+                        <a:rPr lang="en-US" dirty="0"/>
+                        <a:t>Encrypt pdf</a:t>
+                      </a:r>
                     </a:p>
                   </a:txBody>
                   <a:tcPr/>
@@ -8878,7 +8892,7 @@
                   </a:ext>
                 </a:extLst>
               </a:tr>
-              <a:tr h="370840">
+              <a:tr h="368993">
                 <a:tc>
                   <a:txBody>
                     <a:bodyPr/>
@@ -8898,9 +8912,10 @@
                     <a:lstStyle/>
                     <a:p>
                       <a:r>
-                        <a:rPr lang="en-US" dirty="0"/>
-                        <a:t>list</a:t>
-                      </a:r>
+                        <a:rPr lang="en-US" dirty="0" err="1"/>
+                        <a:t>Printservice</a:t>
+                      </a:r>
+                      <a:endParaRPr lang="en-US" dirty="0"/>
                     </a:p>
                   </a:txBody>
                   <a:tcPr/>
@@ -8933,7 +8948,14 @@
                     <a:bodyPr/>
                     <a:lstStyle/>
                     <a:p>
-                      <a:endParaRPr lang="en-US"/>
+                      <a:r>
+                        <a:rPr lang="en-US" dirty="0"/>
+                        <a:t>Print only. No </a:t>
+                      </a:r>
+                      <a:r>
+                        <a:rPr lang="en-US"/>
+                        <a:t>design compilation.</a:t>
+                      </a:r>
                     </a:p>
                   </a:txBody>
                   <a:tcPr/>
@@ -8944,7 +8966,7 @@
                   </a:ext>
                 </a:extLst>
               </a:tr>
-              <a:tr h="370840">
+              <a:tr h="368993">
                 <a:tc>
                   <a:txBody>
                     <a:bodyPr/>
@@ -8965,7 +8987,7 @@
                     <a:p>
                       <a:r>
                         <a:rPr lang="en-US" dirty="0"/>
-                        <a:t>map</a:t>
+                        <a:t>Query</a:t>
                       </a:r>
                     </a:p>
                   </a:txBody>
@@ -8999,7 +9021,10 @@
                     <a:bodyPr/>
                     <a:lstStyle/>
                     <a:p>
-                      <a:endParaRPr lang="en-US"/>
+                      <a:r>
+                        <a:rPr lang="en-US" dirty="0"/>
+                        <a:t>Query</a:t>
+                      </a:r>
                     </a:p>
                   </a:txBody>
                   <a:tcPr/>
@@ -9010,7 +9035,7 @@
                   </a:ext>
                 </a:extLst>
               </a:tr>
-              <a:tr h="370840">
+              <a:tr h="368993">
                 <a:tc>
                   <a:txBody>
                     <a:bodyPr/>
@@ -9031,7 +9056,7 @@
                     <a:p>
                       <a:r>
                         <a:rPr lang="en-US" dirty="0"/>
-                        <a:t>makeup</a:t>
+                        <a:t>Rotation</a:t>
                       </a:r>
                     </a:p>
                   </a:txBody>
@@ -9065,7 +9090,10 @@
                     <a:bodyPr/>
                     <a:lstStyle/>
                     <a:p>
-                      <a:endParaRPr lang="en-US" dirty="0"/>
+                      <a:r>
+                        <a:rPr lang="en-US" dirty="0"/>
+                        <a:t>Paragraph text rotation</a:t>
+                      </a:r>
                     </a:p>
                   </a:txBody>
                   <a:tcPr/>
@@ -9083,7 +9111,7 @@
     </p:spTree>
     <p:extLst>
       <p:ext uri="{BB962C8B-B14F-4D97-AF65-F5344CB8AC3E}">
-        <p14:creationId xmlns:p14="http://schemas.microsoft.com/office/powerpoint/2010/main" val="1413876682"/>
+        <p14:creationId xmlns:p14="http://schemas.microsoft.com/office/powerpoint/2010/main" val="3877883153"/>
       </p:ext>
     </p:extLst>
   </p:cSld>
@@ -9303,7 +9331,7 @@
             <a:fld id="{A4F910E6-8D00-4BAF-8C48-9688E0B449D3}" type="datetime1">
               <a:rPr lang="zh-TW" altLang="en-US" smtClean="0"/>
               <a:pPr/>
-              <a:t>2019/1/8</a:t>
+              <a:t>2019/1/9</a:t>
             </a:fld>
             <a:endParaRPr lang="zh-TW" altLang="en-US"/>
           </a:p>
@@ -9353,14 +9381,14 @@
           <p:nvPr>
             <p:extLst>
               <p:ext uri="{D42A27DB-BD31-4B8C-83A1-F6EECF244321}">
-                <p14:modId xmlns:p14="http://schemas.microsoft.com/office/powerpoint/2010/main" val="4395110"/>
+                <p14:modId xmlns:p14="http://schemas.microsoft.com/office/powerpoint/2010/main" val="2357416474"/>
               </p:ext>
             </p:extLst>
           </p:nvPr>
         </p:nvGraphicFramePr>
         <p:xfrm>
-          <a:off x="467544" y="1731990"/>
-          <a:ext cx="8395746" cy="4055690"/>
+          <a:off x="467545" y="1731990"/>
+          <a:ext cx="8117823" cy="4055690"/>
         </p:xfrm>
         <a:graphic>
           <a:graphicData uri="http://schemas.openxmlformats.org/drawingml/2006/table">
@@ -9369,35 +9397,35 @@
                 <a:tableStyleId>{5C22544A-7EE6-4342-B048-85BDC9FD1C3A}</a:tableStyleId>
               </a:tblPr>
               <a:tblGrid>
-                <a:gridCol w="844507">
+                <a:gridCol w="748147">
                   <a:extLst>
                     <a:ext uri="{9D8B030D-6E8A-4147-A177-3AD203B41FA5}">
                       <a16:colId xmlns:a16="http://schemas.microsoft.com/office/drawing/2014/main" val="425712739"/>
                     </a:ext>
                   </a:extLst>
                 </a:gridCol>
-                <a:gridCol w="1893079">
+                <a:gridCol w="2357120">
                   <a:extLst>
                     <a:ext uri="{9D8B030D-6E8A-4147-A177-3AD203B41FA5}">
                       <a16:colId xmlns:a16="http://schemas.microsoft.com/office/drawing/2014/main" val="1870320283"/>
                     </a:ext>
                   </a:extLst>
                 </a:gridCol>
-                <a:gridCol w="815082">
+                <a:gridCol w="722080">
                   <a:extLst>
                     <a:ext uri="{9D8B030D-6E8A-4147-A177-3AD203B41FA5}">
                       <a16:colId xmlns:a16="http://schemas.microsoft.com/office/drawing/2014/main" val="4178682879"/>
                     </a:ext>
                   </a:extLst>
                 </a:gridCol>
-                <a:gridCol w="815082">
+                <a:gridCol w="722080">
                   <a:extLst>
                     <a:ext uri="{9D8B030D-6E8A-4147-A177-3AD203B41FA5}">
                       <a16:colId xmlns:a16="http://schemas.microsoft.com/office/drawing/2014/main" val="3160549755"/>
                     </a:ext>
                   </a:extLst>
                 </a:gridCol>
-                <a:gridCol w="4027996">
+                <a:gridCol w="3568396">
                   <a:extLst>
                     <a:ext uri="{9D8B030D-6E8A-4147-A177-3AD203B41FA5}">
                       <a16:colId xmlns:a16="http://schemas.microsoft.com/office/drawing/2014/main" val="444581452"/>
@@ -9498,7 +9526,7 @@
                     <a:p>
                       <a:r>
                         <a:rPr lang="en-US" dirty="0" err="1"/>
-                        <a:t>mondrian</a:t>
+                        <a:t>scriptlet</a:t>
                       </a:r>
                       <a:endParaRPr lang="en-US" dirty="0"/>
                     </a:p>
@@ -9533,7 +9561,10 @@
                     <a:bodyPr/>
                     <a:lstStyle/>
                     <a:p>
-                      <a:endParaRPr lang="en-US" dirty="0"/>
+                      <a:r>
+                        <a:rPr lang="en-US" dirty="0"/>
+                        <a:t>Group of Script </a:t>
+                      </a:r>
                     </a:p>
                   </a:txBody>
                   <a:tcPr/>
@@ -9564,9 +9595,31 @@
                     <a:lstStyle/>
                     <a:p>
                       <a:r>
-                        <a:rPr lang="en-US" dirty="0" err="1"/>
-                        <a:t>nopagebreak</a:t>
-                      </a:r>
+                        <a:rPr lang="en-US" dirty="0"/>
+                        <a:t>shapes</a:t>
+                      </a:r>
+                    </a:p>
+                  </a:txBody>
+                  <a:tcPr/>
+                </a:tc>
+                <a:tc>
+                  <a:txBody>
+                    <a:bodyPr/>
+                    <a:lstStyle/>
+                    <a:p>
+                      <a:r>
+                        <a:rPr lang="en-US" dirty="0"/>
+                        <a:t>OK</a:t>
+                      </a:r>
+                    </a:p>
+                  </a:txBody>
+                  <a:tcPr/>
+                </a:tc>
+                <a:tc>
+                  <a:txBody>
+                    <a:bodyPr/>
+                    <a:lstStyle/>
+                    <a:p>
                       <a:endParaRPr lang="en-US" dirty="0"/>
                     </a:p>
                   </a:txBody>
@@ -9579,30 +9632,7 @@
                     <a:p>
                       <a:r>
                         <a:rPr lang="en-US" dirty="0"/>
-                        <a:t>OK</a:t>
-                      </a:r>
-                    </a:p>
-                  </a:txBody>
-                  <a:tcPr/>
-                </a:tc>
-                <a:tc>
-                  <a:txBody>
-                    <a:bodyPr/>
-                    <a:lstStyle/>
-                    <a:p>
-                      <a:endParaRPr lang="en-US"/>
-                    </a:p>
-                  </a:txBody>
-                  <a:tcPr/>
-                </a:tc>
-                <a:tc>
-                  <a:txBody>
-                    <a:bodyPr/>
-                    <a:lstStyle/>
-                    <a:p>
-                      <a:r>
-                        <a:rPr lang="en-US" dirty="0"/>
-                        <a:t>All tables without page break</a:t>
+                        <a:t>Rotate shapes</a:t>
                       </a:r>
                     </a:p>
                   </a:txBody>
@@ -9635,7 +9665,7 @@
                     <a:p>
                       <a:r>
                         <a:rPr lang="en-US" dirty="0" err="1"/>
-                        <a:t>noreport</a:t>
+                        <a:t>spiderchartcomponent</a:t>
                       </a:r>
                       <a:endParaRPr lang="en-US" dirty="0"/>
                     </a:p>
@@ -9670,7 +9700,10 @@
                     <a:bodyPr/>
                     <a:lstStyle/>
                     <a:p>
-                      <a:endParaRPr lang="en-US"/>
+                      <a:r>
+                        <a:rPr lang="en-US" dirty="0"/>
+                        <a:t>Spider chart</a:t>
+                      </a:r>
                     </a:p>
                   </a:txBody>
                   <a:tcPr/>
@@ -9701,43 +9734,42 @@
                     <a:lstStyle/>
                     <a:p>
                       <a:r>
-                        <a:rPr lang="en-US" dirty="0" err="1"/>
-                        <a:t>noxmldesign</a:t>
-                      </a:r>
+                        <a:rPr lang="en-US" dirty="0"/>
+                        <a:t>stretch</a:t>
+                      </a:r>
+                    </a:p>
+                  </a:txBody>
+                  <a:tcPr/>
+                </a:tc>
+                <a:tc>
+                  <a:txBody>
+                    <a:bodyPr/>
+                    <a:lstStyle/>
+                    <a:p>
+                      <a:r>
+                        <a:rPr lang="en-US" dirty="0"/>
+                        <a:t>OK</a:t>
+                      </a:r>
+                    </a:p>
+                  </a:txBody>
+                  <a:tcPr/>
+                </a:tc>
+                <a:tc>
+                  <a:txBody>
+                    <a:bodyPr/>
+                    <a:lstStyle/>
+                    <a:p>
+                      <a:endParaRPr lang="en-US"/>
+                    </a:p>
+                  </a:txBody>
+                  <a:tcPr/>
+                </a:tc>
+                <a:tc>
+                  <a:txBody>
+                    <a:bodyPr/>
+                    <a:lstStyle/>
+                    <a:p>
                       <a:endParaRPr lang="en-US" dirty="0"/>
-                    </a:p>
-                  </a:txBody>
-                  <a:tcPr/>
-                </a:tc>
-                <a:tc>
-                  <a:txBody>
-                    <a:bodyPr/>
-                    <a:lstStyle/>
-                    <a:p>
-                      <a:r>
-                        <a:rPr lang="en-US" dirty="0"/>
-                        <a:t>OK</a:t>
-                      </a:r>
-                    </a:p>
-                  </a:txBody>
-                  <a:tcPr/>
-                </a:tc>
-                <a:tc>
-                  <a:txBody>
-                    <a:bodyPr/>
-                    <a:lstStyle/>
-                    <a:p>
-                      <a:endParaRPr lang="en-US"/>
-                    </a:p>
-                  </a:txBody>
-                  <a:tcPr/>
-                </a:tc>
-                <a:tc>
-                  <a:txBody>
-                    <a:bodyPr/>
-                    <a:lstStyle/>
-                    <a:p>
-                      <a:endParaRPr lang="en-US"/>
                     </a:p>
                   </a:txBody>
                   <a:tcPr/>
@@ -9769,7 +9801,7 @@
                     <a:p>
                       <a:r>
                         <a:rPr lang="en-US" dirty="0" err="1"/>
-                        <a:t>openflashchart</a:t>
+                        <a:t>styledtext</a:t>
                       </a:r>
                       <a:endParaRPr lang="en-US" dirty="0"/>
                     </a:p>
@@ -9806,7 +9838,7 @@
                     <a:p>
                       <a:r>
                         <a:rPr lang="en-US" dirty="0"/>
-                        <a:t>Display empty</a:t>
+                        <a:t>Style</a:t>
                       </a:r>
                     </a:p>
                   </a:txBody>
@@ -9838,9 +9870,10 @@
                     <a:lstStyle/>
                     <a:p>
                       <a:r>
-                        <a:rPr lang="en-US" dirty="0"/>
-                        <a:t>Paragraphs</a:t>
-                      </a:r>
+                        <a:rPr lang="en-US" dirty="0" err="1"/>
+                        <a:t>subreport</a:t>
+                      </a:r>
+                      <a:endParaRPr lang="en-US" dirty="0"/>
                     </a:p>
                   </a:txBody>
                   <a:tcPr/>
@@ -9875,7 +9908,7 @@
                     <a:p>
                       <a:r>
                         <a:rPr lang="en-US" dirty="0"/>
-                        <a:t>Multiple Paragraphs with different colors</a:t>
+                        <a:t>Sub-report</a:t>
                       </a:r>
                     </a:p>
                   </a:txBody>
@@ -9907,10 +9940,9 @@
                     <a:lstStyle/>
                     <a:p>
                       <a:r>
-                        <a:rPr lang="en-US" dirty="0" err="1"/>
-                        <a:t>Pdfencrypt</a:t>
-                      </a:r>
-                      <a:endParaRPr lang="en-US" dirty="0"/>
+                        <a:rPr lang="en-US" dirty="0"/>
+                        <a:t>table</a:t>
+                      </a:r>
                     </a:p>
                   </a:txBody>
                   <a:tcPr/>
@@ -9945,7 +9977,7 @@
                     <a:p>
                       <a:r>
                         <a:rPr lang="en-US" dirty="0"/>
-                        <a:t>Encrypt pdf</a:t>
+                        <a:t>Table (same as tabular)</a:t>
                       </a:r>
                     </a:p>
                   </a:txBody>
@@ -9978,7 +10010,7 @@
                     <a:p>
                       <a:r>
                         <a:rPr lang="en-US" dirty="0" err="1"/>
-                        <a:t>Printservice</a:t>
+                        <a:t>tableofcontents</a:t>
                       </a:r>
                       <a:endParaRPr lang="en-US" dirty="0"/>
                     </a:p>
@@ -10015,11 +10047,7 @@
                     <a:p>
                       <a:r>
                         <a:rPr lang="en-US" dirty="0"/>
-                        <a:t>Print only. No </a:t>
-                      </a:r>
-                      <a:r>
-                        <a:rPr lang="en-US"/>
-                        <a:t>design compilation.</a:t>
+                        <a:t>Table of content</a:t>
                       </a:r>
                     </a:p>
                   </a:txBody>
@@ -10052,7 +10080,7 @@
                     <a:p>
                       <a:r>
                         <a:rPr lang="en-US" dirty="0"/>
-                        <a:t>Query</a:t>
+                        <a:t>tabular</a:t>
                       </a:r>
                     </a:p>
                   </a:txBody>
@@ -10086,7 +10114,10 @@
                     <a:bodyPr/>
                     <a:lstStyle/>
                     <a:p>
-                      <a:endParaRPr lang="en-US"/>
+                      <a:r>
+                        <a:rPr lang="en-US" dirty="0"/>
+                        <a:t>Tabular (same as table)</a:t>
+                      </a:r>
                     </a:p>
                   </a:txBody>
                   <a:tcPr/>
@@ -10118,7 +10149,7 @@
                     <a:p>
                       <a:r>
                         <a:rPr lang="en-US" dirty="0"/>
-                        <a:t>Rotation</a:t>
+                        <a:t>templates</a:t>
                       </a:r>
                     </a:p>
                   </a:txBody>
@@ -10152,6 +10183,14 @@
                     <a:bodyPr/>
                     <a:lstStyle/>
                     <a:p>
+                      <a:r>
+                        <a:rPr lang="en-US" dirty="0"/>
+                        <a:t>Varied styles </a:t>
+                      </a:r>
+                      <a:r>
+                        <a:rPr lang="en-US"/>
+                        <a:t>and backgrounds</a:t>
+                      </a:r>
                       <a:endParaRPr lang="en-US" dirty="0"/>
                     </a:p>
                   </a:txBody>
@@ -10170,7 +10209,7 @@
     </p:spTree>
     <p:extLst>
       <p:ext uri="{BB962C8B-B14F-4D97-AF65-F5344CB8AC3E}">
-        <p14:creationId xmlns:p14="http://schemas.microsoft.com/office/powerpoint/2010/main" val="3877883153"/>
+        <p14:creationId xmlns:p14="http://schemas.microsoft.com/office/powerpoint/2010/main" val="3974917486"/>
       </p:ext>
     </p:extLst>
   </p:cSld>
@@ -10390,7 +10429,7 @@
             <a:fld id="{A4F910E6-8D00-4BAF-8C48-9688E0B449D3}" type="datetime1">
               <a:rPr lang="zh-TW" altLang="en-US" smtClean="0"/>
               <a:pPr/>
-              <a:t>2019/1/8</a:t>
+              <a:t>2019/1/9</a:t>
             </a:fld>
             <a:endParaRPr lang="zh-TW" altLang="en-US"/>
           </a:p>
@@ -10440,14 +10479,14 @@
           <p:nvPr>
             <p:extLst>
               <p:ext uri="{D42A27DB-BD31-4B8C-83A1-F6EECF244321}">
-                <p14:modId xmlns:p14="http://schemas.microsoft.com/office/powerpoint/2010/main" val="2604287422"/>
+                <p14:modId xmlns:p14="http://schemas.microsoft.com/office/powerpoint/2010/main" val="1667710352"/>
               </p:ext>
             </p:extLst>
           </p:nvPr>
         </p:nvGraphicFramePr>
         <p:xfrm>
-          <a:off x="649760" y="1783228"/>
-          <a:ext cx="6442520" cy="4079240"/>
+          <a:off x="649760" y="1806246"/>
+          <a:ext cx="7483319" cy="4070642"/>
         </p:xfrm>
         <a:graphic>
           <a:graphicData uri="http://schemas.openxmlformats.org/drawingml/2006/table">
@@ -10463,28 +10502,28 @@
                     </a:ext>
                   </a:extLst>
                 </a:gridCol>
-                <a:gridCol w="2055940">
+                <a:gridCol w="1877505">
                   <a:extLst>
                     <a:ext uri="{9D8B030D-6E8A-4147-A177-3AD203B41FA5}">
                       <a16:colId xmlns:a16="http://schemas.microsoft.com/office/drawing/2014/main" val="1870320283"/>
                     </a:ext>
                   </a:extLst>
                 </a:gridCol>
-                <a:gridCol w="1219200">
+                <a:gridCol w="821278">
                   <a:extLst>
                     <a:ext uri="{9D8B030D-6E8A-4147-A177-3AD203B41FA5}">
                       <a16:colId xmlns:a16="http://schemas.microsoft.com/office/drawing/2014/main" val="4178682879"/>
                     </a:ext>
                   </a:extLst>
                 </a:gridCol>
-                <a:gridCol w="1219200">
+                <a:gridCol w="703580">
                   <a:extLst>
                     <a:ext uri="{9D8B030D-6E8A-4147-A177-3AD203B41FA5}">
                       <a16:colId xmlns:a16="http://schemas.microsoft.com/office/drawing/2014/main" val="3160549755"/>
                     </a:ext>
                   </a:extLst>
                 </a:gridCol>
-                <a:gridCol w="1219200">
+                <a:gridCol w="3351976">
                   <a:extLst>
                     <a:ext uri="{9D8B030D-6E8A-4147-A177-3AD203B41FA5}">
                       <a16:colId xmlns:a16="http://schemas.microsoft.com/office/drawing/2014/main" val="444581452"/>
@@ -10492,7 +10531,7 @@
                   </a:extLst>
                 </a:gridCol>
               </a:tblGrid>
-              <a:tr h="370840">
+              <a:tr h="368993">
                 <a:tc>
                   <a:txBody>
                     <a:bodyPr/>
@@ -10564,7 +10603,7 @@
                   </a:ext>
                 </a:extLst>
               </a:tr>
-              <a:tr h="370840">
+              <a:tr h="368993">
                 <a:tc>
                   <a:txBody>
                     <a:bodyPr/>
@@ -10619,7 +10658,10 @@
                     <a:bodyPr/>
                     <a:lstStyle/>
                     <a:p>
-                      <a:endParaRPr lang="en-US"/>
+                      <a:r>
+                        <a:rPr lang="en-US" dirty="0"/>
+                        <a:t>Display pure text</a:t>
+                      </a:r>
                     </a:p>
                   </a:txBody>
                   <a:tcPr/>
@@ -10630,7 +10672,7 @@
                   </a:ext>
                 </a:extLst>
               </a:tr>
-              <a:tr h="370840">
+              <a:tr h="380712">
                 <a:tc>
                   <a:txBody>
                     <a:bodyPr/>
@@ -10686,7 +10728,10 @@
                     <a:bodyPr/>
                     <a:lstStyle/>
                     <a:p>
-                      <a:endParaRPr lang="en-US"/>
+                      <a:r>
+                        <a:rPr lang="en-US" dirty="0"/>
+                        <a:t>Unicode/Internationalization</a:t>
+                      </a:r>
                     </a:p>
                   </a:txBody>
                   <a:tcPr/>
@@ -10697,7 +10742,7 @@
                   </a:ext>
                 </a:extLst>
               </a:tr>
-              <a:tr h="370840">
+              <a:tr h="368993">
                 <a:tc>
                   <a:txBody>
                     <a:bodyPr/>
@@ -10717,10 +10762,9 @@
                     <a:lstStyle/>
                     <a:p>
                       <a:r>
-                        <a:rPr lang="en-US" dirty="0" err="1"/>
+                        <a:rPr lang="en-US" dirty="0"/>
                         <a:t>virtualizer</a:t>
                       </a:r>
-                      <a:endParaRPr lang="en-US" dirty="0"/>
                     </a:p>
                   </a:txBody>
                   <a:tcPr/>
@@ -10753,7 +10797,10 @@
                     <a:bodyPr/>
                     <a:lstStyle/>
                     <a:p>
-                      <a:endParaRPr lang="en-US"/>
+                      <a:r>
+                        <a:rPr lang="en-US" dirty="0"/>
+                        <a:t>Parse very long string (virtualizer)</a:t>
+                      </a:r>
                     </a:p>
                   </a:txBody>
                   <a:tcPr/>
@@ -10764,7 +10811,7 @@
                   </a:ext>
                 </a:extLst>
               </a:tr>
-              <a:tr h="370840">
+              <a:tr h="368993">
                 <a:tc>
                   <a:txBody>
                     <a:bodyPr/>
@@ -10831,7 +10878,7 @@
                   </a:ext>
                 </a:extLst>
               </a:tr>
-              <a:tr h="370840">
+              <a:tr h="368993">
                 <a:tc>
                   <a:txBody>
                     <a:bodyPr/>
@@ -10901,7 +10948,7 @@
                   </a:ext>
                 </a:extLst>
               </a:tr>
-              <a:tr h="370840">
+              <a:tr h="368993">
                 <a:tc>
                   <a:txBody>
                     <a:bodyPr/>
@@ -10968,7 +11015,7 @@
                   </a:ext>
                 </a:extLst>
               </a:tr>
-              <a:tr h="370840">
+              <a:tr h="368993">
                 <a:tc>
                   <a:txBody>
                     <a:bodyPr/>
@@ -11035,7 +11082,7 @@
                   </a:ext>
                 </a:extLst>
               </a:tr>
-              <a:tr h="370840">
+              <a:tr h="368993">
                 <a:tc>
                   <a:txBody>
                     <a:bodyPr/>
@@ -11102,7 +11149,7 @@
                   </a:ext>
                 </a:extLst>
               </a:tr>
-              <a:tr h="370840">
+              <a:tr h="368993">
                 <a:tc>
                   <a:txBody>
                     <a:bodyPr/>
@@ -11169,7 +11216,7 @@
                   </a:ext>
                 </a:extLst>
               </a:tr>
-              <a:tr h="370840">
+              <a:tr h="368993">
                 <a:tc>
                   <a:txBody>
                     <a:bodyPr/>
@@ -11463,7 +11510,7 @@
             <a:fld id="{A4F910E6-8D00-4BAF-8C48-9688E0B449D3}" type="datetime1">
               <a:rPr lang="zh-TW" altLang="en-US" smtClean="0"/>
               <a:pPr/>
-              <a:t>2019/1/8</a:t>
+              <a:t>2019/1/9</a:t>
             </a:fld>
             <a:endParaRPr lang="zh-TW" altLang="en-US"/>
           </a:p>

--- a/15_Ch73_API_Summary.pptx
+++ b/15_Ch73_API_Summary.pptx
@@ -10479,14 +10479,14 @@
           <p:nvPr>
             <p:extLst>
               <p:ext uri="{D42A27DB-BD31-4B8C-83A1-F6EECF244321}">
-                <p14:modId xmlns:p14="http://schemas.microsoft.com/office/powerpoint/2010/main" val="1667710352"/>
+                <p14:modId xmlns:p14="http://schemas.microsoft.com/office/powerpoint/2010/main" val="2036070540"/>
               </p:ext>
             </p:extLst>
           </p:nvPr>
         </p:nvGraphicFramePr>
         <p:xfrm>
-          <a:off x="649760" y="1806246"/>
-          <a:ext cx="7483319" cy="4070642"/>
+          <a:off x="437146" y="1751567"/>
+          <a:ext cx="8167301" cy="4070642"/>
         </p:xfrm>
         <a:graphic>
           <a:graphicData uri="http://schemas.openxmlformats.org/drawingml/2006/table">
@@ -10495,35 +10495,35 @@
                 <a:tableStyleId>{5C22544A-7EE6-4342-B048-85BDC9FD1C3A}</a:tableStyleId>
               </a:tblPr>
               <a:tblGrid>
-                <a:gridCol w="728980">
+                <a:gridCol w="769572">
                   <a:extLst>
                     <a:ext uri="{9D8B030D-6E8A-4147-A177-3AD203B41FA5}">
                       <a16:colId xmlns:a16="http://schemas.microsoft.com/office/drawing/2014/main" val="425712739"/>
                     </a:ext>
                   </a:extLst>
                 </a:gridCol>
-                <a:gridCol w="1877505">
+                <a:gridCol w="1982052">
                   <a:extLst>
                     <a:ext uri="{9D8B030D-6E8A-4147-A177-3AD203B41FA5}">
                       <a16:colId xmlns:a16="http://schemas.microsoft.com/office/drawing/2014/main" val="1870320283"/>
                     </a:ext>
                   </a:extLst>
                 </a:gridCol>
-                <a:gridCol w="821278">
+                <a:gridCol w="742758">
                   <a:extLst>
                     <a:ext uri="{9D8B030D-6E8A-4147-A177-3AD203B41FA5}">
                       <a16:colId xmlns:a16="http://schemas.microsoft.com/office/drawing/2014/main" val="4178682879"/>
                     </a:ext>
                   </a:extLst>
                 </a:gridCol>
-                <a:gridCol w="703580">
+                <a:gridCol w="742758">
                   <a:extLst>
                     <a:ext uri="{9D8B030D-6E8A-4147-A177-3AD203B41FA5}">
                       <a16:colId xmlns:a16="http://schemas.microsoft.com/office/drawing/2014/main" val="3160549755"/>
                     </a:ext>
                   </a:extLst>
                 </a:gridCol>
-                <a:gridCol w="3351976">
+                <a:gridCol w="3930161">
                   <a:extLst>
                     <a:ext uri="{9D8B030D-6E8A-4147-A177-3AD203B41FA5}">
                       <a16:colId xmlns:a16="http://schemas.microsoft.com/office/drawing/2014/main" val="444581452"/>
@@ -10845,8 +10845,12 @@
                     <a:lstStyle/>
                     <a:p>
                       <a:r>
-                        <a:rPr lang="en-US" dirty="0"/>
-                        <a:t>OK</a:t>
+                        <a:rPr lang="en-US" dirty="0">
+                          <a:solidFill>
+                            <a:srgbClr val="FF0000"/>
+                          </a:solidFill>
+                        </a:rPr>
+                        <a:t>NG</a:t>
                       </a:r>
                     </a:p>
                   </a:txBody>
@@ -10867,7 +10871,10 @@
                     <a:bodyPr/>
                     <a:lstStyle/>
                     <a:p>
-                      <a:endParaRPr lang="en-US"/>
+                      <a:r>
+                        <a:rPr lang="en-US" dirty="0"/>
+                        <a:t>Prepare the jar file</a:t>
+                      </a:r>
                     </a:p>
                   </a:txBody>
                   <a:tcPr/>
@@ -10915,8 +10922,12 @@
                     <a:lstStyle/>
                     <a:p>
                       <a:r>
-                        <a:rPr lang="en-US" dirty="0"/>
-                        <a:t>OK</a:t>
+                        <a:rPr lang="en-US" dirty="0">
+                          <a:solidFill>
+                            <a:srgbClr val="FF0000"/>
+                          </a:solidFill>
+                        </a:rPr>
+                        <a:t>NG</a:t>
                       </a:r>
                     </a:p>
                   </a:txBody>
@@ -10937,7 +10948,27 @@
                     <a:bodyPr/>
                     <a:lstStyle/>
                     <a:p>
-                      <a:endParaRPr lang="en-US"/>
+                      <a:pPr marL="0" marR="0" lvl="0" indent="0" algn="l" defTabSz="914400" rtl="0" eaLnBrk="1" fontAlgn="auto" latinLnBrk="0" hangingPunct="1">
+                        <a:lnSpc>
+                          <a:spcPct val="100000"/>
+                        </a:lnSpc>
+                        <a:spcBef>
+                          <a:spcPts val="0"/>
+                        </a:spcBef>
+                        <a:spcAft>
+                          <a:spcPts val="0"/>
+                        </a:spcAft>
+                        <a:buClrTx/>
+                        <a:buSzTx/>
+                        <a:buFontTx/>
+                        <a:buNone/>
+                        <a:tabLst/>
+                        <a:defRPr/>
+                      </a:pPr>
+                      <a:r>
+                        <a:rPr lang="en-US"/>
+                        <a:t>Prepare the jar file</a:t>
+                      </a:r>
                     </a:p>
                   </a:txBody>
                   <a:tcPr/>
@@ -11004,7 +11035,10 @@
                     <a:bodyPr/>
                     <a:lstStyle/>
                     <a:p>
-                      <a:endParaRPr lang="en-US" dirty="0"/>
+                      <a:r>
+                        <a:rPr lang="en-US" dirty="0"/>
+                        <a:t>Sample chart</a:t>
+                      </a:r>
                     </a:p>
                   </a:txBody>
                   <a:tcPr/>
@@ -11071,7 +11105,10 @@
                     <a:bodyPr/>
                     <a:lstStyle/>
                     <a:p>
-                      <a:endParaRPr lang="en-US"/>
+                      <a:r>
+                        <a:rPr lang="en-US" dirty="0"/>
+                        <a:t>Sample chart component report</a:t>
+                      </a:r>
                     </a:p>
                   </a:txBody>
                   <a:tcPr/>
@@ -11116,8 +11153,12 @@
                     <a:lstStyle/>
                     <a:p>
                       <a:r>
-                        <a:rPr lang="en-US" dirty="0"/>
-                        <a:t>OK</a:t>
+                        <a:rPr lang="en-US" dirty="0">
+                          <a:solidFill>
+                            <a:srgbClr val="FF0000"/>
+                          </a:solidFill>
+                        </a:rPr>
+                        <a:t>NG</a:t>
                       </a:r>
                     </a:p>
                   </a:txBody>
@@ -11138,7 +11179,18 @@
                     <a:bodyPr/>
                     <a:lstStyle/>
                     <a:p>
-                      <a:endParaRPr lang="en-US"/>
+                      <a:r>
+                        <a:rPr lang="en-US" dirty="0"/>
+                        <a:t>Use </a:t>
+                      </a:r>
+                      <a:r>
+                        <a:rPr lang="en-US" dirty="0" err="1"/>
+                        <a:t>xlsxdatasource</a:t>
+                      </a:r>
+                      <a:r>
+                        <a:rPr lang="en-US" dirty="0"/>
+                        <a:t> instead</a:t>
+                      </a:r>
                     </a:p>
                   </a:txBody>
                   <a:tcPr/>
@@ -11205,7 +11257,18 @@
                     <a:bodyPr/>
                     <a:lstStyle/>
                     <a:p>
-                      <a:endParaRPr lang="en-US"/>
+                      <a:r>
+                        <a:rPr lang="en-US" dirty="0"/>
+                        <a:t>Parse </a:t>
+                      </a:r>
+                      <a:r>
+                        <a:rPr lang="en-US" dirty="0" err="1"/>
+                        <a:t>xls</a:t>
+                      </a:r>
+                      <a:r>
+                        <a:rPr lang="en-US" dirty="0"/>
+                        <a:t> format and display</a:t>
+                      </a:r>
                     </a:p>
                   </a:txBody>
                   <a:tcPr/>
@@ -11272,7 +11335,10 @@
                     <a:bodyPr/>
                     <a:lstStyle/>
                     <a:p>
-                      <a:endParaRPr lang="en-US" dirty="0"/>
+                      <a:r>
+                        <a:rPr lang="en-US" dirty="0"/>
+                        <a:t>Math formula</a:t>
+                      </a:r>
                     </a:p>
                   </a:txBody>
                   <a:tcPr/>
@@ -11560,14 +11626,14 @@
           <p:nvPr>
             <p:extLst>
               <p:ext uri="{D42A27DB-BD31-4B8C-83A1-F6EECF244321}">
-                <p14:modId xmlns:p14="http://schemas.microsoft.com/office/powerpoint/2010/main" val="511934832"/>
+                <p14:modId xmlns:p14="http://schemas.microsoft.com/office/powerpoint/2010/main" val="1585055750"/>
               </p:ext>
             </p:extLst>
           </p:nvPr>
         </p:nvGraphicFramePr>
         <p:xfrm>
           <a:off x="649760" y="1783228"/>
-          <a:ext cx="6442520" cy="1112520"/>
+          <a:ext cx="7638663" cy="1112520"/>
         </p:xfrm>
         <a:graphic>
           <a:graphicData uri="http://schemas.openxmlformats.org/drawingml/2006/table">
@@ -11583,28 +11649,28 @@
                     </a:ext>
                   </a:extLst>
                 </a:gridCol>
-                <a:gridCol w="2055940">
+                <a:gridCol w="1597025">
                   <a:extLst>
                     <a:ext uri="{9D8B030D-6E8A-4147-A177-3AD203B41FA5}">
                       <a16:colId xmlns:a16="http://schemas.microsoft.com/office/drawing/2014/main" val="1870320283"/>
                     </a:ext>
                   </a:extLst>
                 </a:gridCol>
-                <a:gridCol w="1219200">
+                <a:gridCol w="1086633">
                   <a:extLst>
                     <a:ext uri="{9D8B030D-6E8A-4147-A177-3AD203B41FA5}">
                       <a16:colId xmlns:a16="http://schemas.microsoft.com/office/drawing/2014/main" val="4178682879"/>
                     </a:ext>
                   </a:extLst>
                 </a:gridCol>
-                <a:gridCol w="1219200">
+                <a:gridCol w="824082">
                   <a:extLst>
                     <a:ext uri="{9D8B030D-6E8A-4147-A177-3AD203B41FA5}">
                       <a16:colId xmlns:a16="http://schemas.microsoft.com/office/drawing/2014/main" val="3160549755"/>
                     </a:ext>
                   </a:extLst>
                 </a:gridCol>
-                <a:gridCol w="1219200">
+                <a:gridCol w="3401943">
                   <a:extLst>
                     <a:ext uri="{9D8B030D-6E8A-4147-A177-3AD203B41FA5}">
                       <a16:colId xmlns:a16="http://schemas.microsoft.com/office/drawing/2014/main" val="444581452"/>
@@ -11740,7 +11806,10 @@
                     <a:bodyPr/>
                     <a:lstStyle/>
                     <a:p>
-                      <a:endParaRPr lang="en-US"/>
+                      <a:r>
+                        <a:rPr lang="en-US" dirty="0"/>
+                        <a:t>Parse/display xlsx (Excel format)</a:t>
+                      </a:r>
                     </a:p>
                   </a:txBody>
                   <a:tcPr/>
@@ -11807,7 +11876,10 @@
                     <a:bodyPr/>
                     <a:lstStyle/>
                     <a:p>
-                      <a:endParaRPr lang="en-US" dirty="0"/>
+                      <a:r>
+                        <a:rPr lang="en-US" dirty="0"/>
+                        <a:t>Parse/display  xml format</a:t>
+                      </a:r>
                     </a:p>
                   </a:txBody>
                   <a:tcPr/>

--- a/15_Ch73_API_Summary.pptx
+++ b/15_Ch73_API_Summary.pptx
@@ -5,19 +5,22 @@
     <p:sldMasterId id="2147483648" r:id="rId1"/>
   </p:sldMasterIdLst>
   <p:notesMasterIdLst>
-    <p:notesMasterId r:id="rId12"/>
+    <p:notesMasterId r:id="rId15"/>
   </p:notesMasterIdLst>
   <p:sldIdLst>
     <p:sldId id="256" r:id="rId2"/>
     <p:sldId id="282" r:id="rId3"/>
-    <p:sldId id="283" r:id="rId4"/>
-    <p:sldId id="284" r:id="rId5"/>
-    <p:sldId id="286" r:id="rId6"/>
-    <p:sldId id="287" r:id="rId7"/>
-    <p:sldId id="290" r:id="rId8"/>
-    <p:sldId id="288" r:id="rId9"/>
-    <p:sldId id="289" r:id="rId10"/>
-    <p:sldId id="259" r:id="rId11"/>
+    <p:sldId id="293" r:id="rId4"/>
+    <p:sldId id="292" r:id="rId5"/>
+    <p:sldId id="291" r:id="rId6"/>
+    <p:sldId id="283" r:id="rId7"/>
+    <p:sldId id="284" r:id="rId8"/>
+    <p:sldId id="286" r:id="rId9"/>
+    <p:sldId id="287" r:id="rId10"/>
+    <p:sldId id="290" r:id="rId11"/>
+    <p:sldId id="288" r:id="rId12"/>
+    <p:sldId id="289" r:id="rId13"/>
+    <p:sldId id="259" r:id="rId14"/>
   </p:sldIdLst>
   <p:sldSz cx="9144000" cy="6858000" type="screen4x3"/>
   <p:notesSz cx="6858000" cy="9144000"/>
@@ -3617,6 +3620,2792 @@
         </p:nvSpPr>
         <p:spPr>
           <a:xfrm>
+            <a:off x="0" y="1"/>
+            <a:ext cx="9144000" cy="764704"/>
+          </a:xfrm>
+          <a:gradFill flip="none" rotWithShape="1">
+            <a:gsLst>
+              <a:gs pos="0">
+                <a:srgbClr val="C00000">
+                  <a:shade val="30000"/>
+                  <a:satMod val="115000"/>
+                </a:srgbClr>
+              </a:gs>
+              <a:gs pos="50000">
+                <a:srgbClr val="C00000">
+                  <a:shade val="67500"/>
+                  <a:satMod val="115000"/>
+                </a:srgbClr>
+              </a:gs>
+              <a:gs pos="100000">
+                <a:srgbClr val="C00000">
+                  <a:shade val="100000"/>
+                  <a:satMod val="115000"/>
+                </a:srgbClr>
+              </a:gs>
+            </a:gsLst>
+            <a:path path="circle">
+              <a:fillToRect t="100000" r="100000"/>
+            </a:path>
+            <a:tileRect l="-100000" b="-100000"/>
+          </a:gradFill>
+        </p:spPr>
+        <p:txBody>
+          <a:bodyPr/>
+          <a:lstStyle/>
+          <a:p>
+            <a:pPr algn="l"/>
+            <a:r>
+              <a:rPr lang="en-US" altLang="zh-TW" b="1" dirty="0">
+                <a:solidFill>
+                  <a:srgbClr val="FFFF00"/>
+                </a:solidFill>
+              </a:rPr>
+              <a:t>73 JasperReports API Summary</a:t>
+            </a:r>
+            <a:endParaRPr lang="zh-TW" altLang="en-US" b="1" dirty="0">
+              <a:solidFill>
+                <a:srgbClr val="FFFF00"/>
+              </a:solidFill>
+            </a:endParaRPr>
+          </a:p>
+        </p:txBody>
+      </p:sp>
+      <p:sp>
+        <p:nvSpPr>
+          <p:cNvPr id="3" name="副標題 2"/>
+          <p:cNvSpPr>
+            <a:spLocks noGrp="1"/>
+          </p:cNvSpPr>
+          <p:nvPr>
+            <p:ph type="subTitle" idx="1"/>
+          </p:nvPr>
+        </p:nvSpPr>
+        <p:spPr>
+          <a:xfrm>
+            <a:off x="467544" y="1340767"/>
+            <a:ext cx="8136904" cy="288033"/>
+          </a:xfrm>
+          <a:ln>
+            <a:solidFill>
+              <a:srgbClr val="C00000"/>
+            </a:solidFill>
+          </a:ln>
+        </p:spPr>
+        <p:txBody>
+          <a:bodyPr>
+            <a:noAutofit/>
+          </a:bodyPr>
+          <a:lstStyle/>
+          <a:p>
+            <a:pPr marL="342900" indent="-342900" algn="l">
+              <a:buClr>
+                <a:srgbClr val="0070C0"/>
+              </a:buClr>
+              <a:buSzPct val="80000"/>
+              <a:buFont typeface="Wingdings" pitchFamily="2" charset="2"/>
+              <a:buChar char="u"/>
+            </a:pPr>
+            <a:r>
+              <a:rPr lang="en-US" sz="1800" b="1" dirty="0">
+                <a:solidFill>
+                  <a:schemeClr val="tx1"/>
+                </a:solidFill>
+              </a:rPr>
+              <a:t>JasperReport API Summary</a:t>
+            </a:r>
+            <a:endParaRPr lang="en-US" sz="1800" dirty="0">
+              <a:solidFill>
+                <a:schemeClr val="tx1"/>
+              </a:solidFill>
+            </a:endParaRPr>
+          </a:p>
+        </p:txBody>
+      </p:sp>
+      <p:sp>
+        <p:nvSpPr>
+          <p:cNvPr id="4" name="標題 1"/>
+          <p:cNvSpPr txBox="1">
+            <a:spLocks/>
+          </p:cNvSpPr>
+          <p:nvPr/>
+        </p:nvSpPr>
+        <p:spPr>
+          <a:xfrm>
+            <a:off x="0" y="764704"/>
+            <a:ext cx="9144000" cy="398616"/>
+          </a:xfrm>
+          <a:prstGeom prst="rect">
+            <a:avLst/>
+          </a:prstGeom>
+          <a:gradFill flip="none" rotWithShape="1">
+            <a:gsLst>
+              <a:gs pos="0">
+                <a:srgbClr val="00B0F0">
+                  <a:shade val="30000"/>
+                  <a:satMod val="115000"/>
+                </a:srgbClr>
+              </a:gs>
+              <a:gs pos="50000">
+                <a:srgbClr val="00B0F0">
+                  <a:shade val="67500"/>
+                  <a:satMod val="115000"/>
+                </a:srgbClr>
+              </a:gs>
+              <a:gs pos="100000">
+                <a:srgbClr val="00B0F0">
+                  <a:shade val="100000"/>
+                  <a:satMod val="115000"/>
+                </a:srgbClr>
+              </a:gs>
+            </a:gsLst>
+            <a:path path="circle">
+              <a:fillToRect t="100000" r="100000"/>
+            </a:path>
+            <a:tileRect l="-100000" b="-100000"/>
+          </a:gradFill>
+        </p:spPr>
+        <p:txBody>
+          <a:bodyPr vert="horz" lIns="91440" tIns="45720" rIns="91440" bIns="45720" rtlCol="0" anchor="ctr">
+            <a:normAutofit/>
+          </a:bodyPr>
+          <a:lstStyle/>
+          <a:p>
+            <a:r>
+              <a:rPr lang="en-US" altLang="zh-TW" sz="1600" b="1" i="1" dirty="0"/>
+              <a:t>https://community.jaspersoft.com/project/jasperreports-library</a:t>
+            </a:r>
+          </a:p>
+        </p:txBody>
+      </p:sp>
+      <p:sp>
+        <p:nvSpPr>
+          <p:cNvPr id="5" name="日期版面配置區 4"/>
+          <p:cNvSpPr>
+            <a:spLocks noGrp="1"/>
+          </p:cNvSpPr>
+          <p:nvPr>
+            <p:ph type="dt" sz="half" idx="10"/>
+          </p:nvPr>
+        </p:nvSpPr>
+        <p:spPr>
+          <a:xfrm>
+            <a:off x="457200" y="6356350"/>
+            <a:ext cx="2133600" cy="404246"/>
+          </a:xfrm>
+        </p:spPr>
+        <p:txBody>
+          <a:bodyPr/>
+          <a:lstStyle/>
+          <a:p>
+            <a:fld id="{A4F910E6-8D00-4BAF-8C48-9688E0B449D3}" type="datetime1">
+              <a:rPr lang="zh-TW" altLang="en-US" smtClean="0"/>
+              <a:pPr/>
+              <a:t>2019/1/9</a:t>
+            </a:fld>
+            <a:endParaRPr lang="zh-TW" altLang="en-US"/>
+          </a:p>
+        </p:txBody>
+      </p:sp>
+      <p:sp>
+        <p:nvSpPr>
+          <p:cNvPr id="6" name="投影片編號版面配置區 5"/>
+          <p:cNvSpPr>
+            <a:spLocks noGrp="1"/>
+          </p:cNvSpPr>
+          <p:nvPr>
+            <p:ph type="sldNum" sz="quarter" idx="12"/>
+          </p:nvPr>
+        </p:nvSpPr>
+        <p:spPr>
+          <a:xfrm>
+            <a:off x="6553200" y="6356350"/>
+            <a:ext cx="2133600" cy="404246"/>
+          </a:xfrm>
+        </p:spPr>
+        <p:txBody>
+          <a:bodyPr/>
+          <a:lstStyle/>
+          <a:p>
+            <a:fld id="{E4D7E63D-91F2-4366-A2C4-1B00C9E2590E}" type="slidenum">
+              <a:rPr lang="zh-TW" altLang="en-US" smtClean="0"/>
+              <a:pPr/>
+              <a:t>10</a:t>
+            </a:fld>
+            <a:endParaRPr lang="zh-TW" altLang="en-US" dirty="0"/>
+          </a:p>
+        </p:txBody>
+      </p:sp>
+      <p:graphicFrame>
+        <p:nvGraphicFramePr>
+          <p:cNvPr id="7" name="Table 6">
+            <a:extLst>
+              <a:ext uri="{FF2B5EF4-FFF2-40B4-BE49-F238E27FC236}">
+                <a16:creationId xmlns:a16="http://schemas.microsoft.com/office/drawing/2014/main" id="{2F281886-0CEB-40B3-9499-B4528515AAB5}"/>
+              </a:ext>
+            </a:extLst>
+          </p:cNvPr>
+          <p:cNvGraphicFramePr>
+            <a:graphicFrameLocks noGrp="1"/>
+          </p:cNvGraphicFramePr>
+          <p:nvPr>
+            <p:extLst>
+              <p:ext uri="{D42A27DB-BD31-4B8C-83A1-F6EECF244321}">
+                <p14:modId xmlns:p14="http://schemas.microsoft.com/office/powerpoint/2010/main" val="2357416474"/>
+              </p:ext>
+            </p:extLst>
+          </p:nvPr>
+        </p:nvGraphicFramePr>
+        <p:xfrm>
+          <a:off x="467545" y="1731990"/>
+          <a:ext cx="8117823" cy="4055690"/>
+        </p:xfrm>
+        <a:graphic>
+          <a:graphicData uri="http://schemas.openxmlformats.org/drawingml/2006/table">
+            <a:tbl>
+              <a:tblPr firstRow="1" bandRow="1">
+                <a:tableStyleId>{5C22544A-7EE6-4342-B048-85BDC9FD1C3A}</a:tableStyleId>
+              </a:tblPr>
+              <a:tblGrid>
+                <a:gridCol w="748147">
+                  <a:extLst>
+                    <a:ext uri="{9D8B030D-6E8A-4147-A177-3AD203B41FA5}">
+                      <a16:colId xmlns:a16="http://schemas.microsoft.com/office/drawing/2014/main" val="425712739"/>
+                    </a:ext>
+                  </a:extLst>
+                </a:gridCol>
+                <a:gridCol w="2357120">
+                  <a:extLst>
+                    <a:ext uri="{9D8B030D-6E8A-4147-A177-3AD203B41FA5}">
+                      <a16:colId xmlns:a16="http://schemas.microsoft.com/office/drawing/2014/main" val="1870320283"/>
+                    </a:ext>
+                  </a:extLst>
+                </a:gridCol>
+                <a:gridCol w="722080">
+                  <a:extLst>
+                    <a:ext uri="{9D8B030D-6E8A-4147-A177-3AD203B41FA5}">
+                      <a16:colId xmlns:a16="http://schemas.microsoft.com/office/drawing/2014/main" val="4178682879"/>
+                    </a:ext>
+                  </a:extLst>
+                </a:gridCol>
+                <a:gridCol w="722080">
+                  <a:extLst>
+                    <a:ext uri="{9D8B030D-6E8A-4147-A177-3AD203B41FA5}">
+                      <a16:colId xmlns:a16="http://schemas.microsoft.com/office/drawing/2014/main" val="3160549755"/>
+                    </a:ext>
+                  </a:extLst>
+                </a:gridCol>
+                <a:gridCol w="3568396">
+                  <a:extLst>
+                    <a:ext uri="{9D8B030D-6E8A-4147-A177-3AD203B41FA5}">
+                      <a16:colId xmlns:a16="http://schemas.microsoft.com/office/drawing/2014/main" val="444581452"/>
+                    </a:ext>
+                  </a:extLst>
+                </a:gridCol>
+              </a:tblGrid>
+              <a:tr h="368993">
+                <a:tc>
+                  <a:txBody>
+                    <a:bodyPr/>
+                    <a:lstStyle/>
+                    <a:p>
+                      <a:r>
+                        <a:rPr lang="en-US" dirty="0"/>
+                        <a:t>S. No</a:t>
+                      </a:r>
+                    </a:p>
+                  </a:txBody>
+                  <a:tcPr/>
+                </a:tc>
+                <a:tc>
+                  <a:txBody>
+                    <a:bodyPr/>
+                    <a:lstStyle/>
+                    <a:p>
+                      <a:r>
+                        <a:rPr lang="en-US" dirty="0"/>
+                        <a:t>Item</a:t>
+                      </a:r>
+                    </a:p>
+                  </a:txBody>
+                  <a:tcPr/>
+                </a:tc>
+                <a:tc>
+                  <a:txBody>
+                    <a:bodyPr/>
+                    <a:lstStyle/>
+                    <a:p>
+                      <a:r>
+                        <a:rPr lang="en-US" dirty="0"/>
+                        <a:t>7.6.0</a:t>
+                      </a:r>
+                    </a:p>
+                  </a:txBody>
+                  <a:tcPr/>
+                </a:tc>
+                <a:tc>
+                  <a:txBody>
+                    <a:bodyPr/>
+                    <a:lstStyle/>
+                    <a:p>
+                      <a:r>
+                        <a:rPr lang="en-US" dirty="0"/>
+                        <a:t>5.5.1</a:t>
+                      </a:r>
+                    </a:p>
+                  </a:txBody>
+                  <a:tcPr/>
+                </a:tc>
+                <a:tc>
+                  <a:txBody>
+                    <a:bodyPr/>
+                    <a:lstStyle/>
+                    <a:p>
+                      <a:r>
+                        <a:rPr lang="en-US" dirty="0"/>
+                        <a:t>Comment</a:t>
+                      </a:r>
+                    </a:p>
+                  </a:txBody>
+                  <a:tcPr/>
+                </a:tc>
+                <a:extLst>
+                  <a:ext uri="{0D108BD9-81ED-4DB2-BD59-A6C34878D82A}">
+                    <a16:rowId xmlns:a16="http://schemas.microsoft.com/office/drawing/2014/main" val="2418573495"/>
+                  </a:ext>
+                </a:extLst>
+              </a:tr>
+              <a:tr h="368993">
+                <a:tc>
+                  <a:txBody>
+                    <a:bodyPr/>
+                    <a:lstStyle/>
+                    <a:p>
+                      <a:r>
+                        <a:rPr lang="en-US" dirty="0"/>
+                        <a:t>51</a:t>
+                      </a:r>
+                    </a:p>
+                  </a:txBody>
+                  <a:tcPr/>
+                </a:tc>
+                <a:tc>
+                  <a:txBody>
+                    <a:bodyPr/>
+                    <a:lstStyle/>
+                    <a:p>
+                      <a:r>
+                        <a:rPr lang="en-US" dirty="0" err="1"/>
+                        <a:t>scriptlet</a:t>
+                      </a:r>
+                      <a:endParaRPr lang="en-US" dirty="0"/>
+                    </a:p>
+                  </a:txBody>
+                  <a:tcPr/>
+                </a:tc>
+                <a:tc>
+                  <a:txBody>
+                    <a:bodyPr/>
+                    <a:lstStyle/>
+                    <a:p>
+                      <a:r>
+                        <a:rPr lang="en-US" dirty="0"/>
+                        <a:t>OK</a:t>
+                      </a:r>
+                    </a:p>
+                  </a:txBody>
+                  <a:tcPr/>
+                </a:tc>
+                <a:tc>
+                  <a:txBody>
+                    <a:bodyPr/>
+                    <a:lstStyle/>
+                    <a:p>
+                      <a:endParaRPr lang="en-US"/>
+                    </a:p>
+                  </a:txBody>
+                  <a:tcPr/>
+                </a:tc>
+                <a:tc>
+                  <a:txBody>
+                    <a:bodyPr/>
+                    <a:lstStyle/>
+                    <a:p>
+                      <a:r>
+                        <a:rPr lang="en-US" dirty="0"/>
+                        <a:t>Group of Script </a:t>
+                      </a:r>
+                    </a:p>
+                  </a:txBody>
+                  <a:tcPr/>
+                </a:tc>
+                <a:extLst>
+                  <a:ext uri="{0D108BD9-81ED-4DB2-BD59-A6C34878D82A}">
+                    <a16:rowId xmlns:a16="http://schemas.microsoft.com/office/drawing/2014/main" val="1952171255"/>
+                  </a:ext>
+                </a:extLst>
+              </a:tr>
+              <a:tr h="308704">
+                <a:tc>
+                  <a:txBody>
+                    <a:bodyPr/>
+                    <a:lstStyle/>
+                    <a:p>
+                      <a:r>
+                        <a:rPr lang="en-US" dirty="0"/>
+                        <a:t>52</a:t>
+                      </a:r>
+                    </a:p>
+                  </a:txBody>
+                  <a:tcPr/>
+                </a:tc>
+                <a:tc>
+                  <a:txBody>
+                    <a:bodyPr/>
+                    <a:lstStyle/>
+                    <a:p>
+                      <a:r>
+                        <a:rPr lang="en-US" dirty="0"/>
+                        <a:t>shapes</a:t>
+                      </a:r>
+                    </a:p>
+                  </a:txBody>
+                  <a:tcPr/>
+                </a:tc>
+                <a:tc>
+                  <a:txBody>
+                    <a:bodyPr/>
+                    <a:lstStyle/>
+                    <a:p>
+                      <a:r>
+                        <a:rPr lang="en-US" dirty="0"/>
+                        <a:t>OK</a:t>
+                      </a:r>
+                    </a:p>
+                  </a:txBody>
+                  <a:tcPr/>
+                </a:tc>
+                <a:tc>
+                  <a:txBody>
+                    <a:bodyPr/>
+                    <a:lstStyle/>
+                    <a:p>
+                      <a:endParaRPr lang="en-US" dirty="0"/>
+                    </a:p>
+                  </a:txBody>
+                  <a:tcPr/>
+                </a:tc>
+                <a:tc>
+                  <a:txBody>
+                    <a:bodyPr/>
+                    <a:lstStyle/>
+                    <a:p>
+                      <a:r>
+                        <a:rPr lang="en-US" dirty="0"/>
+                        <a:t>Rotate shapes</a:t>
+                      </a:r>
+                    </a:p>
+                  </a:txBody>
+                  <a:tcPr/>
+                </a:tc>
+                <a:extLst>
+                  <a:ext uri="{0D108BD9-81ED-4DB2-BD59-A6C34878D82A}">
+                    <a16:rowId xmlns:a16="http://schemas.microsoft.com/office/drawing/2014/main" val="1660790555"/>
+                  </a:ext>
+                </a:extLst>
+              </a:tr>
+              <a:tr h="368993">
+                <a:tc>
+                  <a:txBody>
+                    <a:bodyPr/>
+                    <a:lstStyle/>
+                    <a:p>
+                      <a:r>
+                        <a:rPr lang="en-US" dirty="0"/>
+                        <a:t>53</a:t>
+                      </a:r>
+                    </a:p>
+                  </a:txBody>
+                  <a:tcPr/>
+                </a:tc>
+                <a:tc>
+                  <a:txBody>
+                    <a:bodyPr/>
+                    <a:lstStyle/>
+                    <a:p>
+                      <a:r>
+                        <a:rPr lang="en-US" dirty="0" err="1"/>
+                        <a:t>spiderchartcomponent</a:t>
+                      </a:r>
+                      <a:endParaRPr lang="en-US" dirty="0"/>
+                    </a:p>
+                  </a:txBody>
+                  <a:tcPr/>
+                </a:tc>
+                <a:tc>
+                  <a:txBody>
+                    <a:bodyPr/>
+                    <a:lstStyle/>
+                    <a:p>
+                      <a:r>
+                        <a:rPr lang="en-US" dirty="0"/>
+                        <a:t>OK</a:t>
+                      </a:r>
+                    </a:p>
+                  </a:txBody>
+                  <a:tcPr/>
+                </a:tc>
+                <a:tc>
+                  <a:txBody>
+                    <a:bodyPr/>
+                    <a:lstStyle/>
+                    <a:p>
+                      <a:endParaRPr lang="en-US"/>
+                    </a:p>
+                  </a:txBody>
+                  <a:tcPr/>
+                </a:tc>
+                <a:tc>
+                  <a:txBody>
+                    <a:bodyPr/>
+                    <a:lstStyle/>
+                    <a:p>
+                      <a:r>
+                        <a:rPr lang="en-US" dirty="0"/>
+                        <a:t>Spider chart</a:t>
+                      </a:r>
+                    </a:p>
+                  </a:txBody>
+                  <a:tcPr/>
+                </a:tc>
+                <a:extLst>
+                  <a:ext uri="{0D108BD9-81ED-4DB2-BD59-A6C34878D82A}">
+                    <a16:rowId xmlns:a16="http://schemas.microsoft.com/office/drawing/2014/main" val="1614621968"/>
+                  </a:ext>
+                </a:extLst>
+              </a:tr>
+              <a:tr h="368993">
+                <a:tc>
+                  <a:txBody>
+                    <a:bodyPr/>
+                    <a:lstStyle/>
+                    <a:p>
+                      <a:r>
+                        <a:rPr lang="en-US" dirty="0"/>
+                        <a:t>54</a:t>
+                      </a:r>
+                    </a:p>
+                  </a:txBody>
+                  <a:tcPr/>
+                </a:tc>
+                <a:tc>
+                  <a:txBody>
+                    <a:bodyPr/>
+                    <a:lstStyle/>
+                    <a:p>
+                      <a:r>
+                        <a:rPr lang="en-US" dirty="0"/>
+                        <a:t>stretch</a:t>
+                      </a:r>
+                    </a:p>
+                  </a:txBody>
+                  <a:tcPr/>
+                </a:tc>
+                <a:tc>
+                  <a:txBody>
+                    <a:bodyPr/>
+                    <a:lstStyle/>
+                    <a:p>
+                      <a:r>
+                        <a:rPr lang="en-US" dirty="0"/>
+                        <a:t>OK</a:t>
+                      </a:r>
+                    </a:p>
+                  </a:txBody>
+                  <a:tcPr/>
+                </a:tc>
+                <a:tc>
+                  <a:txBody>
+                    <a:bodyPr/>
+                    <a:lstStyle/>
+                    <a:p>
+                      <a:endParaRPr lang="en-US"/>
+                    </a:p>
+                  </a:txBody>
+                  <a:tcPr/>
+                </a:tc>
+                <a:tc>
+                  <a:txBody>
+                    <a:bodyPr/>
+                    <a:lstStyle/>
+                    <a:p>
+                      <a:endParaRPr lang="en-US" dirty="0"/>
+                    </a:p>
+                  </a:txBody>
+                  <a:tcPr/>
+                </a:tc>
+                <a:extLst>
+                  <a:ext uri="{0D108BD9-81ED-4DB2-BD59-A6C34878D82A}">
+                    <a16:rowId xmlns:a16="http://schemas.microsoft.com/office/drawing/2014/main" val="665300491"/>
+                  </a:ext>
+                </a:extLst>
+              </a:tr>
+              <a:tr h="368993">
+                <a:tc>
+                  <a:txBody>
+                    <a:bodyPr/>
+                    <a:lstStyle/>
+                    <a:p>
+                      <a:r>
+                        <a:rPr lang="en-US" dirty="0"/>
+                        <a:t>55</a:t>
+                      </a:r>
+                    </a:p>
+                  </a:txBody>
+                  <a:tcPr/>
+                </a:tc>
+                <a:tc>
+                  <a:txBody>
+                    <a:bodyPr/>
+                    <a:lstStyle/>
+                    <a:p>
+                      <a:r>
+                        <a:rPr lang="en-US" dirty="0" err="1"/>
+                        <a:t>styledtext</a:t>
+                      </a:r>
+                      <a:endParaRPr lang="en-US" dirty="0"/>
+                    </a:p>
+                  </a:txBody>
+                  <a:tcPr/>
+                </a:tc>
+                <a:tc>
+                  <a:txBody>
+                    <a:bodyPr/>
+                    <a:lstStyle/>
+                    <a:p>
+                      <a:r>
+                        <a:rPr lang="en-US" dirty="0"/>
+                        <a:t>OK</a:t>
+                      </a:r>
+                    </a:p>
+                  </a:txBody>
+                  <a:tcPr/>
+                </a:tc>
+                <a:tc>
+                  <a:txBody>
+                    <a:bodyPr/>
+                    <a:lstStyle/>
+                    <a:p>
+                      <a:endParaRPr lang="en-US"/>
+                    </a:p>
+                  </a:txBody>
+                  <a:tcPr/>
+                </a:tc>
+                <a:tc>
+                  <a:txBody>
+                    <a:bodyPr/>
+                    <a:lstStyle/>
+                    <a:p>
+                      <a:r>
+                        <a:rPr lang="en-US" dirty="0"/>
+                        <a:t>Style</a:t>
+                      </a:r>
+                    </a:p>
+                  </a:txBody>
+                  <a:tcPr/>
+                </a:tc>
+                <a:extLst>
+                  <a:ext uri="{0D108BD9-81ED-4DB2-BD59-A6C34878D82A}">
+                    <a16:rowId xmlns:a16="http://schemas.microsoft.com/office/drawing/2014/main" val="4230082323"/>
+                  </a:ext>
+                </a:extLst>
+              </a:tr>
+              <a:tr h="368993">
+                <a:tc>
+                  <a:txBody>
+                    <a:bodyPr/>
+                    <a:lstStyle/>
+                    <a:p>
+                      <a:r>
+                        <a:rPr lang="en-US" dirty="0"/>
+                        <a:t>56</a:t>
+                      </a:r>
+                    </a:p>
+                  </a:txBody>
+                  <a:tcPr/>
+                </a:tc>
+                <a:tc>
+                  <a:txBody>
+                    <a:bodyPr/>
+                    <a:lstStyle/>
+                    <a:p>
+                      <a:r>
+                        <a:rPr lang="en-US" dirty="0" err="1"/>
+                        <a:t>subreport</a:t>
+                      </a:r>
+                      <a:endParaRPr lang="en-US" dirty="0"/>
+                    </a:p>
+                  </a:txBody>
+                  <a:tcPr/>
+                </a:tc>
+                <a:tc>
+                  <a:txBody>
+                    <a:bodyPr/>
+                    <a:lstStyle/>
+                    <a:p>
+                      <a:r>
+                        <a:rPr lang="en-US" dirty="0"/>
+                        <a:t>OK</a:t>
+                      </a:r>
+                    </a:p>
+                  </a:txBody>
+                  <a:tcPr/>
+                </a:tc>
+                <a:tc>
+                  <a:txBody>
+                    <a:bodyPr/>
+                    <a:lstStyle/>
+                    <a:p>
+                      <a:endParaRPr lang="en-US" dirty="0"/>
+                    </a:p>
+                  </a:txBody>
+                  <a:tcPr/>
+                </a:tc>
+                <a:tc>
+                  <a:txBody>
+                    <a:bodyPr/>
+                    <a:lstStyle/>
+                    <a:p>
+                      <a:r>
+                        <a:rPr lang="en-US" dirty="0"/>
+                        <a:t>Sub-report</a:t>
+                      </a:r>
+                    </a:p>
+                  </a:txBody>
+                  <a:tcPr/>
+                </a:tc>
+                <a:extLst>
+                  <a:ext uri="{0D108BD9-81ED-4DB2-BD59-A6C34878D82A}">
+                    <a16:rowId xmlns:a16="http://schemas.microsoft.com/office/drawing/2014/main" val="2715077805"/>
+                  </a:ext>
+                </a:extLst>
+              </a:tr>
+              <a:tr h="368993">
+                <a:tc>
+                  <a:txBody>
+                    <a:bodyPr/>
+                    <a:lstStyle/>
+                    <a:p>
+                      <a:r>
+                        <a:rPr lang="en-US" dirty="0"/>
+                        <a:t>57</a:t>
+                      </a:r>
+                    </a:p>
+                  </a:txBody>
+                  <a:tcPr/>
+                </a:tc>
+                <a:tc>
+                  <a:txBody>
+                    <a:bodyPr/>
+                    <a:lstStyle/>
+                    <a:p>
+                      <a:r>
+                        <a:rPr lang="en-US" dirty="0"/>
+                        <a:t>table</a:t>
+                      </a:r>
+                    </a:p>
+                  </a:txBody>
+                  <a:tcPr/>
+                </a:tc>
+                <a:tc>
+                  <a:txBody>
+                    <a:bodyPr/>
+                    <a:lstStyle/>
+                    <a:p>
+                      <a:r>
+                        <a:rPr lang="en-US" dirty="0"/>
+                        <a:t>OK</a:t>
+                      </a:r>
+                    </a:p>
+                  </a:txBody>
+                  <a:tcPr/>
+                </a:tc>
+                <a:tc>
+                  <a:txBody>
+                    <a:bodyPr/>
+                    <a:lstStyle/>
+                    <a:p>
+                      <a:endParaRPr lang="en-US"/>
+                    </a:p>
+                  </a:txBody>
+                  <a:tcPr/>
+                </a:tc>
+                <a:tc>
+                  <a:txBody>
+                    <a:bodyPr/>
+                    <a:lstStyle/>
+                    <a:p>
+                      <a:r>
+                        <a:rPr lang="en-US" dirty="0"/>
+                        <a:t>Table (same as tabular)</a:t>
+                      </a:r>
+                    </a:p>
+                  </a:txBody>
+                  <a:tcPr/>
+                </a:tc>
+                <a:extLst>
+                  <a:ext uri="{0D108BD9-81ED-4DB2-BD59-A6C34878D82A}">
+                    <a16:rowId xmlns:a16="http://schemas.microsoft.com/office/drawing/2014/main" val="1614136013"/>
+                  </a:ext>
+                </a:extLst>
+              </a:tr>
+              <a:tr h="368993">
+                <a:tc>
+                  <a:txBody>
+                    <a:bodyPr/>
+                    <a:lstStyle/>
+                    <a:p>
+                      <a:r>
+                        <a:rPr lang="en-US" dirty="0"/>
+                        <a:t>58</a:t>
+                      </a:r>
+                    </a:p>
+                  </a:txBody>
+                  <a:tcPr/>
+                </a:tc>
+                <a:tc>
+                  <a:txBody>
+                    <a:bodyPr/>
+                    <a:lstStyle/>
+                    <a:p>
+                      <a:r>
+                        <a:rPr lang="en-US" dirty="0" err="1"/>
+                        <a:t>tableofcontents</a:t>
+                      </a:r>
+                      <a:endParaRPr lang="en-US" dirty="0"/>
+                    </a:p>
+                  </a:txBody>
+                  <a:tcPr/>
+                </a:tc>
+                <a:tc>
+                  <a:txBody>
+                    <a:bodyPr/>
+                    <a:lstStyle/>
+                    <a:p>
+                      <a:r>
+                        <a:rPr lang="en-US" dirty="0"/>
+                        <a:t>OK</a:t>
+                      </a:r>
+                    </a:p>
+                  </a:txBody>
+                  <a:tcPr/>
+                </a:tc>
+                <a:tc>
+                  <a:txBody>
+                    <a:bodyPr/>
+                    <a:lstStyle/>
+                    <a:p>
+                      <a:endParaRPr lang="en-US"/>
+                    </a:p>
+                  </a:txBody>
+                  <a:tcPr/>
+                </a:tc>
+                <a:tc>
+                  <a:txBody>
+                    <a:bodyPr/>
+                    <a:lstStyle/>
+                    <a:p>
+                      <a:r>
+                        <a:rPr lang="en-US" dirty="0"/>
+                        <a:t>Table of content</a:t>
+                      </a:r>
+                    </a:p>
+                  </a:txBody>
+                  <a:tcPr/>
+                </a:tc>
+                <a:extLst>
+                  <a:ext uri="{0D108BD9-81ED-4DB2-BD59-A6C34878D82A}">
+                    <a16:rowId xmlns:a16="http://schemas.microsoft.com/office/drawing/2014/main" val="3027132816"/>
+                  </a:ext>
+                </a:extLst>
+              </a:tr>
+              <a:tr h="368993">
+                <a:tc>
+                  <a:txBody>
+                    <a:bodyPr/>
+                    <a:lstStyle/>
+                    <a:p>
+                      <a:r>
+                        <a:rPr lang="en-US" dirty="0"/>
+                        <a:t>59</a:t>
+                      </a:r>
+                    </a:p>
+                  </a:txBody>
+                  <a:tcPr/>
+                </a:tc>
+                <a:tc>
+                  <a:txBody>
+                    <a:bodyPr/>
+                    <a:lstStyle/>
+                    <a:p>
+                      <a:r>
+                        <a:rPr lang="en-US" dirty="0"/>
+                        <a:t>tabular</a:t>
+                      </a:r>
+                    </a:p>
+                  </a:txBody>
+                  <a:tcPr/>
+                </a:tc>
+                <a:tc>
+                  <a:txBody>
+                    <a:bodyPr/>
+                    <a:lstStyle/>
+                    <a:p>
+                      <a:r>
+                        <a:rPr lang="en-US" dirty="0"/>
+                        <a:t>OK</a:t>
+                      </a:r>
+                    </a:p>
+                  </a:txBody>
+                  <a:tcPr/>
+                </a:tc>
+                <a:tc>
+                  <a:txBody>
+                    <a:bodyPr/>
+                    <a:lstStyle/>
+                    <a:p>
+                      <a:endParaRPr lang="en-US"/>
+                    </a:p>
+                  </a:txBody>
+                  <a:tcPr/>
+                </a:tc>
+                <a:tc>
+                  <a:txBody>
+                    <a:bodyPr/>
+                    <a:lstStyle/>
+                    <a:p>
+                      <a:r>
+                        <a:rPr lang="en-US" dirty="0"/>
+                        <a:t>Tabular (same as table)</a:t>
+                      </a:r>
+                    </a:p>
+                  </a:txBody>
+                  <a:tcPr/>
+                </a:tc>
+                <a:extLst>
+                  <a:ext uri="{0D108BD9-81ED-4DB2-BD59-A6C34878D82A}">
+                    <a16:rowId xmlns:a16="http://schemas.microsoft.com/office/drawing/2014/main" val="2583647039"/>
+                  </a:ext>
+                </a:extLst>
+              </a:tr>
+              <a:tr h="368993">
+                <a:tc>
+                  <a:txBody>
+                    <a:bodyPr/>
+                    <a:lstStyle/>
+                    <a:p>
+                      <a:r>
+                        <a:rPr lang="en-US" dirty="0"/>
+                        <a:t>60</a:t>
+                      </a:r>
+                    </a:p>
+                  </a:txBody>
+                  <a:tcPr/>
+                </a:tc>
+                <a:tc>
+                  <a:txBody>
+                    <a:bodyPr/>
+                    <a:lstStyle/>
+                    <a:p>
+                      <a:r>
+                        <a:rPr lang="en-US" dirty="0"/>
+                        <a:t>templates</a:t>
+                      </a:r>
+                    </a:p>
+                  </a:txBody>
+                  <a:tcPr/>
+                </a:tc>
+                <a:tc>
+                  <a:txBody>
+                    <a:bodyPr/>
+                    <a:lstStyle/>
+                    <a:p>
+                      <a:r>
+                        <a:rPr lang="en-US" dirty="0"/>
+                        <a:t>OK</a:t>
+                      </a:r>
+                    </a:p>
+                  </a:txBody>
+                  <a:tcPr/>
+                </a:tc>
+                <a:tc>
+                  <a:txBody>
+                    <a:bodyPr/>
+                    <a:lstStyle/>
+                    <a:p>
+                      <a:endParaRPr lang="en-US"/>
+                    </a:p>
+                  </a:txBody>
+                  <a:tcPr/>
+                </a:tc>
+                <a:tc>
+                  <a:txBody>
+                    <a:bodyPr/>
+                    <a:lstStyle/>
+                    <a:p>
+                      <a:r>
+                        <a:rPr lang="en-US" dirty="0"/>
+                        <a:t>Varied styles </a:t>
+                      </a:r>
+                      <a:r>
+                        <a:rPr lang="en-US"/>
+                        <a:t>and backgrounds</a:t>
+                      </a:r>
+                      <a:endParaRPr lang="en-US" dirty="0"/>
+                    </a:p>
+                  </a:txBody>
+                  <a:tcPr/>
+                </a:tc>
+                <a:extLst>
+                  <a:ext uri="{0D108BD9-81ED-4DB2-BD59-A6C34878D82A}">
+                    <a16:rowId xmlns:a16="http://schemas.microsoft.com/office/drawing/2014/main" val="3231393431"/>
+                  </a:ext>
+                </a:extLst>
+              </a:tr>
+            </a:tbl>
+          </a:graphicData>
+        </a:graphic>
+      </p:graphicFrame>
+    </p:spTree>
+    <p:extLst>
+      <p:ext uri="{BB962C8B-B14F-4D97-AF65-F5344CB8AC3E}">
+        <p14:creationId xmlns:p14="http://schemas.microsoft.com/office/powerpoint/2010/main" val="3974917486"/>
+      </p:ext>
+    </p:extLst>
+  </p:cSld>
+  <p:clrMapOvr>
+    <a:masterClrMapping/>
+  </p:clrMapOvr>
+</p:sld>
+</file>
+
+<file path=ppt/slides/slide11.xml><?xml version="1.0" encoding="utf-8"?>
+<p:sld xmlns:a="http://schemas.openxmlformats.org/drawingml/2006/main" xmlns:r="http://schemas.openxmlformats.org/officeDocument/2006/relationships" xmlns:p="http://schemas.openxmlformats.org/presentationml/2006/main">
+  <p:cSld>
+    <p:spTree>
+      <p:nvGrpSpPr>
+        <p:cNvPr id="1" name=""/>
+        <p:cNvGrpSpPr/>
+        <p:nvPr/>
+      </p:nvGrpSpPr>
+      <p:grpSpPr>
+        <a:xfrm>
+          <a:off x="0" y="0"/>
+          <a:ext cx="0" cy="0"/>
+          <a:chOff x="0" y="0"/>
+          <a:chExt cx="0" cy="0"/>
+        </a:xfrm>
+      </p:grpSpPr>
+      <p:sp>
+        <p:nvSpPr>
+          <p:cNvPr id="2" name="標題 1"/>
+          <p:cNvSpPr>
+            <a:spLocks noGrp="1"/>
+          </p:cNvSpPr>
+          <p:nvPr>
+            <p:ph type="ctrTitle"/>
+          </p:nvPr>
+        </p:nvSpPr>
+        <p:spPr>
+          <a:xfrm>
+            <a:off x="0" y="1"/>
+            <a:ext cx="9144000" cy="764704"/>
+          </a:xfrm>
+          <a:gradFill flip="none" rotWithShape="1">
+            <a:gsLst>
+              <a:gs pos="0">
+                <a:srgbClr val="C00000">
+                  <a:shade val="30000"/>
+                  <a:satMod val="115000"/>
+                </a:srgbClr>
+              </a:gs>
+              <a:gs pos="50000">
+                <a:srgbClr val="C00000">
+                  <a:shade val="67500"/>
+                  <a:satMod val="115000"/>
+                </a:srgbClr>
+              </a:gs>
+              <a:gs pos="100000">
+                <a:srgbClr val="C00000">
+                  <a:shade val="100000"/>
+                  <a:satMod val="115000"/>
+                </a:srgbClr>
+              </a:gs>
+            </a:gsLst>
+            <a:path path="circle">
+              <a:fillToRect t="100000" r="100000"/>
+            </a:path>
+            <a:tileRect l="-100000" b="-100000"/>
+          </a:gradFill>
+        </p:spPr>
+        <p:txBody>
+          <a:bodyPr/>
+          <a:lstStyle/>
+          <a:p>
+            <a:pPr algn="l"/>
+            <a:r>
+              <a:rPr lang="en-US" altLang="zh-TW" b="1" dirty="0">
+                <a:solidFill>
+                  <a:srgbClr val="FFFF00"/>
+                </a:solidFill>
+              </a:rPr>
+              <a:t>73 JasperReports API Summary</a:t>
+            </a:r>
+            <a:endParaRPr lang="zh-TW" altLang="en-US" b="1" dirty="0">
+              <a:solidFill>
+                <a:srgbClr val="FFFF00"/>
+              </a:solidFill>
+            </a:endParaRPr>
+          </a:p>
+        </p:txBody>
+      </p:sp>
+      <p:sp>
+        <p:nvSpPr>
+          <p:cNvPr id="3" name="副標題 2"/>
+          <p:cNvSpPr>
+            <a:spLocks noGrp="1"/>
+          </p:cNvSpPr>
+          <p:nvPr>
+            <p:ph type="subTitle" idx="1"/>
+          </p:nvPr>
+        </p:nvSpPr>
+        <p:spPr>
+          <a:xfrm>
+            <a:off x="467544" y="1340767"/>
+            <a:ext cx="8136904" cy="288033"/>
+          </a:xfrm>
+          <a:ln>
+            <a:solidFill>
+              <a:srgbClr val="C00000"/>
+            </a:solidFill>
+          </a:ln>
+        </p:spPr>
+        <p:txBody>
+          <a:bodyPr>
+            <a:noAutofit/>
+          </a:bodyPr>
+          <a:lstStyle/>
+          <a:p>
+            <a:pPr marL="342900" indent="-342900" algn="l">
+              <a:buClr>
+                <a:srgbClr val="0070C0"/>
+              </a:buClr>
+              <a:buSzPct val="80000"/>
+              <a:buFont typeface="Wingdings" pitchFamily="2" charset="2"/>
+              <a:buChar char="u"/>
+            </a:pPr>
+            <a:r>
+              <a:rPr lang="en-US" sz="1800" b="1" dirty="0">
+                <a:solidFill>
+                  <a:schemeClr val="tx1"/>
+                </a:solidFill>
+              </a:rPr>
+              <a:t>JasperReport API Summary</a:t>
+            </a:r>
+            <a:endParaRPr lang="en-US" sz="1800" dirty="0">
+              <a:solidFill>
+                <a:schemeClr val="tx1"/>
+              </a:solidFill>
+            </a:endParaRPr>
+          </a:p>
+        </p:txBody>
+      </p:sp>
+      <p:sp>
+        <p:nvSpPr>
+          <p:cNvPr id="4" name="標題 1"/>
+          <p:cNvSpPr txBox="1">
+            <a:spLocks/>
+          </p:cNvSpPr>
+          <p:nvPr/>
+        </p:nvSpPr>
+        <p:spPr>
+          <a:xfrm>
+            <a:off x="0" y="764704"/>
+            <a:ext cx="9144000" cy="398616"/>
+          </a:xfrm>
+          <a:prstGeom prst="rect">
+            <a:avLst/>
+          </a:prstGeom>
+          <a:gradFill flip="none" rotWithShape="1">
+            <a:gsLst>
+              <a:gs pos="0">
+                <a:srgbClr val="00B0F0">
+                  <a:shade val="30000"/>
+                  <a:satMod val="115000"/>
+                </a:srgbClr>
+              </a:gs>
+              <a:gs pos="50000">
+                <a:srgbClr val="00B0F0">
+                  <a:shade val="67500"/>
+                  <a:satMod val="115000"/>
+                </a:srgbClr>
+              </a:gs>
+              <a:gs pos="100000">
+                <a:srgbClr val="00B0F0">
+                  <a:shade val="100000"/>
+                  <a:satMod val="115000"/>
+                </a:srgbClr>
+              </a:gs>
+            </a:gsLst>
+            <a:path path="circle">
+              <a:fillToRect t="100000" r="100000"/>
+            </a:path>
+            <a:tileRect l="-100000" b="-100000"/>
+          </a:gradFill>
+        </p:spPr>
+        <p:txBody>
+          <a:bodyPr vert="horz" lIns="91440" tIns="45720" rIns="91440" bIns="45720" rtlCol="0" anchor="ctr">
+            <a:normAutofit/>
+          </a:bodyPr>
+          <a:lstStyle/>
+          <a:p>
+            <a:r>
+              <a:rPr lang="en-US" altLang="zh-TW" sz="1600" b="1" i="1" dirty="0"/>
+              <a:t>https://community.jaspersoft.com/project/jasperreports-library</a:t>
+            </a:r>
+          </a:p>
+        </p:txBody>
+      </p:sp>
+      <p:sp>
+        <p:nvSpPr>
+          <p:cNvPr id="5" name="日期版面配置區 4"/>
+          <p:cNvSpPr>
+            <a:spLocks noGrp="1"/>
+          </p:cNvSpPr>
+          <p:nvPr>
+            <p:ph type="dt" sz="half" idx="10"/>
+          </p:nvPr>
+        </p:nvSpPr>
+        <p:spPr>
+          <a:xfrm>
+            <a:off x="457200" y="6356350"/>
+            <a:ext cx="2133600" cy="404246"/>
+          </a:xfrm>
+        </p:spPr>
+        <p:txBody>
+          <a:bodyPr/>
+          <a:lstStyle/>
+          <a:p>
+            <a:fld id="{A4F910E6-8D00-4BAF-8C48-9688E0B449D3}" type="datetime1">
+              <a:rPr lang="zh-TW" altLang="en-US" smtClean="0"/>
+              <a:pPr/>
+              <a:t>2019/1/9</a:t>
+            </a:fld>
+            <a:endParaRPr lang="zh-TW" altLang="en-US"/>
+          </a:p>
+        </p:txBody>
+      </p:sp>
+      <p:sp>
+        <p:nvSpPr>
+          <p:cNvPr id="6" name="投影片編號版面配置區 5"/>
+          <p:cNvSpPr>
+            <a:spLocks noGrp="1"/>
+          </p:cNvSpPr>
+          <p:nvPr>
+            <p:ph type="sldNum" sz="quarter" idx="12"/>
+          </p:nvPr>
+        </p:nvSpPr>
+        <p:spPr>
+          <a:xfrm>
+            <a:off x="6553200" y="6356350"/>
+            <a:ext cx="2133600" cy="404246"/>
+          </a:xfrm>
+        </p:spPr>
+        <p:txBody>
+          <a:bodyPr/>
+          <a:lstStyle/>
+          <a:p>
+            <a:fld id="{E4D7E63D-91F2-4366-A2C4-1B00C9E2590E}" type="slidenum">
+              <a:rPr lang="zh-TW" altLang="en-US" smtClean="0"/>
+              <a:pPr/>
+              <a:t>11</a:t>
+            </a:fld>
+            <a:endParaRPr lang="zh-TW" altLang="en-US" dirty="0"/>
+          </a:p>
+        </p:txBody>
+      </p:sp>
+      <p:graphicFrame>
+        <p:nvGraphicFramePr>
+          <p:cNvPr id="7" name="Table 6">
+            <a:extLst>
+              <a:ext uri="{FF2B5EF4-FFF2-40B4-BE49-F238E27FC236}">
+                <a16:creationId xmlns:a16="http://schemas.microsoft.com/office/drawing/2014/main" id="{2F281886-0CEB-40B3-9499-B4528515AAB5}"/>
+              </a:ext>
+            </a:extLst>
+          </p:cNvPr>
+          <p:cNvGraphicFramePr>
+            <a:graphicFrameLocks noGrp="1"/>
+          </p:cNvGraphicFramePr>
+          <p:nvPr>
+            <p:extLst>
+              <p:ext uri="{D42A27DB-BD31-4B8C-83A1-F6EECF244321}">
+                <p14:modId xmlns:p14="http://schemas.microsoft.com/office/powerpoint/2010/main" val="2036070540"/>
+              </p:ext>
+            </p:extLst>
+          </p:nvPr>
+        </p:nvGraphicFramePr>
+        <p:xfrm>
+          <a:off x="437146" y="1751567"/>
+          <a:ext cx="8167301" cy="4070642"/>
+        </p:xfrm>
+        <a:graphic>
+          <a:graphicData uri="http://schemas.openxmlformats.org/drawingml/2006/table">
+            <a:tbl>
+              <a:tblPr firstRow="1" bandRow="1">
+                <a:tableStyleId>{5C22544A-7EE6-4342-B048-85BDC9FD1C3A}</a:tableStyleId>
+              </a:tblPr>
+              <a:tblGrid>
+                <a:gridCol w="769572">
+                  <a:extLst>
+                    <a:ext uri="{9D8B030D-6E8A-4147-A177-3AD203B41FA5}">
+                      <a16:colId xmlns:a16="http://schemas.microsoft.com/office/drawing/2014/main" val="425712739"/>
+                    </a:ext>
+                  </a:extLst>
+                </a:gridCol>
+                <a:gridCol w="1982052">
+                  <a:extLst>
+                    <a:ext uri="{9D8B030D-6E8A-4147-A177-3AD203B41FA5}">
+                      <a16:colId xmlns:a16="http://schemas.microsoft.com/office/drawing/2014/main" val="1870320283"/>
+                    </a:ext>
+                  </a:extLst>
+                </a:gridCol>
+                <a:gridCol w="742758">
+                  <a:extLst>
+                    <a:ext uri="{9D8B030D-6E8A-4147-A177-3AD203B41FA5}">
+                      <a16:colId xmlns:a16="http://schemas.microsoft.com/office/drawing/2014/main" val="4178682879"/>
+                    </a:ext>
+                  </a:extLst>
+                </a:gridCol>
+                <a:gridCol w="742758">
+                  <a:extLst>
+                    <a:ext uri="{9D8B030D-6E8A-4147-A177-3AD203B41FA5}">
+                      <a16:colId xmlns:a16="http://schemas.microsoft.com/office/drawing/2014/main" val="3160549755"/>
+                    </a:ext>
+                  </a:extLst>
+                </a:gridCol>
+                <a:gridCol w="3930161">
+                  <a:extLst>
+                    <a:ext uri="{9D8B030D-6E8A-4147-A177-3AD203B41FA5}">
+                      <a16:colId xmlns:a16="http://schemas.microsoft.com/office/drawing/2014/main" val="444581452"/>
+                    </a:ext>
+                  </a:extLst>
+                </a:gridCol>
+              </a:tblGrid>
+              <a:tr h="368993">
+                <a:tc>
+                  <a:txBody>
+                    <a:bodyPr/>
+                    <a:lstStyle/>
+                    <a:p>
+                      <a:r>
+                        <a:rPr lang="en-US" dirty="0"/>
+                        <a:t>S. No</a:t>
+                      </a:r>
+                    </a:p>
+                  </a:txBody>
+                  <a:tcPr/>
+                </a:tc>
+                <a:tc>
+                  <a:txBody>
+                    <a:bodyPr/>
+                    <a:lstStyle/>
+                    <a:p>
+                      <a:r>
+                        <a:rPr lang="en-US" dirty="0"/>
+                        <a:t>Item</a:t>
+                      </a:r>
+                    </a:p>
+                  </a:txBody>
+                  <a:tcPr/>
+                </a:tc>
+                <a:tc>
+                  <a:txBody>
+                    <a:bodyPr/>
+                    <a:lstStyle/>
+                    <a:p>
+                      <a:r>
+                        <a:rPr lang="en-US" dirty="0"/>
+                        <a:t>7.6.0</a:t>
+                      </a:r>
+                    </a:p>
+                  </a:txBody>
+                  <a:tcPr/>
+                </a:tc>
+                <a:tc>
+                  <a:txBody>
+                    <a:bodyPr/>
+                    <a:lstStyle/>
+                    <a:p>
+                      <a:r>
+                        <a:rPr lang="en-US" dirty="0"/>
+                        <a:t>5.5.1</a:t>
+                      </a:r>
+                    </a:p>
+                  </a:txBody>
+                  <a:tcPr/>
+                </a:tc>
+                <a:tc>
+                  <a:txBody>
+                    <a:bodyPr/>
+                    <a:lstStyle/>
+                    <a:p>
+                      <a:r>
+                        <a:rPr lang="en-US" dirty="0"/>
+                        <a:t>Comment</a:t>
+                      </a:r>
+                    </a:p>
+                  </a:txBody>
+                  <a:tcPr/>
+                </a:tc>
+                <a:extLst>
+                  <a:ext uri="{0D108BD9-81ED-4DB2-BD59-A6C34878D82A}">
+                    <a16:rowId xmlns:a16="http://schemas.microsoft.com/office/drawing/2014/main" val="2418573495"/>
+                  </a:ext>
+                </a:extLst>
+              </a:tr>
+              <a:tr h="368993">
+                <a:tc>
+                  <a:txBody>
+                    <a:bodyPr/>
+                    <a:lstStyle/>
+                    <a:p>
+                      <a:r>
+                        <a:rPr lang="en-US" dirty="0"/>
+                        <a:t>61</a:t>
+                      </a:r>
+                    </a:p>
+                  </a:txBody>
+                  <a:tcPr/>
+                </a:tc>
+                <a:tc>
+                  <a:txBody>
+                    <a:bodyPr/>
+                    <a:lstStyle/>
+                    <a:p>
+                      <a:r>
+                        <a:rPr lang="en-US" dirty="0"/>
+                        <a:t>Text</a:t>
+                      </a:r>
+                    </a:p>
+                  </a:txBody>
+                  <a:tcPr/>
+                </a:tc>
+                <a:tc>
+                  <a:txBody>
+                    <a:bodyPr/>
+                    <a:lstStyle/>
+                    <a:p>
+                      <a:r>
+                        <a:rPr lang="en-US" dirty="0"/>
+                        <a:t>OK</a:t>
+                      </a:r>
+                    </a:p>
+                  </a:txBody>
+                  <a:tcPr/>
+                </a:tc>
+                <a:tc>
+                  <a:txBody>
+                    <a:bodyPr/>
+                    <a:lstStyle/>
+                    <a:p>
+                      <a:endParaRPr lang="en-US"/>
+                    </a:p>
+                  </a:txBody>
+                  <a:tcPr/>
+                </a:tc>
+                <a:tc>
+                  <a:txBody>
+                    <a:bodyPr/>
+                    <a:lstStyle/>
+                    <a:p>
+                      <a:r>
+                        <a:rPr lang="en-US" dirty="0"/>
+                        <a:t>Display pure text</a:t>
+                      </a:r>
+                    </a:p>
+                  </a:txBody>
+                  <a:tcPr/>
+                </a:tc>
+                <a:extLst>
+                  <a:ext uri="{0D108BD9-81ED-4DB2-BD59-A6C34878D82A}">
+                    <a16:rowId xmlns:a16="http://schemas.microsoft.com/office/drawing/2014/main" val="1952171255"/>
+                  </a:ext>
+                </a:extLst>
+              </a:tr>
+              <a:tr h="380712">
+                <a:tc>
+                  <a:txBody>
+                    <a:bodyPr/>
+                    <a:lstStyle/>
+                    <a:p>
+                      <a:r>
+                        <a:rPr lang="en-US" dirty="0"/>
+                        <a:t>62</a:t>
+                      </a:r>
+                    </a:p>
+                  </a:txBody>
+                  <a:tcPr/>
+                </a:tc>
+                <a:tc>
+                  <a:txBody>
+                    <a:bodyPr/>
+                    <a:lstStyle/>
+                    <a:p>
+                      <a:r>
+                        <a:rPr lang="en-US" dirty="0" err="1"/>
+                        <a:t>unicode</a:t>
+                      </a:r>
+                      <a:endParaRPr lang="en-US" dirty="0"/>
+                    </a:p>
+                  </a:txBody>
+                  <a:tcPr/>
+                </a:tc>
+                <a:tc>
+                  <a:txBody>
+                    <a:bodyPr/>
+                    <a:lstStyle/>
+                    <a:p>
+                      <a:r>
+                        <a:rPr lang="en-US" dirty="0"/>
+                        <a:t>OK</a:t>
+                      </a:r>
+                    </a:p>
+                  </a:txBody>
+                  <a:tcPr/>
+                </a:tc>
+                <a:tc>
+                  <a:txBody>
+                    <a:bodyPr/>
+                    <a:lstStyle/>
+                    <a:p>
+                      <a:endParaRPr lang="en-US"/>
+                    </a:p>
+                  </a:txBody>
+                  <a:tcPr/>
+                </a:tc>
+                <a:tc>
+                  <a:txBody>
+                    <a:bodyPr/>
+                    <a:lstStyle/>
+                    <a:p>
+                      <a:r>
+                        <a:rPr lang="en-US" dirty="0"/>
+                        <a:t>Unicode/Internationalization</a:t>
+                      </a:r>
+                    </a:p>
+                  </a:txBody>
+                  <a:tcPr/>
+                </a:tc>
+                <a:extLst>
+                  <a:ext uri="{0D108BD9-81ED-4DB2-BD59-A6C34878D82A}">
+                    <a16:rowId xmlns:a16="http://schemas.microsoft.com/office/drawing/2014/main" val="1660790555"/>
+                  </a:ext>
+                </a:extLst>
+              </a:tr>
+              <a:tr h="368993">
+                <a:tc>
+                  <a:txBody>
+                    <a:bodyPr/>
+                    <a:lstStyle/>
+                    <a:p>
+                      <a:r>
+                        <a:rPr lang="en-US" dirty="0"/>
+                        <a:t>63</a:t>
+                      </a:r>
+                    </a:p>
+                  </a:txBody>
+                  <a:tcPr/>
+                </a:tc>
+                <a:tc>
+                  <a:txBody>
+                    <a:bodyPr/>
+                    <a:lstStyle/>
+                    <a:p>
+                      <a:r>
+                        <a:rPr lang="en-US" dirty="0"/>
+                        <a:t>virtualizer</a:t>
+                      </a:r>
+                    </a:p>
+                  </a:txBody>
+                  <a:tcPr/>
+                </a:tc>
+                <a:tc>
+                  <a:txBody>
+                    <a:bodyPr/>
+                    <a:lstStyle/>
+                    <a:p>
+                      <a:r>
+                        <a:rPr lang="en-US" dirty="0"/>
+                        <a:t>OK</a:t>
+                      </a:r>
+                    </a:p>
+                  </a:txBody>
+                  <a:tcPr/>
+                </a:tc>
+                <a:tc>
+                  <a:txBody>
+                    <a:bodyPr/>
+                    <a:lstStyle/>
+                    <a:p>
+                      <a:endParaRPr lang="en-US"/>
+                    </a:p>
+                  </a:txBody>
+                  <a:tcPr/>
+                </a:tc>
+                <a:tc>
+                  <a:txBody>
+                    <a:bodyPr/>
+                    <a:lstStyle/>
+                    <a:p>
+                      <a:r>
+                        <a:rPr lang="en-US" dirty="0"/>
+                        <a:t>Parse very long string (virtualizer)</a:t>
+                      </a:r>
+                    </a:p>
+                  </a:txBody>
+                  <a:tcPr/>
+                </a:tc>
+                <a:extLst>
+                  <a:ext uri="{0D108BD9-81ED-4DB2-BD59-A6C34878D82A}">
+                    <a16:rowId xmlns:a16="http://schemas.microsoft.com/office/drawing/2014/main" val="1614621968"/>
+                  </a:ext>
+                </a:extLst>
+              </a:tr>
+              <a:tr h="368993">
+                <a:tc>
+                  <a:txBody>
+                    <a:bodyPr/>
+                    <a:lstStyle/>
+                    <a:p>
+                      <a:r>
+                        <a:rPr lang="en-US" dirty="0"/>
+                        <a:t>64</a:t>
+                      </a:r>
+                    </a:p>
+                  </a:txBody>
+                  <a:tcPr/>
+                </a:tc>
+                <a:tc>
+                  <a:txBody>
+                    <a:bodyPr/>
+                    <a:lstStyle/>
+                    <a:p>
+                      <a:r>
+                        <a:rPr lang="en-US" dirty="0" err="1"/>
+                        <a:t>webapp</a:t>
+                      </a:r>
+                      <a:endParaRPr lang="en-US" dirty="0"/>
+                    </a:p>
+                  </a:txBody>
+                  <a:tcPr/>
+                </a:tc>
+                <a:tc>
+                  <a:txBody>
+                    <a:bodyPr/>
+                    <a:lstStyle/>
+                    <a:p>
+                      <a:r>
+                        <a:rPr lang="en-US" dirty="0">
+                          <a:solidFill>
+                            <a:srgbClr val="FF0000"/>
+                          </a:solidFill>
+                        </a:rPr>
+                        <a:t>NG</a:t>
+                      </a:r>
+                    </a:p>
+                  </a:txBody>
+                  <a:tcPr/>
+                </a:tc>
+                <a:tc>
+                  <a:txBody>
+                    <a:bodyPr/>
+                    <a:lstStyle/>
+                    <a:p>
+                      <a:endParaRPr lang="en-US"/>
+                    </a:p>
+                  </a:txBody>
+                  <a:tcPr/>
+                </a:tc>
+                <a:tc>
+                  <a:txBody>
+                    <a:bodyPr/>
+                    <a:lstStyle/>
+                    <a:p>
+                      <a:r>
+                        <a:rPr lang="en-US" dirty="0"/>
+                        <a:t>Prepare the jar file</a:t>
+                      </a:r>
+                    </a:p>
+                  </a:txBody>
+                  <a:tcPr/>
+                </a:tc>
+                <a:extLst>
+                  <a:ext uri="{0D108BD9-81ED-4DB2-BD59-A6C34878D82A}">
+                    <a16:rowId xmlns:a16="http://schemas.microsoft.com/office/drawing/2014/main" val="665300491"/>
+                  </a:ext>
+                </a:extLst>
+              </a:tr>
+              <a:tr h="368993">
+                <a:tc>
+                  <a:txBody>
+                    <a:bodyPr/>
+                    <a:lstStyle/>
+                    <a:p>
+                      <a:r>
+                        <a:rPr lang="en-US" dirty="0"/>
+                        <a:t>65</a:t>
+                      </a:r>
+                    </a:p>
+                  </a:txBody>
+                  <a:tcPr/>
+                </a:tc>
+                <a:tc>
+                  <a:txBody>
+                    <a:bodyPr/>
+                    <a:lstStyle/>
+                    <a:p>
+                      <a:r>
+                        <a:rPr lang="en-US" dirty="0" err="1"/>
+                        <a:t>Webapp</a:t>
+                      </a:r>
+                      <a:r>
+                        <a:rPr lang="en-US" dirty="0"/>
+                        <a:t>-repo</a:t>
+                      </a:r>
+                    </a:p>
+                  </a:txBody>
+                  <a:tcPr/>
+                </a:tc>
+                <a:tc>
+                  <a:txBody>
+                    <a:bodyPr/>
+                    <a:lstStyle/>
+                    <a:p>
+                      <a:r>
+                        <a:rPr lang="en-US" dirty="0">
+                          <a:solidFill>
+                            <a:srgbClr val="FF0000"/>
+                          </a:solidFill>
+                        </a:rPr>
+                        <a:t>NG</a:t>
+                      </a:r>
+                    </a:p>
+                  </a:txBody>
+                  <a:tcPr/>
+                </a:tc>
+                <a:tc>
+                  <a:txBody>
+                    <a:bodyPr/>
+                    <a:lstStyle/>
+                    <a:p>
+                      <a:endParaRPr lang="en-US"/>
+                    </a:p>
+                  </a:txBody>
+                  <a:tcPr/>
+                </a:tc>
+                <a:tc>
+                  <a:txBody>
+                    <a:bodyPr/>
+                    <a:lstStyle/>
+                    <a:p>
+                      <a:pPr marL="0" marR="0" lvl="0" indent="0" algn="l" defTabSz="914400" rtl="0" eaLnBrk="1" fontAlgn="auto" latinLnBrk="0" hangingPunct="1">
+                        <a:lnSpc>
+                          <a:spcPct val="100000"/>
+                        </a:lnSpc>
+                        <a:spcBef>
+                          <a:spcPts val="0"/>
+                        </a:spcBef>
+                        <a:spcAft>
+                          <a:spcPts val="0"/>
+                        </a:spcAft>
+                        <a:buClrTx/>
+                        <a:buSzTx/>
+                        <a:buFontTx/>
+                        <a:buNone/>
+                        <a:tabLst/>
+                        <a:defRPr/>
+                      </a:pPr>
+                      <a:r>
+                        <a:rPr lang="en-US"/>
+                        <a:t>Prepare the jar file</a:t>
+                      </a:r>
+                    </a:p>
+                  </a:txBody>
+                  <a:tcPr/>
+                </a:tc>
+                <a:extLst>
+                  <a:ext uri="{0D108BD9-81ED-4DB2-BD59-A6C34878D82A}">
+                    <a16:rowId xmlns:a16="http://schemas.microsoft.com/office/drawing/2014/main" val="4230082323"/>
+                  </a:ext>
+                </a:extLst>
+              </a:tr>
+              <a:tr h="368993">
+                <a:tc>
+                  <a:txBody>
+                    <a:bodyPr/>
+                    <a:lstStyle/>
+                    <a:p>
+                      <a:r>
+                        <a:rPr lang="en-US" dirty="0"/>
+                        <a:t>66</a:t>
+                      </a:r>
+                    </a:p>
+                  </a:txBody>
+                  <a:tcPr/>
+                </a:tc>
+                <a:tc>
+                  <a:txBody>
+                    <a:bodyPr/>
+                    <a:lstStyle/>
+                    <a:p>
+                      <a:r>
+                        <a:rPr lang="en-US" dirty="0" err="1"/>
+                        <a:t>xchart</a:t>
+                      </a:r>
+                      <a:endParaRPr lang="en-US" dirty="0"/>
+                    </a:p>
+                  </a:txBody>
+                  <a:tcPr/>
+                </a:tc>
+                <a:tc>
+                  <a:txBody>
+                    <a:bodyPr/>
+                    <a:lstStyle/>
+                    <a:p>
+                      <a:r>
+                        <a:rPr lang="en-US" dirty="0"/>
+                        <a:t>OK</a:t>
+                      </a:r>
+                    </a:p>
+                  </a:txBody>
+                  <a:tcPr/>
+                </a:tc>
+                <a:tc>
+                  <a:txBody>
+                    <a:bodyPr/>
+                    <a:lstStyle/>
+                    <a:p>
+                      <a:endParaRPr lang="en-US" dirty="0"/>
+                    </a:p>
+                  </a:txBody>
+                  <a:tcPr/>
+                </a:tc>
+                <a:tc>
+                  <a:txBody>
+                    <a:bodyPr/>
+                    <a:lstStyle/>
+                    <a:p>
+                      <a:r>
+                        <a:rPr lang="en-US" dirty="0"/>
+                        <a:t>Sample chart</a:t>
+                      </a:r>
+                    </a:p>
+                  </a:txBody>
+                  <a:tcPr/>
+                </a:tc>
+                <a:extLst>
+                  <a:ext uri="{0D108BD9-81ED-4DB2-BD59-A6C34878D82A}">
+                    <a16:rowId xmlns:a16="http://schemas.microsoft.com/office/drawing/2014/main" val="2715077805"/>
+                  </a:ext>
+                </a:extLst>
+              </a:tr>
+              <a:tr h="368993">
+                <a:tc>
+                  <a:txBody>
+                    <a:bodyPr/>
+                    <a:lstStyle/>
+                    <a:p>
+                      <a:r>
+                        <a:rPr lang="en-US" dirty="0"/>
+                        <a:t>67</a:t>
+                      </a:r>
+                    </a:p>
+                  </a:txBody>
+                  <a:tcPr/>
+                </a:tc>
+                <a:tc>
+                  <a:txBody>
+                    <a:bodyPr/>
+                    <a:lstStyle/>
+                    <a:p>
+                      <a:r>
+                        <a:rPr lang="en-US" dirty="0" err="1"/>
+                        <a:t>xchartcomponent</a:t>
+                      </a:r>
+                      <a:endParaRPr lang="en-US" dirty="0"/>
+                    </a:p>
+                  </a:txBody>
+                  <a:tcPr/>
+                </a:tc>
+                <a:tc>
+                  <a:txBody>
+                    <a:bodyPr/>
+                    <a:lstStyle/>
+                    <a:p>
+                      <a:r>
+                        <a:rPr lang="en-US" dirty="0"/>
+                        <a:t>OK</a:t>
+                      </a:r>
+                    </a:p>
+                  </a:txBody>
+                  <a:tcPr/>
+                </a:tc>
+                <a:tc>
+                  <a:txBody>
+                    <a:bodyPr/>
+                    <a:lstStyle/>
+                    <a:p>
+                      <a:endParaRPr lang="en-US"/>
+                    </a:p>
+                  </a:txBody>
+                  <a:tcPr/>
+                </a:tc>
+                <a:tc>
+                  <a:txBody>
+                    <a:bodyPr/>
+                    <a:lstStyle/>
+                    <a:p>
+                      <a:r>
+                        <a:rPr lang="en-US" dirty="0"/>
+                        <a:t>Sample chart component report</a:t>
+                      </a:r>
+                    </a:p>
+                  </a:txBody>
+                  <a:tcPr/>
+                </a:tc>
+                <a:extLst>
+                  <a:ext uri="{0D108BD9-81ED-4DB2-BD59-A6C34878D82A}">
+                    <a16:rowId xmlns:a16="http://schemas.microsoft.com/office/drawing/2014/main" val="1614136013"/>
+                  </a:ext>
+                </a:extLst>
+              </a:tr>
+              <a:tr h="368993">
+                <a:tc>
+                  <a:txBody>
+                    <a:bodyPr/>
+                    <a:lstStyle/>
+                    <a:p>
+                      <a:r>
+                        <a:rPr lang="en-US" dirty="0"/>
+                        <a:t>68</a:t>
+                      </a:r>
+                    </a:p>
+                  </a:txBody>
+                  <a:tcPr/>
+                </a:tc>
+                <a:tc>
+                  <a:txBody>
+                    <a:bodyPr/>
+                    <a:lstStyle/>
+                    <a:p>
+                      <a:r>
+                        <a:rPr lang="en-US" dirty="0" err="1"/>
+                        <a:t>xlsdatasource</a:t>
+                      </a:r>
+                      <a:endParaRPr lang="en-US" dirty="0"/>
+                    </a:p>
+                  </a:txBody>
+                  <a:tcPr/>
+                </a:tc>
+                <a:tc>
+                  <a:txBody>
+                    <a:bodyPr/>
+                    <a:lstStyle/>
+                    <a:p>
+                      <a:r>
+                        <a:rPr lang="en-US" dirty="0">
+                          <a:solidFill>
+                            <a:srgbClr val="FF0000"/>
+                          </a:solidFill>
+                        </a:rPr>
+                        <a:t>NG</a:t>
+                      </a:r>
+                    </a:p>
+                  </a:txBody>
+                  <a:tcPr/>
+                </a:tc>
+                <a:tc>
+                  <a:txBody>
+                    <a:bodyPr/>
+                    <a:lstStyle/>
+                    <a:p>
+                      <a:endParaRPr lang="en-US"/>
+                    </a:p>
+                  </a:txBody>
+                  <a:tcPr/>
+                </a:tc>
+                <a:tc>
+                  <a:txBody>
+                    <a:bodyPr/>
+                    <a:lstStyle/>
+                    <a:p>
+                      <a:r>
+                        <a:rPr lang="en-US" dirty="0"/>
+                        <a:t>Use </a:t>
+                      </a:r>
+                      <a:r>
+                        <a:rPr lang="en-US" dirty="0" err="1"/>
+                        <a:t>xlsxdatasource</a:t>
+                      </a:r>
+                      <a:r>
+                        <a:rPr lang="en-US" dirty="0"/>
+                        <a:t> instead</a:t>
+                      </a:r>
+                    </a:p>
+                  </a:txBody>
+                  <a:tcPr/>
+                </a:tc>
+                <a:extLst>
+                  <a:ext uri="{0D108BD9-81ED-4DB2-BD59-A6C34878D82A}">
+                    <a16:rowId xmlns:a16="http://schemas.microsoft.com/office/drawing/2014/main" val="3027132816"/>
+                  </a:ext>
+                </a:extLst>
+              </a:tr>
+              <a:tr h="368993">
+                <a:tc>
+                  <a:txBody>
+                    <a:bodyPr/>
+                    <a:lstStyle/>
+                    <a:p>
+                      <a:r>
+                        <a:rPr lang="en-US" dirty="0"/>
+                        <a:t>69</a:t>
+                      </a:r>
+                    </a:p>
+                  </a:txBody>
+                  <a:tcPr/>
+                </a:tc>
+                <a:tc>
+                  <a:txBody>
+                    <a:bodyPr/>
+                    <a:lstStyle/>
+                    <a:p>
+                      <a:r>
+                        <a:rPr lang="en-US" dirty="0" err="1"/>
+                        <a:t>xlsfeatures</a:t>
+                      </a:r>
+                      <a:endParaRPr lang="en-US" dirty="0"/>
+                    </a:p>
+                  </a:txBody>
+                  <a:tcPr/>
+                </a:tc>
+                <a:tc>
+                  <a:txBody>
+                    <a:bodyPr/>
+                    <a:lstStyle/>
+                    <a:p>
+                      <a:r>
+                        <a:rPr lang="en-US" dirty="0"/>
+                        <a:t>OK</a:t>
+                      </a:r>
+                    </a:p>
+                  </a:txBody>
+                  <a:tcPr/>
+                </a:tc>
+                <a:tc>
+                  <a:txBody>
+                    <a:bodyPr/>
+                    <a:lstStyle/>
+                    <a:p>
+                      <a:endParaRPr lang="en-US"/>
+                    </a:p>
+                  </a:txBody>
+                  <a:tcPr/>
+                </a:tc>
+                <a:tc>
+                  <a:txBody>
+                    <a:bodyPr/>
+                    <a:lstStyle/>
+                    <a:p>
+                      <a:r>
+                        <a:rPr lang="en-US" dirty="0"/>
+                        <a:t>Parse </a:t>
+                      </a:r>
+                      <a:r>
+                        <a:rPr lang="en-US" dirty="0" err="1"/>
+                        <a:t>xls</a:t>
+                      </a:r>
+                      <a:r>
+                        <a:rPr lang="en-US" dirty="0"/>
+                        <a:t> format and display</a:t>
+                      </a:r>
+                    </a:p>
+                  </a:txBody>
+                  <a:tcPr/>
+                </a:tc>
+                <a:extLst>
+                  <a:ext uri="{0D108BD9-81ED-4DB2-BD59-A6C34878D82A}">
+                    <a16:rowId xmlns:a16="http://schemas.microsoft.com/office/drawing/2014/main" val="2583647039"/>
+                  </a:ext>
+                </a:extLst>
+              </a:tr>
+              <a:tr h="368993">
+                <a:tc>
+                  <a:txBody>
+                    <a:bodyPr/>
+                    <a:lstStyle/>
+                    <a:p>
+                      <a:r>
+                        <a:rPr lang="en-US" dirty="0"/>
+                        <a:t>70</a:t>
+                      </a:r>
+                    </a:p>
+                  </a:txBody>
+                  <a:tcPr/>
+                </a:tc>
+                <a:tc>
+                  <a:txBody>
+                    <a:bodyPr/>
+                    <a:lstStyle/>
+                    <a:p>
+                      <a:r>
+                        <a:rPr lang="en-US" dirty="0" err="1"/>
+                        <a:t>xlsformula</a:t>
+                      </a:r>
+                      <a:endParaRPr lang="en-US" dirty="0"/>
+                    </a:p>
+                  </a:txBody>
+                  <a:tcPr/>
+                </a:tc>
+                <a:tc>
+                  <a:txBody>
+                    <a:bodyPr/>
+                    <a:lstStyle/>
+                    <a:p>
+                      <a:r>
+                        <a:rPr lang="en-US" dirty="0"/>
+                        <a:t>OK</a:t>
+                      </a:r>
+                    </a:p>
+                  </a:txBody>
+                  <a:tcPr/>
+                </a:tc>
+                <a:tc>
+                  <a:txBody>
+                    <a:bodyPr/>
+                    <a:lstStyle/>
+                    <a:p>
+                      <a:endParaRPr lang="en-US"/>
+                    </a:p>
+                  </a:txBody>
+                  <a:tcPr/>
+                </a:tc>
+                <a:tc>
+                  <a:txBody>
+                    <a:bodyPr/>
+                    <a:lstStyle/>
+                    <a:p>
+                      <a:r>
+                        <a:rPr lang="en-US" dirty="0"/>
+                        <a:t>Math formula</a:t>
+                      </a:r>
+                    </a:p>
+                  </a:txBody>
+                  <a:tcPr/>
+                </a:tc>
+                <a:extLst>
+                  <a:ext uri="{0D108BD9-81ED-4DB2-BD59-A6C34878D82A}">
+                    <a16:rowId xmlns:a16="http://schemas.microsoft.com/office/drawing/2014/main" val="3231393431"/>
+                  </a:ext>
+                </a:extLst>
+              </a:tr>
+            </a:tbl>
+          </a:graphicData>
+        </a:graphic>
+      </p:graphicFrame>
+    </p:spTree>
+    <p:extLst>
+      <p:ext uri="{BB962C8B-B14F-4D97-AF65-F5344CB8AC3E}">
+        <p14:creationId xmlns:p14="http://schemas.microsoft.com/office/powerpoint/2010/main" val="447073589"/>
+      </p:ext>
+    </p:extLst>
+  </p:cSld>
+  <p:clrMapOvr>
+    <a:masterClrMapping/>
+  </p:clrMapOvr>
+</p:sld>
+</file>
+
+<file path=ppt/slides/slide12.xml><?xml version="1.0" encoding="utf-8"?>
+<p:sld xmlns:a="http://schemas.openxmlformats.org/drawingml/2006/main" xmlns:r="http://schemas.openxmlformats.org/officeDocument/2006/relationships" xmlns:p="http://schemas.openxmlformats.org/presentationml/2006/main">
+  <p:cSld>
+    <p:spTree>
+      <p:nvGrpSpPr>
+        <p:cNvPr id="1" name=""/>
+        <p:cNvGrpSpPr/>
+        <p:nvPr/>
+      </p:nvGrpSpPr>
+      <p:grpSpPr>
+        <a:xfrm>
+          <a:off x="0" y="0"/>
+          <a:ext cx="0" cy="0"/>
+          <a:chOff x="0" y="0"/>
+          <a:chExt cx="0" cy="0"/>
+        </a:xfrm>
+      </p:grpSpPr>
+      <p:sp>
+        <p:nvSpPr>
+          <p:cNvPr id="2" name="標題 1"/>
+          <p:cNvSpPr>
+            <a:spLocks noGrp="1"/>
+          </p:cNvSpPr>
+          <p:nvPr>
+            <p:ph type="ctrTitle"/>
+          </p:nvPr>
+        </p:nvSpPr>
+        <p:spPr>
+          <a:xfrm>
+            <a:off x="0" y="1"/>
+            <a:ext cx="9144000" cy="764704"/>
+          </a:xfrm>
+          <a:gradFill flip="none" rotWithShape="1">
+            <a:gsLst>
+              <a:gs pos="0">
+                <a:srgbClr val="C00000">
+                  <a:shade val="30000"/>
+                  <a:satMod val="115000"/>
+                </a:srgbClr>
+              </a:gs>
+              <a:gs pos="50000">
+                <a:srgbClr val="C00000">
+                  <a:shade val="67500"/>
+                  <a:satMod val="115000"/>
+                </a:srgbClr>
+              </a:gs>
+              <a:gs pos="100000">
+                <a:srgbClr val="C00000">
+                  <a:shade val="100000"/>
+                  <a:satMod val="115000"/>
+                </a:srgbClr>
+              </a:gs>
+            </a:gsLst>
+            <a:path path="circle">
+              <a:fillToRect t="100000" r="100000"/>
+            </a:path>
+            <a:tileRect l="-100000" b="-100000"/>
+          </a:gradFill>
+        </p:spPr>
+        <p:txBody>
+          <a:bodyPr/>
+          <a:lstStyle/>
+          <a:p>
+            <a:pPr algn="l"/>
+            <a:r>
+              <a:rPr lang="en-US" altLang="zh-TW" b="1" dirty="0">
+                <a:solidFill>
+                  <a:srgbClr val="FFFF00"/>
+                </a:solidFill>
+              </a:rPr>
+              <a:t>73 JasperReports API Summary</a:t>
+            </a:r>
+            <a:endParaRPr lang="zh-TW" altLang="en-US" b="1" dirty="0">
+              <a:solidFill>
+                <a:srgbClr val="FFFF00"/>
+              </a:solidFill>
+            </a:endParaRPr>
+          </a:p>
+        </p:txBody>
+      </p:sp>
+      <p:sp>
+        <p:nvSpPr>
+          <p:cNvPr id="3" name="副標題 2"/>
+          <p:cNvSpPr>
+            <a:spLocks noGrp="1"/>
+          </p:cNvSpPr>
+          <p:nvPr>
+            <p:ph type="subTitle" idx="1"/>
+          </p:nvPr>
+        </p:nvSpPr>
+        <p:spPr>
+          <a:xfrm>
+            <a:off x="467544" y="1340767"/>
+            <a:ext cx="8136904" cy="288033"/>
+          </a:xfrm>
+          <a:ln>
+            <a:solidFill>
+              <a:srgbClr val="C00000"/>
+            </a:solidFill>
+          </a:ln>
+        </p:spPr>
+        <p:txBody>
+          <a:bodyPr>
+            <a:noAutofit/>
+          </a:bodyPr>
+          <a:lstStyle/>
+          <a:p>
+            <a:pPr marL="342900" indent="-342900" algn="l">
+              <a:buClr>
+                <a:srgbClr val="0070C0"/>
+              </a:buClr>
+              <a:buSzPct val="80000"/>
+              <a:buFont typeface="Wingdings" pitchFamily="2" charset="2"/>
+              <a:buChar char="u"/>
+            </a:pPr>
+            <a:r>
+              <a:rPr lang="en-US" sz="1800" b="1" dirty="0">
+                <a:solidFill>
+                  <a:schemeClr val="tx1"/>
+                </a:solidFill>
+              </a:rPr>
+              <a:t>JasperReport API Summary</a:t>
+            </a:r>
+            <a:endParaRPr lang="en-US" sz="1800" dirty="0">
+              <a:solidFill>
+                <a:schemeClr val="tx1"/>
+              </a:solidFill>
+            </a:endParaRPr>
+          </a:p>
+        </p:txBody>
+      </p:sp>
+      <p:sp>
+        <p:nvSpPr>
+          <p:cNvPr id="4" name="標題 1"/>
+          <p:cNvSpPr txBox="1">
+            <a:spLocks/>
+          </p:cNvSpPr>
+          <p:nvPr/>
+        </p:nvSpPr>
+        <p:spPr>
+          <a:xfrm>
+            <a:off x="0" y="764704"/>
+            <a:ext cx="9144000" cy="398616"/>
+          </a:xfrm>
+          <a:prstGeom prst="rect">
+            <a:avLst/>
+          </a:prstGeom>
+          <a:gradFill flip="none" rotWithShape="1">
+            <a:gsLst>
+              <a:gs pos="0">
+                <a:srgbClr val="00B0F0">
+                  <a:shade val="30000"/>
+                  <a:satMod val="115000"/>
+                </a:srgbClr>
+              </a:gs>
+              <a:gs pos="50000">
+                <a:srgbClr val="00B0F0">
+                  <a:shade val="67500"/>
+                  <a:satMod val="115000"/>
+                </a:srgbClr>
+              </a:gs>
+              <a:gs pos="100000">
+                <a:srgbClr val="00B0F0">
+                  <a:shade val="100000"/>
+                  <a:satMod val="115000"/>
+                </a:srgbClr>
+              </a:gs>
+            </a:gsLst>
+            <a:path path="circle">
+              <a:fillToRect t="100000" r="100000"/>
+            </a:path>
+            <a:tileRect l="-100000" b="-100000"/>
+          </a:gradFill>
+        </p:spPr>
+        <p:txBody>
+          <a:bodyPr vert="horz" lIns="91440" tIns="45720" rIns="91440" bIns="45720" rtlCol="0" anchor="ctr">
+            <a:normAutofit/>
+          </a:bodyPr>
+          <a:lstStyle/>
+          <a:p>
+            <a:r>
+              <a:rPr lang="en-US" altLang="zh-TW" sz="1600" b="1" i="1" dirty="0"/>
+              <a:t>https://community.jaspersoft.com/project/jasperreports-library</a:t>
+            </a:r>
+          </a:p>
+        </p:txBody>
+      </p:sp>
+      <p:sp>
+        <p:nvSpPr>
+          <p:cNvPr id="5" name="日期版面配置區 4"/>
+          <p:cNvSpPr>
+            <a:spLocks noGrp="1"/>
+          </p:cNvSpPr>
+          <p:nvPr>
+            <p:ph type="dt" sz="half" idx="10"/>
+          </p:nvPr>
+        </p:nvSpPr>
+        <p:spPr>
+          <a:xfrm>
+            <a:off x="457200" y="6356350"/>
+            <a:ext cx="2133600" cy="404246"/>
+          </a:xfrm>
+        </p:spPr>
+        <p:txBody>
+          <a:bodyPr/>
+          <a:lstStyle/>
+          <a:p>
+            <a:fld id="{A4F910E6-8D00-4BAF-8C48-9688E0B449D3}" type="datetime1">
+              <a:rPr lang="zh-TW" altLang="en-US" smtClean="0"/>
+              <a:pPr/>
+              <a:t>2019/1/9</a:t>
+            </a:fld>
+            <a:endParaRPr lang="zh-TW" altLang="en-US"/>
+          </a:p>
+        </p:txBody>
+      </p:sp>
+      <p:sp>
+        <p:nvSpPr>
+          <p:cNvPr id="6" name="投影片編號版面配置區 5"/>
+          <p:cNvSpPr>
+            <a:spLocks noGrp="1"/>
+          </p:cNvSpPr>
+          <p:nvPr>
+            <p:ph type="sldNum" sz="quarter" idx="12"/>
+          </p:nvPr>
+        </p:nvSpPr>
+        <p:spPr>
+          <a:xfrm>
+            <a:off x="6553200" y="6356350"/>
+            <a:ext cx="2133600" cy="404246"/>
+          </a:xfrm>
+        </p:spPr>
+        <p:txBody>
+          <a:bodyPr/>
+          <a:lstStyle/>
+          <a:p>
+            <a:fld id="{E4D7E63D-91F2-4366-A2C4-1B00C9E2590E}" type="slidenum">
+              <a:rPr lang="zh-TW" altLang="en-US" smtClean="0"/>
+              <a:pPr/>
+              <a:t>12</a:t>
+            </a:fld>
+            <a:endParaRPr lang="zh-TW" altLang="en-US" dirty="0"/>
+          </a:p>
+        </p:txBody>
+      </p:sp>
+      <p:graphicFrame>
+        <p:nvGraphicFramePr>
+          <p:cNvPr id="7" name="Table 6">
+            <a:extLst>
+              <a:ext uri="{FF2B5EF4-FFF2-40B4-BE49-F238E27FC236}">
+                <a16:creationId xmlns:a16="http://schemas.microsoft.com/office/drawing/2014/main" id="{2F281886-0CEB-40B3-9499-B4528515AAB5}"/>
+              </a:ext>
+            </a:extLst>
+          </p:cNvPr>
+          <p:cNvGraphicFramePr>
+            <a:graphicFrameLocks noGrp="1"/>
+          </p:cNvGraphicFramePr>
+          <p:nvPr>
+            <p:extLst>
+              <p:ext uri="{D42A27DB-BD31-4B8C-83A1-F6EECF244321}">
+                <p14:modId xmlns:p14="http://schemas.microsoft.com/office/powerpoint/2010/main" val="1585055750"/>
+              </p:ext>
+            </p:extLst>
+          </p:nvPr>
+        </p:nvGraphicFramePr>
+        <p:xfrm>
+          <a:off x="649760" y="1783228"/>
+          <a:ext cx="7638663" cy="1112520"/>
+        </p:xfrm>
+        <a:graphic>
+          <a:graphicData uri="http://schemas.openxmlformats.org/drawingml/2006/table">
+            <a:tbl>
+              <a:tblPr firstRow="1" bandRow="1">
+                <a:tableStyleId>{5C22544A-7EE6-4342-B048-85BDC9FD1C3A}</a:tableStyleId>
+              </a:tblPr>
+              <a:tblGrid>
+                <a:gridCol w="728980">
+                  <a:extLst>
+                    <a:ext uri="{9D8B030D-6E8A-4147-A177-3AD203B41FA5}">
+                      <a16:colId xmlns:a16="http://schemas.microsoft.com/office/drawing/2014/main" val="425712739"/>
+                    </a:ext>
+                  </a:extLst>
+                </a:gridCol>
+                <a:gridCol w="1597025">
+                  <a:extLst>
+                    <a:ext uri="{9D8B030D-6E8A-4147-A177-3AD203B41FA5}">
+                      <a16:colId xmlns:a16="http://schemas.microsoft.com/office/drawing/2014/main" val="1870320283"/>
+                    </a:ext>
+                  </a:extLst>
+                </a:gridCol>
+                <a:gridCol w="1086633">
+                  <a:extLst>
+                    <a:ext uri="{9D8B030D-6E8A-4147-A177-3AD203B41FA5}">
+                      <a16:colId xmlns:a16="http://schemas.microsoft.com/office/drawing/2014/main" val="4178682879"/>
+                    </a:ext>
+                  </a:extLst>
+                </a:gridCol>
+                <a:gridCol w="824082">
+                  <a:extLst>
+                    <a:ext uri="{9D8B030D-6E8A-4147-A177-3AD203B41FA5}">
+                      <a16:colId xmlns:a16="http://schemas.microsoft.com/office/drawing/2014/main" val="3160549755"/>
+                    </a:ext>
+                  </a:extLst>
+                </a:gridCol>
+                <a:gridCol w="3401943">
+                  <a:extLst>
+                    <a:ext uri="{9D8B030D-6E8A-4147-A177-3AD203B41FA5}">
+                      <a16:colId xmlns:a16="http://schemas.microsoft.com/office/drawing/2014/main" val="444581452"/>
+                    </a:ext>
+                  </a:extLst>
+                </a:gridCol>
+              </a:tblGrid>
+              <a:tr h="370840">
+                <a:tc>
+                  <a:txBody>
+                    <a:bodyPr/>
+                    <a:lstStyle/>
+                    <a:p>
+                      <a:r>
+                        <a:rPr lang="en-US" dirty="0"/>
+                        <a:t>S. No</a:t>
+                      </a:r>
+                    </a:p>
+                  </a:txBody>
+                  <a:tcPr/>
+                </a:tc>
+                <a:tc>
+                  <a:txBody>
+                    <a:bodyPr/>
+                    <a:lstStyle/>
+                    <a:p>
+                      <a:r>
+                        <a:rPr lang="en-US" dirty="0"/>
+                        <a:t>Item</a:t>
+                      </a:r>
+                    </a:p>
+                  </a:txBody>
+                  <a:tcPr/>
+                </a:tc>
+                <a:tc>
+                  <a:txBody>
+                    <a:bodyPr/>
+                    <a:lstStyle/>
+                    <a:p>
+                      <a:r>
+                        <a:rPr lang="en-US" dirty="0"/>
+                        <a:t>7.6.0</a:t>
+                      </a:r>
+                    </a:p>
+                  </a:txBody>
+                  <a:tcPr/>
+                </a:tc>
+                <a:tc>
+                  <a:txBody>
+                    <a:bodyPr/>
+                    <a:lstStyle/>
+                    <a:p>
+                      <a:r>
+                        <a:rPr lang="en-US" dirty="0"/>
+                        <a:t>5.5.1</a:t>
+                      </a:r>
+                    </a:p>
+                  </a:txBody>
+                  <a:tcPr/>
+                </a:tc>
+                <a:tc>
+                  <a:txBody>
+                    <a:bodyPr/>
+                    <a:lstStyle/>
+                    <a:p>
+                      <a:r>
+                        <a:rPr lang="en-US" dirty="0"/>
+                        <a:t>Comment</a:t>
+                      </a:r>
+                    </a:p>
+                  </a:txBody>
+                  <a:tcPr/>
+                </a:tc>
+                <a:extLst>
+                  <a:ext uri="{0D108BD9-81ED-4DB2-BD59-A6C34878D82A}">
+                    <a16:rowId xmlns:a16="http://schemas.microsoft.com/office/drawing/2014/main" val="2418573495"/>
+                  </a:ext>
+                </a:extLst>
+              </a:tr>
+              <a:tr h="370840">
+                <a:tc>
+                  <a:txBody>
+                    <a:bodyPr/>
+                    <a:lstStyle/>
+                    <a:p>
+                      <a:r>
+                        <a:rPr lang="en-US" dirty="0"/>
+                        <a:t>71</a:t>
+                      </a:r>
+                    </a:p>
+                  </a:txBody>
+                  <a:tcPr/>
+                </a:tc>
+                <a:tc>
+                  <a:txBody>
+                    <a:bodyPr/>
+                    <a:lstStyle/>
+                    <a:p>
+                      <a:r>
+                        <a:rPr lang="en-US" dirty="0" err="1"/>
+                        <a:t>xlsxdatasource</a:t>
+                      </a:r>
+                      <a:endParaRPr lang="en-US" dirty="0"/>
+                    </a:p>
+                  </a:txBody>
+                  <a:tcPr/>
+                </a:tc>
+                <a:tc>
+                  <a:txBody>
+                    <a:bodyPr/>
+                    <a:lstStyle/>
+                    <a:p>
+                      <a:r>
+                        <a:rPr lang="en-US" dirty="0"/>
+                        <a:t>OK</a:t>
+                      </a:r>
+                    </a:p>
+                  </a:txBody>
+                  <a:tcPr/>
+                </a:tc>
+                <a:tc>
+                  <a:txBody>
+                    <a:bodyPr/>
+                    <a:lstStyle/>
+                    <a:p>
+                      <a:endParaRPr lang="en-US"/>
+                    </a:p>
+                  </a:txBody>
+                  <a:tcPr/>
+                </a:tc>
+                <a:tc>
+                  <a:txBody>
+                    <a:bodyPr/>
+                    <a:lstStyle/>
+                    <a:p>
+                      <a:r>
+                        <a:rPr lang="en-US" dirty="0"/>
+                        <a:t>Parse/display xlsx (Excel format)</a:t>
+                      </a:r>
+                    </a:p>
+                  </a:txBody>
+                  <a:tcPr/>
+                </a:tc>
+                <a:extLst>
+                  <a:ext uri="{0D108BD9-81ED-4DB2-BD59-A6C34878D82A}">
+                    <a16:rowId xmlns:a16="http://schemas.microsoft.com/office/drawing/2014/main" val="1952171255"/>
+                  </a:ext>
+                </a:extLst>
+              </a:tr>
+              <a:tr h="370840">
+                <a:tc>
+                  <a:txBody>
+                    <a:bodyPr/>
+                    <a:lstStyle/>
+                    <a:p>
+                      <a:r>
+                        <a:rPr lang="en-US" dirty="0"/>
+                        <a:t>72</a:t>
+                      </a:r>
+                    </a:p>
+                  </a:txBody>
+                  <a:tcPr/>
+                </a:tc>
+                <a:tc>
+                  <a:txBody>
+                    <a:bodyPr/>
+                    <a:lstStyle/>
+                    <a:p>
+                      <a:r>
+                        <a:rPr lang="en-US"/>
+                        <a:t>xmldatasource</a:t>
+                      </a:r>
+                      <a:endParaRPr lang="en-US" dirty="0"/>
+                    </a:p>
+                  </a:txBody>
+                  <a:tcPr/>
+                </a:tc>
+                <a:tc>
+                  <a:txBody>
+                    <a:bodyPr/>
+                    <a:lstStyle/>
+                    <a:p>
+                      <a:r>
+                        <a:rPr lang="en-US" dirty="0"/>
+                        <a:t>OK</a:t>
+                      </a:r>
+                    </a:p>
+                  </a:txBody>
+                  <a:tcPr/>
+                </a:tc>
+                <a:tc>
+                  <a:txBody>
+                    <a:bodyPr/>
+                    <a:lstStyle/>
+                    <a:p>
+                      <a:endParaRPr lang="en-US"/>
+                    </a:p>
+                  </a:txBody>
+                  <a:tcPr/>
+                </a:tc>
+                <a:tc>
+                  <a:txBody>
+                    <a:bodyPr/>
+                    <a:lstStyle/>
+                    <a:p>
+                      <a:r>
+                        <a:rPr lang="en-US" dirty="0"/>
+                        <a:t>Parse/display  xml format</a:t>
+                      </a:r>
+                    </a:p>
+                  </a:txBody>
+                  <a:tcPr/>
+                </a:tc>
+                <a:extLst>
+                  <a:ext uri="{0D108BD9-81ED-4DB2-BD59-A6C34878D82A}">
+                    <a16:rowId xmlns:a16="http://schemas.microsoft.com/office/drawing/2014/main" val="1660790555"/>
+                  </a:ext>
+                </a:extLst>
+              </a:tr>
+            </a:tbl>
+          </a:graphicData>
+        </a:graphic>
+      </p:graphicFrame>
+    </p:spTree>
+    <p:extLst>
+      <p:ext uri="{BB962C8B-B14F-4D97-AF65-F5344CB8AC3E}">
+        <p14:creationId xmlns:p14="http://schemas.microsoft.com/office/powerpoint/2010/main" val="3301455797"/>
+      </p:ext>
+    </p:extLst>
+  </p:cSld>
+  <p:clrMapOvr>
+    <a:masterClrMapping/>
+  </p:clrMapOvr>
+</p:sld>
+</file>
+
+<file path=ppt/slides/slide13.xml><?xml version="1.0" encoding="utf-8"?>
+<p:sld xmlns:a="http://schemas.openxmlformats.org/drawingml/2006/main" xmlns:r="http://schemas.openxmlformats.org/officeDocument/2006/relationships" xmlns:p="http://schemas.openxmlformats.org/presentationml/2006/main">
+  <p:cSld>
+    <p:spTree>
+      <p:nvGrpSpPr>
+        <p:cNvPr id="1" name=""/>
+        <p:cNvGrpSpPr/>
+        <p:nvPr/>
+      </p:nvGrpSpPr>
+      <p:grpSpPr>
+        <a:xfrm>
+          <a:off x="0" y="0"/>
+          <a:ext cx="0" cy="0"/>
+          <a:chOff x="0" y="0"/>
+          <a:chExt cx="0" cy="0"/>
+        </a:xfrm>
+      </p:grpSpPr>
+      <p:sp>
+        <p:nvSpPr>
+          <p:cNvPr id="2" name="標題 1"/>
+          <p:cNvSpPr>
+            <a:spLocks noGrp="1"/>
+          </p:cNvSpPr>
+          <p:nvPr>
+            <p:ph type="ctrTitle"/>
+          </p:nvPr>
+        </p:nvSpPr>
+        <p:spPr>
+          <a:xfrm>
             <a:off x="0" y="2130425"/>
             <a:ext cx="9144000" cy="1470025"/>
           </a:xfrm>
@@ -3711,7 +6500,7 @@
             <a:fld id="{E4D7E63D-91F2-4366-A2C4-1B00C9E2590E}" type="slidenum">
               <a:rPr lang="zh-TW" altLang="en-US" smtClean="0"/>
               <a:pPr/>
-              <a:t>10</a:t>
+              <a:t>13</a:t>
             </a:fld>
             <a:endParaRPr lang="zh-TW" altLang="en-US"/>
           </a:p>
@@ -3818,7 +6607,7 @@
         <p:spPr>
           <a:xfrm>
             <a:off x="467544" y="1340767"/>
-            <a:ext cx="8136904" cy="288033"/>
+            <a:ext cx="8136904" cy="720081"/>
           </a:xfrm>
           <a:ln>
             <a:solidFill>
@@ -3846,13 +6635,26 @@
                   <a:schemeClr val="tx1"/>
                 </a:solidFill>
               </a:rPr>
-              <a:t>JasperReport API Summary</a:t>
+              <a:t>JasperReport API:</a:t>
             </a:r>
-            <a:endParaRPr lang="en-US" sz="1800" dirty="0">
-              <a:solidFill>
-                <a:schemeClr val="tx1"/>
-              </a:solidFill>
-            </a:endParaRPr>
+          </a:p>
+          <a:p>
+            <a:pPr marL="342900" indent="-342900" algn="l">
+              <a:buClr>
+                <a:srgbClr val="0070C0"/>
+              </a:buClr>
+              <a:buSzPct val="80000"/>
+              <a:buFont typeface="Wingdings" pitchFamily="2" charset="2"/>
+              <a:buChar char="u"/>
+            </a:pPr>
+            <a:r>
+              <a:rPr lang="en-US" sz="1800" dirty="0">
+                <a:solidFill>
+                  <a:schemeClr val="tx1"/>
+                </a:solidFill>
+              </a:rPr>
+              <a:t>Install JasperReport 6.7.0 under C:\Tools </a:t>
+            </a:r>
           </a:p>
         </p:txBody>
       </p:sp>
@@ -3970,821 +6772,93 @@
           </a:p>
         </p:txBody>
       </p:sp>
-      <p:graphicFrame>
-        <p:nvGraphicFramePr>
-          <p:cNvPr id="7" name="Table 6">
+      <p:pic>
+        <p:nvPicPr>
+          <p:cNvPr id="8" name="Picture 7">
             <a:extLst>
               <a:ext uri="{FF2B5EF4-FFF2-40B4-BE49-F238E27FC236}">
-                <a16:creationId xmlns:a16="http://schemas.microsoft.com/office/drawing/2014/main" id="{2F281886-0CEB-40B3-9499-B4528515AAB5}"/>
+                <a16:creationId xmlns:a16="http://schemas.microsoft.com/office/drawing/2014/main" id="{2E31B9A4-035B-4421-8FDE-08EAEAAA5F2B}"/>
               </a:ext>
             </a:extLst>
           </p:cNvPr>
-          <p:cNvGraphicFramePr>
-            <a:graphicFrameLocks noGrp="1"/>
-          </p:cNvGraphicFramePr>
-          <p:nvPr>
-            <p:extLst>
-              <p:ext uri="{D42A27DB-BD31-4B8C-83A1-F6EECF244321}">
-                <p14:modId xmlns:p14="http://schemas.microsoft.com/office/powerpoint/2010/main" val="2098207239"/>
-              </p:ext>
-            </p:extLst>
-          </p:nvPr>
-        </p:nvGraphicFramePr>
-        <p:xfrm>
-          <a:off x="611560" y="1844824"/>
-          <a:ext cx="8215028" cy="4074160"/>
-        </p:xfrm>
-        <a:graphic>
-          <a:graphicData uri="http://schemas.openxmlformats.org/drawingml/2006/table">
-            <a:tbl>
-              <a:tblPr firstRow="1" bandRow="1">
-                <a:tableStyleId>{5C22544A-7EE6-4342-B048-85BDC9FD1C3A}</a:tableStyleId>
-              </a:tblPr>
-              <a:tblGrid>
-                <a:gridCol w="728980">
-                  <a:extLst>
-                    <a:ext uri="{9D8B030D-6E8A-4147-A177-3AD203B41FA5}">
-                      <a16:colId xmlns:a16="http://schemas.microsoft.com/office/drawing/2014/main" val="425712739"/>
-                    </a:ext>
-                  </a:extLst>
-                </a:gridCol>
-                <a:gridCol w="1812481">
-                  <a:extLst>
-                    <a:ext uri="{9D8B030D-6E8A-4147-A177-3AD203B41FA5}">
-                      <a16:colId xmlns:a16="http://schemas.microsoft.com/office/drawing/2014/main" val="1870320283"/>
-                    </a:ext>
-                  </a:extLst>
-                </a:gridCol>
-                <a:gridCol w="703580">
-                  <a:extLst>
-                    <a:ext uri="{9D8B030D-6E8A-4147-A177-3AD203B41FA5}">
-                      <a16:colId xmlns:a16="http://schemas.microsoft.com/office/drawing/2014/main" val="4178682879"/>
-                    </a:ext>
-                  </a:extLst>
-                </a:gridCol>
-                <a:gridCol w="703580">
-                  <a:extLst>
-                    <a:ext uri="{9D8B030D-6E8A-4147-A177-3AD203B41FA5}">
-                      <a16:colId xmlns:a16="http://schemas.microsoft.com/office/drawing/2014/main" val="3160549755"/>
-                    </a:ext>
-                  </a:extLst>
-                </a:gridCol>
-                <a:gridCol w="4266407">
-                  <a:extLst>
-                    <a:ext uri="{9D8B030D-6E8A-4147-A177-3AD203B41FA5}">
-                      <a16:colId xmlns:a16="http://schemas.microsoft.com/office/drawing/2014/main" val="444581452"/>
-                    </a:ext>
-                  </a:extLst>
-                </a:gridCol>
-              </a:tblGrid>
-              <a:tr h="309244">
-                <a:tc>
-                  <a:txBody>
-                    <a:bodyPr/>
-                    <a:lstStyle/>
-                    <a:p>
-                      <a:r>
-                        <a:rPr lang="en-US" dirty="0"/>
-                        <a:t>S. No</a:t>
-                      </a:r>
-                    </a:p>
-                  </a:txBody>
-                  <a:tcPr/>
-                </a:tc>
-                <a:tc>
-                  <a:txBody>
-                    <a:bodyPr/>
-                    <a:lstStyle/>
-                    <a:p>
-                      <a:r>
-                        <a:rPr lang="en-US" dirty="0"/>
-                        <a:t>Item</a:t>
-                      </a:r>
-                    </a:p>
-                  </a:txBody>
-                  <a:tcPr/>
-                </a:tc>
-                <a:tc>
-                  <a:txBody>
-                    <a:bodyPr/>
-                    <a:lstStyle/>
-                    <a:p>
-                      <a:r>
-                        <a:rPr lang="en-US" dirty="0"/>
-                        <a:t>7.6.0</a:t>
-                      </a:r>
-                    </a:p>
-                  </a:txBody>
-                  <a:tcPr/>
-                </a:tc>
-                <a:tc>
-                  <a:txBody>
-                    <a:bodyPr/>
-                    <a:lstStyle/>
-                    <a:p>
-                      <a:r>
-                        <a:rPr lang="en-US" dirty="0"/>
-                        <a:t>5.5.1</a:t>
-                      </a:r>
-                    </a:p>
-                  </a:txBody>
-                  <a:tcPr/>
-                </a:tc>
-                <a:tc>
-                  <a:txBody>
-                    <a:bodyPr/>
-                    <a:lstStyle/>
-                    <a:p>
-                      <a:r>
-                        <a:rPr lang="en-US" dirty="0"/>
-                        <a:t>Comment</a:t>
-                      </a:r>
-                    </a:p>
-                  </a:txBody>
-                  <a:tcPr/>
-                </a:tc>
-                <a:extLst>
-                  <a:ext uri="{0D108BD9-81ED-4DB2-BD59-A6C34878D82A}">
-                    <a16:rowId xmlns:a16="http://schemas.microsoft.com/office/drawing/2014/main" val="2418573495"/>
-                  </a:ext>
-                </a:extLst>
-              </a:tr>
-              <a:tr h="370840">
-                <a:tc>
-                  <a:txBody>
-                    <a:bodyPr/>
-                    <a:lstStyle/>
-                    <a:p>
-                      <a:r>
-                        <a:rPr lang="en-US" dirty="0"/>
-                        <a:t>1</a:t>
-                      </a:r>
-                    </a:p>
-                  </a:txBody>
-                  <a:tcPr/>
-                </a:tc>
-                <a:tc>
-                  <a:txBody>
-                    <a:bodyPr/>
-                    <a:lstStyle/>
-                    <a:p>
-                      <a:r>
-                        <a:rPr lang="en-US" dirty="0" err="1"/>
-                        <a:t>alterdesign</a:t>
-                      </a:r>
-                      <a:endParaRPr lang="en-US" dirty="0"/>
-                    </a:p>
-                  </a:txBody>
-                  <a:tcPr/>
-                </a:tc>
-                <a:tc>
-                  <a:txBody>
-                    <a:bodyPr/>
-                    <a:lstStyle/>
-                    <a:p>
-                      <a:r>
-                        <a:rPr lang="en-US" dirty="0"/>
-                        <a:t>OK</a:t>
-                      </a:r>
-                    </a:p>
-                  </a:txBody>
-                  <a:tcPr/>
-                </a:tc>
-                <a:tc>
-                  <a:txBody>
-                    <a:bodyPr/>
-                    <a:lstStyle/>
-                    <a:p>
-                      <a:endParaRPr lang="en-US"/>
-                    </a:p>
-                  </a:txBody>
-                  <a:tcPr/>
-                </a:tc>
-                <a:tc>
-                  <a:txBody>
-                    <a:bodyPr/>
-                    <a:lstStyle/>
-                    <a:p>
-                      <a:endParaRPr lang="en-US"/>
-                    </a:p>
-                  </a:txBody>
-                  <a:tcPr/>
-                </a:tc>
-                <a:extLst>
-                  <a:ext uri="{0D108BD9-81ED-4DB2-BD59-A6C34878D82A}">
-                    <a16:rowId xmlns:a16="http://schemas.microsoft.com/office/drawing/2014/main" val="1952171255"/>
-                  </a:ext>
-                </a:extLst>
-              </a:tr>
-              <a:tr h="370840">
-                <a:tc>
-                  <a:txBody>
-                    <a:bodyPr/>
-                    <a:lstStyle/>
-                    <a:p>
-                      <a:r>
-                        <a:rPr lang="en-US" dirty="0"/>
-                        <a:t>2</a:t>
-                      </a:r>
-                    </a:p>
-                  </a:txBody>
-                  <a:tcPr/>
-                </a:tc>
-                <a:tc>
-                  <a:txBody>
-                    <a:bodyPr/>
-                    <a:lstStyle/>
-                    <a:p>
-                      <a:r>
-                        <a:rPr lang="en-US" dirty="0" err="1"/>
-                        <a:t>antcompile</a:t>
-                      </a:r>
-                      <a:endParaRPr lang="en-US" dirty="0"/>
-                    </a:p>
-                  </a:txBody>
-                  <a:tcPr/>
-                </a:tc>
-                <a:tc>
-                  <a:txBody>
-                    <a:bodyPr/>
-                    <a:lstStyle/>
-                    <a:p>
-                      <a:r>
-                        <a:rPr lang="en-US" dirty="0"/>
-                        <a:t>OK</a:t>
-                      </a:r>
-                    </a:p>
-                  </a:txBody>
-                  <a:tcPr/>
-                </a:tc>
-                <a:tc>
-                  <a:txBody>
-                    <a:bodyPr/>
-                    <a:lstStyle/>
-                    <a:p>
-                      <a:endParaRPr lang="en-US"/>
-                    </a:p>
-                  </a:txBody>
-                  <a:tcPr/>
-                </a:tc>
-                <a:tc>
-                  <a:txBody>
-                    <a:bodyPr/>
-                    <a:lstStyle/>
-                    <a:p>
-                      <a:endParaRPr lang="en-US" dirty="0"/>
-                    </a:p>
-                  </a:txBody>
-                  <a:tcPr/>
-                </a:tc>
-                <a:extLst>
-                  <a:ext uri="{0D108BD9-81ED-4DB2-BD59-A6C34878D82A}">
-                    <a16:rowId xmlns:a16="http://schemas.microsoft.com/office/drawing/2014/main" val="1660790555"/>
-                  </a:ext>
-                </a:extLst>
-              </a:tr>
-              <a:tr h="370840">
-                <a:tc>
-                  <a:txBody>
-                    <a:bodyPr/>
-                    <a:lstStyle/>
-                    <a:p>
-                      <a:r>
-                        <a:rPr lang="en-US" dirty="0"/>
-                        <a:t>3</a:t>
-                      </a:r>
-                    </a:p>
-                  </a:txBody>
-                  <a:tcPr/>
-                </a:tc>
-                <a:tc>
-                  <a:txBody>
-                    <a:bodyPr/>
-                    <a:lstStyle/>
-                    <a:p>
-                      <a:r>
-                        <a:rPr lang="en-US" dirty="0" err="1"/>
-                        <a:t>antupdate</a:t>
-                      </a:r>
-                      <a:endParaRPr lang="en-US" dirty="0"/>
-                    </a:p>
-                  </a:txBody>
-                  <a:tcPr/>
-                </a:tc>
-                <a:tc>
-                  <a:txBody>
-                    <a:bodyPr/>
-                    <a:lstStyle/>
-                    <a:p>
-                      <a:r>
-                        <a:rPr lang="en-US" dirty="0"/>
-                        <a:t>OK</a:t>
-                      </a:r>
-                    </a:p>
-                  </a:txBody>
-                  <a:tcPr/>
-                </a:tc>
-                <a:tc>
-                  <a:txBody>
-                    <a:bodyPr/>
-                    <a:lstStyle/>
-                    <a:p>
-                      <a:endParaRPr lang="en-US"/>
-                    </a:p>
-                  </a:txBody>
-                  <a:tcPr/>
-                </a:tc>
-                <a:tc>
-                  <a:txBody>
-                    <a:bodyPr/>
-                    <a:lstStyle/>
-                    <a:p>
-                      <a:endParaRPr lang="en-US"/>
-                    </a:p>
-                  </a:txBody>
-                  <a:tcPr/>
-                </a:tc>
-                <a:extLst>
-                  <a:ext uri="{0D108BD9-81ED-4DB2-BD59-A6C34878D82A}">
-                    <a16:rowId xmlns:a16="http://schemas.microsoft.com/office/drawing/2014/main" val="1614621968"/>
-                  </a:ext>
-                </a:extLst>
-              </a:tr>
-              <a:tr h="370840">
-                <a:tc>
-                  <a:txBody>
-                    <a:bodyPr/>
-                    <a:lstStyle/>
-                    <a:p>
-                      <a:r>
-                        <a:rPr lang="en-US" dirty="0"/>
-                        <a:t>4</a:t>
-                      </a:r>
-                    </a:p>
-                  </a:txBody>
-                  <a:tcPr/>
-                </a:tc>
-                <a:tc>
-                  <a:txBody>
-                    <a:bodyPr/>
-                    <a:lstStyle/>
-                    <a:p>
-                      <a:r>
-                        <a:rPr lang="en-US" dirty="0"/>
-                        <a:t>barbecue</a:t>
-                      </a:r>
-                    </a:p>
-                  </a:txBody>
-                  <a:tcPr/>
-                </a:tc>
-                <a:tc>
-                  <a:txBody>
-                    <a:bodyPr/>
-                    <a:lstStyle/>
-                    <a:p>
-                      <a:r>
-                        <a:rPr lang="en-US" dirty="0"/>
-                        <a:t>OK</a:t>
-                      </a:r>
-                    </a:p>
-                  </a:txBody>
-                  <a:tcPr/>
-                </a:tc>
-                <a:tc>
-                  <a:txBody>
-                    <a:bodyPr/>
-                    <a:lstStyle/>
-                    <a:p>
-                      <a:endParaRPr lang="en-US" dirty="0"/>
-                    </a:p>
-                  </a:txBody>
-                  <a:tcPr/>
-                </a:tc>
-                <a:tc>
-                  <a:txBody>
-                    <a:bodyPr/>
-                    <a:lstStyle/>
-                    <a:p>
-                      <a:endParaRPr lang="en-US" dirty="0"/>
-                    </a:p>
-                  </a:txBody>
-                  <a:tcPr/>
-                </a:tc>
-                <a:extLst>
-                  <a:ext uri="{0D108BD9-81ED-4DB2-BD59-A6C34878D82A}">
-                    <a16:rowId xmlns:a16="http://schemas.microsoft.com/office/drawing/2014/main" val="665300491"/>
-                  </a:ext>
-                </a:extLst>
-              </a:tr>
-              <a:tr h="370840">
-                <a:tc>
-                  <a:txBody>
-                    <a:bodyPr/>
-                    <a:lstStyle/>
-                    <a:p>
-                      <a:r>
-                        <a:rPr lang="en-US" dirty="0"/>
-                        <a:t>5</a:t>
-                      </a:r>
-                    </a:p>
-                  </a:txBody>
-                  <a:tcPr/>
-                </a:tc>
-                <a:tc>
-                  <a:txBody>
-                    <a:bodyPr/>
-                    <a:lstStyle/>
-                    <a:p>
-                      <a:r>
-                        <a:rPr lang="en-US" dirty="0"/>
-                        <a:t>barcode4j</a:t>
-                      </a:r>
-                    </a:p>
-                  </a:txBody>
-                  <a:tcPr/>
-                </a:tc>
-                <a:tc>
-                  <a:txBody>
-                    <a:bodyPr/>
-                    <a:lstStyle/>
-                    <a:p>
-                      <a:r>
-                        <a:rPr lang="en-US" dirty="0"/>
-                        <a:t>OK</a:t>
-                      </a:r>
-                    </a:p>
-                  </a:txBody>
-                  <a:tcPr/>
-                </a:tc>
-                <a:tc>
-                  <a:txBody>
-                    <a:bodyPr/>
-                    <a:lstStyle/>
-                    <a:p>
-                      <a:endParaRPr lang="en-US"/>
-                    </a:p>
-                  </a:txBody>
-                  <a:tcPr/>
-                </a:tc>
-                <a:tc>
-                  <a:txBody>
-                    <a:bodyPr/>
-                    <a:lstStyle/>
-                    <a:p>
-                      <a:endParaRPr lang="en-US"/>
-                    </a:p>
-                  </a:txBody>
-                  <a:tcPr/>
-                </a:tc>
-                <a:extLst>
-                  <a:ext uri="{0D108BD9-81ED-4DB2-BD59-A6C34878D82A}">
-                    <a16:rowId xmlns:a16="http://schemas.microsoft.com/office/drawing/2014/main" val="4230082323"/>
-                  </a:ext>
-                </a:extLst>
-              </a:tr>
-              <a:tr h="370840">
-                <a:tc>
-                  <a:txBody>
-                    <a:bodyPr/>
-                    <a:lstStyle/>
-                    <a:p>
-                      <a:r>
-                        <a:rPr lang="en-US" dirty="0"/>
-                        <a:t>6</a:t>
-                      </a:r>
-                    </a:p>
-                  </a:txBody>
-                  <a:tcPr/>
-                </a:tc>
-                <a:tc>
-                  <a:txBody>
-                    <a:bodyPr/>
-                    <a:lstStyle/>
-                    <a:p>
-                      <a:r>
-                        <a:rPr lang="en-US" dirty="0" err="1"/>
-                        <a:t>batchexport</a:t>
-                      </a:r>
-                      <a:endParaRPr lang="en-US" dirty="0"/>
-                    </a:p>
-                  </a:txBody>
-                  <a:tcPr/>
-                </a:tc>
-                <a:tc>
-                  <a:txBody>
-                    <a:bodyPr/>
-                    <a:lstStyle/>
-                    <a:p>
-                      <a:r>
-                        <a:rPr lang="en-US" dirty="0"/>
-                        <a:t>OK</a:t>
-                      </a:r>
-                    </a:p>
-                  </a:txBody>
-                  <a:tcPr/>
-                </a:tc>
-                <a:tc>
-                  <a:txBody>
-                    <a:bodyPr/>
-                    <a:lstStyle/>
-                    <a:p>
-                      <a:endParaRPr lang="en-US" dirty="0"/>
-                    </a:p>
-                  </a:txBody>
-                  <a:tcPr/>
-                </a:tc>
-                <a:tc>
-                  <a:txBody>
-                    <a:bodyPr/>
-                    <a:lstStyle/>
-                    <a:p>
-                      <a:endParaRPr lang="en-US" dirty="0"/>
-                    </a:p>
-                  </a:txBody>
-                  <a:tcPr/>
-                </a:tc>
-                <a:extLst>
-                  <a:ext uri="{0D108BD9-81ED-4DB2-BD59-A6C34878D82A}">
-                    <a16:rowId xmlns:a16="http://schemas.microsoft.com/office/drawing/2014/main" val="2715077805"/>
-                  </a:ext>
-                </a:extLst>
-              </a:tr>
-              <a:tr h="370840">
-                <a:tc>
-                  <a:txBody>
-                    <a:bodyPr/>
-                    <a:lstStyle/>
-                    <a:p>
-                      <a:r>
-                        <a:rPr lang="en-US" dirty="0"/>
-                        <a:t>7</a:t>
-                      </a:r>
-                    </a:p>
-                  </a:txBody>
-                  <a:tcPr/>
-                </a:tc>
-                <a:tc>
-                  <a:txBody>
-                    <a:bodyPr/>
-                    <a:lstStyle/>
-                    <a:p>
-                      <a:r>
-                        <a:rPr lang="en-US" dirty="0"/>
-                        <a:t>book</a:t>
-                      </a:r>
-                    </a:p>
-                  </a:txBody>
-                  <a:tcPr/>
-                </a:tc>
-                <a:tc>
-                  <a:txBody>
-                    <a:bodyPr/>
-                    <a:lstStyle/>
-                    <a:p>
-                      <a:r>
-                        <a:rPr lang="en-US" dirty="0"/>
-                        <a:t>OK</a:t>
-                      </a:r>
-                    </a:p>
-                  </a:txBody>
-                  <a:tcPr/>
-                </a:tc>
-                <a:tc>
-                  <a:txBody>
-                    <a:bodyPr/>
-                    <a:lstStyle/>
-                    <a:p>
-                      <a:endParaRPr lang="en-US"/>
-                    </a:p>
-                  </a:txBody>
-                  <a:tcPr/>
-                </a:tc>
-                <a:tc>
-                  <a:txBody>
-                    <a:bodyPr/>
-                    <a:lstStyle/>
-                    <a:p>
-                      <a:endParaRPr lang="en-US"/>
-                    </a:p>
-                  </a:txBody>
-                  <a:tcPr/>
-                </a:tc>
-                <a:extLst>
-                  <a:ext uri="{0D108BD9-81ED-4DB2-BD59-A6C34878D82A}">
-                    <a16:rowId xmlns:a16="http://schemas.microsoft.com/office/drawing/2014/main" val="1614136013"/>
-                  </a:ext>
-                </a:extLst>
-              </a:tr>
-              <a:tr h="370840">
-                <a:tc>
-                  <a:txBody>
-                    <a:bodyPr/>
-                    <a:lstStyle/>
-                    <a:p>
-                      <a:r>
-                        <a:rPr lang="en-US" dirty="0"/>
-                        <a:t>8</a:t>
-                      </a:r>
-                    </a:p>
-                  </a:txBody>
-                  <a:tcPr/>
-                </a:tc>
-                <a:tc>
-                  <a:txBody>
-                    <a:bodyPr/>
-                    <a:lstStyle/>
-                    <a:p>
-                      <a:r>
-                        <a:rPr lang="en-US" dirty="0" err="1"/>
-                        <a:t>chartcustomizers</a:t>
-                      </a:r>
-                      <a:endParaRPr lang="en-US" dirty="0"/>
-                    </a:p>
-                  </a:txBody>
-                  <a:tcPr/>
-                </a:tc>
-                <a:tc>
-                  <a:txBody>
-                    <a:bodyPr/>
-                    <a:lstStyle/>
-                    <a:p>
-                      <a:r>
-                        <a:rPr lang="en-US" dirty="0"/>
-                        <a:t>OK</a:t>
-                      </a:r>
-                    </a:p>
-                  </a:txBody>
-                  <a:tcPr/>
-                </a:tc>
-                <a:tc>
-                  <a:txBody>
-                    <a:bodyPr/>
-                    <a:lstStyle/>
-                    <a:p>
-                      <a:endParaRPr lang="en-US"/>
-                    </a:p>
-                  </a:txBody>
-                  <a:tcPr/>
-                </a:tc>
-                <a:tc>
-                  <a:txBody>
-                    <a:bodyPr/>
-                    <a:lstStyle/>
-                    <a:p>
-                      <a:endParaRPr lang="en-US"/>
-                    </a:p>
-                  </a:txBody>
-                  <a:tcPr/>
-                </a:tc>
-                <a:extLst>
-                  <a:ext uri="{0D108BD9-81ED-4DB2-BD59-A6C34878D82A}">
-                    <a16:rowId xmlns:a16="http://schemas.microsoft.com/office/drawing/2014/main" val="3027132816"/>
-                  </a:ext>
-                </a:extLst>
-              </a:tr>
-              <a:tr h="370840">
-                <a:tc>
-                  <a:txBody>
-                    <a:bodyPr/>
-                    <a:lstStyle/>
-                    <a:p>
-                      <a:r>
-                        <a:rPr lang="en-US" dirty="0"/>
-                        <a:t>9</a:t>
-                      </a:r>
-                    </a:p>
-                  </a:txBody>
-                  <a:tcPr/>
-                </a:tc>
-                <a:tc>
-                  <a:txBody>
-                    <a:bodyPr/>
-                    <a:lstStyle/>
-                    <a:p>
-                      <a:r>
-                        <a:rPr lang="en-US" dirty="0"/>
-                        <a:t>charts</a:t>
-                      </a:r>
-                    </a:p>
-                  </a:txBody>
-                  <a:tcPr/>
-                </a:tc>
-                <a:tc>
-                  <a:txBody>
-                    <a:bodyPr/>
-                    <a:lstStyle/>
-                    <a:p>
-                      <a:r>
-                        <a:rPr lang="en-US" dirty="0"/>
-                        <a:t>OK</a:t>
-                      </a:r>
-                    </a:p>
-                  </a:txBody>
-                  <a:tcPr/>
-                </a:tc>
-                <a:tc>
-                  <a:txBody>
-                    <a:bodyPr/>
-                    <a:lstStyle/>
-                    <a:p>
-                      <a:endParaRPr lang="en-US"/>
-                    </a:p>
-                  </a:txBody>
-                  <a:tcPr/>
-                </a:tc>
-                <a:tc>
-                  <a:txBody>
-                    <a:bodyPr/>
-                    <a:lstStyle/>
-                    <a:p>
-                      <a:r>
-                        <a:rPr lang="en-US" dirty="0"/>
-                        <a:t>Area Chart with Table</a:t>
-                      </a:r>
-                    </a:p>
-                  </a:txBody>
-                  <a:tcPr/>
-                </a:tc>
-                <a:extLst>
-                  <a:ext uri="{0D108BD9-81ED-4DB2-BD59-A6C34878D82A}">
-                    <a16:rowId xmlns:a16="http://schemas.microsoft.com/office/drawing/2014/main" val="2583647039"/>
-                  </a:ext>
-                </a:extLst>
-              </a:tr>
-              <a:tr h="370840">
-                <a:tc>
-                  <a:txBody>
-                    <a:bodyPr/>
-                    <a:lstStyle/>
-                    <a:p>
-                      <a:r>
-                        <a:rPr lang="en-US" dirty="0"/>
-                        <a:t>10</a:t>
-                      </a:r>
-                    </a:p>
-                  </a:txBody>
-                  <a:tcPr/>
-                </a:tc>
-                <a:tc>
-                  <a:txBody>
-                    <a:bodyPr/>
-                    <a:lstStyle/>
-                    <a:p>
-                      <a:r>
-                        <a:rPr lang="en-US" dirty="0" err="1"/>
-                        <a:t>chartthemes</a:t>
-                      </a:r>
-                      <a:endParaRPr lang="en-US" dirty="0"/>
-                    </a:p>
-                  </a:txBody>
-                  <a:tcPr/>
-                </a:tc>
-                <a:tc>
-                  <a:txBody>
-                    <a:bodyPr/>
-                    <a:lstStyle/>
-                    <a:p>
-                      <a:r>
-                        <a:rPr lang="en-US" dirty="0"/>
-                        <a:t>OK</a:t>
-                      </a:r>
-                    </a:p>
-                  </a:txBody>
-                  <a:tcPr/>
-                </a:tc>
-                <a:tc>
-                  <a:txBody>
-                    <a:bodyPr/>
-                    <a:lstStyle/>
-                    <a:p>
-                      <a:endParaRPr lang="en-US" dirty="0"/>
-                    </a:p>
-                  </a:txBody>
-                  <a:tcPr/>
-                </a:tc>
-                <a:tc>
-                  <a:txBody>
-                    <a:bodyPr/>
-                    <a:lstStyle/>
-                    <a:p>
-                      <a:r>
-                        <a:rPr lang="en-US" dirty="0"/>
-                        <a:t>3D bar, Pie, bar, area, dot, line, meter chart </a:t>
-                      </a:r>
-                    </a:p>
-                  </a:txBody>
-                  <a:tcPr/>
-                </a:tc>
-                <a:extLst>
-                  <a:ext uri="{0D108BD9-81ED-4DB2-BD59-A6C34878D82A}">
-                    <a16:rowId xmlns:a16="http://schemas.microsoft.com/office/drawing/2014/main" val="3231393431"/>
-                  </a:ext>
-                </a:extLst>
-              </a:tr>
-            </a:tbl>
-          </a:graphicData>
-        </a:graphic>
-      </p:graphicFrame>
+          <p:cNvPicPr>
+            <a:picLocks noChangeAspect="1"/>
+          </p:cNvPicPr>
+          <p:nvPr/>
+        </p:nvPicPr>
+        <p:blipFill>
+          <a:blip r:embed="rId2"/>
+          <a:stretch>
+            <a:fillRect/>
+          </a:stretch>
+        </p:blipFill>
+        <p:spPr>
+          <a:xfrm>
+            <a:off x="1403648" y="2620372"/>
+            <a:ext cx="6181725" cy="2838450"/>
+          </a:xfrm>
+          <a:prstGeom prst="rect">
+            <a:avLst/>
+          </a:prstGeom>
+          <a:ln>
+            <a:solidFill>
+              <a:srgbClr val="C00000"/>
+            </a:solidFill>
+          </a:ln>
+        </p:spPr>
+      </p:pic>
+      <p:sp>
+        <p:nvSpPr>
+          <p:cNvPr id="9" name="Rectangle 8">
+            <a:extLst>
+              <a:ext uri="{FF2B5EF4-FFF2-40B4-BE49-F238E27FC236}">
+                <a16:creationId xmlns:a16="http://schemas.microsoft.com/office/drawing/2014/main" id="{B1405D2F-FF2C-4947-BA1F-1447FD27E8F3}"/>
+              </a:ext>
+            </a:extLst>
+          </p:cNvPr>
+          <p:cNvSpPr/>
+          <p:nvPr/>
+        </p:nvSpPr>
+        <p:spPr>
+          <a:xfrm>
+            <a:off x="3059832" y="4365104"/>
+            <a:ext cx="1728192" cy="432048"/>
+          </a:xfrm>
+          <a:prstGeom prst="rect">
+            <a:avLst/>
+          </a:prstGeom>
+          <a:noFill/>
+          <a:ln>
+            <a:solidFill>
+              <a:srgbClr val="C00000"/>
+            </a:solidFill>
+          </a:ln>
+        </p:spPr>
+        <p:style>
+          <a:lnRef idx="2">
+            <a:schemeClr val="accent1">
+              <a:shade val="50000"/>
+            </a:schemeClr>
+          </a:lnRef>
+          <a:fillRef idx="1">
+            <a:schemeClr val="accent1"/>
+          </a:fillRef>
+          <a:effectRef idx="0">
+            <a:schemeClr val="accent1"/>
+          </a:effectRef>
+          <a:fontRef idx="minor">
+            <a:schemeClr val="lt1"/>
+          </a:fontRef>
+        </p:style>
+        <p:txBody>
+          <a:bodyPr rtlCol="0" anchor="ctr"/>
+          <a:lstStyle/>
+          <a:p>
+            <a:pPr algn="ctr"/>
+            <a:endParaRPr lang="en-US"/>
+          </a:p>
+        </p:txBody>
+      </p:sp>
     </p:spTree>
     <p:extLst>
       <p:ext uri="{BB962C8B-B14F-4D97-AF65-F5344CB8AC3E}">
@@ -4815,6 +6889,41 @@
           <a:chExt cx="0" cy="0"/>
         </a:xfrm>
       </p:grpSpPr>
+      <p:pic>
+        <p:nvPicPr>
+          <p:cNvPr id="7" name="Picture 6">
+            <a:extLst>
+              <a:ext uri="{FF2B5EF4-FFF2-40B4-BE49-F238E27FC236}">
+                <a16:creationId xmlns:a16="http://schemas.microsoft.com/office/drawing/2014/main" id="{840708DF-D29B-4BBF-8A1B-D9C2FE3859F4}"/>
+              </a:ext>
+            </a:extLst>
+          </p:cNvPr>
+          <p:cNvPicPr>
+            <a:picLocks noChangeAspect="1"/>
+          </p:cNvPicPr>
+          <p:nvPr/>
+        </p:nvPicPr>
+        <p:blipFill>
+          <a:blip r:embed="rId2"/>
+          <a:stretch>
+            <a:fillRect/>
+          </a:stretch>
+        </p:blipFill>
+        <p:spPr>
+          <a:xfrm>
+            <a:off x="1115616" y="2639226"/>
+            <a:ext cx="5646588" cy="3568008"/>
+          </a:xfrm>
+          <a:prstGeom prst="rect">
+            <a:avLst/>
+          </a:prstGeom>
+          <a:ln>
+            <a:solidFill>
+              <a:srgbClr val="C00000"/>
+            </a:solidFill>
+          </a:ln>
+        </p:spPr>
+      </p:pic>
       <p:sp>
         <p:nvSpPr>
           <p:cNvPr id="2" name="標題 1"/>
@@ -4891,7 +7000,7 @@
         <p:spPr>
           <a:xfrm>
             <a:off x="467544" y="1340767"/>
-            <a:ext cx="8136904" cy="288033"/>
+            <a:ext cx="8136904" cy="1108617"/>
           </a:xfrm>
           <a:ln>
             <a:solidFill>
@@ -4919,9 +7028,53 @@
                   <a:schemeClr val="tx1"/>
                 </a:solidFill>
               </a:rPr>
-              <a:t>JasperReport API Summary</a:t>
+              <a:t>Start JasperReport Server:</a:t>
             </a:r>
-            <a:endParaRPr lang="en-US" sz="1800" dirty="0">
+          </a:p>
+          <a:p>
+            <a:pPr marL="342900" indent="-342900" algn="l">
+              <a:buClr>
+                <a:srgbClr val="0070C0"/>
+              </a:buClr>
+              <a:buSzPct val="80000"/>
+              <a:buFont typeface="Wingdings" pitchFamily="2" charset="2"/>
+              <a:buChar char="u"/>
+            </a:pPr>
+            <a:r>
+              <a:rPr lang="en-US" sz="1800" b="1" dirty="0">
+                <a:solidFill>
+                  <a:schemeClr val="tx1"/>
+                </a:solidFill>
+              </a:rPr>
+              <a:t>Go to C:\Tools\jasperreports-6.7.0\demo\hsqldb</a:t>
+            </a:r>
+          </a:p>
+          <a:p>
+            <a:pPr marL="342900" indent="-342900" algn="l">
+              <a:buClr>
+                <a:srgbClr val="0070C0"/>
+              </a:buClr>
+              <a:buSzPct val="80000"/>
+              <a:buFont typeface="Wingdings" pitchFamily="2" charset="2"/>
+              <a:buChar char="u"/>
+            </a:pPr>
+            <a:r>
+              <a:rPr lang="en-US" sz="1800" b="1" dirty="0">
+                <a:solidFill>
+                  <a:schemeClr val="tx1"/>
+                </a:solidFill>
+              </a:rPr>
+              <a:t>&gt; ant </a:t>
+            </a:r>
+            <a:r>
+              <a:rPr lang="en-US" sz="1800" b="1" dirty="0" err="1">
+                <a:solidFill>
+                  <a:schemeClr val="tx1"/>
+                </a:solidFill>
+              </a:rPr>
+              <a:t>runServer</a:t>
+            </a:r>
+            <a:endParaRPr lang="en-US" sz="1800" b="1" dirty="0">
               <a:solidFill>
                 <a:schemeClr val="tx1"/>
               </a:solidFill>
@@ -5043,832 +7196,10 @@
           </a:p>
         </p:txBody>
       </p:sp>
-      <p:graphicFrame>
-        <p:nvGraphicFramePr>
-          <p:cNvPr id="7" name="Table 6">
-            <a:extLst>
-              <a:ext uri="{FF2B5EF4-FFF2-40B4-BE49-F238E27FC236}">
-                <a16:creationId xmlns:a16="http://schemas.microsoft.com/office/drawing/2014/main" id="{2F281886-0CEB-40B3-9499-B4528515AAB5}"/>
-              </a:ext>
-            </a:extLst>
-          </p:cNvPr>
-          <p:cNvGraphicFramePr>
-            <a:graphicFrameLocks noGrp="1"/>
-          </p:cNvGraphicFramePr>
-          <p:nvPr>
-            <p:extLst>
-              <p:ext uri="{D42A27DB-BD31-4B8C-83A1-F6EECF244321}">
-                <p14:modId xmlns:p14="http://schemas.microsoft.com/office/powerpoint/2010/main" val="6624341"/>
-              </p:ext>
-            </p:extLst>
-          </p:nvPr>
-        </p:nvGraphicFramePr>
-        <p:xfrm>
-          <a:off x="611560" y="1783228"/>
-          <a:ext cx="7056784" cy="4079240"/>
-        </p:xfrm>
-        <a:graphic>
-          <a:graphicData uri="http://schemas.openxmlformats.org/drawingml/2006/table">
-            <a:tbl>
-              <a:tblPr firstRow="1" bandRow="1">
-                <a:tableStyleId>{5C22544A-7EE6-4342-B048-85BDC9FD1C3A}</a:tableStyleId>
-              </a:tblPr>
-              <a:tblGrid>
-                <a:gridCol w="728980">
-                  <a:extLst>
-                    <a:ext uri="{9D8B030D-6E8A-4147-A177-3AD203B41FA5}">
-                      <a16:colId xmlns:a16="http://schemas.microsoft.com/office/drawing/2014/main" val="425712739"/>
-                    </a:ext>
-                  </a:extLst>
-                </a:gridCol>
-                <a:gridCol w="2055940">
-                  <a:extLst>
-                    <a:ext uri="{9D8B030D-6E8A-4147-A177-3AD203B41FA5}">
-                      <a16:colId xmlns:a16="http://schemas.microsoft.com/office/drawing/2014/main" val="1870320283"/>
-                    </a:ext>
-                  </a:extLst>
-                </a:gridCol>
-                <a:gridCol w="1219200">
-                  <a:extLst>
-                    <a:ext uri="{9D8B030D-6E8A-4147-A177-3AD203B41FA5}">
-                      <a16:colId xmlns:a16="http://schemas.microsoft.com/office/drawing/2014/main" val="4178682879"/>
-                    </a:ext>
-                  </a:extLst>
-                </a:gridCol>
-                <a:gridCol w="1219200">
-                  <a:extLst>
-                    <a:ext uri="{9D8B030D-6E8A-4147-A177-3AD203B41FA5}">
-                      <a16:colId xmlns:a16="http://schemas.microsoft.com/office/drawing/2014/main" val="3160549755"/>
-                    </a:ext>
-                  </a:extLst>
-                </a:gridCol>
-                <a:gridCol w="1833464">
-                  <a:extLst>
-                    <a:ext uri="{9D8B030D-6E8A-4147-A177-3AD203B41FA5}">
-                      <a16:colId xmlns:a16="http://schemas.microsoft.com/office/drawing/2014/main" val="444581452"/>
-                    </a:ext>
-                  </a:extLst>
-                </a:gridCol>
-              </a:tblGrid>
-              <a:tr h="370840">
-                <a:tc>
-                  <a:txBody>
-                    <a:bodyPr/>
-                    <a:lstStyle/>
-                    <a:p>
-                      <a:r>
-                        <a:rPr lang="en-US" dirty="0"/>
-                        <a:t>S. No</a:t>
-                      </a:r>
-                    </a:p>
-                  </a:txBody>
-                  <a:tcPr/>
-                </a:tc>
-                <a:tc>
-                  <a:txBody>
-                    <a:bodyPr/>
-                    <a:lstStyle/>
-                    <a:p>
-                      <a:r>
-                        <a:rPr lang="en-US" dirty="0"/>
-                        <a:t>Item</a:t>
-                      </a:r>
-                    </a:p>
-                  </a:txBody>
-                  <a:tcPr/>
-                </a:tc>
-                <a:tc>
-                  <a:txBody>
-                    <a:bodyPr/>
-                    <a:lstStyle/>
-                    <a:p>
-                      <a:r>
-                        <a:rPr lang="en-US" dirty="0"/>
-                        <a:t>7.6.0</a:t>
-                      </a:r>
-                    </a:p>
-                  </a:txBody>
-                  <a:tcPr/>
-                </a:tc>
-                <a:tc>
-                  <a:txBody>
-                    <a:bodyPr/>
-                    <a:lstStyle/>
-                    <a:p>
-                      <a:r>
-                        <a:rPr lang="en-US" dirty="0"/>
-                        <a:t>5.5.1</a:t>
-                      </a:r>
-                    </a:p>
-                  </a:txBody>
-                  <a:tcPr/>
-                </a:tc>
-                <a:tc>
-                  <a:txBody>
-                    <a:bodyPr/>
-                    <a:lstStyle/>
-                    <a:p>
-                      <a:r>
-                        <a:rPr lang="en-US" dirty="0"/>
-                        <a:t>Comment</a:t>
-                      </a:r>
-                    </a:p>
-                  </a:txBody>
-                  <a:tcPr/>
-                </a:tc>
-                <a:extLst>
-                  <a:ext uri="{0D108BD9-81ED-4DB2-BD59-A6C34878D82A}">
-                    <a16:rowId xmlns:a16="http://schemas.microsoft.com/office/drawing/2014/main" val="2418573495"/>
-                  </a:ext>
-                </a:extLst>
-              </a:tr>
-              <a:tr h="370840">
-                <a:tc>
-                  <a:txBody>
-                    <a:bodyPr/>
-                    <a:lstStyle/>
-                    <a:p>
-                      <a:r>
-                        <a:rPr lang="en-US" dirty="0"/>
-                        <a:t>11</a:t>
-                      </a:r>
-                    </a:p>
-                  </a:txBody>
-                  <a:tcPr/>
-                </a:tc>
-                <a:tc>
-                  <a:txBody>
-                    <a:bodyPr/>
-                    <a:lstStyle/>
-                    <a:p>
-                      <a:r>
-                        <a:rPr lang="en-US" dirty="0"/>
-                        <a:t>crosstabs</a:t>
-                      </a:r>
-                    </a:p>
-                  </a:txBody>
-                  <a:tcPr/>
-                </a:tc>
-                <a:tc>
-                  <a:txBody>
-                    <a:bodyPr/>
-                    <a:lstStyle/>
-                    <a:p>
-                      <a:r>
-                        <a:rPr lang="en-US" dirty="0"/>
-                        <a:t>OK</a:t>
-                      </a:r>
-                    </a:p>
-                  </a:txBody>
-                  <a:tcPr/>
-                </a:tc>
-                <a:tc>
-                  <a:txBody>
-                    <a:bodyPr/>
-                    <a:lstStyle/>
-                    <a:p>
-                      <a:endParaRPr lang="en-US"/>
-                    </a:p>
-                  </a:txBody>
-                  <a:tcPr/>
-                </a:tc>
-                <a:tc>
-                  <a:txBody>
-                    <a:bodyPr/>
-                    <a:lstStyle/>
-                    <a:p>
-                      <a:r>
-                        <a:rPr lang="en-US" dirty="0"/>
-                        <a:t>Multiple Tables</a:t>
-                      </a:r>
-                    </a:p>
-                  </a:txBody>
-                  <a:tcPr/>
-                </a:tc>
-                <a:extLst>
-                  <a:ext uri="{0D108BD9-81ED-4DB2-BD59-A6C34878D82A}">
-                    <a16:rowId xmlns:a16="http://schemas.microsoft.com/office/drawing/2014/main" val="1952171255"/>
-                  </a:ext>
-                </a:extLst>
-              </a:tr>
-              <a:tr h="370840">
-                <a:tc>
-                  <a:txBody>
-                    <a:bodyPr/>
-                    <a:lstStyle/>
-                    <a:p>
-                      <a:r>
-                        <a:rPr lang="en-US" dirty="0"/>
-                        <a:t>12</a:t>
-                      </a:r>
-                    </a:p>
-                  </a:txBody>
-                  <a:tcPr/>
-                </a:tc>
-                <a:tc>
-                  <a:txBody>
-                    <a:bodyPr/>
-                    <a:lstStyle/>
-                    <a:p>
-                      <a:r>
-                        <a:rPr lang="en-US" dirty="0" err="1"/>
-                        <a:t>cvsdatasource</a:t>
-                      </a:r>
-                      <a:endParaRPr lang="en-US" dirty="0"/>
-                    </a:p>
-                  </a:txBody>
-                  <a:tcPr/>
-                </a:tc>
-                <a:tc>
-                  <a:txBody>
-                    <a:bodyPr/>
-                    <a:lstStyle/>
-                    <a:p>
-                      <a:r>
-                        <a:rPr lang="en-US" dirty="0"/>
-                        <a:t>OK</a:t>
-                      </a:r>
-                    </a:p>
-                  </a:txBody>
-                  <a:tcPr/>
-                </a:tc>
-                <a:tc>
-                  <a:txBody>
-                    <a:bodyPr/>
-                    <a:lstStyle/>
-                    <a:p>
-                      <a:endParaRPr lang="en-US"/>
-                    </a:p>
-                  </a:txBody>
-                  <a:tcPr/>
-                </a:tc>
-                <a:tc>
-                  <a:txBody>
-                    <a:bodyPr/>
-                    <a:lstStyle/>
-                    <a:p>
-                      <a:endParaRPr lang="en-US"/>
-                    </a:p>
-                  </a:txBody>
-                  <a:tcPr/>
-                </a:tc>
-                <a:extLst>
-                  <a:ext uri="{0D108BD9-81ED-4DB2-BD59-A6C34878D82A}">
-                    <a16:rowId xmlns:a16="http://schemas.microsoft.com/office/drawing/2014/main" val="1660790555"/>
-                  </a:ext>
-                </a:extLst>
-              </a:tr>
-              <a:tr h="370840">
-                <a:tc>
-                  <a:txBody>
-                    <a:bodyPr/>
-                    <a:lstStyle/>
-                    <a:p>
-                      <a:r>
-                        <a:rPr lang="en-US" dirty="0"/>
-                        <a:t>13</a:t>
-                      </a:r>
-                    </a:p>
-                  </a:txBody>
-                  <a:tcPr/>
-                </a:tc>
-                <a:tc>
-                  <a:txBody>
-                    <a:bodyPr/>
-                    <a:lstStyle/>
-                    <a:p>
-                      <a:r>
-                        <a:rPr lang="en-US" dirty="0" err="1"/>
-                        <a:t>customvisualization</a:t>
-                      </a:r>
-                      <a:endParaRPr lang="en-US" dirty="0"/>
-                    </a:p>
-                  </a:txBody>
-                  <a:tcPr/>
-                </a:tc>
-                <a:tc>
-                  <a:txBody>
-                    <a:bodyPr/>
-                    <a:lstStyle/>
-                    <a:p>
-                      <a:r>
-                        <a:rPr lang="en-US" dirty="0">
-                          <a:solidFill>
-                            <a:srgbClr val="FF0000"/>
-                          </a:solidFill>
-                        </a:rPr>
-                        <a:t>NG</a:t>
-                      </a:r>
-                    </a:p>
-                  </a:txBody>
-                  <a:tcPr/>
-                </a:tc>
-                <a:tc>
-                  <a:txBody>
-                    <a:bodyPr/>
-                    <a:lstStyle/>
-                    <a:p>
-                      <a:endParaRPr lang="en-US"/>
-                    </a:p>
-                  </a:txBody>
-                  <a:tcPr/>
-                </a:tc>
-                <a:tc>
-                  <a:txBody>
-                    <a:bodyPr/>
-                    <a:lstStyle/>
-                    <a:p>
-                      <a:endParaRPr lang="en-US"/>
-                    </a:p>
-                  </a:txBody>
-                  <a:tcPr/>
-                </a:tc>
-                <a:extLst>
-                  <a:ext uri="{0D108BD9-81ED-4DB2-BD59-A6C34878D82A}">
-                    <a16:rowId xmlns:a16="http://schemas.microsoft.com/office/drawing/2014/main" val="1614621968"/>
-                  </a:ext>
-                </a:extLst>
-              </a:tr>
-              <a:tr h="370840">
-                <a:tc>
-                  <a:txBody>
-                    <a:bodyPr/>
-                    <a:lstStyle/>
-                    <a:p>
-                      <a:r>
-                        <a:rPr lang="en-US" dirty="0"/>
-                        <a:t>14</a:t>
-                      </a:r>
-                    </a:p>
-                  </a:txBody>
-                  <a:tcPr/>
-                </a:tc>
-                <a:tc>
-                  <a:txBody>
-                    <a:bodyPr/>
-                    <a:lstStyle/>
-                    <a:p>
-                      <a:r>
-                        <a:rPr lang="en-US" dirty="0" err="1"/>
-                        <a:t>datasource</a:t>
-                      </a:r>
-                      <a:endParaRPr lang="en-US" dirty="0"/>
-                    </a:p>
-                  </a:txBody>
-                  <a:tcPr/>
-                </a:tc>
-                <a:tc>
-                  <a:txBody>
-                    <a:bodyPr/>
-                    <a:lstStyle/>
-                    <a:p>
-                      <a:r>
-                        <a:rPr lang="en-US" dirty="0"/>
-                        <a:t>OK</a:t>
-                      </a:r>
-                    </a:p>
-                  </a:txBody>
-                  <a:tcPr/>
-                </a:tc>
-                <a:tc>
-                  <a:txBody>
-                    <a:bodyPr/>
-                    <a:lstStyle/>
-                    <a:p>
-                      <a:endParaRPr lang="en-US"/>
-                    </a:p>
-                  </a:txBody>
-                  <a:tcPr/>
-                </a:tc>
-                <a:tc>
-                  <a:txBody>
-                    <a:bodyPr/>
-                    <a:lstStyle/>
-                    <a:p>
-                      <a:endParaRPr lang="en-US"/>
-                    </a:p>
-                  </a:txBody>
-                  <a:tcPr/>
-                </a:tc>
-                <a:extLst>
-                  <a:ext uri="{0D108BD9-81ED-4DB2-BD59-A6C34878D82A}">
-                    <a16:rowId xmlns:a16="http://schemas.microsoft.com/office/drawing/2014/main" val="665300491"/>
-                  </a:ext>
-                </a:extLst>
-              </a:tr>
-              <a:tr h="370840">
-                <a:tc>
-                  <a:txBody>
-                    <a:bodyPr/>
-                    <a:lstStyle/>
-                    <a:p>
-                      <a:r>
-                        <a:rPr lang="en-US" dirty="0"/>
-                        <a:t>15</a:t>
-                      </a:r>
-                    </a:p>
-                  </a:txBody>
-                  <a:tcPr/>
-                </a:tc>
-                <a:tc>
-                  <a:txBody>
-                    <a:bodyPr/>
-                    <a:lstStyle/>
-                    <a:p>
-                      <a:r>
-                        <a:rPr lang="en-US" dirty="0" err="1"/>
-                        <a:t>datarange</a:t>
-                      </a:r>
-                      <a:endParaRPr lang="en-US" dirty="0"/>
-                    </a:p>
-                  </a:txBody>
-                  <a:tcPr/>
-                </a:tc>
-                <a:tc>
-                  <a:txBody>
-                    <a:bodyPr/>
-                    <a:lstStyle/>
-                    <a:p>
-                      <a:r>
-                        <a:rPr lang="en-US" dirty="0"/>
-                        <a:t>OK</a:t>
-                      </a:r>
-                    </a:p>
-                  </a:txBody>
-                  <a:tcPr/>
-                </a:tc>
-                <a:tc>
-                  <a:txBody>
-                    <a:bodyPr/>
-                    <a:lstStyle/>
-                    <a:p>
-                      <a:endParaRPr lang="en-US"/>
-                    </a:p>
-                  </a:txBody>
-                  <a:tcPr/>
-                </a:tc>
-                <a:tc>
-                  <a:txBody>
-                    <a:bodyPr/>
-                    <a:lstStyle/>
-                    <a:p>
-                      <a:endParaRPr lang="en-US"/>
-                    </a:p>
-                  </a:txBody>
-                  <a:tcPr/>
-                </a:tc>
-                <a:extLst>
-                  <a:ext uri="{0D108BD9-81ED-4DB2-BD59-A6C34878D82A}">
-                    <a16:rowId xmlns:a16="http://schemas.microsoft.com/office/drawing/2014/main" val="4230082323"/>
-                  </a:ext>
-                </a:extLst>
-              </a:tr>
-              <a:tr h="370840">
-                <a:tc>
-                  <a:txBody>
-                    <a:bodyPr/>
-                    <a:lstStyle/>
-                    <a:p>
-                      <a:r>
-                        <a:rPr lang="en-US" dirty="0"/>
-                        <a:t>16</a:t>
-                      </a:r>
-                    </a:p>
-                  </a:txBody>
-                  <a:tcPr/>
-                </a:tc>
-                <a:tc>
-                  <a:txBody>
-                    <a:bodyPr/>
-                    <a:lstStyle/>
-                    <a:p>
-                      <a:r>
-                        <a:rPr lang="en-US" dirty="0" err="1"/>
-                        <a:t>ejbql</a:t>
-                      </a:r>
-                      <a:endParaRPr lang="en-US" dirty="0"/>
-                    </a:p>
-                  </a:txBody>
-                  <a:tcPr/>
-                </a:tc>
-                <a:tc>
-                  <a:txBody>
-                    <a:bodyPr/>
-                    <a:lstStyle/>
-                    <a:p>
-                      <a:r>
-                        <a:rPr lang="en-US" dirty="0"/>
-                        <a:t>OK</a:t>
-                      </a:r>
-                    </a:p>
-                  </a:txBody>
-                  <a:tcPr/>
-                </a:tc>
-                <a:tc>
-                  <a:txBody>
-                    <a:bodyPr/>
-                    <a:lstStyle/>
-                    <a:p>
-                      <a:endParaRPr lang="en-US" dirty="0"/>
-                    </a:p>
-                  </a:txBody>
-                  <a:tcPr/>
-                </a:tc>
-                <a:tc>
-                  <a:txBody>
-                    <a:bodyPr/>
-                    <a:lstStyle/>
-                    <a:p>
-                      <a:endParaRPr lang="en-US" dirty="0"/>
-                    </a:p>
-                  </a:txBody>
-                  <a:tcPr/>
-                </a:tc>
-                <a:extLst>
-                  <a:ext uri="{0D108BD9-81ED-4DB2-BD59-A6C34878D82A}">
-                    <a16:rowId xmlns:a16="http://schemas.microsoft.com/office/drawing/2014/main" val="2715077805"/>
-                  </a:ext>
-                </a:extLst>
-              </a:tr>
-              <a:tr h="370840">
-                <a:tc>
-                  <a:txBody>
-                    <a:bodyPr/>
-                    <a:lstStyle/>
-                    <a:p>
-                      <a:r>
-                        <a:rPr lang="en-US" dirty="0"/>
-                        <a:t>17</a:t>
-                      </a:r>
-                    </a:p>
-                  </a:txBody>
-                  <a:tcPr/>
-                </a:tc>
-                <a:tc>
-                  <a:txBody>
-                    <a:bodyPr/>
-                    <a:lstStyle/>
-                    <a:p>
-                      <a:r>
-                        <a:rPr lang="en-US" dirty="0" err="1"/>
-                        <a:t>exceldataadapter</a:t>
-                      </a:r>
-                      <a:endParaRPr lang="en-US" dirty="0"/>
-                    </a:p>
-                  </a:txBody>
-                  <a:tcPr/>
-                </a:tc>
-                <a:tc>
-                  <a:txBody>
-                    <a:bodyPr/>
-                    <a:lstStyle/>
-                    <a:p>
-                      <a:r>
-                        <a:rPr lang="en-US" dirty="0"/>
-                        <a:t>OK</a:t>
-                      </a:r>
-                    </a:p>
-                  </a:txBody>
-                  <a:tcPr/>
-                </a:tc>
-                <a:tc>
-                  <a:txBody>
-                    <a:bodyPr/>
-                    <a:lstStyle/>
-                    <a:p>
-                      <a:endParaRPr lang="en-US"/>
-                    </a:p>
-                  </a:txBody>
-                  <a:tcPr/>
-                </a:tc>
-                <a:tc>
-                  <a:txBody>
-                    <a:bodyPr/>
-                    <a:lstStyle/>
-                    <a:p>
-                      <a:endParaRPr lang="en-US"/>
-                    </a:p>
-                  </a:txBody>
-                  <a:tcPr/>
-                </a:tc>
-                <a:extLst>
-                  <a:ext uri="{0D108BD9-81ED-4DB2-BD59-A6C34878D82A}">
-                    <a16:rowId xmlns:a16="http://schemas.microsoft.com/office/drawing/2014/main" val="1614136013"/>
-                  </a:ext>
-                </a:extLst>
-              </a:tr>
-              <a:tr h="370840">
-                <a:tc>
-                  <a:txBody>
-                    <a:bodyPr/>
-                    <a:lstStyle/>
-                    <a:p>
-                      <a:r>
-                        <a:rPr lang="en-US" dirty="0"/>
-                        <a:t>18</a:t>
-                      </a:r>
-                    </a:p>
-                  </a:txBody>
-                  <a:tcPr/>
-                </a:tc>
-                <a:tc>
-                  <a:txBody>
-                    <a:bodyPr/>
-                    <a:lstStyle/>
-                    <a:p>
-                      <a:r>
-                        <a:rPr lang="en-US" dirty="0"/>
-                        <a:t>fonts</a:t>
-                      </a:r>
-                    </a:p>
-                  </a:txBody>
-                  <a:tcPr/>
-                </a:tc>
-                <a:tc>
-                  <a:txBody>
-                    <a:bodyPr/>
-                    <a:lstStyle/>
-                    <a:p>
-                      <a:r>
-                        <a:rPr lang="en-US" dirty="0"/>
-                        <a:t>OK</a:t>
-                      </a:r>
-                    </a:p>
-                  </a:txBody>
-                  <a:tcPr/>
-                </a:tc>
-                <a:tc>
-                  <a:txBody>
-                    <a:bodyPr/>
-                    <a:lstStyle/>
-                    <a:p>
-                      <a:endParaRPr lang="en-US"/>
-                    </a:p>
-                  </a:txBody>
-                  <a:tcPr/>
-                </a:tc>
-                <a:tc>
-                  <a:txBody>
-                    <a:bodyPr/>
-                    <a:lstStyle/>
-                    <a:p>
-                      <a:r>
-                        <a:rPr lang="en-US" dirty="0"/>
-                        <a:t>Font</a:t>
-                      </a:r>
-                    </a:p>
-                  </a:txBody>
-                  <a:tcPr/>
-                </a:tc>
-                <a:extLst>
-                  <a:ext uri="{0D108BD9-81ED-4DB2-BD59-A6C34878D82A}">
-                    <a16:rowId xmlns:a16="http://schemas.microsoft.com/office/drawing/2014/main" val="3027132816"/>
-                  </a:ext>
-                </a:extLst>
-              </a:tr>
-              <a:tr h="370840">
-                <a:tc>
-                  <a:txBody>
-                    <a:bodyPr/>
-                    <a:lstStyle/>
-                    <a:p>
-                      <a:r>
-                        <a:rPr lang="en-US" dirty="0"/>
-                        <a:t>19</a:t>
-                      </a:r>
-                    </a:p>
-                  </a:txBody>
-                  <a:tcPr/>
-                </a:tc>
-                <a:tc>
-                  <a:txBody>
-                    <a:bodyPr/>
-                    <a:lstStyle/>
-                    <a:p>
-                      <a:r>
-                        <a:rPr lang="en-US" dirty="0"/>
-                        <a:t>forms</a:t>
-                      </a:r>
-                    </a:p>
-                  </a:txBody>
-                  <a:tcPr/>
-                </a:tc>
-                <a:tc>
-                  <a:txBody>
-                    <a:bodyPr/>
-                    <a:lstStyle/>
-                    <a:p>
-                      <a:r>
-                        <a:rPr lang="en-US" dirty="0"/>
-                        <a:t>OK</a:t>
-                      </a:r>
-                    </a:p>
-                  </a:txBody>
-                  <a:tcPr/>
-                </a:tc>
-                <a:tc>
-                  <a:txBody>
-                    <a:bodyPr/>
-                    <a:lstStyle/>
-                    <a:p>
-                      <a:endParaRPr lang="en-US"/>
-                    </a:p>
-                  </a:txBody>
-                  <a:tcPr/>
-                </a:tc>
-                <a:tc>
-                  <a:txBody>
-                    <a:bodyPr/>
-                    <a:lstStyle/>
-                    <a:p>
-                      <a:r>
-                        <a:rPr lang="en-US" dirty="0"/>
-                        <a:t>Empty forms</a:t>
-                      </a:r>
-                    </a:p>
-                  </a:txBody>
-                  <a:tcPr/>
-                </a:tc>
-                <a:extLst>
-                  <a:ext uri="{0D108BD9-81ED-4DB2-BD59-A6C34878D82A}">
-                    <a16:rowId xmlns:a16="http://schemas.microsoft.com/office/drawing/2014/main" val="2583647039"/>
-                  </a:ext>
-                </a:extLst>
-              </a:tr>
-              <a:tr h="370840">
-                <a:tc>
-                  <a:txBody>
-                    <a:bodyPr/>
-                    <a:lstStyle/>
-                    <a:p>
-                      <a:r>
-                        <a:rPr lang="en-US" dirty="0"/>
-                        <a:t>20</a:t>
-                      </a:r>
-                    </a:p>
-                  </a:txBody>
-                  <a:tcPr/>
-                </a:tc>
-                <a:tc>
-                  <a:txBody>
-                    <a:bodyPr/>
-                    <a:lstStyle/>
-                    <a:p>
-                      <a:r>
-                        <a:rPr lang="en-US" dirty="0"/>
-                        <a:t>functions</a:t>
-                      </a:r>
-                    </a:p>
-                  </a:txBody>
-                  <a:tcPr/>
-                </a:tc>
-                <a:tc>
-                  <a:txBody>
-                    <a:bodyPr/>
-                    <a:lstStyle/>
-                    <a:p>
-                      <a:r>
-                        <a:rPr lang="en-US" dirty="0"/>
-                        <a:t>OK</a:t>
-                      </a:r>
-                    </a:p>
-                  </a:txBody>
-                  <a:tcPr/>
-                </a:tc>
-                <a:tc>
-                  <a:txBody>
-                    <a:bodyPr/>
-                    <a:lstStyle/>
-                    <a:p>
-                      <a:endParaRPr lang="en-US"/>
-                    </a:p>
-                  </a:txBody>
-                  <a:tcPr/>
-                </a:tc>
-                <a:tc>
-                  <a:txBody>
-                    <a:bodyPr/>
-                    <a:lstStyle/>
-                    <a:p>
-                      <a:endParaRPr lang="en-US" dirty="0"/>
-                    </a:p>
-                  </a:txBody>
-                  <a:tcPr/>
-                </a:tc>
-                <a:extLst>
-                  <a:ext uri="{0D108BD9-81ED-4DB2-BD59-A6C34878D82A}">
-                    <a16:rowId xmlns:a16="http://schemas.microsoft.com/office/drawing/2014/main" val="3231393431"/>
-                  </a:ext>
-                </a:extLst>
-              </a:tr>
-            </a:tbl>
-          </a:graphicData>
-        </a:graphic>
-      </p:graphicFrame>
     </p:spTree>
     <p:extLst>
       <p:ext uri="{BB962C8B-B14F-4D97-AF65-F5344CB8AC3E}">
-        <p14:creationId xmlns:p14="http://schemas.microsoft.com/office/powerpoint/2010/main" val="2938372026"/>
+        <p14:creationId xmlns:p14="http://schemas.microsoft.com/office/powerpoint/2010/main" val="83379681"/>
       </p:ext>
     </p:extLst>
   </p:cSld>
@@ -5971,7 +7302,7 @@
         <p:spPr>
           <a:xfrm>
             <a:off x="467544" y="1340767"/>
-            <a:ext cx="8136904" cy="288033"/>
+            <a:ext cx="8136904" cy="720081"/>
           </a:xfrm>
           <a:ln>
             <a:solidFill>
@@ -5999,13 +7330,26 @@
                   <a:schemeClr val="tx1"/>
                 </a:solidFill>
               </a:rPr>
-              <a:t>JasperReport API Summary</a:t>
+              <a:t>Verify JasperReport API Samples:</a:t>
             </a:r>
-            <a:endParaRPr lang="en-US" sz="1800" dirty="0">
-              <a:solidFill>
-                <a:schemeClr val="tx1"/>
-              </a:solidFill>
-            </a:endParaRPr>
+          </a:p>
+          <a:p>
+            <a:pPr marL="342900" indent="-342900" algn="l">
+              <a:buClr>
+                <a:srgbClr val="0070C0"/>
+              </a:buClr>
+              <a:buSzPct val="80000"/>
+              <a:buFont typeface="Wingdings" pitchFamily="2" charset="2"/>
+              <a:buChar char="u"/>
+            </a:pPr>
+            <a:r>
+              <a:rPr lang="en-US" sz="1800" b="1" dirty="0">
+                <a:solidFill>
+                  <a:schemeClr val="tx1"/>
+                </a:solidFill>
+              </a:rPr>
+              <a:t>Go to sample, e.g. C:\Tools\jasperreports-6.7.0\demo\samples\chartthemes</a:t>
+            </a:r>
           </a:p>
         </p:txBody>
       </p:sp>
@@ -6123,817 +7467,434 @@
           </a:p>
         </p:txBody>
       </p:sp>
-      <p:graphicFrame>
-        <p:nvGraphicFramePr>
-          <p:cNvPr id="7" name="Table 6">
+      <p:pic>
+        <p:nvPicPr>
+          <p:cNvPr id="10" name="Picture 9">
             <a:extLst>
               <a:ext uri="{FF2B5EF4-FFF2-40B4-BE49-F238E27FC236}">
-                <a16:creationId xmlns:a16="http://schemas.microsoft.com/office/drawing/2014/main" id="{2F281886-0CEB-40B3-9499-B4528515AAB5}"/>
+                <a16:creationId xmlns:a16="http://schemas.microsoft.com/office/drawing/2014/main" id="{67B98E55-2319-407D-80F9-2498732B146D}"/>
               </a:ext>
             </a:extLst>
           </p:cNvPr>
-          <p:cNvGraphicFramePr>
-            <a:graphicFrameLocks noGrp="1"/>
-          </p:cNvGraphicFramePr>
-          <p:nvPr>
-            <p:extLst>
-              <p:ext uri="{D42A27DB-BD31-4B8C-83A1-F6EECF244321}">
-                <p14:modId xmlns:p14="http://schemas.microsoft.com/office/powerpoint/2010/main" val="589468796"/>
-              </p:ext>
-            </p:extLst>
-          </p:nvPr>
-        </p:nvGraphicFramePr>
-        <p:xfrm>
-          <a:off x="611560" y="1783228"/>
-          <a:ext cx="6442520" cy="4079240"/>
-        </p:xfrm>
-        <a:graphic>
-          <a:graphicData uri="http://schemas.openxmlformats.org/drawingml/2006/table">
-            <a:tbl>
-              <a:tblPr firstRow="1" bandRow="1">
-                <a:tableStyleId>{5C22544A-7EE6-4342-B048-85BDC9FD1C3A}</a:tableStyleId>
-              </a:tblPr>
-              <a:tblGrid>
-                <a:gridCol w="728980">
-                  <a:extLst>
-                    <a:ext uri="{9D8B030D-6E8A-4147-A177-3AD203B41FA5}">
-                      <a16:colId xmlns:a16="http://schemas.microsoft.com/office/drawing/2014/main" val="425712739"/>
-                    </a:ext>
-                  </a:extLst>
-                </a:gridCol>
-                <a:gridCol w="2055940">
-                  <a:extLst>
-                    <a:ext uri="{9D8B030D-6E8A-4147-A177-3AD203B41FA5}">
-                      <a16:colId xmlns:a16="http://schemas.microsoft.com/office/drawing/2014/main" val="1870320283"/>
-                    </a:ext>
-                  </a:extLst>
-                </a:gridCol>
-                <a:gridCol w="1219200">
-                  <a:extLst>
-                    <a:ext uri="{9D8B030D-6E8A-4147-A177-3AD203B41FA5}">
-                      <a16:colId xmlns:a16="http://schemas.microsoft.com/office/drawing/2014/main" val="4178682879"/>
-                    </a:ext>
-                  </a:extLst>
-                </a:gridCol>
-                <a:gridCol w="1219200">
-                  <a:extLst>
-                    <a:ext uri="{9D8B030D-6E8A-4147-A177-3AD203B41FA5}">
-                      <a16:colId xmlns:a16="http://schemas.microsoft.com/office/drawing/2014/main" val="3160549755"/>
-                    </a:ext>
-                  </a:extLst>
-                </a:gridCol>
-                <a:gridCol w="1219200">
-                  <a:extLst>
-                    <a:ext uri="{9D8B030D-6E8A-4147-A177-3AD203B41FA5}">
-                      <a16:colId xmlns:a16="http://schemas.microsoft.com/office/drawing/2014/main" val="444581452"/>
-                    </a:ext>
-                  </a:extLst>
-                </a:gridCol>
-              </a:tblGrid>
-              <a:tr h="370840">
-                <a:tc>
-                  <a:txBody>
-                    <a:bodyPr/>
-                    <a:lstStyle/>
-                    <a:p>
-                      <a:r>
-                        <a:rPr lang="en-US" dirty="0"/>
-                        <a:t>S. No</a:t>
-                      </a:r>
-                    </a:p>
-                  </a:txBody>
-                  <a:tcPr/>
-                </a:tc>
-                <a:tc>
-                  <a:txBody>
-                    <a:bodyPr/>
-                    <a:lstStyle/>
-                    <a:p>
-                      <a:r>
-                        <a:rPr lang="en-US" dirty="0"/>
-                        <a:t>Item</a:t>
-                      </a:r>
-                    </a:p>
-                  </a:txBody>
-                  <a:tcPr/>
-                </a:tc>
-                <a:tc>
-                  <a:txBody>
-                    <a:bodyPr/>
-                    <a:lstStyle/>
-                    <a:p>
-                      <a:r>
-                        <a:rPr lang="en-US" dirty="0"/>
-                        <a:t>7.6.0</a:t>
-                      </a:r>
-                    </a:p>
-                  </a:txBody>
-                  <a:tcPr/>
-                </a:tc>
-                <a:tc>
-                  <a:txBody>
-                    <a:bodyPr/>
-                    <a:lstStyle/>
-                    <a:p>
-                      <a:r>
-                        <a:rPr lang="en-US" dirty="0"/>
-                        <a:t>5.5.1</a:t>
-                      </a:r>
-                    </a:p>
-                  </a:txBody>
-                  <a:tcPr/>
-                </a:tc>
-                <a:tc>
-                  <a:txBody>
-                    <a:bodyPr/>
-                    <a:lstStyle/>
-                    <a:p>
-                      <a:r>
-                        <a:rPr lang="en-US" dirty="0"/>
-                        <a:t>Comment</a:t>
-                      </a:r>
-                    </a:p>
-                  </a:txBody>
-                  <a:tcPr/>
-                </a:tc>
-                <a:extLst>
-                  <a:ext uri="{0D108BD9-81ED-4DB2-BD59-A6C34878D82A}">
-                    <a16:rowId xmlns:a16="http://schemas.microsoft.com/office/drawing/2014/main" val="2418573495"/>
-                  </a:ext>
-                </a:extLst>
-              </a:tr>
-              <a:tr h="370840">
-                <a:tc>
-                  <a:txBody>
-                    <a:bodyPr/>
-                    <a:lstStyle/>
-                    <a:p>
-                      <a:r>
-                        <a:rPr lang="en-US" dirty="0"/>
-                        <a:t>21</a:t>
-                      </a:r>
-                    </a:p>
-                  </a:txBody>
-                  <a:tcPr/>
-                </a:tc>
-                <a:tc>
-                  <a:txBody>
-                    <a:bodyPr/>
-                    <a:lstStyle/>
-                    <a:p>
-                      <a:r>
-                        <a:rPr lang="en-US" dirty="0" err="1"/>
-                        <a:t>genericelement</a:t>
-                      </a:r>
-                      <a:endParaRPr lang="en-US" dirty="0"/>
-                    </a:p>
-                  </a:txBody>
-                  <a:tcPr/>
-                </a:tc>
-                <a:tc>
-                  <a:txBody>
-                    <a:bodyPr/>
-                    <a:lstStyle/>
-                    <a:p>
-                      <a:r>
-                        <a:rPr lang="en-US" dirty="0"/>
-                        <a:t>OK</a:t>
-                      </a:r>
-                    </a:p>
-                  </a:txBody>
-                  <a:tcPr/>
-                </a:tc>
-                <a:tc>
-                  <a:txBody>
-                    <a:bodyPr/>
-                    <a:lstStyle/>
-                    <a:p>
-                      <a:endParaRPr lang="en-US"/>
-                    </a:p>
-                  </a:txBody>
-                  <a:tcPr/>
-                </a:tc>
-                <a:tc>
-                  <a:txBody>
-                    <a:bodyPr/>
-                    <a:lstStyle/>
-                    <a:p>
-                      <a:endParaRPr lang="en-US"/>
-                    </a:p>
-                  </a:txBody>
-                  <a:tcPr/>
-                </a:tc>
-                <a:extLst>
-                  <a:ext uri="{0D108BD9-81ED-4DB2-BD59-A6C34878D82A}">
-                    <a16:rowId xmlns:a16="http://schemas.microsoft.com/office/drawing/2014/main" val="1952171255"/>
-                  </a:ext>
-                </a:extLst>
-              </a:tr>
-              <a:tr h="370840">
-                <a:tc>
-                  <a:txBody>
-                    <a:bodyPr/>
-                    <a:lstStyle/>
-                    <a:p>
-                      <a:r>
-                        <a:rPr lang="en-US" dirty="0"/>
-                        <a:t>22</a:t>
-                      </a:r>
-                    </a:p>
-                  </a:txBody>
-                  <a:tcPr/>
-                </a:tc>
-                <a:tc>
-                  <a:txBody>
-                    <a:bodyPr/>
-                    <a:lstStyle/>
-                    <a:p>
-                      <a:r>
-                        <a:rPr lang="en-US" dirty="0"/>
-                        <a:t>groovy</a:t>
-                      </a:r>
-                    </a:p>
-                  </a:txBody>
-                  <a:tcPr/>
-                </a:tc>
-                <a:tc>
-                  <a:txBody>
-                    <a:bodyPr/>
-                    <a:lstStyle/>
-                    <a:p>
-                      <a:r>
-                        <a:rPr lang="en-US" dirty="0"/>
-                        <a:t>OK</a:t>
-                      </a:r>
-                    </a:p>
-                  </a:txBody>
-                  <a:tcPr/>
-                </a:tc>
-                <a:tc>
-                  <a:txBody>
-                    <a:bodyPr/>
-                    <a:lstStyle/>
-                    <a:p>
-                      <a:endParaRPr lang="en-US"/>
-                    </a:p>
-                  </a:txBody>
-                  <a:tcPr/>
-                </a:tc>
-                <a:tc>
-                  <a:txBody>
-                    <a:bodyPr/>
-                    <a:lstStyle/>
-                    <a:p>
-                      <a:endParaRPr lang="en-US"/>
-                    </a:p>
-                  </a:txBody>
-                  <a:tcPr/>
-                </a:tc>
-                <a:extLst>
-                  <a:ext uri="{0D108BD9-81ED-4DB2-BD59-A6C34878D82A}">
-                    <a16:rowId xmlns:a16="http://schemas.microsoft.com/office/drawing/2014/main" val="1660790555"/>
-                  </a:ext>
-                </a:extLst>
-              </a:tr>
-              <a:tr h="370840">
-                <a:tc>
-                  <a:txBody>
-                    <a:bodyPr/>
-                    <a:lstStyle/>
-                    <a:p>
-                      <a:r>
-                        <a:rPr lang="en-US" dirty="0"/>
-                        <a:t>23</a:t>
-                      </a:r>
-                    </a:p>
-                  </a:txBody>
-                  <a:tcPr/>
-                </a:tc>
-                <a:tc>
-                  <a:txBody>
-                    <a:bodyPr/>
-                    <a:lstStyle/>
-                    <a:p>
-                      <a:r>
-                        <a:rPr lang="en-US" dirty="0"/>
-                        <a:t>hibernate</a:t>
-                      </a:r>
-                    </a:p>
-                  </a:txBody>
-                  <a:tcPr/>
-                </a:tc>
-                <a:tc>
-                  <a:txBody>
-                    <a:bodyPr/>
-                    <a:lstStyle/>
-                    <a:p>
-                      <a:r>
-                        <a:rPr lang="en-US" dirty="0"/>
-                        <a:t>OK</a:t>
-                      </a:r>
-                    </a:p>
-                  </a:txBody>
-                  <a:tcPr/>
-                </a:tc>
-                <a:tc>
-                  <a:txBody>
-                    <a:bodyPr/>
-                    <a:lstStyle/>
-                    <a:p>
-                      <a:endParaRPr lang="en-US"/>
-                    </a:p>
-                  </a:txBody>
-                  <a:tcPr/>
-                </a:tc>
-                <a:tc>
-                  <a:txBody>
-                    <a:bodyPr/>
-                    <a:lstStyle/>
-                    <a:p>
-                      <a:endParaRPr lang="en-US" dirty="0"/>
-                    </a:p>
-                  </a:txBody>
-                  <a:tcPr/>
-                </a:tc>
-                <a:extLst>
-                  <a:ext uri="{0D108BD9-81ED-4DB2-BD59-A6C34878D82A}">
-                    <a16:rowId xmlns:a16="http://schemas.microsoft.com/office/drawing/2014/main" val="1614621968"/>
-                  </a:ext>
-                </a:extLst>
-              </a:tr>
-              <a:tr h="370840">
-                <a:tc>
-                  <a:txBody>
-                    <a:bodyPr/>
-                    <a:lstStyle/>
-                    <a:p>
-                      <a:r>
-                        <a:rPr lang="en-US" dirty="0"/>
-                        <a:t>24</a:t>
-                      </a:r>
-                    </a:p>
-                  </a:txBody>
-                  <a:tcPr/>
-                </a:tc>
-                <a:tc>
-                  <a:txBody>
-                    <a:bodyPr/>
-                    <a:lstStyle/>
-                    <a:p>
-                      <a:r>
-                        <a:rPr lang="en-US" dirty="0"/>
-                        <a:t>horizontal</a:t>
-                      </a:r>
-                    </a:p>
-                  </a:txBody>
-                  <a:tcPr/>
-                </a:tc>
-                <a:tc>
-                  <a:txBody>
-                    <a:bodyPr/>
-                    <a:lstStyle/>
-                    <a:p>
-                      <a:r>
-                        <a:rPr lang="en-US" dirty="0"/>
-                        <a:t>OK</a:t>
-                      </a:r>
-                    </a:p>
-                  </a:txBody>
-                  <a:tcPr/>
-                </a:tc>
-                <a:tc>
-                  <a:txBody>
-                    <a:bodyPr/>
-                    <a:lstStyle/>
-                    <a:p>
-                      <a:endParaRPr lang="en-US"/>
-                    </a:p>
-                  </a:txBody>
-                  <a:tcPr/>
-                </a:tc>
-                <a:tc>
-                  <a:txBody>
-                    <a:bodyPr/>
-                    <a:lstStyle/>
-                    <a:p>
-                      <a:endParaRPr lang="en-US"/>
-                    </a:p>
-                  </a:txBody>
-                  <a:tcPr/>
-                </a:tc>
-                <a:extLst>
-                  <a:ext uri="{0D108BD9-81ED-4DB2-BD59-A6C34878D82A}">
-                    <a16:rowId xmlns:a16="http://schemas.microsoft.com/office/drawing/2014/main" val="665300491"/>
-                  </a:ext>
-                </a:extLst>
-              </a:tr>
-              <a:tr h="370840">
-                <a:tc>
-                  <a:txBody>
-                    <a:bodyPr/>
-                    <a:lstStyle/>
-                    <a:p>
-                      <a:r>
-                        <a:rPr lang="en-US" dirty="0"/>
-                        <a:t>25</a:t>
-                      </a:r>
-                    </a:p>
-                  </a:txBody>
-                  <a:tcPr/>
-                </a:tc>
-                <a:tc>
-                  <a:txBody>
-                    <a:bodyPr/>
-                    <a:lstStyle/>
-                    <a:p>
-                      <a:r>
-                        <a:rPr lang="en-US" dirty="0" err="1"/>
-                        <a:t>htmlcomponent</a:t>
-                      </a:r>
-                      <a:endParaRPr lang="en-US" dirty="0"/>
-                    </a:p>
-                  </a:txBody>
-                  <a:tcPr/>
-                </a:tc>
-                <a:tc>
-                  <a:txBody>
-                    <a:bodyPr/>
-                    <a:lstStyle/>
-                    <a:p>
-                      <a:r>
-                        <a:rPr lang="en-US" dirty="0"/>
-                        <a:t>OK</a:t>
-                      </a:r>
-                    </a:p>
-                  </a:txBody>
-                  <a:tcPr/>
-                </a:tc>
-                <a:tc>
-                  <a:txBody>
-                    <a:bodyPr/>
-                    <a:lstStyle/>
-                    <a:p>
-                      <a:endParaRPr lang="en-US"/>
-                    </a:p>
-                  </a:txBody>
-                  <a:tcPr/>
-                </a:tc>
-                <a:tc>
-                  <a:txBody>
-                    <a:bodyPr/>
-                    <a:lstStyle/>
-                    <a:p>
-                      <a:endParaRPr lang="en-US"/>
-                    </a:p>
-                  </a:txBody>
-                  <a:tcPr/>
-                </a:tc>
-                <a:extLst>
-                  <a:ext uri="{0D108BD9-81ED-4DB2-BD59-A6C34878D82A}">
-                    <a16:rowId xmlns:a16="http://schemas.microsoft.com/office/drawing/2014/main" val="4230082323"/>
-                  </a:ext>
-                </a:extLst>
-              </a:tr>
-              <a:tr h="370840">
-                <a:tc>
-                  <a:txBody>
-                    <a:bodyPr/>
-                    <a:lstStyle/>
-                    <a:p>
-                      <a:r>
-                        <a:rPr lang="en-US" dirty="0"/>
-                        <a:t>26</a:t>
-                      </a:r>
-                    </a:p>
-                  </a:txBody>
-                  <a:tcPr/>
-                </a:tc>
-                <a:tc>
-                  <a:txBody>
-                    <a:bodyPr/>
-                    <a:lstStyle/>
-                    <a:p>
-                      <a:r>
-                        <a:rPr lang="en-US" dirty="0" err="1"/>
-                        <a:t>httpdataadapter</a:t>
-                      </a:r>
-                      <a:endParaRPr lang="en-US" dirty="0"/>
-                    </a:p>
-                  </a:txBody>
-                  <a:tcPr/>
-                </a:tc>
-                <a:tc>
-                  <a:txBody>
-                    <a:bodyPr/>
-                    <a:lstStyle/>
-                    <a:p>
-                      <a:r>
-                        <a:rPr lang="en-US" dirty="0"/>
-                        <a:t>OK</a:t>
-                      </a:r>
-                    </a:p>
-                  </a:txBody>
-                  <a:tcPr/>
-                </a:tc>
-                <a:tc>
-                  <a:txBody>
-                    <a:bodyPr/>
-                    <a:lstStyle/>
-                    <a:p>
-                      <a:endParaRPr lang="en-US" dirty="0"/>
-                    </a:p>
-                  </a:txBody>
-                  <a:tcPr/>
-                </a:tc>
-                <a:tc>
-                  <a:txBody>
-                    <a:bodyPr/>
-                    <a:lstStyle/>
-                    <a:p>
-                      <a:endParaRPr lang="en-US" dirty="0"/>
-                    </a:p>
-                  </a:txBody>
-                  <a:tcPr/>
-                </a:tc>
-                <a:extLst>
-                  <a:ext uri="{0D108BD9-81ED-4DB2-BD59-A6C34878D82A}">
-                    <a16:rowId xmlns:a16="http://schemas.microsoft.com/office/drawing/2014/main" val="2715077805"/>
-                  </a:ext>
-                </a:extLst>
-              </a:tr>
-              <a:tr h="370840">
-                <a:tc>
-                  <a:txBody>
-                    <a:bodyPr/>
-                    <a:lstStyle/>
-                    <a:p>
-                      <a:r>
-                        <a:rPr lang="en-US" dirty="0"/>
-                        <a:t>27</a:t>
-                      </a:r>
-                    </a:p>
-                  </a:txBody>
-                  <a:tcPr/>
-                </a:tc>
-                <a:tc>
-                  <a:txBody>
-                    <a:bodyPr/>
-                    <a:lstStyle/>
-                    <a:p>
-                      <a:r>
-                        <a:rPr lang="en-US" dirty="0"/>
-                        <a:t>hyperlink</a:t>
-                      </a:r>
-                    </a:p>
-                  </a:txBody>
-                  <a:tcPr/>
-                </a:tc>
-                <a:tc>
-                  <a:txBody>
-                    <a:bodyPr/>
-                    <a:lstStyle/>
-                    <a:p>
-                      <a:r>
-                        <a:rPr lang="en-US" dirty="0"/>
-                        <a:t>OK</a:t>
-                      </a:r>
-                    </a:p>
-                  </a:txBody>
-                  <a:tcPr/>
-                </a:tc>
-                <a:tc>
-                  <a:txBody>
-                    <a:bodyPr/>
-                    <a:lstStyle/>
-                    <a:p>
-                      <a:endParaRPr lang="en-US"/>
-                    </a:p>
-                  </a:txBody>
-                  <a:tcPr/>
-                </a:tc>
-                <a:tc>
-                  <a:txBody>
-                    <a:bodyPr/>
-                    <a:lstStyle/>
-                    <a:p>
-                      <a:endParaRPr lang="en-US"/>
-                    </a:p>
-                  </a:txBody>
-                  <a:tcPr/>
-                </a:tc>
-                <a:extLst>
-                  <a:ext uri="{0D108BD9-81ED-4DB2-BD59-A6C34878D82A}">
-                    <a16:rowId xmlns:a16="http://schemas.microsoft.com/office/drawing/2014/main" val="1614136013"/>
-                  </a:ext>
-                </a:extLst>
-              </a:tr>
-              <a:tr h="370840">
-                <a:tc>
-                  <a:txBody>
-                    <a:bodyPr/>
-                    <a:lstStyle/>
-                    <a:p>
-                      <a:r>
-                        <a:rPr lang="en-US" dirty="0"/>
-                        <a:t>28</a:t>
-                      </a:r>
-                    </a:p>
-                  </a:txBody>
-                  <a:tcPr/>
-                </a:tc>
-                <a:tc>
-                  <a:txBody>
-                    <a:bodyPr/>
-                    <a:lstStyle/>
-                    <a:p>
-                      <a:r>
-                        <a:rPr lang="en-US" dirty="0"/>
-                        <a:t>i18n</a:t>
-                      </a:r>
-                    </a:p>
-                  </a:txBody>
-                  <a:tcPr/>
-                </a:tc>
-                <a:tc>
-                  <a:txBody>
-                    <a:bodyPr/>
-                    <a:lstStyle/>
-                    <a:p>
-                      <a:r>
-                        <a:rPr lang="en-US" dirty="0"/>
-                        <a:t>OK</a:t>
-                      </a:r>
-                    </a:p>
-                  </a:txBody>
-                  <a:tcPr/>
-                </a:tc>
-                <a:tc>
-                  <a:txBody>
-                    <a:bodyPr/>
-                    <a:lstStyle/>
-                    <a:p>
-                      <a:endParaRPr lang="en-US"/>
-                    </a:p>
-                  </a:txBody>
-                  <a:tcPr/>
-                </a:tc>
-                <a:tc>
-                  <a:txBody>
-                    <a:bodyPr/>
-                    <a:lstStyle/>
-                    <a:p>
-                      <a:endParaRPr lang="en-US"/>
-                    </a:p>
-                  </a:txBody>
-                  <a:tcPr/>
-                </a:tc>
-                <a:extLst>
-                  <a:ext uri="{0D108BD9-81ED-4DB2-BD59-A6C34878D82A}">
-                    <a16:rowId xmlns:a16="http://schemas.microsoft.com/office/drawing/2014/main" val="3027132816"/>
-                  </a:ext>
-                </a:extLst>
-              </a:tr>
-              <a:tr h="370840">
-                <a:tc>
-                  <a:txBody>
-                    <a:bodyPr/>
-                    <a:lstStyle/>
-                    <a:p>
-                      <a:r>
-                        <a:rPr lang="en-US" dirty="0"/>
-                        <a:t>29</a:t>
-                      </a:r>
-                    </a:p>
-                  </a:txBody>
-                  <a:tcPr/>
-                </a:tc>
-                <a:tc>
-                  <a:txBody>
-                    <a:bodyPr/>
-                    <a:lstStyle/>
-                    <a:p>
-                      <a:r>
-                        <a:rPr lang="en-US" dirty="0" err="1"/>
-                        <a:t>iconlabel</a:t>
-                      </a:r>
-                      <a:endParaRPr lang="en-US" dirty="0"/>
-                    </a:p>
-                  </a:txBody>
-                  <a:tcPr/>
-                </a:tc>
-                <a:tc>
-                  <a:txBody>
-                    <a:bodyPr/>
-                    <a:lstStyle/>
-                    <a:p>
-                      <a:r>
-                        <a:rPr lang="en-US" dirty="0"/>
-                        <a:t>OK</a:t>
-                      </a:r>
-                    </a:p>
-                  </a:txBody>
-                  <a:tcPr/>
-                </a:tc>
-                <a:tc>
-                  <a:txBody>
-                    <a:bodyPr/>
-                    <a:lstStyle/>
-                    <a:p>
-                      <a:endParaRPr lang="en-US"/>
-                    </a:p>
-                  </a:txBody>
-                  <a:tcPr/>
-                </a:tc>
-                <a:tc>
-                  <a:txBody>
-                    <a:bodyPr/>
-                    <a:lstStyle/>
-                    <a:p>
-                      <a:endParaRPr lang="en-US"/>
-                    </a:p>
-                  </a:txBody>
-                  <a:tcPr/>
-                </a:tc>
-                <a:extLst>
-                  <a:ext uri="{0D108BD9-81ED-4DB2-BD59-A6C34878D82A}">
-                    <a16:rowId xmlns:a16="http://schemas.microsoft.com/office/drawing/2014/main" val="2583647039"/>
-                  </a:ext>
-                </a:extLst>
-              </a:tr>
-              <a:tr h="370840">
-                <a:tc>
-                  <a:txBody>
-                    <a:bodyPr/>
-                    <a:lstStyle/>
-                    <a:p>
-                      <a:r>
-                        <a:rPr lang="en-US" dirty="0"/>
-                        <a:t>30</a:t>
-                      </a:r>
-                    </a:p>
-                  </a:txBody>
-                  <a:tcPr/>
-                </a:tc>
-                <a:tc>
-                  <a:txBody>
-                    <a:bodyPr/>
-                    <a:lstStyle/>
-                    <a:p>
-                      <a:r>
-                        <a:rPr lang="en-US" dirty="0"/>
-                        <a:t>images</a:t>
-                      </a:r>
-                    </a:p>
-                  </a:txBody>
-                  <a:tcPr/>
-                </a:tc>
-                <a:tc>
-                  <a:txBody>
-                    <a:bodyPr/>
-                    <a:lstStyle/>
-                    <a:p>
-                      <a:r>
-                        <a:rPr lang="en-US" dirty="0"/>
-                        <a:t>OK</a:t>
-                      </a:r>
-                    </a:p>
-                  </a:txBody>
-                  <a:tcPr/>
-                </a:tc>
-                <a:tc>
-                  <a:txBody>
-                    <a:bodyPr/>
-                    <a:lstStyle/>
-                    <a:p>
-                      <a:endParaRPr lang="en-US"/>
-                    </a:p>
-                  </a:txBody>
-                  <a:tcPr/>
-                </a:tc>
-                <a:tc>
-                  <a:txBody>
-                    <a:bodyPr/>
-                    <a:lstStyle/>
-                    <a:p>
-                      <a:endParaRPr lang="en-US" dirty="0"/>
-                    </a:p>
-                  </a:txBody>
-                  <a:tcPr/>
-                </a:tc>
-                <a:extLst>
-                  <a:ext uri="{0D108BD9-81ED-4DB2-BD59-A6C34878D82A}">
-                    <a16:rowId xmlns:a16="http://schemas.microsoft.com/office/drawing/2014/main" val="3231393431"/>
-                  </a:ext>
-                </a:extLst>
-              </a:tr>
-            </a:tbl>
-          </a:graphicData>
-        </a:graphic>
-      </p:graphicFrame>
+          <p:cNvPicPr>
+            <a:picLocks noChangeAspect="1"/>
+          </p:cNvPicPr>
+          <p:nvPr/>
+        </p:nvPicPr>
+        <p:blipFill>
+          <a:blip r:embed="rId2"/>
+          <a:stretch>
+            <a:fillRect/>
+          </a:stretch>
+        </p:blipFill>
+        <p:spPr>
+          <a:xfrm>
+            <a:off x="4860032" y="2160240"/>
+            <a:ext cx="2608077" cy="3933056"/>
+          </a:xfrm>
+          <a:prstGeom prst="rect">
+            <a:avLst/>
+          </a:prstGeom>
+          <a:ln>
+            <a:solidFill>
+              <a:srgbClr val="C00000"/>
+            </a:solidFill>
+          </a:ln>
+        </p:spPr>
+      </p:pic>
+      <p:sp>
+        <p:nvSpPr>
+          <p:cNvPr id="11" name="副標題 2">
+            <a:extLst>
+              <a:ext uri="{FF2B5EF4-FFF2-40B4-BE49-F238E27FC236}">
+                <a16:creationId xmlns:a16="http://schemas.microsoft.com/office/drawing/2014/main" id="{A6C1FE4E-7D4D-41E9-994B-31EDE28831A2}"/>
+              </a:ext>
+            </a:extLst>
+          </p:cNvPr>
+          <p:cNvSpPr txBox="1">
+            <a:spLocks/>
+          </p:cNvSpPr>
+          <p:nvPr/>
+        </p:nvSpPr>
+        <p:spPr>
+          <a:xfrm>
+            <a:off x="549896" y="2238295"/>
+            <a:ext cx="3374032" cy="1694761"/>
+          </a:xfrm>
+          <a:prstGeom prst="rect">
+            <a:avLst/>
+          </a:prstGeom>
+          <a:ln>
+            <a:solidFill>
+              <a:srgbClr val="C00000"/>
+            </a:solidFill>
+          </a:ln>
+        </p:spPr>
+        <p:txBody>
+          <a:bodyPr vert="horz" lIns="91440" tIns="45720" rIns="91440" bIns="45720" rtlCol="0">
+            <a:noAutofit/>
+          </a:bodyPr>
+          <a:lstStyle>
+            <a:lvl1pPr marL="0" indent="0" algn="ctr" defTabSz="914400" rtl="0" eaLnBrk="1" latinLnBrk="0" hangingPunct="1">
+              <a:spcBef>
+                <a:spcPct val="20000"/>
+              </a:spcBef>
+              <a:buFont typeface="Arial" pitchFamily="34" charset="0"/>
+              <a:buNone/>
+              <a:defRPr sz="3200" kern="1200">
+                <a:solidFill>
+                  <a:schemeClr val="tx1">
+                    <a:tint val="75000"/>
+                  </a:schemeClr>
+                </a:solidFill>
+                <a:latin typeface="+mn-lt"/>
+                <a:ea typeface="+mn-ea"/>
+                <a:cs typeface="+mn-cs"/>
+              </a:defRPr>
+            </a:lvl1pPr>
+            <a:lvl2pPr marL="457200" indent="0" algn="ctr" defTabSz="914400" rtl="0" eaLnBrk="1" latinLnBrk="0" hangingPunct="1">
+              <a:spcBef>
+                <a:spcPct val="20000"/>
+              </a:spcBef>
+              <a:buFont typeface="Arial" pitchFamily="34" charset="0"/>
+              <a:buNone/>
+              <a:defRPr sz="2800" kern="1200">
+                <a:solidFill>
+                  <a:schemeClr val="tx1">
+                    <a:tint val="75000"/>
+                  </a:schemeClr>
+                </a:solidFill>
+                <a:latin typeface="+mn-lt"/>
+                <a:ea typeface="+mn-ea"/>
+                <a:cs typeface="+mn-cs"/>
+              </a:defRPr>
+            </a:lvl2pPr>
+            <a:lvl3pPr marL="914400" indent="0" algn="ctr" defTabSz="914400" rtl="0" eaLnBrk="1" latinLnBrk="0" hangingPunct="1">
+              <a:spcBef>
+                <a:spcPct val="20000"/>
+              </a:spcBef>
+              <a:buFont typeface="Arial" pitchFamily="34" charset="0"/>
+              <a:buNone/>
+              <a:defRPr sz="2400" kern="1200">
+                <a:solidFill>
+                  <a:schemeClr val="tx1">
+                    <a:tint val="75000"/>
+                  </a:schemeClr>
+                </a:solidFill>
+                <a:latin typeface="+mn-lt"/>
+                <a:ea typeface="+mn-ea"/>
+                <a:cs typeface="+mn-cs"/>
+              </a:defRPr>
+            </a:lvl3pPr>
+            <a:lvl4pPr marL="1371600" indent="0" algn="ctr" defTabSz="914400" rtl="0" eaLnBrk="1" latinLnBrk="0" hangingPunct="1">
+              <a:spcBef>
+                <a:spcPct val="20000"/>
+              </a:spcBef>
+              <a:buFont typeface="Arial" pitchFamily="34" charset="0"/>
+              <a:buNone/>
+              <a:defRPr sz="2000" kern="1200">
+                <a:solidFill>
+                  <a:schemeClr val="tx1">
+                    <a:tint val="75000"/>
+                  </a:schemeClr>
+                </a:solidFill>
+                <a:latin typeface="+mn-lt"/>
+                <a:ea typeface="+mn-ea"/>
+                <a:cs typeface="+mn-cs"/>
+              </a:defRPr>
+            </a:lvl4pPr>
+            <a:lvl5pPr marL="1828800" indent="0" algn="ctr" defTabSz="914400" rtl="0" eaLnBrk="1" latinLnBrk="0" hangingPunct="1">
+              <a:spcBef>
+                <a:spcPct val="20000"/>
+              </a:spcBef>
+              <a:buFont typeface="Arial" pitchFamily="34" charset="0"/>
+              <a:buNone/>
+              <a:defRPr sz="2000" kern="1200">
+                <a:solidFill>
+                  <a:schemeClr val="tx1">
+                    <a:tint val="75000"/>
+                  </a:schemeClr>
+                </a:solidFill>
+                <a:latin typeface="+mn-lt"/>
+                <a:ea typeface="+mn-ea"/>
+                <a:cs typeface="+mn-cs"/>
+              </a:defRPr>
+            </a:lvl5pPr>
+            <a:lvl6pPr marL="2286000" indent="0" algn="ctr" defTabSz="914400" rtl="0" eaLnBrk="1" latinLnBrk="0" hangingPunct="1">
+              <a:spcBef>
+                <a:spcPct val="20000"/>
+              </a:spcBef>
+              <a:buFont typeface="Arial" pitchFamily="34" charset="0"/>
+              <a:buNone/>
+              <a:defRPr sz="2000" kern="1200">
+                <a:solidFill>
+                  <a:schemeClr val="tx1">
+                    <a:tint val="75000"/>
+                  </a:schemeClr>
+                </a:solidFill>
+                <a:latin typeface="+mn-lt"/>
+                <a:ea typeface="+mn-ea"/>
+                <a:cs typeface="+mn-cs"/>
+              </a:defRPr>
+            </a:lvl6pPr>
+            <a:lvl7pPr marL="2743200" indent="0" algn="ctr" defTabSz="914400" rtl="0" eaLnBrk="1" latinLnBrk="0" hangingPunct="1">
+              <a:spcBef>
+                <a:spcPct val="20000"/>
+              </a:spcBef>
+              <a:buFont typeface="Arial" pitchFamily="34" charset="0"/>
+              <a:buNone/>
+              <a:defRPr sz="2000" kern="1200">
+                <a:solidFill>
+                  <a:schemeClr val="tx1">
+                    <a:tint val="75000"/>
+                  </a:schemeClr>
+                </a:solidFill>
+                <a:latin typeface="+mn-lt"/>
+                <a:ea typeface="+mn-ea"/>
+                <a:cs typeface="+mn-cs"/>
+              </a:defRPr>
+            </a:lvl7pPr>
+            <a:lvl8pPr marL="3200400" indent="0" algn="ctr" defTabSz="914400" rtl="0" eaLnBrk="1" latinLnBrk="0" hangingPunct="1">
+              <a:spcBef>
+                <a:spcPct val="20000"/>
+              </a:spcBef>
+              <a:buFont typeface="Arial" pitchFamily="34" charset="0"/>
+              <a:buNone/>
+              <a:defRPr sz="2000" kern="1200">
+                <a:solidFill>
+                  <a:schemeClr val="tx1">
+                    <a:tint val="75000"/>
+                  </a:schemeClr>
+                </a:solidFill>
+                <a:latin typeface="+mn-lt"/>
+                <a:ea typeface="+mn-ea"/>
+                <a:cs typeface="+mn-cs"/>
+              </a:defRPr>
+            </a:lvl8pPr>
+            <a:lvl9pPr marL="3657600" indent="0" algn="ctr" defTabSz="914400" rtl="0" eaLnBrk="1" latinLnBrk="0" hangingPunct="1">
+              <a:spcBef>
+                <a:spcPct val="20000"/>
+              </a:spcBef>
+              <a:buFont typeface="Arial" pitchFamily="34" charset="0"/>
+              <a:buNone/>
+              <a:defRPr sz="2000" kern="1200">
+                <a:solidFill>
+                  <a:schemeClr val="tx1">
+                    <a:tint val="75000"/>
+                  </a:schemeClr>
+                </a:solidFill>
+                <a:latin typeface="+mn-lt"/>
+                <a:ea typeface="+mn-ea"/>
+                <a:cs typeface="+mn-cs"/>
+              </a:defRPr>
+            </a:lvl9pPr>
+          </a:lstStyle>
+          <a:p>
+            <a:pPr marL="342900" indent="-342900" algn="l">
+              <a:buClr>
+                <a:srgbClr val="0070C0"/>
+              </a:buClr>
+              <a:buSzPct val="80000"/>
+              <a:buFont typeface="Wingdings" pitchFamily="2" charset="2"/>
+              <a:buChar char="u"/>
+            </a:pPr>
+            <a:r>
+              <a:rPr lang="en-US" sz="1800" b="1" dirty="0">
+                <a:solidFill>
+                  <a:schemeClr val="tx1"/>
+                </a:solidFill>
+              </a:rPr>
+              <a:t>&gt; ant </a:t>
+            </a:r>
+            <a:r>
+              <a:rPr lang="en-US" sz="1800" b="1" dirty="0" err="1">
+                <a:solidFill>
+                  <a:schemeClr val="tx1"/>
+                </a:solidFill>
+              </a:rPr>
+              <a:t>javac</a:t>
+            </a:r>
+            <a:endParaRPr lang="en-US" sz="1800" b="1" dirty="0">
+              <a:solidFill>
+                <a:schemeClr val="tx1"/>
+              </a:solidFill>
+            </a:endParaRPr>
+          </a:p>
+          <a:p>
+            <a:pPr marL="342900" indent="-342900" algn="l">
+              <a:buClr>
+                <a:srgbClr val="0070C0"/>
+              </a:buClr>
+              <a:buSzPct val="80000"/>
+              <a:buFont typeface="Wingdings" pitchFamily="2" charset="2"/>
+              <a:buChar char="u"/>
+            </a:pPr>
+            <a:r>
+              <a:rPr lang="en-US" sz="1800" b="1" dirty="0">
+                <a:solidFill>
+                  <a:schemeClr val="tx1"/>
+                </a:solidFill>
+              </a:rPr>
+              <a:t>&gt; ant compile</a:t>
+            </a:r>
+          </a:p>
+          <a:p>
+            <a:pPr marL="342900" indent="-342900" algn="l">
+              <a:buClr>
+                <a:srgbClr val="0070C0"/>
+              </a:buClr>
+              <a:buSzPct val="80000"/>
+              <a:buFont typeface="Wingdings" pitchFamily="2" charset="2"/>
+              <a:buChar char="u"/>
+            </a:pPr>
+            <a:r>
+              <a:rPr lang="en-US" sz="1800" b="1" dirty="0">
+                <a:solidFill>
+                  <a:schemeClr val="tx1"/>
+                </a:solidFill>
+              </a:rPr>
+              <a:t>&gt; ant fill</a:t>
+            </a:r>
+          </a:p>
+          <a:p>
+            <a:pPr marL="342900" indent="-342900" algn="l">
+              <a:buClr>
+                <a:srgbClr val="0070C0"/>
+              </a:buClr>
+              <a:buSzPct val="80000"/>
+              <a:buFont typeface="Wingdings" pitchFamily="2" charset="2"/>
+              <a:buChar char="u"/>
+            </a:pPr>
+            <a:r>
+              <a:rPr lang="en-US" sz="1800" b="1" dirty="0">
+                <a:solidFill>
+                  <a:schemeClr val="tx1"/>
+                </a:solidFill>
+              </a:rPr>
+              <a:t>&gt; ant view</a:t>
+            </a:r>
+          </a:p>
+          <a:p>
+            <a:pPr marL="342900" indent="-342900" algn="l">
+              <a:buClr>
+                <a:srgbClr val="0070C0"/>
+              </a:buClr>
+              <a:buSzPct val="80000"/>
+              <a:buFont typeface="Wingdings" pitchFamily="2" charset="2"/>
+              <a:buChar char="u"/>
+            </a:pPr>
+            <a:r>
+              <a:rPr lang="en-US" sz="1800" b="1" dirty="0">
+                <a:solidFill>
+                  <a:schemeClr val="tx1"/>
+                </a:solidFill>
+              </a:rPr>
+              <a:t>&gt; ant clean</a:t>
+            </a:r>
+          </a:p>
+        </p:txBody>
+      </p:sp>
+      <p:sp>
+        <p:nvSpPr>
+          <p:cNvPr id="12" name="Rectangle 11">
+            <a:extLst>
+              <a:ext uri="{FF2B5EF4-FFF2-40B4-BE49-F238E27FC236}">
+                <a16:creationId xmlns:a16="http://schemas.microsoft.com/office/drawing/2014/main" id="{B9136B46-7250-4837-958F-C5364EDD4246}"/>
+              </a:ext>
+            </a:extLst>
+          </p:cNvPr>
+          <p:cNvSpPr/>
+          <p:nvPr/>
+        </p:nvSpPr>
+        <p:spPr>
+          <a:xfrm>
+            <a:off x="1115616" y="3212975"/>
+            <a:ext cx="1080120" cy="373639"/>
+          </a:xfrm>
+          <a:prstGeom prst="rect">
+            <a:avLst/>
+          </a:prstGeom>
+          <a:noFill/>
+          <a:ln>
+            <a:solidFill>
+              <a:srgbClr val="C00000"/>
+            </a:solidFill>
+          </a:ln>
+        </p:spPr>
+        <p:style>
+          <a:lnRef idx="2">
+            <a:schemeClr val="accent1">
+              <a:shade val="50000"/>
+            </a:schemeClr>
+          </a:lnRef>
+          <a:fillRef idx="1">
+            <a:schemeClr val="accent1"/>
+          </a:fillRef>
+          <a:effectRef idx="0">
+            <a:schemeClr val="accent1"/>
+          </a:effectRef>
+          <a:fontRef idx="minor">
+            <a:schemeClr val="lt1"/>
+          </a:fontRef>
+        </p:style>
+        <p:txBody>
+          <a:bodyPr rtlCol="0" anchor="ctr"/>
+          <a:lstStyle/>
+          <a:p>
+            <a:pPr algn="ctr"/>
+            <a:endParaRPr lang="en-US"/>
+          </a:p>
+        </p:txBody>
+      </p:sp>
+      <p:cxnSp>
+        <p:nvCxnSpPr>
+          <p:cNvPr id="14" name="Straight Arrow Connector 13">
+            <a:extLst>
+              <a:ext uri="{FF2B5EF4-FFF2-40B4-BE49-F238E27FC236}">
+                <a16:creationId xmlns:a16="http://schemas.microsoft.com/office/drawing/2014/main" id="{99655FBF-FBB5-46A5-972B-CB8A32ACD292}"/>
+              </a:ext>
+            </a:extLst>
+          </p:cNvPr>
+          <p:cNvCxnSpPr>
+            <a:stCxn id="12" idx="3"/>
+            <a:endCxn id="10" idx="1"/>
+          </p:cNvCxnSpPr>
+          <p:nvPr/>
+        </p:nvCxnSpPr>
+        <p:spPr>
+          <a:xfrm>
+            <a:off x="2195736" y="3399795"/>
+            <a:ext cx="2664296" cy="726973"/>
+          </a:xfrm>
+          <a:prstGeom prst="straightConnector1">
+            <a:avLst/>
+          </a:prstGeom>
+          <a:ln>
+            <a:solidFill>
+              <a:srgbClr val="C00000"/>
+            </a:solidFill>
+            <a:tailEnd type="triangle"/>
+          </a:ln>
+        </p:spPr>
+        <p:style>
+          <a:lnRef idx="1">
+            <a:schemeClr val="accent1"/>
+          </a:lnRef>
+          <a:fillRef idx="0">
+            <a:schemeClr val="accent1"/>
+          </a:fillRef>
+          <a:effectRef idx="0">
+            <a:schemeClr val="accent1"/>
+          </a:effectRef>
+          <a:fontRef idx="minor">
+            <a:schemeClr val="tx1"/>
+          </a:fontRef>
+        </p:style>
+      </p:cxnSp>
     </p:spTree>
     <p:extLst>
       <p:ext uri="{BB962C8B-B14F-4D97-AF65-F5344CB8AC3E}">
-        <p14:creationId xmlns:p14="http://schemas.microsoft.com/office/powerpoint/2010/main" val="4177864648"/>
+        <p14:creationId xmlns:p14="http://schemas.microsoft.com/office/powerpoint/2010/main" val="725564030"/>
       </p:ext>
     </p:extLst>
   </p:cSld>
@@ -7201,16 +8162,12 @@
             <a:graphicFrameLocks noGrp="1"/>
           </p:cNvGraphicFramePr>
           <p:nvPr>
-            <p:extLst>
-              <p:ext uri="{D42A27DB-BD31-4B8C-83A1-F6EECF244321}">
-                <p14:modId xmlns:p14="http://schemas.microsoft.com/office/powerpoint/2010/main" val="699396242"/>
-              </p:ext>
-            </p:extLst>
+            <p:extLst/>
           </p:nvPr>
         </p:nvGraphicFramePr>
         <p:xfrm>
-          <a:off x="649760" y="1783228"/>
-          <a:ext cx="7385495" cy="4079240"/>
+          <a:off x="611560" y="1844824"/>
+          <a:ext cx="8215028" cy="4074160"/>
         </p:xfrm>
         <a:graphic>
           <a:graphicData uri="http://schemas.openxmlformats.org/drawingml/2006/table">
@@ -7226,28 +8183,28 @@
                     </a:ext>
                   </a:extLst>
                 </a:gridCol>
-                <a:gridCol w="1820863">
+                <a:gridCol w="1812481">
                   <a:extLst>
                     <a:ext uri="{9D8B030D-6E8A-4147-A177-3AD203B41FA5}">
                       <a16:colId xmlns:a16="http://schemas.microsoft.com/office/drawing/2014/main" val="1870320283"/>
                     </a:ext>
                   </a:extLst>
                 </a:gridCol>
-                <a:gridCol w="1219200">
+                <a:gridCol w="703580">
                   <a:extLst>
                     <a:ext uri="{9D8B030D-6E8A-4147-A177-3AD203B41FA5}">
                       <a16:colId xmlns:a16="http://schemas.microsoft.com/office/drawing/2014/main" val="4178682879"/>
                     </a:ext>
                   </a:extLst>
                 </a:gridCol>
-                <a:gridCol w="1219200">
+                <a:gridCol w="703580">
                   <a:extLst>
                     <a:ext uri="{9D8B030D-6E8A-4147-A177-3AD203B41FA5}">
                       <a16:colId xmlns:a16="http://schemas.microsoft.com/office/drawing/2014/main" val="3160549755"/>
                     </a:ext>
                   </a:extLst>
                 </a:gridCol>
-                <a:gridCol w="2397252">
+                <a:gridCol w="4266407">
                   <a:extLst>
                     <a:ext uri="{9D8B030D-6E8A-4147-A177-3AD203B41FA5}">
                       <a16:colId xmlns:a16="http://schemas.microsoft.com/office/drawing/2014/main" val="444581452"/>
@@ -7255,7 +8212,7 @@
                   </a:extLst>
                 </a:gridCol>
               </a:tblGrid>
-              <a:tr h="370840">
+              <a:tr h="309244">
                 <a:tc>
                   <a:txBody>
                     <a:bodyPr/>
@@ -7335,21 +8292,22 @@
                     <a:p>
                       <a:r>
                         <a:rPr lang="en-US" dirty="0"/>
-                        <a:t>31</a:t>
-                      </a:r>
-                    </a:p>
-                  </a:txBody>
-                  <a:tcPr/>
-                </a:tc>
-                <a:tc>
-                  <a:txBody>
-                    <a:bodyPr/>
-                    <a:lstStyle/>
-                    <a:p>
-                      <a:r>
-                        <a:rPr lang="en-US" dirty="0"/>
-                        <a:t>Jasper</a:t>
-                      </a:r>
+                        <a:t>1</a:t>
+                      </a:r>
+                    </a:p>
+                  </a:txBody>
+                  <a:tcPr/>
+                </a:tc>
+                <a:tc>
+                  <a:txBody>
+                    <a:bodyPr/>
+                    <a:lstStyle/>
+                    <a:p>
+                      <a:r>
+                        <a:rPr lang="en-US" dirty="0" err="1"/>
+                        <a:t>alterdesign</a:t>
+                      </a:r>
+                      <a:endParaRPr lang="en-US" dirty="0"/>
                     </a:p>
                   </a:txBody>
                   <a:tcPr/>
@@ -7382,18 +8340,7 @@
                     <a:bodyPr/>
                     <a:lstStyle/>
                     <a:p>
-                      <a:r>
-                        <a:rPr lang="en-US" dirty="0"/>
-                        <a:t>Multiple </a:t>
-                      </a:r>
-                      <a:r>
-                        <a:rPr lang="en-US"/>
-                        <a:t>Tabules </a:t>
-                      </a:r>
-                      <a:r>
-                        <a:rPr lang="en-US" dirty="0"/>
-                        <a:t>report</a:t>
-                      </a:r>
+                      <a:endParaRPr lang="en-US"/>
                     </a:p>
                   </a:txBody>
                   <a:tcPr/>
@@ -7412,21 +8359,22 @@
                     <a:p>
                       <a:r>
                         <a:rPr lang="en-US" dirty="0"/>
-                        <a:t>32</a:t>
-                      </a:r>
-                    </a:p>
-                  </a:txBody>
-                  <a:tcPr/>
-                </a:tc>
-                <a:tc>
-                  <a:txBody>
-                    <a:bodyPr/>
-                    <a:lstStyle/>
-                    <a:p>
-                      <a:r>
-                        <a:rPr lang="en-US" dirty="0"/>
-                        <a:t>Java1.5</a:t>
-                      </a:r>
+                        <a:t>2</a:t>
+                      </a:r>
+                    </a:p>
+                  </a:txBody>
+                  <a:tcPr/>
+                </a:tc>
+                <a:tc>
+                  <a:txBody>
+                    <a:bodyPr/>
+                    <a:lstStyle/>
+                    <a:p>
+                      <a:r>
+                        <a:rPr lang="en-US" dirty="0" err="1"/>
+                        <a:t>antcompile</a:t>
+                      </a:r>
+                      <a:endParaRPr lang="en-US" dirty="0"/>
                     </a:p>
                   </a:txBody>
                   <a:tcPr/>
@@ -7459,7 +8407,7 @@
                     <a:bodyPr/>
                     <a:lstStyle/>
                     <a:p>
-                      <a:endParaRPr lang="en-US"/>
+                      <a:endParaRPr lang="en-US" dirty="0"/>
                     </a:p>
                   </a:txBody>
                   <a:tcPr/>
@@ -7478,7 +8426,7 @@
                     <a:p>
                       <a:r>
                         <a:rPr lang="en-US" dirty="0"/>
-                        <a:t>33</a:t>
+                        <a:t>3</a:t>
                       </a:r>
                     </a:p>
                   </a:txBody>
@@ -7491,7 +8439,7 @@
                     <a:p>
                       <a:r>
                         <a:rPr lang="en-US" dirty="0" err="1"/>
-                        <a:t>Javascript</a:t>
+                        <a:t>antupdate</a:t>
                       </a:r>
                       <a:endParaRPr lang="en-US" dirty="0"/>
                     </a:p>
@@ -7545,21 +8493,43 @@
                     <a:p>
                       <a:r>
                         <a:rPr lang="en-US" dirty="0"/>
-                        <a:t>34</a:t>
-                      </a:r>
-                    </a:p>
-                  </a:txBody>
-                  <a:tcPr/>
-                </a:tc>
-                <a:tc>
-                  <a:txBody>
-                    <a:bodyPr/>
-                    <a:lstStyle/>
-                    <a:p>
-                      <a:r>
-                        <a:rPr lang="en-US" dirty="0" err="1"/>
-                        <a:t>jfreechart</a:t>
-                      </a:r>
+                        <a:t>4</a:t>
+                      </a:r>
+                    </a:p>
+                  </a:txBody>
+                  <a:tcPr/>
+                </a:tc>
+                <a:tc>
+                  <a:txBody>
+                    <a:bodyPr/>
+                    <a:lstStyle/>
+                    <a:p>
+                      <a:r>
+                        <a:rPr lang="en-US" dirty="0"/>
+                        <a:t>barbecue</a:t>
+                      </a:r>
+                    </a:p>
+                  </a:txBody>
+                  <a:tcPr/>
+                </a:tc>
+                <a:tc>
+                  <a:txBody>
+                    <a:bodyPr/>
+                    <a:lstStyle/>
+                    <a:p>
+                      <a:r>
+                        <a:rPr lang="en-US" dirty="0"/>
+                        <a:t>OK</a:t>
+                      </a:r>
+                    </a:p>
+                  </a:txBody>
+                  <a:tcPr/>
+                </a:tc>
+                <a:tc>
+                  <a:txBody>
+                    <a:bodyPr/>
+                    <a:lstStyle/>
+                    <a:p>
                       <a:endParaRPr lang="en-US" dirty="0"/>
                     </a:p>
                   </a:txBody>
@@ -7570,33 +8540,7 @@
                     <a:bodyPr/>
                     <a:lstStyle/>
                     <a:p>
-                      <a:r>
-                        <a:rPr lang="en-US" dirty="0"/>
-                        <a:t>OK</a:t>
-                      </a:r>
-                    </a:p>
-                  </a:txBody>
-                  <a:tcPr/>
-                </a:tc>
-                <a:tc>
-                  <a:txBody>
-                    <a:bodyPr/>
-                    <a:lstStyle/>
-                    <a:p>
-                      <a:endParaRPr lang="en-US"/>
-                    </a:p>
-                  </a:txBody>
-                  <a:tcPr/>
-                </a:tc>
-                <a:tc>
-                  <a:txBody>
-                    <a:bodyPr/>
-                    <a:lstStyle/>
-                    <a:p>
-                      <a:r>
-                        <a:rPr lang="en-US" dirty="0"/>
-                        <a:t>3D pie Chart</a:t>
-                      </a:r>
+                      <a:endParaRPr lang="en-US" dirty="0"/>
                     </a:p>
                   </a:txBody>
                   <a:tcPr/>
@@ -7615,22 +8559,21 @@
                     <a:p>
                       <a:r>
                         <a:rPr lang="en-US" dirty="0"/>
-                        <a:t>35</a:t>
-                      </a:r>
-                    </a:p>
-                  </a:txBody>
-                  <a:tcPr/>
-                </a:tc>
-                <a:tc>
-                  <a:txBody>
-                    <a:bodyPr/>
-                    <a:lstStyle/>
-                    <a:p>
-                      <a:r>
-                        <a:rPr lang="en-US" dirty="0" err="1"/>
-                        <a:t>jsondatasource</a:t>
-                      </a:r>
-                      <a:endParaRPr lang="en-US" dirty="0"/>
+                        <a:t>5</a:t>
+                      </a:r>
+                    </a:p>
+                  </a:txBody>
+                  <a:tcPr/>
+                </a:tc>
+                <a:tc>
+                  <a:txBody>
+                    <a:bodyPr/>
+                    <a:lstStyle/>
+                    <a:p>
+                      <a:r>
+                        <a:rPr lang="en-US" dirty="0"/>
+                        <a:t>barcode4j</a:t>
+                      </a:r>
                     </a:p>
                   </a:txBody>
                   <a:tcPr/>
@@ -7663,10 +8606,7 @@
                     <a:bodyPr/>
                     <a:lstStyle/>
                     <a:p>
-                      <a:r>
-                        <a:rPr lang="en-US" dirty="0"/>
-                        <a:t>Good table format</a:t>
-                      </a:r>
+                      <a:endParaRPr lang="en-US"/>
                     </a:p>
                   </a:txBody>
                   <a:tcPr/>
@@ -7685,7 +8625,7 @@
                     <a:p>
                       <a:r>
                         <a:rPr lang="en-US" dirty="0"/>
-                        <a:t>36</a:t>
+                        <a:t>6</a:t>
                       </a:r>
                     </a:p>
                   </a:txBody>
@@ -7698,7 +8638,7 @@
                     <a:p>
                       <a:r>
                         <a:rPr lang="en-US" dirty="0" err="1"/>
-                        <a:t>jsonqldatasource</a:t>
+                        <a:t>batchexport</a:t>
                       </a:r>
                       <a:endParaRPr lang="en-US" dirty="0"/>
                     </a:p>
@@ -7733,10 +8673,7 @@
                     <a:bodyPr/>
                     <a:lstStyle/>
                     <a:p>
-                      <a:r>
-                        <a:rPr lang="en-US" dirty="0"/>
-                        <a:t>Output: HTML, PDF</a:t>
-                      </a:r>
+                      <a:endParaRPr lang="en-US" dirty="0"/>
                     </a:p>
                   </a:txBody>
                   <a:tcPr/>
@@ -7755,20 +8692,20 @@
                     <a:p>
                       <a:r>
                         <a:rPr lang="en-US" dirty="0"/>
-                        <a:t>37</a:t>
-                      </a:r>
-                    </a:p>
-                  </a:txBody>
-                  <a:tcPr/>
-                </a:tc>
-                <a:tc>
-                  <a:txBody>
-                    <a:bodyPr/>
-                    <a:lstStyle/>
-                    <a:p>
-                      <a:r>
-                        <a:rPr lang="en-US" dirty="0"/>
-                        <a:t>landscape</a:t>
+                        <a:t>7</a:t>
+                      </a:r>
+                    </a:p>
+                  </a:txBody>
+                  <a:tcPr/>
+                </a:tc>
+                <a:tc>
+                  <a:txBody>
+                    <a:bodyPr/>
+                    <a:lstStyle/>
+                    <a:p>
+                      <a:r>
+                        <a:rPr lang="en-US" dirty="0"/>
+                        <a:t>book</a:t>
                       </a:r>
                     </a:p>
                   </a:txBody>
@@ -7821,21 +8758,22 @@
                     <a:p>
                       <a:r>
                         <a:rPr lang="en-US" dirty="0"/>
-                        <a:t>38</a:t>
-                      </a:r>
-                    </a:p>
-                  </a:txBody>
-                  <a:tcPr/>
-                </a:tc>
-                <a:tc>
-                  <a:txBody>
-                    <a:bodyPr/>
-                    <a:lstStyle/>
-                    <a:p>
-                      <a:r>
-                        <a:rPr lang="en-US" dirty="0"/>
-                        <a:t>list</a:t>
-                      </a:r>
+                        <a:t>8</a:t>
+                      </a:r>
+                    </a:p>
+                  </a:txBody>
+                  <a:tcPr/>
+                </a:tc>
+                <a:tc>
+                  <a:txBody>
+                    <a:bodyPr/>
+                    <a:lstStyle/>
+                    <a:p>
+                      <a:r>
+                        <a:rPr lang="en-US" dirty="0" err="1"/>
+                        <a:t>chartcustomizers</a:t>
+                      </a:r>
+                      <a:endParaRPr lang="en-US" dirty="0"/>
                     </a:p>
                   </a:txBody>
                   <a:tcPr/>
@@ -7887,20 +8825,20 @@
                     <a:p>
                       <a:r>
                         <a:rPr lang="en-US" dirty="0"/>
-                        <a:t>39</a:t>
-                      </a:r>
-                    </a:p>
-                  </a:txBody>
-                  <a:tcPr/>
-                </a:tc>
-                <a:tc>
-                  <a:txBody>
-                    <a:bodyPr/>
-                    <a:lstStyle/>
-                    <a:p>
-                      <a:r>
-                        <a:rPr lang="en-US" dirty="0"/>
-                        <a:t>map</a:t>
+                        <a:t>9</a:t>
+                      </a:r>
+                    </a:p>
+                  </a:txBody>
+                  <a:tcPr/>
+                </a:tc>
+                <a:tc>
+                  <a:txBody>
+                    <a:bodyPr/>
+                    <a:lstStyle/>
+                    <a:p>
+                      <a:r>
+                        <a:rPr lang="en-US" dirty="0"/>
+                        <a:t>charts</a:t>
                       </a:r>
                     </a:p>
                   </a:txBody>
@@ -7934,7 +8872,10 @@
                     <a:bodyPr/>
                     <a:lstStyle/>
                     <a:p>
-                      <a:endParaRPr lang="en-US"/>
+                      <a:r>
+                        <a:rPr lang="en-US" dirty="0"/>
+                        <a:t>Area Chart with Table</a:t>
+                      </a:r>
                     </a:p>
                   </a:txBody>
                   <a:tcPr/>
@@ -7953,21 +8894,22 @@
                     <a:p>
                       <a:r>
                         <a:rPr lang="en-US" dirty="0"/>
-                        <a:t>40</a:t>
-                      </a:r>
-                    </a:p>
-                  </a:txBody>
-                  <a:tcPr/>
-                </a:tc>
-                <a:tc>
-                  <a:txBody>
-                    <a:bodyPr/>
-                    <a:lstStyle/>
-                    <a:p>
-                      <a:r>
-                        <a:rPr lang="en-US" dirty="0"/>
-                        <a:t>makeup</a:t>
-                      </a:r>
+                        <a:t>10</a:t>
+                      </a:r>
+                    </a:p>
+                  </a:txBody>
+                  <a:tcPr/>
+                </a:tc>
+                <a:tc>
+                  <a:txBody>
+                    <a:bodyPr/>
+                    <a:lstStyle/>
+                    <a:p>
+                      <a:r>
+                        <a:rPr lang="en-US" dirty="0" err="1"/>
+                        <a:t>chartthemes</a:t>
+                      </a:r>
+                      <a:endParaRPr lang="en-US" dirty="0"/>
                     </a:p>
                   </a:txBody>
                   <a:tcPr/>
@@ -7990,17 +8932,20 @@
                     <a:bodyPr/>
                     <a:lstStyle/>
                     <a:p>
-                      <a:endParaRPr lang="en-US"/>
-                    </a:p>
-                  </a:txBody>
-                  <a:tcPr/>
-                </a:tc>
-                <a:tc>
-                  <a:txBody>
-                    <a:bodyPr/>
-                    <a:lstStyle/>
-                    <a:p>
                       <a:endParaRPr lang="en-US" dirty="0"/>
+                    </a:p>
+                  </a:txBody>
+                  <a:tcPr/>
+                </a:tc>
+                <a:tc>
+                  <a:txBody>
+                    <a:bodyPr/>
+                    <a:lstStyle/>
+                    <a:p>
+                      <a:r>
+                        <a:rPr lang="en-US" dirty="0"/>
+                        <a:t>3D bar, Pie, bar, area, dot, line, meter chart </a:t>
+                      </a:r>
                     </a:p>
                   </a:txBody>
                   <a:tcPr/>
@@ -8018,7 +8963,7 @@
     </p:spTree>
     <p:extLst>
       <p:ext uri="{BB962C8B-B14F-4D97-AF65-F5344CB8AC3E}">
-        <p14:creationId xmlns:p14="http://schemas.microsoft.com/office/powerpoint/2010/main" val="1413876682"/>
+        <p14:creationId xmlns:p14="http://schemas.microsoft.com/office/powerpoint/2010/main" val="1600961329"/>
       </p:ext>
     </p:extLst>
   </p:cSld>
@@ -8288,14 +9233,14 @@
           <p:nvPr>
             <p:extLst>
               <p:ext uri="{D42A27DB-BD31-4B8C-83A1-F6EECF244321}">
-                <p14:modId xmlns:p14="http://schemas.microsoft.com/office/powerpoint/2010/main" val="2165813122"/>
+                <p14:modId xmlns:p14="http://schemas.microsoft.com/office/powerpoint/2010/main" val="6624341"/>
               </p:ext>
             </p:extLst>
           </p:nvPr>
         </p:nvGraphicFramePr>
         <p:xfrm>
-          <a:off x="467544" y="1731990"/>
-          <a:ext cx="8395746" cy="4055690"/>
+          <a:off x="611560" y="1783228"/>
+          <a:ext cx="7056784" cy="4079240"/>
         </p:xfrm>
         <a:graphic>
           <a:graphicData uri="http://schemas.openxmlformats.org/drawingml/2006/table">
@@ -8304,35 +9249,35 @@
                 <a:tableStyleId>{5C22544A-7EE6-4342-B048-85BDC9FD1C3A}</a:tableStyleId>
               </a:tblPr>
               <a:tblGrid>
-                <a:gridCol w="844507">
+                <a:gridCol w="728980">
                   <a:extLst>
                     <a:ext uri="{9D8B030D-6E8A-4147-A177-3AD203B41FA5}">
                       <a16:colId xmlns:a16="http://schemas.microsoft.com/office/drawing/2014/main" val="425712739"/>
                     </a:ext>
                   </a:extLst>
                 </a:gridCol>
-                <a:gridCol w="1893079">
+                <a:gridCol w="2055940">
                   <a:extLst>
                     <a:ext uri="{9D8B030D-6E8A-4147-A177-3AD203B41FA5}">
                       <a16:colId xmlns:a16="http://schemas.microsoft.com/office/drawing/2014/main" val="1870320283"/>
                     </a:ext>
                   </a:extLst>
                 </a:gridCol>
-                <a:gridCol w="815082">
+                <a:gridCol w="1219200">
                   <a:extLst>
                     <a:ext uri="{9D8B030D-6E8A-4147-A177-3AD203B41FA5}">
                       <a16:colId xmlns:a16="http://schemas.microsoft.com/office/drawing/2014/main" val="4178682879"/>
                     </a:ext>
                   </a:extLst>
                 </a:gridCol>
-                <a:gridCol w="815082">
+                <a:gridCol w="1219200">
                   <a:extLst>
                     <a:ext uri="{9D8B030D-6E8A-4147-A177-3AD203B41FA5}">
                       <a16:colId xmlns:a16="http://schemas.microsoft.com/office/drawing/2014/main" val="3160549755"/>
                     </a:ext>
                   </a:extLst>
                 </a:gridCol>
-                <a:gridCol w="4027996">
+                <a:gridCol w="1833464">
                   <a:extLst>
                     <a:ext uri="{9D8B030D-6E8A-4147-A177-3AD203B41FA5}">
                       <a16:colId xmlns:a16="http://schemas.microsoft.com/office/drawing/2014/main" val="444581452"/>
@@ -8340,7 +9285,7 @@
                   </a:extLst>
                 </a:gridCol>
               </a:tblGrid>
-              <a:tr h="368993">
+              <a:tr h="370840">
                 <a:tc>
                   <a:txBody>
                     <a:bodyPr/>
@@ -8412,30 +9357,29 @@
                   </a:ext>
                 </a:extLst>
               </a:tr>
-              <a:tr h="368993">
-                <a:tc>
-                  <a:txBody>
-                    <a:bodyPr/>
-                    <a:lstStyle/>
-                    <a:p>
-                      <a:r>
-                        <a:rPr lang="en-US" dirty="0"/>
-                        <a:t>41</a:t>
-                      </a:r>
-                    </a:p>
-                  </a:txBody>
-                  <a:tcPr/>
-                </a:tc>
-                <a:tc>
-                  <a:txBody>
-                    <a:bodyPr/>
-                    <a:lstStyle/>
-                    <a:p>
-                      <a:r>
-                        <a:rPr lang="en-US" dirty="0" err="1"/>
-                        <a:t>mondrian</a:t>
-                      </a:r>
-                      <a:endParaRPr lang="en-US" dirty="0"/>
+              <a:tr h="370840">
+                <a:tc>
+                  <a:txBody>
+                    <a:bodyPr/>
+                    <a:lstStyle/>
+                    <a:p>
+                      <a:r>
+                        <a:rPr lang="en-US" dirty="0"/>
+                        <a:t>11</a:t>
+                      </a:r>
+                    </a:p>
+                  </a:txBody>
+                  <a:tcPr/>
+                </a:tc>
+                <a:tc>
+                  <a:txBody>
+                    <a:bodyPr/>
+                    <a:lstStyle/>
+                    <a:p>
+                      <a:r>
+                        <a:rPr lang="en-US" dirty="0"/>
+                        <a:t>crosstabs</a:t>
+                      </a:r>
                     </a:p>
                   </a:txBody>
                   <a:tcPr/>
@@ -8468,7 +9412,10 @@
                     <a:bodyPr/>
                     <a:lstStyle/>
                     <a:p>
-                      <a:endParaRPr lang="en-US" dirty="0"/>
+                      <a:r>
+                        <a:rPr lang="en-US" dirty="0"/>
+                        <a:t>Multiple Tables</a:t>
+                      </a:r>
                     </a:p>
                   </a:txBody>
                   <a:tcPr/>
@@ -8479,15 +9426,15 @@
                   </a:ext>
                 </a:extLst>
               </a:tr>
-              <a:tr h="308704">
-                <a:tc>
-                  <a:txBody>
-                    <a:bodyPr/>
-                    <a:lstStyle/>
-                    <a:p>
-                      <a:r>
-                        <a:rPr lang="en-US" dirty="0"/>
-                        <a:t>42</a:t>
+              <a:tr h="370840">
+                <a:tc>
+                  <a:txBody>
+                    <a:bodyPr/>
+                    <a:lstStyle/>
+                    <a:p>
+                      <a:r>
+                        <a:rPr lang="en-US" dirty="0"/>
+                        <a:t>12</a:t>
                       </a:r>
                     </a:p>
                   </a:txBody>
@@ -8500,7 +9447,7 @@
                     <a:p>
                       <a:r>
                         <a:rPr lang="en-US" dirty="0" err="1"/>
-                        <a:t>nopagebreak</a:t>
+                        <a:t>cvsdatasource</a:t>
                       </a:r>
                       <a:endParaRPr lang="en-US" dirty="0"/>
                     </a:p>
@@ -8535,10 +9482,7 @@
                     <a:bodyPr/>
                     <a:lstStyle/>
                     <a:p>
-                      <a:r>
-                        <a:rPr lang="en-US" dirty="0"/>
-                        <a:t>All tables without page break</a:t>
-                      </a:r>
+                      <a:endParaRPr lang="en-US"/>
                     </a:p>
                   </a:txBody>
                   <a:tcPr/>
@@ -8549,15 +9493,15 @@
                   </a:ext>
                 </a:extLst>
               </a:tr>
-              <a:tr h="368993">
-                <a:tc>
-                  <a:txBody>
-                    <a:bodyPr/>
-                    <a:lstStyle/>
-                    <a:p>
-                      <a:r>
-                        <a:rPr lang="en-US" dirty="0"/>
-                        <a:t>43</a:t>
+              <a:tr h="370840">
+                <a:tc>
+                  <a:txBody>
+                    <a:bodyPr/>
+                    <a:lstStyle/>
+                    <a:p>
+                      <a:r>
+                        <a:rPr lang="en-US" dirty="0"/>
+                        <a:t>13</a:t>
                       </a:r>
                     </a:p>
                   </a:txBody>
@@ -8570,7 +9514,7 @@
                     <a:p>
                       <a:r>
                         <a:rPr lang="en-US" dirty="0" err="1"/>
-                        <a:t>noreport</a:t>
+                        <a:t>customvisualization</a:t>
                       </a:r>
                       <a:endParaRPr lang="en-US" dirty="0"/>
                     </a:p>
@@ -8583,8 +9527,12 @@
                     <a:lstStyle/>
                     <a:p>
                       <a:r>
-                        <a:rPr lang="en-US" dirty="0"/>
-                        <a:t>OK</a:t>
+                        <a:rPr lang="en-US" dirty="0">
+                          <a:solidFill>
+                            <a:srgbClr val="FF0000"/>
+                          </a:solidFill>
+                        </a:rPr>
+                        <a:t>NG</a:t>
                       </a:r>
                     </a:p>
                   </a:txBody>
@@ -8616,15 +9564,15 @@
                   </a:ext>
                 </a:extLst>
               </a:tr>
-              <a:tr h="368993">
-                <a:tc>
-                  <a:txBody>
-                    <a:bodyPr/>
-                    <a:lstStyle/>
-                    <a:p>
-                      <a:r>
-                        <a:rPr lang="en-US" dirty="0"/>
-                        <a:t>44</a:t>
+              <a:tr h="370840">
+                <a:tc>
+                  <a:txBody>
+                    <a:bodyPr/>
+                    <a:lstStyle/>
+                    <a:p>
+                      <a:r>
+                        <a:rPr lang="en-US" dirty="0"/>
+                        <a:t>14</a:t>
                       </a:r>
                     </a:p>
                   </a:txBody>
@@ -8637,7 +9585,7 @@
                     <a:p>
                       <a:r>
                         <a:rPr lang="en-US" dirty="0" err="1"/>
-                        <a:t>noxmldesign</a:t>
+                        <a:t>datasource</a:t>
                       </a:r>
                       <a:endParaRPr lang="en-US" dirty="0"/>
                     </a:p>
@@ -8683,15 +9631,15 @@
                   </a:ext>
                 </a:extLst>
               </a:tr>
-              <a:tr h="368993">
-                <a:tc>
-                  <a:txBody>
-                    <a:bodyPr/>
-                    <a:lstStyle/>
-                    <a:p>
-                      <a:r>
-                        <a:rPr lang="en-US" dirty="0"/>
-                        <a:t>45</a:t>
+              <a:tr h="370840">
+                <a:tc>
+                  <a:txBody>
+                    <a:bodyPr/>
+                    <a:lstStyle/>
+                    <a:p>
+                      <a:r>
+                        <a:rPr lang="en-US" dirty="0"/>
+                        <a:t>15</a:t>
                       </a:r>
                     </a:p>
                   </a:txBody>
@@ -8704,7 +9652,7 @@
                     <a:p>
                       <a:r>
                         <a:rPr lang="en-US" dirty="0" err="1"/>
-                        <a:t>openflashchart</a:t>
+                        <a:t>datarange</a:t>
                       </a:r>
                       <a:endParaRPr lang="en-US" dirty="0"/>
                     </a:p>
@@ -8739,10 +9687,7 @@
                     <a:bodyPr/>
                     <a:lstStyle/>
                     <a:p>
-                      <a:r>
-                        <a:rPr lang="en-US" dirty="0"/>
-                        <a:t>Display empty</a:t>
-                      </a:r>
+                      <a:endParaRPr lang="en-US"/>
                     </a:p>
                   </a:txBody>
                   <a:tcPr/>
@@ -8753,29 +9698,30 @@
                   </a:ext>
                 </a:extLst>
               </a:tr>
-              <a:tr h="368993">
-                <a:tc>
-                  <a:txBody>
-                    <a:bodyPr/>
-                    <a:lstStyle/>
-                    <a:p>
-                      <a:r>
-                        <a:rPr lang="en-US" dirty="0"/>
-                        <a:t>46</a:t>
-                      </a:r>
-                    </a:p>
-                  </a:txBody>
-                  <a:tcPr/>
-                </a:tc>
-                <a:tc>
-                  <a:txBody>
-                    <a:bodyPr/>
-                    <a:lstStyle/>
-                    <a:p>
-                      <a:r>
-                        <a:rPr lang="en-US" dirty="0"/>
-                        <a:t>Paragraphs</a:t>
-                      </a:r>
+              <a:tr h="370840">
+                <a:tc>
+                  <a:txBody>
+                    <a:bodyPr/>
+                    <a:lstStyle/>
+                    <a:p>
+                      <a:r>
+                        <a:rPr lang="en-US" dirty="0"/>
+                        <a:t>16</a:t>
+                      </a:r>
+                    </a:p>
+                  </a:txBody>
+                  <a:tcPr/>
+                </a:tc>
+                <a:tc>
+                  <a:txBody>
+                    <a:bodyPr/>
+                    <a:lstStyle/>
+                    <a:p>
+                      <a:r>
+                        <a:rPr lang="en-US" dirty="0" err="1"/>
+                        <a:t>ejbql</a:t>
+                      </a:r>
+                      <a:endParaRPr lang="en-US" dirty="0"/>
                     </a:p>
                   </a:txBody>
                   <a:tcPr/>
@@ -8808,10 +9754,7 @@
                     <a:bodyPr/>
                     <a:lstStyle/>
                     <a:p>
-                      <a:r>
-                        <a:rPr lang="en-US" dirty="0"/>
-                        <a:t>Multiple Paragraphs with different colors</a:t>
-                      </a:r>
+                      <a:endParaRPr lang="en-US" dirty="0"/>
                     </a:p>
                   </a:txBody>
                   <a:tcPr/>
@@ -8822,15 +9765,15 @@
                   </a:ext>
                 </a:extLst>
               </a:tr>
-              <a:tr h="368993">
-                <a:tc>
-                  <a:txBody>
-                    <a:bodyPr/>
-                    <a:lstStyle/>
-                    <a:p>
-                      <a:r>
-                        <a:rPr lang="en-US" dirty="0"/>
-                        <a:t>47</a:t>
+              <a:tr h="370840">
+                <a:tc>
+                  <a:txBody>
+                    <a:bodyPr/>
+                    <a:lstStyle/>
+                    <a:p>
+                      <a:r>
+                        <a:rPr lang="en-US" dirty="0"/>
+                        <a:t>17</a:t>
                       </a:r>
                     </a:p>
                   </a:txBody>
@@ -8843,7 +9786,7 @@
                     <a:p>
                       <a:r>
                         <a:rPr lang="en-US" dirty="0" err="1"/>
-                        <a:t>Pdfencrypt</a:t>
+                        <a:t>exceldataadapter</a:t>
                       </a:r>
                       <a:endParaRPr lang="en-US" dirty="0"/>
                     </a:p>
@@ -8878,10 +9821,7 @@
                     <a:bodyPr/>
                     <a:lstStyle/>
                     <a:p>
-                      <a:r>
-                        <a:rPr lang="en-US" dirty="0"/>
-                        <a:t>Encrypt pdf</a:t>
-                      </a:r>
+                      <a:endParaRPr lang="en-US"/>
                     </a:p>
                   </a:txBody>
                   <a:tcPr/>
@@ -8892,30 +9832,29 @@
                   </a:ext>
                 </a:extLst>
               </a:tr>
-              <a:tr h="368993">
-                <a:tc>
-                  <a:txBody>
-                    <a:bodyPr/>
-                    <a:lstStyle/>
-                    <a:p>
-                      <a:r>
-                        <a:rPr lang="en-US" dirty="0"/>
-                        <a:t>48</a:t>
-                      </a:r>
-                    </a:p>
-                  </a:txBody>
-                  <a:tcPr/>
-                </a:tc>
-                <a:tc>
-                  <a:txBody>
-                    <a:bodyPr/>
-                    <a:lstStyle/>
-                    <a:p>
-                      <a:r>
-                        <a:rPr lang="en-US" dirty="0" err="1"/>
-                        <a:t>Printservice</a:t>
-                      </a:r>
-                      <a:endParaRPr lang="en-US" dirty="0"/>
+              <a:tr h="370840">
+                <a:tc>
+                  <a:txBody>
+                    <a:bodyPr/>
+                    <a:lstStyle/>
+                    <a:p>
+                      <a:r>
+                        <a:rPr lang="en-US" dirty="0"/>
+                        <a:t>18</a:t>
+                      </a:r>
+                    </a:p>
+                  </a:txBody>
+                  <a:tcPr/>
+                </a:tc>
+                <a:tc>
+                  <a:txBody>
+                    <a:bodyPr/>
+                    <a:lstStyle/>
+                    <a:p>
+                      <a:r>
+                        <a:rPr lang="en-US" dirty="0"/>
+                        <a:t>fonts</a:t>
+                      </a:r>
                     </a:p>
                   </a:txBody>
                   <a:tcPr/>
@@ -8950,11 +9889,7 @@
                     <a:p>
                       <a:r>
                         <a:rPr lang="en-US" dirty="0"/>
-                        <a:t>Print only. No </a:t>
-                      </a:r>
-                      <a:r>
-                        <a:rPr lang="en-US"/>
-                        <a:t>design compilation.</a:t>
+                        <a:t>Font</a:t>
                       </a:r>
                     </a:p>
                   </a:txBody>
@@ -8966,28 +9901,28 @@
                   </a:ext>
                 </a:extLst>
               </a:tr>
-              <a:tr h="368993">
-                <a:tc>
-                  <a:txBody>
-                    <a:bodyPr/>
-                    <a:lstStyle/>
-                    <a:p>
-                      <a:r>
-                        <a:rPr lang="en-US" dirty="0"/>
-                        <a:t>49</a:t>
-                      </a:r>
-                    </a:p>
-                  </a:txBody>
-                  <a:tcPr/>
-                </a:tc>
-                <a:tc>
-                  <a:txBody>
-                    <a:bodyPr/>
-                    <a:lstStyle/>
-                    <a:p>
-                      <a:r>
-                        <a:rPr lang="en-US" dirty="0"/>
-                        <a:t>Query</a:t>
+              <a:tr h="370840">
+                <a:tc>
+                  <a:txBody>
+                    <a:bodyPr/>
+                    <a:lstStyle/>
+                    <a:p>
+                      <a:r>
+                        <a:rPr lang="en-US" dirty="0"/>
+                        <a:t>19</a:t>
+                      </a:r>
+                    </a:p>
+                  </a:txBody>
+                  <a:tcPr/>
+                </a:tc>
+                <a:tc>
+                  <a:txBody>
+                    <a:bodyPr/>
+                    <a:lstStyle/>
+                    <a:p>
+                      <a:r>
+                        <a:rPr lang="en-US" dirty="0"/>
+                        <a:t>forms</a:t>
                       </a:r>
                     </a:p>
                   </a:txBody>
@@ -9023,7 +9958,7 @@
                     <a:p>
                       <a:r>
                         <a:rPr lang="en-US" dirty="0"/>
-                        <a:t>Query</a:t>
+                        <a:t>Empty forms</a:t>
                       </a:r>
                     </a:p>
                   </a:txBody>
@@ -9035,28 +9970,28 @@
                   </a:ext>
                 </a:extLst>
               </a:tr>
-              <a:tr h="368993">
-                <a:tc>
-                  <a:txBody>
-                    <a:bodyPr/>
-                    <a:lstStyle/>
-                    <a:p>
-                      <a:r>
-                        <a:rPr lang="en-US" dirty="0"/>
-                        <a:t>50</a:t>
-                      </a:r>
-                    </a:p>
-                  </a:txBody>
-                  <a:tcPr/>
-                </a:tc>
-                <a:tc>
-                  <a:txBody>
-                    <a:bodyPr/>
-                    <a:lstStyle/>
-                    <a:p>
-                      <a:r>
-                        <a:rPr lang="en-US" dirty="0"/>
-                        <a:t>Rotation</a:t>
+              <a:tr h="370840">
+                <a:tc>
+                  <a:txBody>
+                    <a:bodyPr/>
+                    <a:lstStyle/>
+                    <a:p>
+                      <a:r>
+                        <a:rPr lang="en-US" dirty="0"/>
+                        <a:t>20</a:t>
+                      </a:r>
+                    </a:p>
+                  </a:txBody>
+                  <a:tcPr/>
+                </a:tc>
+                <a:tc>
+                  <a:txBody>
+                    <a:bodyPr/>
+                    <a:lstStyle/>
+                    <a:p>
+                      <a:r>
+                        <a:rPr lang="en-US" dirty="0"/>
+                        <a:t>functions</a:t>
                       </a:r>
                     </a:p>
                   </a:txBody>
@@ -9090,10 +10025,7 @@
                     <a:bodyPr/>
                     <a:lstStyle/>
                     <a:p>
-                      <a:r>
-                        <a:rPr lang="en-US" dirty="0"/>
-                        <a:t>Paragraph text rotation</a:t>
-                      </a:r>
+                      <a:endParaRPr lang="en-US" dirty="0"/>
                     </a:p>
                   </a:txBody>
                   <a:tcPr/>
@@ -9111,7 +10043,7 @@
     </p:spTree>
     <p:extLst>
       <p:ext uri="{BB962C8B-B14F-4D97-AF65-F5344CB8AC3E}">
-        <p14:creationId xmlns:p14="http://schemas.microsoft.com/office/powerpoint/2010/main" val="3877883153"/>
+        <p14:creationId xmlns:p14="http://schemas.microsoft.com/office/powerpoint/2010/main" val="2938372026"/>
       </p:ext>
     </p:extLst>
   </p:cSld>
@@ -9381,14 +10313,14 @@
           <p:nvPr>
             <p:extLst>
               <p:ext uri="{D42A27DB-BD31-4B8C-83A1-F6EECF244321}">
-                <p14:modId xmlns:p14="http://schemas.microsoft.com/office/powerpoint/2010/main" val="2357416474"/>
+                <p14:modId xmlns:p14="http://schemas.microsoft.com/office/powerpoint/2010/main" val="589468796"/>
               </p:ext>
             </p:extLst>
           </p:nvPr>
         </p:nvGraphicFramePr>
         <p:xfrm>
-          <a:off x="467545" y="1731990"/>
-          <a:ext cx="8117823" cy="4055690"/>
+          <a:off x="611560" y="1783228"/>
+          <a:ext cx="6442520" cy="4079240"/>
         </p:xfrm>
         <a:graphic>
           <a:graphicData uri="http://schemas.openxmlformats.org/drawingml/2006/table">
@@ -9397,35 +10329,35 @@
                 <a:tableStyleId>{5C22544A-7EE6-4342-B048-85BDC9FD1C3A}</a:tableStyleId>
               </a:tblPr>
               <a:tblGrid>
-                <a:gridCol w="748147">
+                <a:gridCol w="728980">
                   <a:extLst>
                     <a:ext uri="{9D8B030D-6E8A-4147-A177-3AD203B41FA5}">
                       <a16:colId xmlns:a16="http://schemas.microsoft.com/office/drawing/2014/main" val="425712739"/>
                     </a:ext>
                   </a:extLst>
                 </a:gridCol>
-                <a:gridCol w="2357120">
+                <a:gridCol w="2055940">
                   <a:extLst>
                     <a:ext uri="{9D8B030D-6E8A-4147-A177-3AD203B41FA5}">
                       <a16:colId xmlns:a16="http://schemas.microsoft.com/office/drawing/2014/main" val="1870320283"/>
                     </a:ext>
                   </a:extLst>
                 </a:gridCol>
-                <a:gridCol w="722080">
+                <a:gridCol w="1219200">
                   <a:extLst>
                     <a:ext uri="{9D8B030D-6E8A-4147-A177-3AD203B41FA5}">
                       <a16:colId xmlns:a16="http://schemas.microsoft.com/office/drawing/2014/main" val="4178682879"/>
                     </a:ext>
                   </a:extLst>
                 </a:gridCol>
-                <a:gridCol w="722080">
+                <a:gridCol w="1219200">
                   <a:extLst>
                     <a:ext uri="{9D8B030D-6E8A-4147-A177-3AD203B41FA5}">
                       <a16:colId xmlns:a16="http://schemas.microsoft.com/office/drawing/2014/main" val="3160549755"/>
                     </a:ext>
                   </a:extLst>
                 </a:gridCol>
-                <a:gridCol w="3568396">
+                <a:gridCol w="1219200">
                   <a:extLst>
                     <a:ext uri="{9D8B030D-6E8A-4147-A177-3AD203B41FA5}">
                       <a16:colId xmlns:a16="http://schemas.microsoft.com/office/drawing/2014/main" val="444581452"/>
@@ -9433,7 +10365,7 @@
                   </a:extLst>
                 </a:gridCol>
               </a:tblGrid>
-              <a:tr h="368993">
+              <a:tr h="370840">
                 <a:tc>
                   <a:txBody>
                     <a:bodyPr/>
@@ -9505,15 +10437,15 @@
                   </a:ext>
                 </a:extLst>
               </a:tr>
-              <a:tr h="368993">
-                <a:tc>
-                  <a:txBody>
-                    <a:bodyPr/>
-                    <a:lstStyle/>
-                    <a:p>
-                      <a:r>
-                        <a:rPr lang="en-US" dirty="0"/>
-                        <a:t>51</a:t>
+              <a:tr h="370840">
+                <a:tc>
+                  <a:txBody>
+                    <a:bodyPr/>
+                    <a:lstStyle/>
+                    <a:p>
+                      <a:r>
+                        <a:rPr lang="en-US" dirty="0"/>
+                        <a:t>21</a:t>
                       </a:r>
                     </a:p>
                   </a:txBody>
@@ -9526,7 +10458,7 @@
                     <a:p>
                       <a:r>
                         <a:rPr lang="en-US" dirty="0" err="1"/>
-                        <a:t>scriptlet</a:t>
+                        <a:t>genericelement</a:t>
                       </a:r>
                       <a:endParaRPr lang="en-US" dirty="0"/>
                     </a:p>
@@ -9561,10 +10493,7 @@
                     <a:bodyPr/>
                     <a:lstStyle/>
                     <a:p>
-                      <a:r>
-                        <a:rPr lang="en-US" dirty="0"/>
-                        <a:t>Group of Script </a:t>
-                      </a:r>
+                      <a:endParaRPr lang="en-US"/>
                     </a:p>
                   </a:txBody>
                   <a:tcPr/>
@@ -9575,28 +10504,28 @@
                   </a:ext>
                 </a:extLst>
               </a:tr>
-              <a:tr h="308704">
-                <a:tc>
-                  <a:txBody>
-                    <a:bodyPr/>
-                    <a:lstStyle/>
-                    <a:p>
-                      <a:r>
-                        <a:rPr lang="en-US" dirty="0"/>
-                        <a:t>52</a:t>
-                      </a:r>
-                    </a:p>
-                  </a:txBody>
-                  <a:tcPr/>
-                </a:tc>
-                <a:tc>
-                  <a:txBody>
-                    <a:bodyPr/>
-                    <a:lstStyle/>
-                    <a:p>
-                      <a:r>
-                        <a:rPr lang="en-US" dirty="0"/>
-                        <a:t>shapes</a:t>
+              <a:tr h="370840">
+                <a:tc>
+                  <a:txBody>
+                    <a:bodyPr/>
+                    <a:lstStyle/>
+                    <a:p>
+                      <a:r>
+                        <a:rPr lang="en-US" dirty="0"/>
+                        <a:t>22</a:t>
+                      </a:r>
+                    </a:p>
+                  </a:txBody>
+                  <a:tcPr/>
+                </a:tc>
+                <a:tc>
+                  <a:txBody>
+                    <a:bodyPr/>
+                    <a:lstStyle/>
+                    <a:p>
+                      <a:r>
+                        <a:rPr lang="en-US" dirty="0"/>
+                        <a:t>groovy</a:t>
                       </a:r>
                     </a:p>
                   </a:txBody>
@@ -9620,20 +10549,17 @@
                     <a:bodyPr/>
                     <a:lstStyle/>
                     <a:p>
-                      <a:endParaRPr lang="en-US" dirty="0"/>
-                    </a:p>
-                  </a:txBody>
-                  <a:tcPr/>
-                </a:tc>
-                <a:tc>
-                  <a:txBody>
-                    <a:bodyPr/>
-                    <a:lstStyle/>
-                    <a:p>
-                      <a:r>
-                        <a:rPr lang="en-US" dirty="0"/>
-                        <a:t>Rotate shapes</a:t>
-                      </a:r>
+                      <a:endParaRPr lang="en-US"/>
+                    </a:p>
+                  </a:txBody>
+                  <a:tcPr/>
+                </a:tc>
+                <a:tc>
+                  <a:txBody>
+                    <a:bodyPr/>
+                    <a:lstStyle/>
+                    <a:p>
+                      <a:endParaRPr lang="en-US"/>
                     </a:p>
                   </a:txBody>
                   <a:tcPr/>
@@ -9644,66 +10570,62 @@
                   </a:ext>
                 </a:extLst>
               </a:tr>
-              <a:tr h="368993">
-                <a:tc>
-                  <a:txBody>
-                    <a:bodyPr/>
-                    <a:lstStyle/>
-                    <a:p>
-                      <a:r>
-                        <a:rPr lang="en-US" dirty="0"/>
-                        <a:t>53</a:t>
-                      </a:r>
-                    </a:p>
-                  </a:txBody>
-                  <a:tcPr/>
-                </a:tc>
-                <a:tc>
-                  <a:txBody>
-                    <a:bodyPr/>
-                    <a:lstStyle/>
-                    <a:p>
-                      <a:r>
-                        <a:rPr lang="en-US" dirty="0" err="1"/>
-                        <a:t>spiderchartcomponent</a:t>
-                      </a:r>
+              <a:tr h="370840">
+                <a:tc>
+                  <a:txBody>
+                    <a:bodyPr/>
+                    <a:lstStyle/>
+                    <a:p>
+                      <a:r>
+                        <a:rPr lang="en-US" dirty="0"/>
+                        <a:t>23</a:t>
+                      </a:r>
+                    </a:p>
+                  </a:txBody>
+                  <a:tcPr/>
+                </a:tc>
+                <a:tc>
+                  <a:txBody>
+                    <a:bodyPr/>
+                    <a:lstStyle/>
+                    <a:p>
+                      <a:r>
+                        <a:rPr lang="en-US" dirty="0"/>
+                        <a:t>hibernate</a:t>
+                      </a:r>
+                    </a:p>
+                  </a:txBody>
+                  <a:tcPr/>
+                </a:tc>
+                <a:tc>
+                  <a:txBody>
+                    <a:bodyPr/>
+                    <a:lstStyle/>
+                    <a:p>
+                      <a:r>
+                        <a:rPr lang="en-US" dirty="0"/>
+                        <a:t>OK</a:t>
+                      </a:r>
+                    </a:p>
+                  </a:txBody>
+                  <a:tcPr/>
+                </a:tc>
+                <a:tc>
+                  <a:txBody>
+                    <a:bodyPr/>
+                    <a:lstStyle/>
+                    <a:p>
+                      <a:endParaRPr lang="en-US"/>
+                    </a:p>
+                  </a:txBody>
+                  <a:tcPr/>
+                </a:tc>
+                <a:tc>
+                  <a:txBody>
+                    <a:bodyPr/>
+                    <a:lstStyle/>
+                    <a:p>
                       <a:endParaRPr lang="en-US" dirty="0"/>
-                    </a:p>
-                  </a:txBody>
-                  <a:tcPr/>
-                </a:tc>
-                <a:tc>
-                  <a:txBody>
-                    <a:bodyPr/>
-                    <a:lstStyle/>
-                    <a:p>
-                      <a:r>
-                        <a:rPr lang="en-US" dirty="0"/>
-                        <a:t>OK</a:t>
-                      </a:r>
-                    </a:p>
-                  </a:txBody>
-                  <a:tcPr/>
-                </a:tc>
-                <a:tc>
-                  <a:txBody>
-                    <a:bodyPr/>
-                    <a:lstStyle/>
-                    <a:p>
-                      <a:endParaRPr lang="en-US"/>
-                    </a:p>
-                  </a:txBody>
-                  <a:tcPr/>
-                </a:tc>
-                <a:tc>
-                  <a:txBody>
-                    <a:bodyPr/>
-                    <a:lstStyle/>
-                    <a:p>
-                      <a:r>
-                        <a:rPr lang="en-US" dirty="0"/>
-                        <a:t>Spider chart</a:t>
-                      </a:r>
                     </a:p>
                   </a:txBody>
                   <a:tcPr/>
@@ -9714,28 +10636,28 @@
                   </a:ext>
                 </a:extLst>
               </a:tr>
-              <a:tr h="368993">
-                <a:tc>
-                  <a:txBody>
-                    <a:bodyPr/>
-                    <a:lstStyle/>
-                    <a:p>
-                      <a:r>
-                        <a:rPr lang="en-US" dirty="0"/>
-                        <a:t>54</a:t>
-                      </a:r>
-                    </a:p>
-                  </a:txBody>
-                  <a:tcPr/>
-                </a:tc>
-                <a:tc>
-                  <a:txBody>
-                    <a:bodyPr/>
-                    <a:lstStyle/>
-                    <a:p>
-                      <a:r>
-                        <a:rPr lang="en-US" dirty="0"/>
-                        <a:t>stretch</a:t>
+              <a:tr h="370840">
+                <a:tc>
+                  <a:txBody>
+                    <a:bodyPr/>
+                    <a:lstStyle/>
+                    <a:p>
+                      <a:r>
+                        <a:rPr lang="en-US" dirty="0"/>
+                        <a:t>24</a:t>
+                      </a:r>
+                    </a:p>
+                  </a:txBody>
+                  <a:tcPr/>
+                </a:tc>
+                <a:tc>
+                  <a:txBody>
+                    <a:bodyPr/>
+                    <a:lstStyle/>
+                    <a:p>
+                      <a:r>
+                        <a:rPr lang="en-US" dirty="0"/>
+                        <a:t>horizontal</a:t>
                       </a:r>
                     </a:p>
                   </a:txBody>
@@ -9769,7 +10691,7 @@
                     <a:bodyPr/>
                     <a:lstStyle/>
                     <a:p>
-                      <a:endParaRPr lang="en-US" dirty="0"/>
+                      <a:endParaRPr lang="en-US"/>
                     </a:p>
                   </a:txBody>
                   <a:tcPr/>
@@ -9780,15 +10702,15 @@
                   </a:ext>
                 </a:extLst>
               </a:tr>
-              <a:tr h="368993">
-                <a:tc>
-                  <a:txBody>
-                    <a:bodyPr/>
-                    <a:lstStyle/>
-                    <a:p>
-                      <a:r>
-                        <a:rPr lang="en-US" dirty="0"/>
-                        <a:t>55</a:t>
+              <a:tr h="370840">
+                <a:tc>
+                  <a:txBody>
+                    <a:bodyPr/>
+                    <a:lstStyle/>
+                    <a:p>
+                      <a:r>
+                        <a:rPr lang="en-US" dirty="0"/>
+                        <a:t>25</a:t>
                       </a:r>
                     </a:p>
                   </a:txBody>
@@ -9801,7 +10723,7 @@
                     <a:p>
                       <a:r>
                         <a:rPr lang="en-US" dirty="0" err="1"/>
-                        <a:t>styledtext</a:t>
+                        <a:t>htmlcomponent</a:t>
                       </a:r>
                       <a:endParaRPr lang="en-US" dirty="0"/>
                     </a:p>
@@ -9836,10 +10758,7 @@
                     <a:bodyPr/>
                     <a:lstStyle/>
                     <a:p>
-                      <a:r>
-                        <a:rPr lang="en-US" dirty="0"/>
-                        <a:t>Style</a:t>
-                      </a:r>
+                      <a:endParaRPr lang="en-US"/>
                     </a:p>
                   </a:txBody>
                   <a:tcPr/>
@@ -9850,15 +10769,15 @@
                   </a:ext>
                 </a:extLst>
               </a:tr>
-              <a:tr h="368993">
-                <a:tc>
-                  <a:txBody>
-                    <a:bodyPr/>
-                    <a:lstStyle/>
-                    <a:p>
-                      <a:r>
-                        <a:rPr lang="en-US" dirty="0"/>
-                        <a:t>56</a:t>
+              <a:tr h="370840">
+                <a:tc>
+                  <a:txBody>
+                    <a:bodyPr/>
+                    <a:lstStyle/>
+                    <a:p>
+                      <a:r>
+                        <a:rPr lang="en-US" dirty="0"/>
+                        <a:t>26</a:t>
                       </a:r>
                     </a:p>
                   </a:txBody>
@@ -9871,7 +10790,7 @@
                     <a:p>
                       <a:r>
                         <a:rPr lang="en-US" dirty="0" err="1"/>
-                        <a:t>subreport</a:t>
+                        <a:t>httpdataadapter</a:t>
                       </a:r>
                       <a:endParaRPr lang="en-US" dirty="0"/>
                     </a:p>
@@ -9906,10 +10825,7 @@
                     <a:bodyPr/>
                     <a:lstStyle/>
                     <a:p>
-                      <a:r>
-                        <a:rPr lang="en-US" dirty="0"/>
-                        <a:t>Sub-report</a:t>
-                      </a:r>
+                      <a:endParaRPr lang="en-US" dirty="0"/>
                     </a:p>
                   </a:txBody>
                   <a:tcPr/>
@@ -9920,28 +10836,28 @@
                   </a:ext>
                 </a:extLst>
               </a:tr>
-              <a:tr h="368993">
-                <a:tc>
-                  <a:txBody>
-                    <a:bodyPr/>
-                    <a:lstStyle/>
-                    <a:p>
-                      <a:r>
-                        <a:rPr lang="en-US" dirty="0"/>
-                        <a:t>57</a:t>
-                      </a:r>
-                    </a:p>
-                  </a:txBody>
-                  <a:tcPr/>
-                </a:tc>
-                <a:tc>
-                  <a:txBody>
-                    <a:bodyPr/>
-                    <a:lstStyle/>
-                    <a:p>
-                      <a:r>
-                        <a:rPr lang="en-US" dirty="0"/>
-                        <a:t>table</a:t>
+              <a:tr h="370840">
+                <a:tc>
+                  <a:txBody>
+                    <a:bodyPr/>
+                    <a:lstStyle/>
+                    <a:p>
+                      <a:r>
+                        <a:rPr lang="en-US" dirty="0"/>
+                        <a:t>27</a:t>
+                      </a:r>
+                    </a:p>
+                  </a:txBody>
+                  <a:tcPr/>
+                </a:tc>
+                <a:tc>
+                  <a:txBody>
+                    <a:bodyPr/>
+                    <a:lstStyle/>
+                    <a:p>
+                      <a:r>
+                        <a:rPr lang="en-US" dirty="0"/>
+                        <a:t>hyperlink</a:t>
                       </a:r>
                     </a:p>
                   </a:txBody>
@@ -9975,10 +10891,7 @@
                     <a:bodyPr/>
                     <a:lstStyle/>
                     <a:p>
-                      <a:r>
-                        <a:rPr lang="en-US" dirty="0"/>
-                        <a:t>Table (same as tabular)</a:t>
-                      </a:r>
+                      <a:endParaRPr lang="en-US"/>
                     </a:p>
                   </a:txBody>
                   <a:tcPr/>
@@ -9989,30 +10902,29 @@
                   </a:ext>
                 </a:extLst>
               </a:tr>
-              <a:tr h="368993">
-                <a:tc>
-                  <a:txBody>
-                    <a:bodyPr/>
-                    <a:lstStyle/>
-                    <a:p>
-                      <a:r>
-                        <a:rPr lang="en-US" dirty="0"/>
-                        <a:t>58</a:t>
-                      </a:r>
-                    </a:p>
-                  </a:txBody>
-                  <a:tcPr/>
-                </a:tc>
-                <a:tc>
-                  <a:txBody>
-                    <a:bodyPr/>
-                    <a:lstStyle/>
-                    <a:p>
-                      <a:r>
-                        <a:rPr lang="en-US" dirty="0" err="1"/>
-                        <a:t>tableofcontents</a:t>
-                      </a:r>
-                      <a:endParaRPr lang="en-US" dirty="0"/>
+              <a:tr h="370840">
+                <a:tc>
+                  <a:txBody>
+                    <a:bodyPr/>
+                    <a:lstStyle/>
+                    <a:p>
+                      <a:r>
+                        <a:rPr lang="en-US" dirty="0"/>
+                        <a:t>28</a:t>
+                      </a:r>
+                    </a:p>
+                  </a:txBody>
+                  <a:tcPr/>
+                </a:tc>
+                <a:tc>
+                  <a:txBody>
+                    <a:bodyPr/>
+                    <a:lstStyle/>
+                    <a:p>
+                      <a:r>
+                        <a:rPr lang="en-US" dirty="0"/>
+                        <a:t>i18n</a:t>
+                      </a:r>
                     </a:p>
                   </a:txBody>
                   <a:tcPr/>
@@ -10045,10 +10957,7 @@
                     <a:bodyPr/>
                     <a:lstStyle/>
                     <a:p>
-                      <a:r>
-                        <a:rPr lang="en-US" dirty="0"/>
-                        <a:t>Table of content</a:t>
-                      </a:r>
+                      <a:endParaRPr lang="en-US"/>
                     </a:p>
                   </a:txBody>
                   <a:tcPr/>
@@ -10059,29 +10968,30 @@
                   </a:ext>
                 </a:extLst>
               </a:tr>
-              <a:tr h="368993">
-                <a:tc>
-                  <a:txBody>
-                    <a:bodyPr/>
-                    <a:lstStyle/>
-                    <a:p>
-                      <a:r>
-                        <a:rPr lang="en-US" dirty="0"/>
-                        <a:t>59</a:t>
-                      </a:r>
-                    </a:p>
-                  </a:txBody>
-                  <a:tcPr/>
-                </a:tc>
-                <a:tc>
-                  <a:txBody>
-                    <a:bodyPr/>
-                    <a:lstStyle/>
-                    <a:p>
-                      <a:r>
-                        <a:rPr lang="en-US" dirty="0"/>
-                        <a:t>tabular</a:t>
-                      </a:r>
+              <a:tr h="370840">
+                <a:tc>
+                  <a:txBody>
+                    <a:bodyPr/>
+                    <a:lstStyle/>
+                    <a:p>
+                      <a:r>
+                        <a:rPr lang="en-US" dirty="0"/>
+                        <a:t>29</a:t>
+                      </a:r>
+                    </a:p>
+                  </a:txBody>
+                  <a:tcPr/>
+                </a:tc>
+                <a:tc>
+                  <a:txBody>
+                    <a:bodyPr/>
+                    <a:lstStyle/>
+                    <a:p>
+                      <a:r>
+                        <a:rPr lang="en-US" dirty="0" err="1"/>
+                        <a:t>iconlabel</a:t>
+                      </a:r>
+                      <a:endParaRPr lang="en-US" dirty="0"/>
                     </a:p>
                   </a:txBody>
                   <a:tcPr/>
@@ -10114,10 +11024,7 @@
                     <a:bodyPr/>
                     <a:lstStyle/>
                     <a:p>
-                      <a:r>
-                        <a:rPr lang="en-US" dirty="0"/>
-                        <a:t>Tabular (same as table)</a:t>
-                      </a:r>
+                      <a:endParaRPr lang="en-US"/>
                     </a:p>
                   </a:txBody>
                   <a:tcPr/>
@@ -10128,28 +11035,28 @@
                   </a:ext>
                 </a:extLst>
               </a:tr>
-              <a:tr h="368993">
-                <a:tc>
-                  <a:txBody>
-                    <a:bodyPr/>
-                    <a:lstStyle/>
-                    <a:p>
-                      <a:r>
-                        <a:rPr lang="en-US" dirty="0"/>
-                        <a:t>60</a:t>
-                      </a:r>
-                    </a:p>
-                  </a:txBody>
-                  <a:tcPr/>
-                </a:tc>
-                <a:tc>
-                  <a:txBody>
-                    <a:bodyPr/>
-                    <a:lstStyle/>
-                    <a:p>
-                      <a:r>
-                        <a:rPr lang="en-US" dirty="0"/>
-                        <a:t>templates</a:t>
+              <a:tr h="370840">
+                <a:tc>
+                  <a:txBody>
+                    <a:bodyPr/>
+                    <a:lstStyle/>
+                    <a:p>
+                      <a:r>
+                        <a:rPr lang="en-US" dirty="0"/>
+                        <a:t>30</a:t>
+                      </a:r>
+                    </a:p>
+                  </a:txBody>
+                  <a:tcPr/>
+                </a:tc>
+                <a:tc>
+                  <a:txBody>
+                    <a:bodyPr/>
+                    <a:lstStyle/>
+                    <a:p>
+                      <a:r>
+                        <a:rPr lang="en-US" dirty="0"/>
+                        <a:t>images</a:t>
                       </a:r>
                     </a:p>
                   </a:txBody>
@@ -10183,14 +11090,6 @@
                     <a:bodyPr/>
                     <a:lstStyle/>
                     <a:p>
-                      <a:r>
-                        <a:rPr lang="en-US" dirty="0"/>
-                        <a:t>Varied styles </a:t>
-                      </a:r>
-                      <a:r>
-                        <a:rPr lang="en-US"/>
-                        <a:t>and backgrounds</a:t>
-                      </a:r>
                       <a:endParaRPr lang="en-US" dirty="0"/>
                     </a:p>
                   </a:txBody>
@@ -10209,7 +11108,7 @@
     </p:spTree>
     <p:extLst>
       <p:ext uri="{BB962C8B-B14F-4D97-AF65-F5344CB8AC3E}">
-        <p14:creationId xmlns:p14="http://schemas.microsoft.com/office/powerpoint/2010/main" val="3974917486"/>
+        <p14:creationId xmlns:p14="http://schemas.microsoft.com/office/powerpoint/2010/main" val="4177864648"/>
       </p:ext>
     </p:extLst>
   </p:cSld>
@@ -10479,14 +11378,14 @@
           <p:nvPr>
             <p:extLst>
               <p:ext uri="{D42A27DB-BD31-4B8C-83A1-F6EECF244321}">
-                <p14:modId xmlns:p14="http://schemas.microsoft.com/office/powerpoint/2010/main" val="2036070540"/>
+                <p14:modId xmlns:p14="http://schemas.microsoft.com/office/powerpoint/2010/main" val="699396242"/>
               </p:ext>
             </p:extLst>
           </p:nvPr>
         </p:nvGraphicFramePr>
         <p:xfrm>
-          <a:off x="437146" y="1751567"/>
-          <a:ext cx="8167301" cy="4070642"/>
+          <a:off x="649760" y="1783228"/>
+          <a:ext cx="7385495" cy="4079240"/>
         </p:xfrm>
         <a:graphic>
           <a:graphicData uri="http://schemas.openxmlformats.org/drawingml/2006/table">
@@ -10495,35 +11394,35 @@
                 <a:tableStyleId>{5C22544A-7EE6-4342-B048-85BDC9FD1C3A}</a:tableStyleId>
               </a:tblPr>
               <a:tblGrid>
-                <a:gridCol w="769572">
+                <a:gridCol w="728980">
                   <a:extLst>
                     <a:ext uri="{9D8B030D-6E8A-4147-A177-3AD203B41FA5}">
                       <a16:colId xmlns:a16="http://schemas.microsoft.com/office/drawing/2014/main" val="425712739"/>
                     </a:ext>
                   </a:extLst>
                 </a:gridCol>
-                <a:gridCol w="1982052">
+                <a:gridCol w="1820863">
                   <a:extLst>
                     <a:ext uri="{9D8B030D-6E8A-4147-A177-3AD203B41FA5}">
                       <a16:colId xmlns:a16="http://schemas.microsoft.com/office/drawing/2014/main" val="1870320283"/>
                     </a:ext>
                   </a:extLst>
                 </a:gridCol>
-                <a:gridCol w="742758">
+                <a:gridCol w="1219200">
                   <a:extLst>
                     <a:ext uri="{9D8B030D-6E8A-4147-A177-3AD203B41FA5}">
                       <a16:colId xmlns:a16="http://schemas.microsoft.com/office/drawing/2014/main" val="4178682879"/>
                     </a:ext>
                   </a:extLst>
                 </a:gridCol>
-                <a:gridCol w="742758">
+                <a:gridCol w="1219200">
                   <a:extLst>
                     <a:ext uri="{9D8B030D-6E8A-4147-A177-3AD203B41FA5}">
                       <a16:colId xmlns:a16="http://schemas.microsoft.com/office/drawing/2014/main" val="3160549755"/>
                     </a:ext>
                   </a:extLst>
                 </a:gridCol>
-                <a:gridCol w="3930161">
+                <a:gridCol w="2397252">
                   <a:extLst>
                     <a:ext uri="{9D8B030D-6E8A-4147-A177-3AD203B41FA5}">
                       <a16:colId xmlns:a16="http://schemas.microsoft.com/office/drawing/2014/main" val="444581452"/>
@@ -10531,7 +11430,7 @@
                   </a:extLst>
                 </a:gridCol>
               </a:tblGrid>
-              <a:tr h="368993">
+              <a:tr h="370840">
                 <a:tc>
                   <a:txBody>
                     <a:bodyPr/>
@@ -10603,28 +11502,28 @@
                   </a:ext>
                 </a:extLst>
               </a:tr>
-              <a:tr h="368993">
-                <a:tc>
-                  <a:txBody>
-                    <a:bodyPr/>
-                    <a:lstStyle/>
-                    <a:p>
-                      <a:r>
-                        <a:rPr lang="en-US" dirty="0"/>
-                        <a:t>61</a:t>
-                      </a:r>
-                    </a:p>
-                  </a:txBody>
-                  <a:tcPr/>
-                </a:tc>
-                <a:tc>
-                  <a:txBody>
-                    <a:bodyPr/>
-                    <a:lstStyle/>
-                    <a:p>
-                      <a:r>
-                        <a:rPr lang="en-US" dirty="0"/>
-                        <a:t>Text</a:t>
+              <a:tr h="370840">
+                <a:tc>
+                  <a:txBody>
+                    <a:bodyPr/>
+                    <a:lstStyle/>
+                    <a:p>
+                      <a:r>
+                        <a:rPr lang="en-US" dirty="0"/>
+                        <a:t>31</a:t>
+                      </a:r>
+                    </a:p>
+                  </a:txBody>
+                  <a:tcPr/>
+                </a:tc>
+                <a:tc>
+                  <a:txBody>
+                    <a:bodyPr/>
+                    <a:lstStyle/>
+                    <a:p>
+                      <a:r>
+                        <a:rPr lang="en-US" dirty="0"/>
+                        <a:t>Jasper</a:t>
                       </a:r>
                     </a:p>
                   </a:txBody>
@@ -10660,7 +11559,15 @@
                     <a:p>
                       <a:r>
                         <a:rPr lang="en-US" dirty="0"/>
-                        <a:t>Display pure text</a:t>
+                        <a:t>Multiple </a:t>
+                      </a:r>
+                      <a:r>
+                        <a:rPr lang="en-US"/>
+                        <a:t>Tabules </a:t>
+                      </a:r>
+                      <a:r>
+                        <a:rPr lang="en-US" dirty="0"/>
+                        <a:t>report</a:t>
                       </a:r>
                     </a:p>
                   </a:txBody>
@@ -10672,30 +11579,29 @@
                   </a:ext>
                 </a:extLst>
               </a:tr>
-              <a:tr h="380712">
-                <a:tc>
-                  <a:txBody>
-                    <a:bodyPr/>
-                    <a:lstStyle/>
-                    <a:p>
-                      <a:r>
-                        <a:rPr lang="en-US" dirty="0"/>
-                        <a:t>62</a:t>
-                      </a:r>
-                    </a:p>
-                  </a:txBody>
-                  <a:tcPr/>
-                </a:tc>
-                <a:tc>
-                  <a:txBody>
-                    <a:bodyPr/>
-                    <a:lstStyle/>
-                    <a:p>
-                      <a:r>
-                        <a:rPr lang="en-US" dirty="0" err="1"/>
-                        <a:t>unicode</a:t>
-                      </a:r>
-                      <a:endParaRPr lang="en-US" dirty="0"/>
+              <a:tr h="370840">
+                <a:tc>
+                  <a:txBody>
+                    <a:bodyPr/>
+                    <a:lstStyle/>
+                    <a:p>
+                      <a:r>
+                        <a:rPr lang="en-US" dirty="0"/>
+                        <a:t>32</a:t>
+                      </a:r>
+                    </a:p>
+                  </a:txBody>
+                  <a:tcPr/>
+                </a:tc>
+                <a:tc>
+                  <a:txBody>
+                    <a:bodyPr/>
+                    <a:lstStyle/>
+                    <a:p>
+                      <a:r>
+                        <a:rPr lang="en-US" dirty="0"/>
+                        <a:t>Java1.5</a:t>
+                      </a:r>
                     </a:p>
                   </a:txBody>
                   <a:tcPr/>
@@ -10728,10 +11634,7 @@
                     <a:bodyPr/>
                     <a:lstStyle/>
                     <a:p>
-                      <a:r>
-                        <a:rPr lang="en-US" dirty="0"/>
-                        <a:t>Unicode/Internationalization</a:t>
-                      </a:r>
+                      <a:endParaRPr lang="en-US"/>
                     </a:p>
                   </a:txBody>
                   <a:tcPr/>
@@ -10742,29 +11645,30 @@
                   </a:ext>
                 </a:extLst>
               </a:tr>
-              <a:tr h="368993">
-                <a:tc>
-                  <a:txBody>
-                    <a:bodyPr/>
-                    <a:lstStyle/>
-                    <a:p>
-                      <a:r>
-                        <a:rPr lang="en-US" dirty="0"/>
-                        <a:t>63</a:t>
-                      </a:r>
-                    </a:p>
-                  </a:txBody>
-                  <a:tcPr/>
-                </a:tc>
-                <a:tc>
-                  <a:txBody>
-                    <a:bodyPr/>
-                    <a:lstStyle/>
-                    <a:p>
-                      <a:r>
-                        <a:rPr lang="en-US" dirty="0"/>
-                        <a:t>virtualizer</a:t>
-                      </a:r>
+              <a:tr h="370840">
+                <a:tc>
+                  <a:txBody>
+                    <a:bodyPr/>
+                    <a:lstStyle/>
+                    <a:p>
+                      <a:r>
+                        <a:rPr lang="en-US" dirty="0"/>
+                        <a:t>33</a:t>
+                      </a:r>
+                    </a:p>
+                  </a:txBody>
+                  <a:tcPr/>
+                </a:tc>
+                <a:tc>
+                  <a:txBody>
+                    <a:bodyPr/>
+                    <a:lstStyle/>
+                    <a:p>
+                      <a:r>
+                        <a:rPr lang="en-US" dirty="0" err="1"/>
+                        <a:t>Javascript</a:t>
+                      </a:r>
+                      <a:endParaRPr lang="en-US" dirty="0"/>
                     </a:p>
                   </a:txBody>
                   <a:tcPr/>
@@ -10797,10 +11701,7 @@
                     <a:bodyPr/>
                     <a:lstStyle/>
                     <a:p>
-                      <a:r>
-                        <a:rPr lang="en-US" dirty="0"/>
-                        <a:t>Parse very long string (virtualizer)</a:t>
-                      </a:r>
+                      <a:endParaRPr lang="en-US"/>
                     </a:p>
                   </a:txBody>
                   <a:tcPr/>
@@ -10811,15 +11712,15 @@
                   </a:ext>
                 </a:extLst>
               </a:tr>
-              <a:tr h="368993">
-                <a:tc>
-                  <a:txBody>
-                    <a:bodyPr/>
-                    <a:lstStyle/>
-                    <a:p>
-                      <a:r>
-                        <a:rPr lang="en-US" dirty="0"/>
-                        <a:t>64</a:t>
+              <a:tr h="370840">
+                <a:tc>
+                  <a:txBody>
+                    <a:bodyPr/>
+                    <a:lstStyle/>
+                    <a:p>
+                      <a:r>
+                        <a:rPr lang="en-US" dirty="0"/>
+                        <a:t>34</a:t>
                       </a:r>
                     </a:p>
                   </a:txBody>
@@ -10832,7 +11733,7 @@
                     <a:p>
                       <a:r>
                         <a:rPr lang="en-US" dirty="0" err="1"/>
-                        <a:t>webapp</a:t>
+                        <a:t>jfreechart</a:t>
                       </a:r>
                       <a:endParaRPr lang="en-US" dirty="0"/>
                     </a:p>
@@ -10845,12 +11746,8 @@
                     <a:lstStyle/>
                     <a:p>
                       <a:r>
-                        <a:rPr lang="en-US" dirty="0">
-                          <a:solidFill>
-                            <a:srgbClr val="FF0000"/>
-                          </a:solidFill>
-                        </a:rPr>
-                        <a:t>NG</a:t>
+                        <a:rPr lang="en-US" dirty="0"/>
+                        <a:t>OK</a:t>
                       </a:r>
                     </a:p>
                   </a:txBody>
@@ -10873,7 +11770,7 @@
                     <a:p>
                       <a:r>
                         <a:rPr lang="en-US" dirty="0"/>
-                        <a:t>Prepare the jar file</a:t>
+                        <a:t>3D pie Chart</a:t>
                       </a:r>
                     </a:p>
                   </a:txBody>
@@ -10885,15 +11782,15 @@
                   </a:ext>
                 </a:extLst>
               </a:tr>
-              <a:tr h="368993">
-                <a:tc>
-                  <a:txBody>
-                    <a:bodyPr/>
-                    <a:lstStyle/>
-                    <a:p>
-                      <a:r>
-                        <a:rPr lang="en-US" dirty="0"/>
-                        <a:t>65</a:t>
+              <a:tr h="370840">
+                <a:tc>
+                  <a:txBody>
+                    <a:bodyPr/>
+                    <a:lstStyle/>
+                    <a:p>
+                      <a:r>
+                        <a:rPr lang="en-US" dirty="0"/>
+                        <a:t>35</a:t>
                       </a:r>
                     </a:p>
                   </a:txBody>
@@ -10906,28 +11803,21 @@
                     <a:p>
                       <a:r>
                         <a:rPr lang="en-US" dirty="0" err="1"/>
-                        <a:t>Webapp</a:t>
-                      </a:r>
-                      <a:r>
-                        <a:rPr lang="en-US" dirty="0"/>
-                        <a:t>-repo</a:t>
-                      </a:r>
-                    </a:p>
-                  </a:txBody>
-                  <a:tcPr/>
-                </a:tc>
-                <a:tc>
-                  <a:txBody>
-                    <a:bodyPr/>
-                    <a:lstStyle/>
-                    <a:p>
-                      <a:r>
-                        <a:rPr lang="en-US" dirty="0">
-                          <a:solidFill>
-                            <a:srgbClr val="FF0000"/>
-                          </a:solidFill>
-                        </a:rPr>
-                        <a:t>NG</a:t>
+                        <a:t>jsondatasource</a:t>
+                      </a:r>
+                      <a:endParaRPr lang="en-US" dirty="0"/>
+                    </a:p>
+                  </a:txBody>
+                  <a:tcPr/>
+                </a:tc>
+                <a:tc>
+                  <a:txBody>
+                    <a:bodyPr/>
+                    <a:lstStyle/>
+                    <a:p>
+                      <a:r>
+                        <a:rPr lang="en-US" dirty="0"/>
+                        <a:t>OK</a:t>
                       </a:r>
                     </a:p>
                   </a:txBody>
@@ -10948,26 +11838,9 @@
                     <a:bodyPr/>
                     <a:lstStyle/>
                     <a:p>
-                      <a:pPr marL="0" marR="0" lvl="0" indent="0" algn="l" defTabSz="914400" rtl="0" eaLnBrk="1" fontAlgn="auto" latinLnBrk="0" hangingPunct="1">
-                        <a:lnSpc>
-                          <a:spcPct val="100000"/>
-                        </a:lnSpc>
-                        <a:spcBef>
-                          <a:spcPts val="0"/>
-                        </a:spcBef>
-                        <a:spcAft>
-                          <a:spcPts val="0"/>
-                        </a:spcAft>
-                        <a:buClrTx/>
-                        <a:buSzTx/>
-                        <a:buFontTx/>
-                        <a:buNone/>
-                        <a:tabLst/>
-                        <a:defRPr/>
-                      </a:pPr>
-                      <a:r>
-                        <a:rPr lang="en-US"/>
-                        <a:t>Prepare the jar file</a:t>
+                      <a:r>
+                        <a:rPr lang="en-US" dirty="0"/>
+                        <a:t>Good table format</a:t>
                       </a:r>
                     </a:p>
                   </a:txBody>
@@ -10979,15 +11852,15 @@
                   </a:ext>
                 </a:extLst>
               </a:tr>
-              <a:tr h="368993">
-                <a:tc>
-                  <a:txBody>
-                    <a:bodyPr/>
-                    <a:lstStyle/>
-                    <a:p>
-                      <a:r>
-                        <a:rPr lang="en-US" dirty="0"/>
-                        <a:t>66</a:t>
+              <a:tr h="370840">
+                <a:tc>
+                  <a:txBody>
+                    <a:bodyPr/>
+                    <a:lstStyle/>
+                    <a:p>
+                      <a:r>
+                        <a:rPr lang="en-US" dirty="0"/>
+                        <a:t>36</a:t>
                       </a:r>
                     </a:p>
                   </a:txBody>
@@ -11000,7 +11873,7 @@
                     <a:p>
                       <a:r>
                         <a:rPr lang="en-US" dirty="0" err="1"/>
-                        <a:t>xchart</a:t>
+                        <a:t>jsonqldatasource</a:t>
                       </a:r>
                       <a:endParaRPr lang="en-US" dirty="0"/>
                     </a:p>
@@ -11037,7 +11910,7 @@
                     <a:p>
                       <a:r>
                         <a:rPr lang="en-US" dirty="0"/>
-                        <a:t>Sample chart</a:t>
+                        <a:t>Output: HTML, PDF</a:t>
                       </a:r>
                     </a:p>
                   </a:txBody>
@@ -11049,30 +11922,29 @@
                   </a:ext>
                 </a:extLst>
               </a:tr>
-              <a:tr h="368993">
-                <a:tc>
-                  <a:txBody>
-                    <a:bodyPr/>
-                    <a:lstStyle/>
-                    <a:p>
-                      <a:r>
-                        <a:rPr lang="en-US" dirty="0"/>
-                        <a:t>67</a:t>
-                      </a:r>
-                    </a:p>
-                  </a:txBody>
-                  <a:tcPr/>
-                </a:tc>
-                <a:tc>
-                  <a:txBody>
-                    <a:bodyPr/>
-                    <a:lstStyle/>
-                    <a:p>
-                      <a:r>
-                        <a:rPr lang="en-US" dirty="0" err="1"/>
-                        <a:t>xchartcomponent</a:t>
-                      </a:r>
-                      <a:endParaRPr lang="en-US" dirty="0"/>
+              <a:tr h="370840">
+                <a:tc>
+                  <a:txBody>
+                    <a:bodyPr/>
+                    <a:lstStyle/>
+                    <a:p>
+                      <a:r>
+                        <a:rPr lang="en-US" dirty="0"/>
+                        <a:t>37</a:t>
+                      </a:r>
+                    </a:p>
+                  </a:txBody>
+                  <a:tcPr/>
+                </a:tc>
+                <a:tc>
+                  <a:txBody>
+                    <a:bodyPr/>
+                    <a:lstStyle/>
+                    <a:p>
+                      <a:r>
+                        <a:rPr lang="en-US" dirty="0"/>
+                        <a:t>landscape</a:t>
+                      </a:r>
                     </a:p>
                   </a:txBody>
                   <a:tcPr/>
@@ -11105,10 +11977,7 @@
                     <a:bodyPr/>
                     <a:lstStyle/>
                     <a:p>
-                      <a:r>
-                        <a:rPr lang="en-US" dirty="0"/>
-                        <a:t>Sample chart component report</a:t>
-                      </a:r>
+                      <a:endParaRPr lang="en-US"/>
                     </a:p>
                   </a:txBody>
                   <a:tcPr/>
@@ -11119,46 +11988,41 @@
                   </a:ext>
                 </a:extLst>
               </a:tr>
-              <a:tr h="368993">
-                <a:tc>
-                  <a:txBody>
-                    <a:bodyPr/>
-                    <a:lstStyle/>
-                    <a:p>
-                      <a:r>
-                        <a:rPr lang="en-US" dirty="0"/>
-                        <a:t>68</a:t>
-                      </a:r>
-                    </a:p>
-                  </a:txBody>
-                  <a:tcPr/>
-                </a:tc>
-                <a:tc>
-                  <a:txBody>
-                    <a:bodyPr/>
-                    <a:lstStyle/>
-                    <a:p>
-                      <a:r>
-                        <a:rPr lang="en-US" dirty="0" err="1"/>
-                        <a:t>xlsdatasource</a:t>
-                      </a:r>
-                      <a:endParaRPr lang="en-US" dirty="0"/>
-                    </a:p>
-                  </a:txBody>
-                  <a:tcPr/>
-                </a:tc>
-                <a:tc>
-                  <a:txBody>
-                    <a:bodyPr/>
-                    <a:lstStyle/>
-                    <a:p>
-                      <a:r>
-                        <a:rPr lang="en-US" dirty="0">
-                          <a:solidFill>
-                            <a:srgbClr val="FF0000"/>
-                          </a:solidFill>
-                        </a:rPr>
-                        <a:t>NG</a:t>
+              <a:tr h="370840">
+                <a:tc>
+                  <a:txBody>
+                    <a:bodyPr/>
+                    <a:lstStyle/>
+                    <a:p>
+                      <a:r>
+                        <a:rPr lang="en-US" dirty="0"/>
+                        <a:t>38</a:t>
+                      </a:r>
+                    </a:p>
+                  </a:txBody>
+                  <a:tcPr/>
+                </a:tc>
+                <a:tc>
+                  <a:txBody>
+                    <a:bodyPr/>
+                    <a:lstStyle/>
+                    <a:p>
+                      <a:r>
+                        <a:rPr lang="en-US" dirty="0"/>
+                        <a:t>list</a:t>
+                      </a:r>
+                    </a:p>
+                  </a:txBody>
+                  <a:tcPr/>
+                </a:tc>
+                <a:tc>
+                  <a:txBody>
+                    <a:bodyPr/>
+                    <a:lstStyle/>
+                    <a:p>
+                      <a:r>
+                        <a:rPr lang="en-US" dirty="0"/>
+                        <a:t>OK</a:t>
                       </a:r>
                     </a:p>
                   </a:txBody>
@@ -11179,18 +12043,7 @@
                     <a:bodyPr/>
                     <a:lstStyle/>
                     <a:p>
-                      <a:r>
-                        <a:rPr lang="en-US" dirty="0"/>
-                        <a:t>Use </a:t>
-                      </a:r>
-                      <a:r>
-                        <a:rPr lang="en-US" dirty="0" err="1"/>
-                        <a:t>xlsxdatasource</a:t>
-                      </a:r>
-                      <a:r>
-                        <a:rPr lang="en-US" dirty="0"/>
-                        <a:t> instead</a:t>
-                      </a:r>
+                      <a:endParaRPr lang="en-US"/>
                     </a:p>
                   </a:txBody>
                   <a:tcPr/>
@@ -11201,30 +12054,29 @@
                   </a:ext>
                 </a:extLst>
               </a:tr>
-              <a:tr h="368993">
-                <a:tc>
-                  <a:txBody>
-                    <a:bodyPr/>
-                    <a:lstStyle/>
-                    <a:p>
-                      <a:r>
-                        <a:rPr lang="en-US" dirty="0"/>
-                        <a:t>69</a:t>
-                      </a:r>
-                    </a:p>
-                  </a:txBody>
-                  <a:tcPr/>
-                </a:tc>
-                <a:tc>
-                  <a:txBody>
-                    <a:bodyPr/>
-                    <a:lstStyle/>
-                    <a:p>
-                      <a:r>
-                        <a:rPr lang="en-US" dirty="0" err="1"/>
-                        <a:t>xlsfeatures</a:t>
-                      </a:r>
-                      <a:endParaRPr lang="en-US" dirty="0"/>
+              <a:tr h="370840">
+                <a:tc>
+                  <a:txBody>
+                    <a:bodyPr/>
+                    <a:lstStyle/>
+                    <a:p>
+                      <a:r>
+                        <a:rPr lang="en-US" dirty="0"/>
+                        <a:t>39</a:t>
+                      </a:r>
+                    </a:p>
+                  </a:txBody>
+                  <a:tcPr/>
+                </a:tc>
+                <a:tc>
+                  <a:txBody>
+                    <a:bodyPr/>
+                    <a:lstStyle/>
+                    <a:p>
+                      <a:r>
+                        <a:rPr lang="en-US" dirty="0"/>
+                        <a:t>map</a:t>
+                      </a:r>
                     </a:p>
                   </a:txBody>
                   <a:tcPr/>
@@ -11257,18 +12109,7 @@
                     <a:bodyPr/>
                     <a:lstStyle/>
                     <a:p>
-                      <a:r>
-                        <a:rPr lang="en-US" dirty="0"/>
-                        <a:t>Parse </a:t>
-                      </a:r>
-                      <a:r>
-                        <a:rPr lang="en-US" dirty="0" err="1"/>
-                        <a:t>xls</a:t>
-                      </a:r>
-                      <a:r>
-                        <a:rPr lang="en-US" dirty="0"/>
-                        <a:t> format and display</a:t>
-                      </a:r>
+                      <a:endParaRPr lang="en-US"/>
                     </a:p>
                   </a:txBody>
                   <a:tcPr/>
@@ -11279,66 +12120,62 @@
                   </a:ext>
                 </a:extLst>
               </a:tr>
-              <a:tr h="368993">
-                <a:tc>
-                  <a:txBody>
-                    <a:bodyPr/>
-                    <a:lstStyle/>
-                    <a:p>
-                      <a:r>
-                        <a:rPr lang="en-US" dirty="0"/>
-                        <a:t>70</a:t>
-                      </a:r>
-                    </a:p>
-                  </a:txBody>
-                  <a:tcPr/>
-                </a:tc>
-                <a:tc>
-                  <a:txBody>
-                    <a:bodyPr/>
-                    <a:lstStyle/>
-                    <a:p>
-                      <a:r>
-                        <a:rPr lang="en-US" dirty="0" err="1"/>
-                        <a:t>xlsformula</a:t>
-                      </a:r>
+              <a:tr h="370840">
+                <a:tc>
+                  <a:txBody>
+                    <a:bodyPr/>
+                    <a:lstStyle/>
+                    <a:p>
+                      <a:r>
+                        <a:rPr lang="en-US" dirty="0"/>
+                        <a:t>40</a:t>
+                      </a:r>
+                    </a:p>
+                  </a:txBody>
+                  <a:tcPr/>
+                </a:tc>
+                <a:tc>
+                  <a:txBody>
+                    <a:bodyPr/>
+                    <a:lstStyle/>
+                    <a:p>
+                      <a:r>
+                        <a:rPr lang="en-US" dirty="0"/>
+                        <a:t>makeup</a:t>
+                      </a:r>
+                    </a:p>
+                  </a:txBody>
+                  <a:tcPr/>
+                </a:tc>
+                <a:tc>
+                  <a:txBody>
+                    <a:bodyPr/>
+                    <a:lstStyle/>
+                    <a:p>
+                      <a:r>
+                        <a:rPr lang="en-US" dirty="0"/>
+                        <a:t>OK</a:t>
+                      </a:r>
+                    </a:p>
+                  </a:txBody>
+                  <a:tcPr/>
+                </a:tc>
+                <a:tc>
+                  <a:txBody>
+                    <a:bodyPr/>
+                    <a:lstStyle/>
+                    <a:p>
+                      <a:endParaRPr lang="en-US"/>
+                    </a:p>
+                  </a:txBody>
+                  <a:tcPr/>
+                </a:tc>
+                <a:tc>
+                  <a:txBody>
+                    <a:bodyPr/>
+                    <a:lstStyle/>
+                    <a:p>
                       <a:endParaRPr lang="en-US" dirty="0"/>
-                    </a:p>
-                  </a:txBody>
-                  <a:tcPr/>
-                </a:tc>
-                <a:tc>
-                  <a:txBody>
-                    <a:bodyPr/>
-                    <a:lstStyle/>
-                    <a:p>
-                      <a:r>
-                        <a:rPr lang="en-US" dirty="0"/>
-                        <a:t>OK</a:t>
-                      </a:r>
-                    </a:p>
-                  </a:txBody>
-                  <a:tcPr/>
-                </a:tc>
-                <a:tc>
-                  <a:txBody>
-                    <a:bodyPr/>
-                    <a:lstStyle/>
-                    <a:p>
-                      <a:endParaRPr lang="en-US"/>
-                    </a:p>
-                  </a:txBody>
-                  <a:tcPr/>
-                </a:tc>
-                <a:tc>
-                  <a:txBody>
-                    <a:bodyPr/>
-                    <a:lstStyle/>
-                    <a:p>
-                      <a:r>
-                        <a:rPr lang="en-US" dirty="0"/>
-                        <a:t>Math formula</a:t>
-                      </a:r>
                     </a:p>
                   </a:txBody>
                   <a:tcPr/>
@@ -11356,7 +12193,7 @@
     </p:spTree>
     <p:extLst>
       <p:ext uri="{BB962C8B-B14F-4D97-AF65-F5344CB8AC3E}">
-        <p14:creationId xmlns:p14="http://schemas.microsoft.com/office/powerpoint/2010/main" val="447073589"/>
+        <p14:creationId xmlns:p14="http://schemas.microsoft.com/office/powerpoint/2010/main" val="1413876682"/>
       </p:ext>
     </p:extLst>
   </p:cSld>
@@ -11626,14 +12463,14 @@
           <p:nvPr>
             <p:extLst>
               <p:ext uri="{D42A27DB-BD31-4B8C-83A1-F6EECF244321}">
-                <p14:modId xmlns:p14="http://schemas.microsoft.com/office/powerpoint/2010/main" val="1585055750"/>
+                <p14:modId xmlns:p14="http://schemas.microsoft.com/office/powerpoint/2010/main" val="2165813122"/>
               </p:ext>
             </p:extLst>
           </p:nvPr>
         </p:nvGraphicFramePr>
         <p:xfrm>
-          <a:off x="649760" y="1783228"/>
-          <a:ext cx="7638663" cy="1112520"/>
+          <a:off x="467544" y="1731990"/>
+          <a:ext cx="8395746" cy="4055690"/>
         </p:xfrm>
         <a:graphic>
           <a:graphicData uri="http://schemas.openxmlformats.org/drawingml/2006/table">
@@ -11642,35 +12479,35 @@
                 <a:tableStyleId>{5C22544A-7EE6-4342-B048-85BDC9FD1C3A}</a:tableStyleId>
               </a:tblPr>
               <a:tblGrid>
-                <a:gridCol w="728980">
+                <a:gridCol w="844507">
                   <a:extLst>
                     <a:ext uri="{9D8B030D-6E8A-4147-A177-3AD203B41FA5}">
                       <a16:colId xmlns:a16="http://schemas.microsoft.com/office/drawing/2014/main" val="425712739"/>
                     </a:ext>
                   </a:extLst>
                 </a:gridCol>
-                <a:gridCol w="1597025">
+                <a:gridCol w="1893079">
                   <a:extLst>
                     <a:ext uri="{9D8B030D-6E8A-4147-A177-3AD203B41FA5}">
                       <a16:colId xmlns:a16="http://schemas.microsoft.com/office/drawing/2014/main" val="1870320283"/>
                     </a:ext>
                   </a:extLst>
                 </a:gridCol>
-                <a:gridCol w="1086633">
+                <a:gridCol w="815082">
                   <a:extLst>
                     <a:ext uri="{9D8B030D-6E8A-4147-A177-3AD203B41FA5}">
                       <a16:colId xmlns:a16="http://schemas.microsoft.com/office/drawing/2014/main" val="4178682879"/>
                     </a:ext>
                   </a:extLst>
                 </a:gridCol>
-                <a:gridCol w="824082">
+                <a:gridCol w="815082">
                   <a:extLst>
                     <a:ext uri="{9D8B030D-6E8A-4147-A177-3AD203B41FA5}">
                       <a16:colId xmlns:a16="http://schemas.microsoft.com/office/drawing/2014/main" val="3160549755"/>
                     </a:ext>
                   </a:extLst>
                 </a:gridCol>
-                <a:gridCol w="3401943">
+                <a:gridCol w="4027996">
                   <a:extLst>
                     <a:ext uri="{9D8B030D-6E8A-4147-A177-3AD203B41FA5}">
                       <a16:colId xmlns:a16="http://schemas.microsoft.com/office/drawing/2014/main" val="444581452"/>
@@ -11678,7 +12515,7 @@
                   </a:extLst>
                 </a:gridCol>
               </a:tblGrid>
-              <a:tr h="370840">
+              <a:tr h="368993">
                 <a:tc>
                   <a:txBody>
                     <a:bodyPr/>
@@ -11750,15 +12587,15 @@
                   </a:ext>
                 </a:extLst>
               </a:tr>
-              <a:tr h="370840">
-                <a:tc>
-                  <a:txBody>
-                    <a:bodyPr/>
-                    <a:lstStyle/>
-                    <a:p>
-                      <a:r>
-                        <a:rPr lang="en-US" dirty="0"/>
-                        <a:t>71</a:t>
+              <a:tr h="368993">
+                <a:tc>
+                  <a:txBody>
+                    <a:bodyPr/>
+                    <a:lstStyle/>
+                    <a:p>
+                      <a:r>
+                        <a:rPr lang="en-US" dirty="0"/>
+                        <a:t>41</a:t>
                       </a:r>
                     </a:p>
                   </a:txBody>
@@ -11771,7 +12608,7 @@
                     <a:p>
                       <a:r>
                         <a:rPr lang="en-US" dirty="0" err="1"/>
-                        <a:t>xlsxdatasource</a:t>
+                        <a:t>mondrian</a:t>
                       </a:r>
                       <a:endParaRPr lang="en-US" dirty="0"/>
                     </a:p>
@@ -11806,10 +12643,7 @@
                     <a:bodyPr/>
                     <a:lstStyle/>
                     <a:p>
-                      <a:r>
-                        <a:rPr lang="en-US" dirty="0"/>
-                        <a:t>Parse/display xlsx (Excel format)</a:t>
-                      </a:r>
+                      <a:endParaRPr lang="en-US" dirty="0"/>
                     </a:p>
                   </a:txBody>
                   <a:tcPr/>
@@ -11820,28 +12654,28 @@
                   </a:ext>
                 </a:extLst>
               </a:tr>
-              <a:tr h="370840">
-                <a:tc>
-                  <a:txBody>
-                    <a:bodyPr/>
-                    <a:lstStyle/>
-                    <a:p>
-                      <a:r>
-                        <a:rPr lang="en-US" dirty="0"/>
-                        <a:t>72</a:t>
-                      </a:r>
-                    </a:p>
-                  </a:txBody>
-                  <a:tcPr/>
-                </a:tc>
-                <a:tc>
-                  <a:txBody>
-                    <a:bodyPr/>
-                    <a:lstStyle/>
-                    <a:p>
-                      <a:r>
-                        <a:rPr lang="en-US"/>
-                        <a:t>xmldatasource</a:t>
+              <a:tr h="308704">
+                <a:tc>
+                  <a:txBody>
+                    <a:bodyPr/>
+                    <a:lstStyle/>
+                    <a:p>
+                      <a:r>
+                        <a:rPr lang="en-US" dirty="0"/>
+                        <a:t>42</a:t>
+                      </a:r>
+                    </a:p>
+                  </a:txBody>
+                  <a:tcPr/>
+                </a:tc>
+                <a:tc>
+                  <a:txBody>
+                    <a:bodyPr/>
+                    <a:lstStyle/>
+                    <a:p>
+                      <a:r>
+                        <a:rPr lang="en-US" dirty="0" err="1"/>
+                        <a:t>nopagebreak</a:t>
                       </a:r>
                       <a:endParaRPr lang="en-US" dirty="0"/>
                     </a:p>
@@ -11878,7 +12712,7 @@
                     <a:p>
                       <a:r>
                         <a:rPr lang="en-US" dirty="0"/>
-                        <a:t>Parse/display  xml format</a:t>
+                        <a:t>All tables without page break</a:t>
                       </a:r>
                     </a:p>
                   </a:txBody>
@@ -11887,6 +12721,561 @@
                 <a:extLst>
                   <a:ext uri="{0D108BD9-81ED-4DB2-BD59-A6C34878D82A}">
                     <a16:rowId xmlns:a16="http://schemas.microsoft.com/office/drawing/2014/main" val="1660790555"/>
+                  </a:ext>
+                </a:extLst>
+              </a:tr>
+              <a:tr h="368993">
+                <a:tc>
+                  <a:txBody>
+                    <a:bodyPr/>
+                    <a:lstStyle/>
+                    <a:p>
+                      <a:r>
+                        <a:rPr lang="en-US" dirty="0"/>
+                        <a:t>43</a:t>
+                      </a:r>
+                    </a:p>
+                  </a:txBody>
+                  <a:tcPr/>
+                </a:tc>
+                <a:tc>
+                  <a:txBody>
+                    <a:bodyPr/>
+                    <a:lstStyle/>
+                    <a:p>
+                      <a:r>
+                        <a:rPr lang="en-US" dirty="0" err="1"/>
+                        <a:t>noreport</a:t>
+                      </a:r>
+                      <a:endParaRPr lang="en-US" dirty="0"/>
+                    </a:p>
+                  </a:txBody>
+                  <a:tcPr/>
+                </a:tc>
+                <a:tc>
+                  <a:txBody>
+                    <a:bodyPr/>
+                    <a:lstStyle/>
+                    <a:p>
+                      <a:r>
+                        <a:rPr lang="en-US" dirty="0"/>
+                        <a:t>OK</a:t>
+                      </a:r>
+                    </a:p>
+                  </a:txBody>
+                  <a:tcPr/>
+                </a:tc>
+                <a:tc>
+                  <a:txBody>
+                    <a:bodyPr/>
+                    <a:lstStyle/>
+                    <a:p>
+                      <a:endParaRPr lang="en-US"/>
+                    </a:p>
+                  </a:txBody>
+                  <a:tcPr/>
+                </a:tc>
+                <a:tc>
+                  <a:txBody>
+                    <a:bodyPr/>
+                    <a:lstStyle/>
+                    <a:p>
+                      <a:endParaRPr lang="en-US"/>
+                    </a:p>
+                  </a:txBody>
+                  <a:tcPr/>
+                </a:tc>
+                <a:extLst>
+                  <a:ext uri="{0D108BD9-81ED-4DB2-BD59-A6C34878D82A}">
+                    <a16:rowId xmlns:a16="http://schemas.microsoft.com/office/drawing/2014/main" val="1614621968"/>
+                  </a:ext>
+                </a:extLst>
+              </a:tr>
+              <a:tr h="368993">
+                <a:tc>
+                  <a:txBody>
+                    <a:bodyPr/>
+                    <a:lstStyle/>
+                    <a:p>
+                      <a:r>
+                        <a:rPr lang="en-US" dirty="0"/>
+                        <a:t>44</a:t>
+                      </a:r>
+                    </a:p>
+                  </a:txBody>
+                  <a:tcPr/>
+                </a:tc>
+                <a:tc>
+                  <a:txBody>
+                    <a:bodyPr/>
+                    <a:lstStyle/>
+                    <a:p>
+                      <a:r>
+                        <a:rPr lang="en-US" dirty="0" err="1"/>
+                        <a:t>noxmldesign</a:t>
+                      </a:r>
+                      <a:endParaRPr lang="en-US" dirty="0"/>
+                    </a:p>
+                  </a:txBody>
+                  <a:tcPr/>
+                </a:tc>
+                <a:tc>
+                  <a:txBody>
+                    <a:bodyPr/>
+                    <a:lstStyle/>
+                    <a:p>
+                      <a:r>
+                        <a:rPr lang="en-US" dirty="0"/>
+                        <a:t>OK</a:t>
+                      </a:r>
+                    </a:p>
+                  </a:txBody>
+                  <a:tcPr/>
+                </a:tc>
+                <a:tc>
+                  <a:txBody>
+                    <a:bodyPr/>
+                    <a:lstStyle/>
+                    <a:p>
+                      <a:endParaRPr lang="en-US"/>
+                    </a:p>
+                  </a:txBody>
+                  <a:tcPr/>
+                </a:tc>
+                <a:tc>
+                  <a:txBody>
+                    <a:bodyPr/>
+                    <a:lstStyle/>
+                    <a:p>
+                      <a:endParaRPr lang="en-US"/>
+                    </a:p>
+                  </a:txBody>
+                  <a:tcPr/>
+                </a:tc>
+                <a:extLst>
+                  <a:ext uri="{0D108BD9-81ED-4DB2-BD59-A6C34878D82A}">
+                    <a16:rowId xmlns:a16="http://schemas.microsoft.com/office/drawing/2014/main" val="665300491"/>
+                  </a:ext>
+                </a:extLst>
+              </a:tr>
+              <a:tr h="368993">
+                <a:tc>
+                  <a:txBody>
+                    <a:bodyPr/>
+                    <a:lstStyle/>
+                    <a:p>
+                      <a:r>
+                        <a:rPr lang="en-US" dirty="0"/>
+                        <a:t>45</a:t>
+                      </a:r>
+                    </a:p>
+                  </a:txBody>
+                  <a:tcPr/>
+                </a:tc>
+                <a:tc>
+                  <a:txBody>
+                    <a:bodyPr/>
+                    <a:lstStyle/>
+                    <a:p>
+                      <a:r>
+                        <a:rPr lang="en-US" dirty="0" err="1"/>
+                        <a:t>openflashchart</a:t>
+                      </a:r>
+                      <a:endParaRPr lang="en-US" dirty="0"/>
+                    </a:p>
+                  </a:txBody>
+                  <a:tcPr/>
+                </a:tc>
+                <a:tc>
+                  <a:txBody>
+                    <a:bodyPr/>
+                    <a:lstStyle/>
+                    <a:p>
+                      <a:r>
+                        <a:rPr lang="en-US" dirty="0"/>
+                        <a:t>OK</a:t>
+                      </a:r>
+                    </a:p>
+                  </a:txBody>
+                  <a:tcPr/>
+                </a:tc>
+                <a:tc>
+                  <a:txBody>
+                    <a:bodyPr/>
+                    <a:lstStyle/>
+                    <a:p>
+                      <a:endParaRPr lang="en-US"/>
+                    </a:p>
+                  </a:txBody>
+                  <a:tcPr/>
+                </a:tc>
+                <a:tc>
+                  <a:txBody>
+                    <a:bodyPr/>
+                    <a:lstStyle/>
+                    <a:p>
+                      <a:r>
+                        <a:rPr lang="en-US" dirty="0"/>
+                        <a:t>Display empty</a:t>
+                      </a:r>
+                    </a:p>
+                  </a:txBody>
+                  <a:tcPr/>
+                </a:tc>
+                <a:extLst>
+                  <a:ext uri="{0D108BD9-81ED-4DB2-BD59-A6C34878D82A}">
+                    <a16:rowId xmlns:a16="http://schemas.microsoft.com/office/drawing/2014/main" val="4230082323"/>
+                  </a:ext>
+                </a:extLst>
+              </a:tr>
+              <a:tr h="368993">
+                <a:tc>
+                  <a:txBody>
+                    <a:bodyPr/>
+                    <a:lstStyle/>
+                    <a:p>
+                      <a:r>
+                        <a:rPr lang="en-US" dirty="0"/>
+                        <a:t>46</a:t>
+                      </a:r>
+                    </a:p>
+                  </a:txBody>
+                  <a:tcPr/>
+                </a:tc>
+                <a:tc>
+                  <a:txBody>
+                    <a:bodyPr/>
+                    <a:lstStyle/>
+                    <a:p>
+                      <a:r>
+                        <a:rPr lang="en-US" dirty="0"/>
+                        <a:t>Paragraphs</a:t>
+                      </a:r>
+                    </a:p>
+                  </a:txBody>
+                  <a:tcPr/>
+                </a:tc>
+                <a:tc>
+                  <a:txBody>
+                    <a:bodyPr/>
+                    <a:lstStyle/>
+                    <a:p>
+                      <a:r>
+                        <a:rPr lang="en-US" dirty="0"/>
+                        <a:t>OK</a:t>
+                      </a:r>
+                    </a:p>
+                  </a:txBody>
+                  <a:tcPr/>
+                </a:tc>
+                <a:tc>
+                  <a:txBody>
+                    <a:bodyPr/>
+                    <a:lstStyle/>
+                    <a:p>
+                      <a:endParaRPr lang="en-US" dirty="0"/>
+                    </a:p>
+                  </a:txBody>
+                  <a:tcPr/>
+                </a:tc>
+                <a:tc>
+                  <a:txBody>
+                    <a:bodyPr/>
+                    <a:lstStyle/>
+                    <a:p>
+                      <a:r>
+                        <a:rPr lang="en-US" dirty="0"/>
+                        <a:t>Multiple Paragraphs with different colors</a:t>
+                      </a:r>
+                    </a:p>
+                  </a:txBody>
+                  <a:tcPr/>
+                </a:tc>
+                <a:extLst>
+                  <a:ext uri="{0D108BD9-81ED-4DB2-BD59-A6C34878D82A}">
+                    <a16:rowId xmlns:a16="http://schemas.microsoft.com/office/drawing/2014/main" val="2715077805"/>
+                  </a:ext>
+                </a:extLst>
+              </a:tr>
+              <a:tr h="368993">
+                <a:tc>
+                  <a:txBody>
+                    <a:bodyPr/>
+                    <a:lstStyle/>
+                    <a:p>
+                      <a:r>
+                        <a:rPr lang="en-US" dirty="0"/>
+                        <a:t>47</a:t>
+                      </a:r>
+                    </a:p>
+                  </a:txBody>
+                  <a:tcPr/>
+                </a:tc>
+                <a:tc>
+                  <a:txBody>
+                    <a:bodyPr/>
+                    <a:lstStyle/>
+                    <a:p>
+                      <a:r>
+                        <a:rPr lang="en-US" dirty="0" err="1"/>
+                        <a:t>Pdfencrypt</a:t>
+                      </a:r>
+                      <a:endParaRPr lang="en-US" dirty="0"/>
+                    </a:p>
+                  </a:txBody>
+                  <a:tcPr/>
+                </a:tc>
+                <a:tc>
+                  <a:txBody>
+                    <a:bodyPr/>
+                    <a:lstStyle/>
+                    <a:p>
+                      <a:r>
+                        <a:rPr lang="en-US" dirty="0"/>
+                        <a:t>OK</a:t>
+                      </a:r>
+                    </a:p>
+                  </a:txBody>
+                  <a:tcPr/>
+                </a:tc>
+                <a:tc>
+                  <a:txBody>
+                    <a:bodyPr/>
+                    <a:lstStyle/>
+                    <a:p>
+                      <a:endParaRPr lang="en-US"/>
+                    </a:p>
+                  </a:txBody>
+                  <a:tcPr/>
+                </a:tc>
+                <a:tc>
+                  <a:txBody>
+                    <a:bodyPr/>
+                    <a:lstStyle/>
+                    <a:p>
+                      <a:r>
+                        <a:rPr lang="en-US" dirty="0"/>
+                        <a:t>Encrypt pdf</a:t>
+                      </a:r>
+                    </a:p>
+                  </a:txBody>
+                  <a:tcPr/>
+                </a:tc>
+                <a:extLst>
+                  <a:ext uri="{0D108BD9-81ED-4DB2-BD59-A6C34878D82A}">
+                    <a16:rowId xmlns:a16="http://schemas.microsoft.com/office/drawing/2014/main" val="1614136013"/>
+                  </a:ext>
+                </a:extLst>
+              </a:tr>
+              <a:tr h="368993">
+                <a:tc>
+                  <a:txBody>
+                    <a:bodyPr/>
+                    <a:lstStyle/>
+                    <a:p>
+                      <a:r>
+                        <a:rPr lang="en-US" dirty="0"/>
+                        <a:t>48</a:t>
+                      </a:r>
+                    </a:p>
+                  </a:txBody>
+                  <a:tcPr/>
+                </a:tc>
+                <a:tc>
+                  <a:txBody>
+                    <a:bodyPr/>
+                    <a:lstStyle/>
+                    <a:p>
+                      <a:r>
+                        <a:rPr lang="en-US" dirty="0" err="1"/>
+                        <a:t>Printservice</a:t>
+                      </a:r>
+                      <a:endParaRPr lang="en-US" dirty="0"/>
+                    </a:p>
+                  </a:txBody>
+                  <a:tcPr/>
+                </a:tc>
+                <a:tc>
+                  <a:txBody>
+                    <a:bodyPr/>
+                    <a:lstStyle/>
+                    <a:p>
+                      <a:r>
+                        <a:rPr lang="en-US" dirty="0"/>
+                        <a:t>OK</a:t>
+                      </a:r>
+                    </a:p>
+                  </a:txBody>
+                  <a:tcPr/>
+                </a:tc>
+                <a:tc>
+                  <a:txBody>
+                    <a:bodyPr/>
+                    <a:lstStyle/>
+                    <a:p>
+                      <a:endParaRPr lang="en-US"/>
+                    </a:p>
+                  </a:txBody>
+                  <a:tcPr/>
+                </a:tc>
+                <a:tc>
+                  <a:txBody>
+                    <a:bodyPr/>
+                    <a:lstStyle/>
+                    <a:p>
+                      <a:r>
+                        <a:rPr lang="en-US" dirty="0"/>
+                        <a:t>Print only. No </a:t>
+                      </a:r>
+                      <a:r>
+                        <a:rPr lang="en-US"/>
+                        <a:t>design compilation.</a:t>
+                      </a:r>
+                    </a:p>
+                  </a:txBody>
+                  <a:tcPr/>
+                </a:tc>
+                <a:extLst>
+                  <a:ext uri="{0D108BD9-81ED-4DB2-BD59-A6C34878D82A}">
+                    <a16:rowId xmlns:a16="http://schemas.microsoft.com/office/drawing/2014/main" val="3027132816"/>
+                  </a:ext>
+                </a:extLst>
+              </a:tr>
+              <a:tr h="368993">
+                <a:tc>
+                  <a:txBody>
+                    <a:bodyPr/>
+                    <a:lstStyle/>
+                    <a:p>
+                      <a:r>
+                        <a:rPr lang="en-US" dirty="0"/>
+                        <a:t>49</a:t>
+                      </a:r>
+                    </a:p>
+                  </a:txBody>
+                  <a:tcPr/>
+                </a:tc>
+                <a:tc>
+                  <a:txBody>
+                    <a:bodyPr/>
+                    <a:lstStyle/>
+                    <a:p>
+                      <a:r>
+                        <a:rPr lang="en-US" dirty="0"/>
+                        <a:t>Query</a:t>
+                      </a:r>
+                    </a:p>
+                  </a:txBody>
+                  <a:tcPr/>
+                </a:tc>
+                <a:tc>
+                  <a:txBody>
+                    <a:bodyPr/>
+                    <a:lstStyle/>
+                    <a:p>
+                      <a:r>
+                        <a:rPr lang="en-US" dirty="0"/>
+                        <a:t>OK</a:t>
+                      </a:r>
+                    </a:p>
+                  </a:txBody>
+                  <a:tcPr/>
+                </a:tc>
+                <a:tc>
+                  <a:txBody>
+                    <a:bodyPr/>
+                    <a:lstStyle/>
+                    <a:p>
+                      <a:endParaRPr lang="en-US"/>
+                    </a:p>
+                  </a:txBody>
+                  <a:tcPr/>
+                </a:tc>
+                <a:tc>
+                  <a:txBody>
+                    <a:bodyPr/>
+                    <a:lstStyle/>
+                    <a:p>
+                      <a:r>
+                        <a:rPr lang="en-US" dirty="0"/>
+                        <a:t>Query</a:t>
+                      </a:r>
+                    </a:p>
+                  </a:txBody>
+                  <a:tcPr/>
+                </a:tc>
+                <a:extLst>
+                  <a:ext uri="{0D108BD9-81ED-4DB2-BD59-A6C34878D82A}">
+                    <a16:rowId xmlns:a16="http://schemas.microsoft.com/office/drawing/2014/main" val="2583647039"/>
+                  </a:ext>
+                </a:extLst>
+              </a:tr>
+              <a:tr h="368993">
+                <a:tc>
+                  <a:txBody>
+                    <a:bodyPr/>
+                    <a:lstStyle/>
+                    <a:p>
+                      <a:r>
+                        <a:rPr lang="en-US" dirty="0"/>
+                        <a:t>50</a:t>
+                      </a:r>
+                    </a:p>
+                  </a:txBody>
+                  <a:tcPr/>
+                </a:tc>
+                <a:tc>
+                  <a:txBody>
+                    <a:bodyPr/>
+                    <a:lstStyle/>
+                    <a:p>
+                      <a:r>
+                        <a:rPr lang="en-US" dirty="0"/>
+                        <a:t>Rotation</a:t>
+                      </a:r>
+                    </a:p>
+                  </a:txBody>
+                  <a:tcPr/>
+                </a:tc>
+                <a:tc>
+                  <a:txBody>
+                    <a:bodyPr/>
+                    <a:lstStyle/>
+                    <a:p>
+                      <a:r>
+                        <a:rPr lang="en-US" dirty="0"/>
+                        <a:t>OK</a:t>
+                      </a:r>
+                    </a:p>
+                  </a:txBody>
+                  <a:tcPr/>
+                </a:tc>
+                <a:tc>
+                  <a:txBody>
+                    <a:bodyPr/>
+                    <a:lstStyle/>
+                    <a:p>
+                      <a:endParaRPr lang="en-US"/>
+                    </a:p>
+                  </a:txBody>
+                  <a:tcPr/>
+                </a:tc>
+                <a:tc>
+                  <a:txBody>
+                    <a:bodyPr/>
+                    <a:lstStyle/>
+                    <a:p>
+                      <a:r>
+                        <a:rPr lang="en-US" dirty="0"/>
+                        <a:t>Paragraph text rotation</a:t>
+                      </a:r>
+                    </a:p>
+                  </a:txBody>
+                  <a:tcPr/>
+                </a:tc>
+                <a:extLst>
+                  <a:ext uri="{0D108BD9-81ED-4DB2-BD59-A6C34878D82A}">
+                    <a16:rowId xmlns:a16="http://schemas.microsoft.com/office/drawing/2014/main" val="3231393431"/>
                   </a:ext>
                 </a:extLst>
               </a:tr>
@@ -11897,7 +13286,7 @@
     </p:spTree>
     <p:extLst>
       <p:ext uri="{BB962C8B-B14F-4D97-AF65-F5344CB8AC3E}">
-        <p14:creationId xmlns:p14="http://schemas.microsoft.com/office/powerpoint/2010/main" val="3301455797"/>
+        <p14:creationId xmlns:p14="http://schemas.microsoft.com/office/powerpoint/2010/main" val="3877883153"/>
       </p:ext>
     </p:extLst>
   </p:cSld>

--- a/15_Ch73_API_Summary.pptx
+++ b/15_Ch73_API_Summary.pptx
@@ -3712,13 +3712,8 @@
                   <a:schemeClr val="tx1"/>
                 </a:solidFill>
               </a:rPr>
-              <a:t>JasperReport API Summary</a:t>
+              <a:t>JasperReport Project Version Comparison (6):</a:t>
             </a:r>
-            <a:endParaRPr lang="en-US" sz="1800" dirty="0">
-              <a:solidFill>
-                <a:schemeClr val="tx1"/>
-              </a:solidFill>
-            </a:endParaRPr>
           </a:p>
         </p:txBody>
       </p:sp>
@@ -4810,13 +4805,8 @@
                   <a:schemeClr val="tx1"/>
                 </a:solidFill>
               </a:rPr>
-              <a:t>JasperReport API Summary</a:t>
+              <a:t>JasperReport Project Version Comparison (7):</a:t>
             </a:r>
-            <a:endParaRPr lang="en-US" sz="1800" dirty="0">
-              <a:solidFill>
-                <a:schemeClr val="tx1"/>
-              </a:solidFill>
-            </a:endParaRPr>
           </a:p>
         </p:txBody>
       </p:sp>
@@ -5952,14 +5942,14 @@
               <a:buChar char="u"/>
             </a:pPr>
             <a:r>
-              <a:rPr lang="en-US" sz="1800" b="1" dirty="0">
+              <a:rPr lang="en-US" sz="1800" b="1">
                 <a:solidFill>
                   <a:schemeClr val="tx1"/>
                 </a:solidFill>
               </a:rPr>
-              <a:t>JasperReport API Summary</a:t>
+              <a:t>JasperReport Project Version Comparison (8):</a:t>
             </a:r>
-            <a:endParaRPr lang="en-US" sz="1800" dirty="0">
+            <a:endParaRPr lang="en-US" sz="1800" b="1" dirty="0">
               <a:solidFill>
                 <a:schemeClr val="tx1"/>
               </a:solidFill>
@@ -7997,7 +7987,7 @@
         <p:spPr>
           <a:xfrm>
             <a:off x="467544" y="1340767"/>
-            <a:ext cx="8136904" cy="288033"/>
+            <a:ext cx="8136904" cy="648073"/>
           </a:xfrm>
           <a:ln>
             <a:solidFill>
@@ -8025,13 +8015,26 @@
                   <a:schemeClr val="tx1"/>
                 </a:solidFill>
               </a:rPr>
-              <a:t>JasperReport API Summary</a:t>
+              <a:t>JasperReport Project Version Comparison (1): </a:t>
             </a:r>
-            <a:endParaRPr lang="en-US" sz="1800" dirty="0">
-              <a:solidFill>
-                <a:schemeClr val="tx1"/>
-              </a:solidFill>
-            </a:endParaRPr>
+          </a:p>
+          <a:p>
+            <a:pPr marL="342900" indent="-342900" algn="l">
+              <a:buClr>
+                <a:srgbClr val="0070C0"/>
+              </a:buClr>
+              <a:buSzPct val="80000"/>
+              <a:buFont typeface="Wingdings" pitchFamily="2" charset="2"/>
+              <a:buChar char="u"/>
+            </a:pPr>
+            <a:r>
+              <a:rPr lang="en-US" sz="1800" dirty="0">
+                <a:solidFill>
+                  <a:schemeClr val="tx1"/>
+                </a:solidFill>
+              </a:rPr>
+              <a:t>OK: Pass, NG: Not Good, NA: Not Available</a:t>
+            </a:r>
           </a:p>
         </p:txBody>
       </p:sp>
@@ -8162,12 +8165,16 @@
             <a:graphicFrameLocks noGrp="1"/>
           </p:cNvGraphicFramePr>
           <p:nvPr>
-            <p:extLst/>
+            <p:extLst>
+              <p:ext uri="{D42A27DB-BD31-4B8C-83A1-F6EECF244321}">
+                <p14:modId xmlns:p14="http://schemas.microsoft.com/office/powerpoint/2010/main" val="2125189906"/>
+              </p:ext>
+            </p:extLst>
           </p:nvPr>
         </p:nvGraphicFramePr>
         <p:xfrm>
-          <a:off x="611560" y="1844824"/>
-          <a:ext cx="8215028" cy="4074160"/>
+          <a:off x="457200" y="2109759"/>
+          <a:ext cx="8564724" cy="4074160"/>
         </p:xfrm>
         <a:graphic>
           <a:graphicData uri="http://schemas.openxmlformats.org/drawingml/2006/table">
@@ -8176,35 +8183,35 @@
                 <a:tableStyleId>{5C22544A-7EE6-4342-B048-85BDC9FD1C3A}</a:tableStyleId>
               </a:tblPr>
               <a:tblGrid>
-                <a:gridCol w="728980">
+                <a:gridCol w="760011">
                   <a:extLst>
                     <a:ext uri="{9D8B030D-6E8A-4147-A177-3AD203B41FA5}">
                       <a16:colId xmlns:a16="http://schemas.microsoft.com/office/drawing/2014/main" val="425712739"/>
                     </a:ext>
                   </a:extLst>
                 </a:gridCol>
-                <a:gridCol w="1812481">
+                <a:gridCol w="1889634">
                   <a:extLst>
                     <a:ext uri="{9D8B030D-6E8A-4147-A177-3AD203B41FA5}">
                       <a16:colId xmlns:a16="http://schemas.microsoft.com/office/drawing/2014/main" val="1870320283"/>
                     </a:ext>
                   </a:extLst>
                 </a:gridCol>
-                <a:gridCol w="703580">
+                <a:gridCol w="733530">
                   <a:extLst>
                     <a:ext uri="{9D8B030D-6E8A-4147-A177-3AD203B41FA5}">
                       <a16:colId xmlns:a16="http://schemas.microsoft.com/office/drawing/2014/main" val="4178682879"/>
                     </a:ext>
                   </a:extLst>
                 </a:gridCol>
-                <a:gridCol w="703580">
+                <a:gridCol w="733530">
                   <a:extLst>
                     <a:ext uri="{9D8B030D-6E8A-4147-A177-3AD203B41FA5}">
                       <a16:colId xmlns:a16="http://schemas.microsoft.com/office/drawing/2014/main" val="3160549755"/>
                     </a:ext>
                   </a:extLst>
                 </a:gridCol>
-                <a:gridCol w="4266407">
+                <a:gridCol w="4448019">
                   <a:extLst>
                     <a:ext uri="{9D8B030D-6E8A-4147-A177-3AD203B41FA5}">
                       <a16:colId xmlns:a16="http://schemas.microsoft.com/office/drawing/2014/main" val="444581452"/>
@@ -8330,17 +8337,23 @@
                     <a:bodyPr/>
                     <a:lstStyle/>
                     <a:p>
-                      <a:endParaRPr lang="en-US"/>
-                    </a:p>
-                  </a:txBody>
-                  <a:tcPr/>
-                </a:tc>
-                <a:tc>
-                  <a:txBody>
-                    <a:bodyPr/>
-                    <a:lstStyle/>
-                    <a:p>
-                      <a:endParaRPr lang="en-US"/>
+                      <a:r>
+                        <a:rPr lang="en-US" dirty="0"/>
+                        <a:t>OK</a:t>
+                      </a:r>
+                    </a:p>
+                  </a:txBody>
+                  <a:tcPr/>
+                </a:tc>
+                <a:tc>
+                  <a:txBody>
+                    <a:bodyPr/>
+                    <a:lstStyle/>
+                    <a:p>
+                      <a:r>
+                        <a:rPr lang="en-US" dirty="0"/>
+                        <a:t>Change design report color</a:t>
+                      </a:r>
                     </a:p>
                   </a:txBody>
                   <a:tcPr/>
@@ -8397,17 +8410,23 @@
                     <a:bodyPr/>
                     <a:lstStyle/>
                     <a:p>
-                      <a:endParaRPr lang="en-US"/>
-                    </a:p>
-                  </a:txBody>
-                  <a:tcPr/>
-                </a:tc>
-                <a:tc>
-                  <a:txBody>
-                    <a:bodyPr/>
-                    <a:lstStyle/>
-                    <a:p>
-                      <a:endParaRPr lang="en-US" dirty="0"/>
+                      <a:r>
+                        <a:rPr lang="en-US" dirty="0"/>
+                        <a:t>OK</a:t>
+                      </a:r>
+                    </a:p>
+                  </a:txBody>
+                  <a:tcPr/>
+                </a:tc>
+                <a:tc>
+                  <a:txBody>
+                    <a:bodyPr/>
+                    <a:lstStyle/>
+                    <a:p>
+                      <a:r>
+                        <a:rPr lang="en-US" dirty="0"/>
+                        <a:t>compile1 (compile)/compile2 (re-compile).</a:t>
+                      </a:r>
                     </a:p>
                   </a:txBody>
                   <a:tcPr/>
@@ -8464,17 +8483,23 @@
                     <a:bodyPr/>
                     <a:lstStyle/>
                     <a:p>
-                      <a:endParaRPr lang="en-US"/>
-                    </a:p>
-                  </a:txBody>
-                  <a:tcPr/>
-                </a:tc>
-                <a:tc>
-                  <a:txBody>
-                    <a:bodyPr/>
-                    <a:lstStyle/>
-                    <a:p>
-                      <a:endParaRPr lang="en-US"/>
+                      <a:r>
+                        <a:rPr lang="en-US" dirty="0"/>
+                        <a:t>OK</a:t>
+                      </a:r>
+                    </a:p>
+                  </a:txBody>
+                  <a:tcPr/>
+                </a:tc>
+                <a:tc>
+                  <a:txBody>
+                    <a:bodyPr/>
+                    <a:lstStyle/>
+                    <a:p>
+                      <a:r>
+                        <a:rPr lang="en-US" dirty="0"/>
+                        <a:t>Update report design update1 and update 2.</a:t>
+                      </a:r>
                     </a:p>
                   </a:txBody>
                   <a:tcPr/>
@@ -8530,17 +8555,23 @@
                     <a:bodyPr/>
                     <a:lstStyle/>
                     <a:p>
-                      <a:endParaRPr lang="en-US" dirty="0"/>
-                    </a:p>
-                  </a:txBody>
-                  <a:tcPr/>
-                </a:tc>
-                <a:tc>
-                  <a:txBody>
-                    <a:bodyPr/>
-                    <a:lstStyle/>
-                    <a:p>
-                      <a:endParaRPr lang="en-US" dirty="0"/>
+                      <a:r>
+                        <a:rPr lang="en-US" dirty="0"/>
+                        <a:t>OK</a:t>
+                      </a:r>
+                    </a:p>
+                  </a:txBody>
+                  <a:tcPr/>
+                </a:tc>
+                <a:tc>
+                  <a:txBody>
+                    <a:bodyPr/>
+                    <a:lstStyle/>
+                    <a:p>
+                      <a:r>
+                        <a:rPr lang="en-US" dirty="0"/>
+                        <a:t>Demo Bar code</a:t>
+                      </a:r>
                     </a:p>
                   </a:txBody>
                   <a:tcPr/>
@@ -8596,17 +8627,23 @@
                     <a:bodyPr/>
                     <a:lstStyle/>
                     <a:p>
-                      <a:endParaRPr lang="en-US"/>
-                    </a:p>
-                  </a:txBody>
-                  <a:tcPr/>
-                </a:tc>
-                <a:tc>
-                  <a:txBody>
-                    <a:bodyPr/>
-                    <a:lstStyle/>
-                    <a:p>
-                      <a:endParaRPr lang="en-US"/>
+                      <a:r>
+                        <a:rPr lang="en-US" dirty="0"/>
+                        <a:t>OK</a:t>
+                      </a:r>
+                    </a:p>
+                  </a:txBody>
+                  <a:tcPr/>
+                </a:tc>
+                <a:tc>
+                  <a:txBody>
+                    <a:bodyPr/>
+                    <a:lstStyle/>
+                    <a:p>
+                      <a:r>
+                        <a:rPr lang="en-US" dirty="0"/>
+                        <a:t>Display Bar code</a:t>
+                      </a:r>
                     </a:p>
                   </a:txBody>
                   <a:tcPr/>
@@ -8663,17 +8700,23 @@
                     <a:bodyPr/>
                     <a:lstStyle/>
                     <a:p>
-                      <a:endParaRPr lang="en-US" dirty="0"/>
-                    </a:p>
-                  </a:txBody>
-                  <a:tcPr/>
-                </a:tc>
-                <a:tc>
-                  <a:txBody>
-                    <a:bodyPr/>
-                    <a:lstStyle/>
-                    <a:p>
-                      <a:endParaRPr lang="en-US" dirty="0"/>
+                      <a:r>
+                        <a:rPr lang="en-US" dirty="0"/>
+                        <a:t>OK</a:t>
+                      </a:r>
+                    </a:p>
+                  </a:txBody>
+                  <a:tcPr/>
+                </a:tc>
+                <a:tc>
+                  <a:txBody>
+                    <a:bodyPr/>
+                    <a:lstStyle/>
+                    <a:p>
+                      <a:r>
+                        <a:rPr lang="en-US" dirty="0"/>
+                        <a:t>Display view1-3. Print PDF, HTML, XLS, etc.</a:t>
+                      </a:r>
                     </a:p>
                   </a:txBody>
                   <a:tcPr/>
@@ -8729,17 +8772,27 @@
                     <a:bodyPr/>
                     <a:lstStyle/>
                     <a:p>
-                      <a:endParaRPr lang="en-US"/>
-                    </a:p>
-                  </a:txBody>
-                  <a:tcPr/>
-                </a:tc>
-                <a:tc>
-                  <a:txBody>
-                    <a:bodyPr/>
-                    <a:lstStyle/>
-                    <a:p>
-                      <a:endParaRPr lang="en-US"/>
+                      <a:r>
+                        <a:rPr lang="en-US" b="1" dirty="0">
+                          <a:solidFill>
+                            <a:srgbClr val="FF0000"/>
+                          </a:solidFill>
+                        </a:rPr>
+                        <a:t>NA</a:t>
+                      </a:r>
+                    </a:p>
+                  </a:txBody>
+                  <a:tcPr/>
+                </a:tc>
+                <a:tc>
+                  <a:txBody>
+                    <a:bodyPr/>
+                    <a:lstStyle/>
+                    <a:p>
+                      <a:r>
+                        <a:rPr lang="en-US" dirty="0"/>
+                        <a:t>Book Table of Content, Tab, charts, and etc.</a:t>
+                      </a:r>
                     </a:p>
                   </a:txBody>
                   <a:tcPr/>
@@ -8796,17 +8849,27 @@
                     <a:bodyPr/>
                     <a:lstStyle/>
                     <a:p>
-                      <a:endParaRPr lang="en-US"/>
-                    </a:p>
-                  </a:txBody>
-                  <a:tcPr/>
-                </a:tc>
-                <a:tc>
-                  <a:txBody>
-                    <a:bodyPr/>
-                    <a:lstStyle/>
-                    <a:p>
-                      <a:endParaRPr lang="en-US"/>
+                      <a:r>
+                        <a:rPr lang="en-US" b="1" dirty="0">
+                          <a:solidFill>
+                            <a:srgbClr val="FF0000"/>
+                          </a:solidFill>
+                        </a:rPr>
+                        <a:t>NA</a:t>
+                      </a:r>
+                    </a:p>
+                  </a:txBody>
+                  <a:tcPr/>
+                </a:tc>
+                <a:tc>
+                  <a:txBody>
+                    <a:bodyPr/>
+                    <a:lstStyle/>
+                    <a:p>
+                      <a:r>
+                        <a:rPr lang="en-US" dirty="0"/>
+                        <a:t>Compose Bar and line chart.</a:t>
+                      </a:r>
                     </a:p>
                   </a:txBody>
                   <a:tcPr/>
@@ -8862,7 +8925,14 @@
                     <a:bodyPr/>
                     <a:lstStyle/>
                     <a:p>
-                      <a:endParaRPr lang="en-US"/>
+                      <a:r>
+                        <a:rPr lang="en-US" b="1" dirty="0">
+                          <a:solidFill>
+                            <a:srgbClr val="FF0000"/>
+                          </a:solidFill>
+                        </a:rPr>
+                        <a:t>NG</a:t>
+                      </a:r>
                     </a:p>
                   </a:txBody>
                   <a:tcPr/>
@@ -8932,7 +9002,10 @@
                     <a:bodyPr/>
                     <a:lstStyle/>
                     <a:p>
-                      <a:endParaRPr lang="en-US" dirty="0"/>
+                      <a:r>
+                        <a:rPr lang="en-US" dirty="0"/>
+                        <a:t>OK</a:t>
+                      </a:r>
                     </a:p>
                   </a:txBody>
                   <a:tcPr/>
@@ -9066,7 +9139,7 @@
         <p:spPr>
           <a:xfrm>
             <a:off x="467544" y="1340767"/>
-            <a:ext cx="8136904" cy="288033"/>
+            <a:ext cx="8136904" cy="398617"/>
           </a:xfrm>
           <a:ln>
             <a:solidFill>
@@ -9094,13 +9167,8 @@
                   <a:schemeClr val="tx1"/>
                 </a:solidFill>
               </a:rPr>
-              <a:t>JasperReport API Summary</a:t>
+              <a:t>JasperReport Project Version Comparison (2):</a:t>
             </a:r>
-            <a:endParaRPr lang="en-US" sz="1800" dirty="0">
-              <a:solidFill>
-                <a:schemeClr val="tx1"/>
-              </a:solidFill>
-            </a:endParaRPr>
           </a:p>
         </p:txBody>
       </p:sp>
@@ -9233,14 +9301,14 @@
           <p:nvPr>
             <p:extLst>
               <p:ext uri="{D42A27DB-BD31-4B8C-83A1-F6EECF244321}">
-                <p14:modId xmlns:p14="http://schemas.microsoft.com/office/powerpoint/2010/main" val="6624341"/>
+                <p14:modId xmlns:p14="http://schemas.microsoft.com/office/powerpoint/2010/main" val="122109268"/>
               </p:ext>
             </p:extLst>
           </p:nvPr>
         </p:nvGraphicFramePr>
         <p:xfrm>
-          <a:off x="611560" y="1783228"/>
-          <a:ext cx="7056784" cy="4079240"/>
+          <a:off x="650565" y="1844824"/>
+          <a:ext cx="7770861" cy="4079240"/>
         </p:xfrm>
         <a:graphic>
           <a:graphicData uri="http://schemas.openxmlformats.org/drawingml/2006/table">
@@ -9249,7 +9317,7 @@
                 <a:tableStyleId>{5C22544A-7EE6-4342-B048-85BDC9FD1C3A}</a:tableStyleId>
               </a:tblPr>
               <a:tblGrid>
-                <a:gridCol w="728980">
+                <a:gridCol w="836904">
                   <a:extLst>
                     <a:ext uri="{9D8B030D-6E8A-4147-A177-3AD203B41FA5}">
                       <a16:colId xmlns:a16="http://schemas.microsoft.com/office/drawing/2014/main" val="425712739"/>
@@ -9263,21 +9331,21 @@
                     </a:ext>
                   </a:extLst>
                 </a:gridCol>
-                <a:gridCol w="1219200">
+                <a:gridCol w="1016356">
                   <a:extLst>
                     <a:ext uri="{9D8B030D-6E8A-4147-A177-3AD203B41FA5}">
                       <a16:colId xmlns:a16="http://schemas.microsoft.com/office/drawing/2014/main" val="4178682879"/>
                     </a:ext>
                   </a:extLst>
                 </a:gridCol>
-                <a:gridCol w="1219200">
+                <a:gridCol w="807744">
                   <a:extLst>
                     <a:ext uri="{9D8B030D-6E8A-4147-A177-3AD203B41FA5}">
                       <a16:colId xmlns:a16="http://schemas.microsoft.com/office/drawing/2014/main" val="3160549755"/>
                     </a:ext>
                   </a:extLst>
                 </a:gridCol>
-                <a:gridCol w="1833464">
+                <a:gridCol w="3053917">
                   <a:extLst>
                     <a:ext uri="{9D8B030D-6E8A-4147-A177-3AD203B41FA5}">
                       <a16:colId xmlns:a16="http://schemas.microsoft.com/office/drawing/2014/main" val="444581452"/>
@@ -9402,7 +9470,14 @@
                     <a:bodyPr/>
                     <a:lstStyle/>
                     <a:p>
-                      <a:endParaRPr lang="en-US"/>
+                      <a:r>
+                        <a:rPr lang="en-US" b="1" dirty="0">
+                          <a:solidFill>
+                            <a:srgbClr val="FF0000"/>
+                          </a:solidFill>
+                        </a:rPr>
+                        <a:t>NG</a:t>
+                      </a:r>
                     </a:p>
                   </a:txBody>
                   <a:tcPr/>
@@ -9447,7 +9522,7 @@
                     <a:p>
                       <a:r>
                         <a:rPr lang="en-US" dirty="0" err="1"/>
-                        <a:t>cvsdatasource</a:t>
+                        <a:t>csvdatasource</a:t>
                       </a:r>
                       <a:endParaRPr lang="en-US" dirty="0"/>
                     </a:p>
@@ -9472,17 +9547,23 @@
                     <a:bodyPr/>
                     <a:lstStyle/>
                     <a:p>
-                      <a:endParaRPr lang="en-US"/>
-                    </a:p>
-                  </a:txBody>
-                  <a:tcPr/>
-                </a:tc>
-                <a:tc>
-                  <a:txBody>
-                    <a:bodyPr/>
-                    <a:lstStyle/>
-                    <a:p>
-                      <a:endParaRPr lang="en-US"/>
+                      <a:r>
+                        <a:rPr lang="en-US" dirty="0"/>
+                        <a:t>OK</a:t>
+                      </a:r>
+                    </a:p>
+                  </a:txBody>
+                  <a:tcPr/>
+                </a:tc>
+                <a:tc>
+                  <a:txBody>
+                    <a:bodyPr/>
+                    <a:lstStyle/>
+                    <a:p>
+                      <a:r>
+                        <a:rPr lang="en-US" dirty="0"/>
+                        <a:t>Address report</a:t>
+                      </a:r>
                     </a:p>
                   </a:txBody>
                   <a:tcPr/>
@@ -9543,17 +9624,24 @@
                     <a:bodyPr/>
                     <a:lstStyle/>
                     <a:p>
-                      <a:endParaRPr lang="en-US"/>
-                    </a:p>
-                  </a:txBody>
-                  <a:tcPr/>
-                </a:tc>
-                <a:tc>
-                  <a:txBody>
-                    <a:bodyPr/>
-                    <a:lstStyle/>
-                    <a:p>
-                      <a:endParaRPr lang="en-US"/>
+                      <a:r>
+                        <a:rPr lang="en-US" b="1" dirty="0">
+                          <a:solidFill>
+                            <a:srgbClr val="FF0000"/>
+                          </a:solidFill>
+                        </a:rPr>
+                        <a:t>NA</a:t>
+                      </a:r>
+                    </a:p>
+                  </a:txBody>
+                  <a:tcPr/>
+                </a:tc>
+                <a:tc>
+                  <a:txBody>
+                    <a:bodyPr/>
+                    <a:lstStyle/>
+                    <a:p>
+                      <a:endParaRPr lang="en-US" dirty="0"/>
                     </a:p>
                   </a:txBody>
                   <a:tcPr/>
@@ -9610,17 +9698,23 @@
                     <a:bodyPr/>
                     <a:lstStyle/>
                     <a:p>
-                      <a:endParaRPr lang="en-US"/>
-                    </a:p>
-                  </a:txBody>
-                  <a:tcPr/>
-                </a:tc>
-                <a:tc>
-                  <a:txBody>
-                    <a:bodyPr/>
-                    <a:lstStyle/>
-                    <a:p>
-                      <a:endParaRPr lang="en-US"/>
+                      <a:r>
+                        <a:rPr lang="en-US" dirty="0"/>
+                        <a:t>OK</a:t>
+                      </a:r>
+                    </a:p>
+                  </a:txBody>
+                  <a:tcPr/>
+                </a:tc>
+                <a:tc>
+                  <a:txBody>
+                    <a:bodyPr/>
+                    <a:lstStyle/>
+                    <a:p>
+                      <a:r>
+                        <a:rPr lang="en-US" dirty="0"/>
+                        <a:t>fill1-3 data source.</a:t>
+                      </a:r>
                     </a:p>
                   </a:txBody>
                   <a:tcPr/>
@@ -9652,7 +9746,7 @@
                     <a:p>
                       <a:r>
                         <a:rPr lang="en-US" dirty="0" err="1"/>
-                        <a:t>datarange</a:t>
+                        <a:t>daterange</a:t>
                       </a:r>
                       <a:endParaRPr lang="en-US" dirty="0"/>
                     </a:p>
@@ -9677,17 +9771,27 @@
                     <a:bodyPr/>
                     <a:lstStyle/>
                     <a:p>
-                      <a:endParaRPr lang="en-US"/>
-                    </a:p>
-                  </a:txBody>
-                  <a:tcPr/>
-                </a:tc>
-                <a:tc>
-                  <a:txBody>
-                    <a:bodyPr/>
-                    <a:lstStyle/>
-                    <a:p>
-                      <a:endParaRPr lang="en-US"/>
+                      <a:r>
+                        <a:rPr lang="en-US" b="1" dirty="0">
+                          <a:solidFill>
+                            <a:srgbClr val="FF0000"/>
+                          </a:solidFill>
+                        </a:rPr>
+                        <a:t>NA</a:t>
+                      </a:r>
+                    </a:p>
+                  </a:txBody>
+                  <a:tcPr/>
+                </a:tc>
+                <a:tc>
+                  <a:txBody>
+                    <a:bodyPr/>
+                    <a:lstStyle/>
+                    <a:p>
+                      <a:r>
+                        <a:rPr lang="en-US" dirty="0"/>
+                        <a:t>Date range report</a:t>
+                      </a:r>
                     </a:p>
                   </a:txBody>
                   <a:tcPr/>
@@ -9744,17 +9848,23 @@
                     <a:bodyPr/>
                     <a:lstStyle/>
                     <a:p>
-                      <a:endParaRPr lang="en-US" dirty="0"/>
-                    </a:p>
-                  </a:txBody>
-                  <a:tcPr/>
-                </a:tc>
-                <a:tc>
-                  <a:txBody>
-                    <a:bodyPr/>
-                    <a:lstStyle/>
-                    <a:p>
-                      <a:endParaRPr lang="en-US" dirty="0"/>
+                      <a:r>
+                        <a:rPr lang="en-US" dirty="0"/>
+                        <a:t>OK</a:t>
+                      </a:r>
+                    </a:p>
+                  </a:txBody>
+                  <a:tcPr/>
+                </a:tc>
+                <a:tc>
+                  <a:txBody>
+                    <a:bodyPr/>
+                    <a:lstStyle/>
+                    <a:p>
+                      <a:r>
+                        <a:rPr lang="en-US" dirty="0"/>
+                        <a:t>Display Movie Database</a:t>
+                      </a:r>
                     </a:p>
                   </a:txBody>
                   <a:tcPr/>
@@ -9811,17 +9921,27 @@
                     <a:bodyPr/>
                     <a:lstStyle/>
                     <a:p>
-                      <a:endParaRPr lang="en-US"/>
-                    </a:p>
-                  </a:txBody>
-                  <a:tcPr/>
-                </a:tc>
-                <a:tc>
-                  <a:txBody>
-                    <a:bodyPr/>
-                    <a:lstStyle/>
-                    <a:p>
-                      <a:endParaRPr lang="en-US"/>
+                      <a:r>
+                        <a:rPr lang="en-US" b="1" dirty="0">
+                          <a:solidFill>
+                            <a:srgbClr val="FF0000"/>
+                          </a:solidFill>
+                        </a:rPr>
+                        <a:t>NA</a:t>
+                      </a:r>
+                    </a:p>
+                  </a:txBody>
+                  <a:tcPr/>
+                </a:tc>
+                <a:tc>
+                  <a:txBody>
+                    <a:bodyPr/>
+                    <a:lstStyle/>
+                    <a:p>
+                      <a:r>
+                        <a:rPr lang="en-US" dirty="0"/>
+                        <a:t>Excel Data Adapter</a:t>
+                      </a:r>
                     </a:p>
                   </a:txBody>
                   <a:tcPr/>
@@ -9877,19 +9997,22 @@
                     <a:bodyPr/>
                     <a:lstStyle/>
                     <a:p>
-                      <a:endParaRPr lang="en-US"/>
-                    </a:p>
-                  </a:txBody>
-                  <a:tcPr/>
-                </a:tc>
-                <a:tc>
-                  <a:txBody>
-                    <a:bodyPr/>
-                    <a:lstStyle/>
-                    <a:p>
-                      <a:r>
-                        <a:rPr lang="en-US" dirty="0"/>
-                        <a:t>Font</a:t>
+                      <a:r>
+                        <a:rPr lang="en-US" dirty="0"/>
+                        <a:t>OK</a:t>
+                      </a:r>
+                    </a:p>
+                  </a:txBody>
+                  <a:tcPr/>
+                </a:tc>
+                <a:tc>
+                  <a:txBody>
+                    <a:bodyPr/>
+                    <a:lstStyle/>
+                    <a:p>
+                      <a:r>
+                        <a:rPr lang="en-US" dirty="0"/>
+                        <a:t>Font Size.</a:t>
                       </a:r>
                     </a:p>
                   </a:txBody>
@@ -9946,7 +10069,10 @@
                     <a:bodyPr/>
                     <a:lstStyle/>
                     <a:p>
-                      <a:endParaRPr lang="en-US"/>
+                      <a:r>
+                        <a:rPr lang="en-US" dirty="0"/>
+                        <a:t>OK</a:t>
+                      </a:r>
                     </a:p>
                   </a:txBody>
                   <a:tcPr/>
@@ -10015,17 +10141,23 @@
                     <a:bodyPr/>
                     <a:lstStyle/>
                     <a:p>
-                      <a:endParaRPr lang="en-US"/>
-                    </a:p>
-                  </a:txBody>
-                  <a:tcPr/>
-                </a:tc>
-                <a:tc>
-                  <a:txBody>
-                    <a:bodyPr/>
-                    <a:lstStyle/>
-                    <a:p>
-                      <a:endParaRPr lang="en-US" dirty="0"/>
+                      <a:r>
+                        <a:rPr lang="en-US" dirty="0"/>
+                        <a:t>OK</a:t>
+                      </a:r>
+                    </a:p>
+                  </a:txBody>
+                  <a:tcPr/>
+                </a:tc>
+                <a:tc>
+                  <a:txBody>
+                    <a:bodyPr/>
+                    <a:lstStyle/>
+                    <a:p>
+                      <a:r>
+                        <a:rPr lang="en-US" dirty="0"/>
+                        <a:t>Display built-in function</a:t>
+                      </a:r>
                     </a:p>
                   </a:txBody>
                   <a:tcPr/>
@@ -10174,13 +10306,8 @@
                   <a:schemeClr val="tx1"/>
                 </a:solidFill>
               </a:rPr>
-              <a:t>JasperReport API Summary</a:t>
+              <a:t>JasperReport Project Version Comparison (3):</a:t>
             </a:r>
-            <a:endParaRPr lang="en-US" sz="1800" dirty="0">
-              <a:solidFill>
-                <a:schemeClr val="tx1"/>
-              </a:solidFill>
-            </a:endParaRPr>
           </a:p>
         </p:txBody>
       </p:sp>
@@ -11239,13 +11366,8 @@
                   <a:schemeClr val="tx1"/>
                 </a:solidFill>
               </a:rPr>
-              <a:t>JasperReport API Summary</a:t>
+              <a:t>JasperReport Project Version Comparison (4):</a:t>
             </a:r>
-            <a:endParaRPr lang="en-US" sz="1800" dirty="0">
-              <a:solidFill>
-                <a:schemeClr val="tx1"/>
-              </a:solidFill>
-            </a:endParaRPr>
           </a:p>
         </p:txBody>
       </p:sp>
@@ -12324,13 +12446,8 @@
                   <a:schemeClr val="tx1"/>
                 </a:solidFill>
               </a:rPr>
-              <a:t>JasperReport API Summary</a:t>
+              <a:t>JasperReport Project Version Comparison (5):</a:t>
             </a:r>
-            <a:endParaRPr lang="en-US" sz="1800" dirty="0">
-              <a:solidFill>
-                <a:schemeClr val="tx1"/>
-              </a:solidFill>
-            </a:endParaRPr>
           </a:p>
         </p:txBody>
       </p:sp>

--- a/15_Ch73_API_Summary.pptx
+++ b/15_Ch73_API_Summary.pptx
@@ -9162,8 +9162,8 @@
         </p:nvSpPr>
         <p:spPr>
           <a:xfrm>
-            <a:off x="467544" y="1340767"/>
-            <a:ext cx="8136904" cy="398617"/>
+            <a:off x="467544" y="1340766"/>
+            <a:ext cx="8136904" cy="1656185"/>
           </a:xfrm>
           <a:ln>
             <a:solidFill>
@@ -9193,6 +9193,70 @@
               </a:rPr>
               <a:t>JasperReport Project Version Comparison (2):</a:t>
             </a:r>
+          </a:p>
+          <a:p>
+            <a:pPr marL="342900" indent="-342900" algn="l">
+              <a:buClr>
+                <a:srgbClr val="0070C0"/>
+              </a:buClr>
+              <a:buSzPct val="80000"/>
+              <a:buFont typeface="Wingdings" pitchFamily="2" charset="2"/>
+              <a:buChar char="u"/>
+            </a:pPr>
+            <a:r>
+              <a:rPr lang="en-US" sz="1800" b="1" dirty="0">
+                <a:solidFill>
+                  <a:schemeClr val="tx1"/>
+                </a:solidFill>
+              </a:rPr>
+              <a:t>Download Version 0.x.x to 4.x.x: </a:t>
+            </a:r>
+            <a:r>
+              <a:rPr lang="en-US" sz="1800" b="1" dirty="0">
+                <a:solidFill>
+                  <a:schemeClr val="tx1"/>
+                </a:solidFill>
+                <a:hlinkClick r:id="rId2"/>
+              </a:rPr>
+              <a:t>https://sourceforge.net/projects/jasperreports/files/archive/</a:t>
+            </a:r>
+            <a:endParaRPr lang="en-US" sz="1800" b="1" dirty="0">
+              <a:solidFill>
+                <a:schemeClr val="tx1"/>
+              </a:solidFill>
+            </a:endParaRPr>
+          </a:p>
+          <a:p>
+            <a:pPr marL="342900" indent="-342900" algn="l">
+              <a:buClr>
+                <a:srgbClr val="0070C0"/>
+              </a:buClr>
+              <a:buSzPct val="80000"/>
+              <a:buFont typeface="Wingdings" pitchFamily="2" charset="2"/>
+              <a:buChar char="u"/>
+            </a:pPr>
+            <a:r>
+              <a:rPr lang="en-US" sz="1800" b="1" dirty="0">
+                <a:solidFill>
+                  <a:schemeClr val="tx1"/>
+                </a:solidFill>
+              </a:rPr>
+              <a:t>Download Version 5.0.0 to 6.7.0: </a:t>
+            </a:r>
+            <a:r>
+              <a:rPr lang="en-US" sz="1800" b="1" dirty="0">
+                <a:solidFill>
+                  <a:schemeClr val="tx1"/>
+                </a:solidFill>
+                <a:hlinkClick r:id="rId3"/>
+              </a:rPr>
+              <a:t>https://sourceforge.net/projects/jasperreports/files/jasperreports/</a:t>
+            </a:r>
+            <a:endParaRPr lang="en-US" sz="1800" b="1" dirty="0">
+              <a:solidFill>
+                <a:schemeClr val="tx1"/>
+              </a:solidFill>
+            </a:endParaRPr>
           </a:p>
         </p:txBody>
       </p:sp>
@@ -9325,13 +9389,13 @@
           <p:nvPr>
             <p:extLst>
               <p:ext uri="{D42A27DB-BD31-4B8C-83A1-F6EECF244321}">
-                <p14:modId xmlns:p14="http://schemas.microsoft.com/office/powerpoint/2010/main" val="3650135685"/>
+                <p14:modId xmlns:p14="http://schemas.microsoft.com/office/powerpoint/2010/main" val="1317743724"/>
               </p:ext>
             </p:extLst>
           </p:nvPr>
         </p:nvGraphicFramePr>
         <p:xfrm>
-          <a:off x="1524000" y="1912684"/>
+          <a:off x="1835696" y="3225202"/>
           <a:ext cx="4031813" cy="1112520"/>
         </p:xfrm>
         <a:graphic>
